--- a/march/week-2/meeting-2/PPT.pptx
+++ b/march/week-2/meeting-2/PPT.pptx
@@ -15,6 +15,7 @@
     <p:sldId id="264" r:id="rId9"/>
     <p:sldId id="265" r:id="rId10"/>
     <p:sldId id="267" r:id="rId11"/>
+    <p:sldId id="268" r:id="rId12"/>
   </p:sldIdLst>
   <p:sldSz cx="12192000" cy="6858000"/>
   <p:notesSz cx="6858000" cy="9144000"/>
@@ -113,6 +114,11 @@
       </a:defRPr>
     </a:lvl9pPr>
   </p:defaultTextStyle>
+  <p:extLst>
+    <p:ext uri="{EFAFB233-063F-42B5-8137-9DF3F51BA10A}">
+      <p15:sldGuideLst xmlns:p15="http://schemas.microsoft.com/office/powerpoint/2012/main"/>
+    </p:ext>
+  </p:extLst>
 </p:presentation>
 </file>
 
@@ -3617,6 +3623,898 @@
 </p:sld>
 </file>
 
+<file path=ppt/slides/slide11.xml><?xml version="1.0" encoding="utf-8"?>
+<p:sld xmlns:a="http://schemas.openxmlformats.org/drawingml/2006/main" xmlns:r="http://schemas.openxmlformats.org/officeDocument/2006/relationships" xmlns:p="http://schemas.openxmlformats.org/presentationml/2006/main">
+  <p:cSld>
+    <p:spTree>
+      <p:nvGrpSpPr>
+        <p:cNvPr id="1" name=""/>
+        <p:cNvGrpSpPr/>
+        <p:nvPr/>
+      </p:nvGrpSpPr>
+      <p:grpSpPr>
+        <a:xfrm>
+          <a:off x="0" y="0"/>
+          <a:ext cx="0" cy="0"/>
+          <a:chOff x="0" y="0"/>
+          <a:chExt cx="0" cy="0"/>
+        </a:xfrm>
+      </p:grpSpPr>
+      <p:sp>
+        <p:nvSpPr>
+          <p:cNvPr id="2" name="TextBox 1">
+            <a:extLst>
+              <a:ext uri="{FF2B5EF4-FFF2-40B4-BE49-F238E27FC236}">
+                <a16:creationId xmlns:a16="http://schemas.microsoft.com/office/drawing/2014/main" id="{A636BD6B-D110-4F51-A8C9-937F168F8C9F}"/>
+              </a:ext>
+            </a:extLst>
+          </p:cNvPr>
+          <p:cNvSpPr txBox="1"/>
+          <p:nvPr/>
+        </p:nvSpPr>
+        <p:spPr>
+          <a:xfrm>
+            <a:off x="5413762" y="1021120"/>
+            <a:ext cx="1364476" cy="338554"/>
+          </a:xfrm>
+          <a:prstGeom prst="rect">
+            <a:avLst/>
+          </a:prstGeom>
+          <a:noFill/>
+        </p:spPr>
+        <p:txBody>
+          <a:bodyPr wrap="none" rtlCol="0">
+            <a:spAutoFit/>
+          </a:bodyPr>
+          <a:lstStyle/>
+          <a:p>
+            <a:r>
+              <a:rPr lang="en-US" sz="1600" dirty="0">
+                <a:latin typeface="Poppins" panose="00000500000000000000" pitchFamily="2" charset="0"/>
+                <a:cs typeface="Poppins" panose="00000500000000000000" pitchFamily="2" charset="0"/>
+              </a:rPr>
+              <a:t>Submission</a:t>
+            </a:r>
+          </a:p>
+        </p:txBody>
+      </p:sp>
+      <p:sp>
+        <p:nvSpPr>
+          <p:cNvPr id="3" name="TextBox 2">
+            <a:extLst>
+              <a:ext uri="{FF2B5EF4-FFF2-40B4-BE49-F238E27FC236}">
+                <a16:creationId xmlns:a16="http://schemas.microsoft.com/office/drawing/2014/main" id="{2C661639-2D96-4B90-A769-840521C14BFE}"/>
+              </a:ext>
+            </a:extLst>
+          </p:cNvPr>
+          <p:cNvSpPr txBox="1"/>
+          <p:nvPr/>
+        </p:nvSpPr>
+        <p:spPr>
+          <a:xfrm>
+            <a:off x="3938799" y="1920895"/>
+            <a:ext cx="5678878" cy="3323987"/>
+          </a:xfrm>
+          <a:prstGeom prst="rect">
+            <a:avLst/>
+          </a:prstGeom>
+          <a:noFill/>
+        </p:spPr>
+        <p:txBody>
+          <a:bodyPr wrap="square" rtlCol="0">
+            <a:spAutoFit/>
+          </a:bodyPr>
+          <a:lstStyle/>
+          <a:p>
+            <a:pPr marL="228600" indent="-228600">
+              <a:buFont typeface="+mj-lt"/>
+              <a:buAutoNum type="arabicPeriod"/>
+            </a:pPr>
+            <a:r>
+              <a:rPr lang="en-US" sz="1000" dirty="0" err="1">
+                <a:latin typeface="Poppins" panose="00000500000000000000" pitchFamily="2" charset="0"/>
+                <a:cs typeface="Poppins" panose="00000500000000000000" pitchFamily="2" charset="0"/>
+              </a:rPr>
+              <a:t>Tema</a:t>
+            </a:r>
+            <a:r>
+              <a:rPr lang="en-US" sz="1000" dirty="0">
+                <a:latin typeface="Poppins" panose="00000500000000000000" pitchFamily="2" charset="0"/>
+                <a:cs typeface="Poppins" panose="00000500000000000000" pitchFamily="2" charset="0"/>
+              </a:rPr>
+              <a:t> </a:t>
+            </a:r>
+            <a:r>
+              <a:rPr lang="en-US" sz="1000" dirty="0" err="1">
+                <a:latin typeface="Poppins" panose="00000500000000000000" pitchFamily="2" charset="0"/>
+                <a:cs typeface="Poppins" panose="00000500000000000000" pitchFamily="2" charset="0"/>
+              </a:rPr>
+              <a:t>bebas</a:t>
+            </a:r>
+            <a:r>
+              <a:rPr lang="en-US" sz="1000" dirty="0">
+                <a:latin typeface="Poppins" panose="00000500000000000000" pitchFamily="2" charset="0"/>
+                <a:cs typeface="Poppins" panose="00000500000000000000" pitchFamily="2" charset="0"/>
+              </a:rPr>
+              <a:t>, </a:t>
+            </a:r>
+            <a:r>
+              <a:rPr lang="en-US" sz="1000" dirty="0" err="1">
+                <a:latin typeface="Poppins" panose="00000500000000000000" pitchFamily="2" charset="0"/>
+                <a:cs typeface="Poppins" panose="00000500000000000000" pitchFamily="2" charset="0"/>
+              </a:rPr>
+              <a:t>boleh</a:t>
+            </a:r>
+            <a:r>
+              <a:rPr lang="en-US" sz="1000" dirty="0">
+                <a:latin typeface="Poppins" panose="00000500000000000000" pitchFamily="2" charset="0"/>
+                <a:cs typeface="Poppins" panose="00000500000000000000" pitchFamily="2" charset="0"/>
+              </a:rPr>
+              <a:t> website </a:t>
+            </a:r>
+            <a:r>
+              <a:rPr lang="en-US" sz="1000" dirty="0" err="1">
+                <a:latin typeface="Poppins" panose="00000500000000000000" pitchFamily="2" charset="0"/>
+                <a:cs typeface="Poppins" panose="00000500000000000000" pitchFamily="2" charset="0"/>
+              </a:rPr>
+              <a:t>apapun</a:t>
+            </a:r>
+            <a:endParaRPr lang="en-US" sz="1000" dirty="0">
+              <a:latin typeface="Poppins" panose="00000500000000000000" pitchFamily="2" charset="0"/>
+              <a:cs typeface="Poppins" panose="00000500000000000000" pitchFamily="2" charset="0"/>
+            </a:endParaRPr>
+          </a:p>
+          <a:p>
+            <a:pPr marL="228600" indent="-228600">
+              <a:buFont typeface="+mj-lt"/>
+              <a:buAutoNum type="arabicPeriod"/>
+            </a:pPr>
+            <a:endParaRPr lang="en-US" sz="1000" dirty="0">
+              <a:latin typeface="Poppins" panose="00000500000000000000" pitchFamily="2" charset="0"/>
+              <a:cs typeface="Poppins" panose="00000500000000000000" pitchFamily="2" charset="0"/>
+            </a:endParaRPr>
+          </a:p>
+          <a:p>
+            <a:pPr marL="228600" indent="-228600">
+              <a:buFont typeface="+mj-lt"/>
+              <a:buAutoNum type="arabicPeriod"/>
+            </a:pPr>
+            <a:r>
+              <a:rPr lang="en-US" sz="1000" dirty="0">
+                <a:latin typeface="Poppins" panose="00000500000000000000" pitchFamily="2" charset="0"/>
+                <a:cs typeface="Poppins" panose="00000500000000000000" pitchFamily="2" charset="0"/>
+              </a:rPr>
+              <a:t>Website </a:t>
+            </a:r>
+            <a:r>
+              <a:rPr lang="en-US" sz="1000" dirty="0" err="1">
+                <a:latin typeface="Poppins" panose="00000500000000000000" pitchFamily="2" charset="0"/>
+                <a:cs typeface="Poppins" panose="00000500000000000000" pitchFamily="2" charset="0"/>
+              </a:rPr>
+              <a:t>memiliki</a:t>
+            </a:r>
+            <a:r>
+              <a:rPr lang="en-US" sz="1000" dirty="0">
+                <a:latin typeface="Poppins" panose="00000500000000000000" pitchFamily="2" charset="0"/>
+                <a:cs typeface="Poppins" panose="00000500000000000000" pitchFamily="2" charset="0"/>
+              </a:rPr>
+              <a:t> </a:t>
+            </a:r>
+            <a:r>
+              <a:rPr lang="en-US" sz="1000" dirty="0" err="1">
+                <a:latin typeface="Poppins" panose="00000500000000000000" pitchFamily="2" charset="0"/>
+                <a:cs typeface="Poppins" panose="00000500000000000000" pitchFamily="2" charset="0"/>
+              </a:rPr>
+              <a:t>struktur</a:t>
+            </a:r>
+            <a:r>
+              <a:rPr lang="en-US" sz="1000" dirty="0">
+                <a:latin typeface="Poppins" panose="00000500000000000000" pitchFamily="2" charset="0"/>
+                <a:cs typeface="Poppins" panose="00000500000000000000" pitchFamily="2" charset="0"/>
+              </a:rPr>
+              <a:t> folder </a:t>
+            </a:r>
+            <a:r>
+              <a:rPr lang="en-US" sz="1000" dirty="0" err="1">
+                <a:latin typeface="Poppins" panose="00000500000000000000" pitchFamily="2" charset="0"/>
+                <a:cs typeface="Poppins" panose="00000500000000000000" pitchFamily="2" charset="0"/>
+              </a:rPr>
+              <a:t>js,css,html</a:t>
+            </a:r>
+            <a:endParaRPr lang="en-US" sz="1000" dirty="0">
+              <a:latin typeface="Poppins" panose="00000500000000000000" pitchFamily="2" charset="0"/>
+              <a:cs typeface="Poppins" panose="00000500000000000000" pitchFamily="2" charset="0"/>
+            </a:endParaRPr>
+          </a:p>
+          <a:p>
+            <a:pPr marL="228600" indent="-228600">
+              <a:buFont typeface="+mj-lt"/>
+              <a:buAutoNum type="arabicPeriod"/>
+            </a:pPr>
+            <a:endParaRPr lang="en-US" sz="1000" dirty="0">
+              <a:latin typeface="Poppins" panose="00000500000000000000" pitchFamily="2" charset="0"/>
+              <a:cs typeface="Poppins" panose="00000500000000000000" pitchFamily="2" charset="0"/>
+            </a:endParaRPr>
+          </a:p>
+          <a:p>
+            <a:pPr marL="228600" indent="-228600">
+              <a:buFont typeface="+mj-lt"/>
+              <a:buAutoNum type="arabicPeriod"/>
+            </a:pPr>
+            <a:r>
+              <a:rPr lang="en-US" sz="1000" dirty="0">
+                <a:latin typeface="Poppins" panose="00000500000000000000" pitchFamily="2" charset="0"/>
+                <a:cs typeface="Poppins" panose="00000500000000000000" pitchFamily="2" charset="0"/>
+              </a:rPr>
+              <a:t>Functional + DOM</a:t>
+            </a:r>
+          </a:p>
+          <a:p>
+            <a:pPr marL="228600" indent="-228600">
+              <a:buFont typeface="+mj-lt"/>
+              <a:buAutoNum type="arabicPeriod"/>
+            </a:pPr>
+            <a:endParaRPr lang="en-US" sz="1000" dirty="0">
+              <a:latin typeface="Poppins" panose="00000500000000000000" pitchFamily="2" charset="0"/>
+              <a:cs typeface="Poppins" panose="00000500000000000000" pitchFamily="2" charset="0"/>
+            </a:endParaRPr>
+          </a:p>
+          <a:p>
+            <a:pPr marL="228600" indent="-228600">
+              <a:buFont typeface="+mj-lt"/>
+              <a:buAutoNum type="arabicPeriod"/>
+            </a:pPr>
+            <a:r>
+              <a:rPr lang="en-US" sz="1000" dirty="0" err="1">
+                <a:latin typeface="Poppins" panose="00000500000000000000" pitchFamily="2" charset="0"/>
+                <a:cs typeface="Poppins" panose="00000500000000000000" pitchFamily="2" charset="0"/>
+              </a:rPr>
+              <a:t>Dikerjakan</a:t>
+            </a:r>
+            <a:r>
+              <a:rPr lang="en-US" sz="1000" dirty="0">
+                <a:latin typeface="Poppins" panose="00000500000000000000" pitchFamily="2" charset="0"/>
+                <a:cs typeface="Poppins" panose="00000500000000000000" pitchFamily="2" charset="0"/>
+              </a:rPr>
+              <a:t> oleh 2 orang </a:t>
+            </a:r>
+            <a:r>
+              <a:rPr lang="en-US" sz="1000" dirty="0" err="1">
+                <a:latin typeface="Poppins" panose="00000500000000000000" pitchFamily="2" charset="0"/>
+                <a:cs typeface="Poppins" panose="00000500000000000000" pitchFamily="2" charset="0"/>
+              </a:rPr>
+              <a:t>kalau</a:t>
+            </a:r>
+            <a:r>
+              <a:rPr lang="en-US" sz="1000" dirty="0">
+                <a:latin typeface="Poppins" panose="00000500000000000000" pitchFamily="2" charset="0"/>
+                <a:cs typeface="Poppins" panose="00000500000000000000" pitchFamily="2" charset="0"/>
+              </a:rPr>
+              <a:t> </a:t>
+            </a:r>
+            <a:r>
+              <a:rPr lang="en-US" sz="1000" dirty="0" err="1">
+                <a:latin typeface="Poppins" panose="00000500000000000000" pitchFamily="2" charset="0"/>
+                <a:cs typeface="Poppins" panose="00000500000000000000" pitchFamily="2" charset="0"/>
+              </a:rPr>
+              <a:t>mau</a:t>
+            </a:r>
+            <a:r>
+              <a:rPr lang="en-US" sz="1000" dirty="0">
+                <a:latin typeface="Poppins" panose="00000500000000000000" pitchFamily="2" charset="0"/>
+                <a:cs typeface="Poppins" panose="00000500000000000000" pitchFamily="2" charset="0"/>
+              </a:rPr>
+              <a:t> </a:t>
+            </a:r>
+            <a:r>
+              <a:rPr lang="en-US" sz="1000" dirty="0" err="1">
+                <a:latin typeface="Poppins" panose="00000500000000000000" pitchFamily="2" charset="0"/>
+                <a:cs typeface="Poppins" panose="00000500000000000000" pitchFamily="2" charset="0"/>
+              </a:rPr>
+              <a:t>sendiri</a:t>
+            </a:r>
+            <a:r>
+              <a:rPr lang="en-US" sz="1000" dirty="0">
+                <a:latin typeface="Poppins" panose="00000500000000000000" pitchFamily="2" charset="0"/>
+                <a:cs typeface="Poppins" panose="00000500000000000000" pitchFamily="2" charset="0"/>
+              </a:rPr>
+              <a:t> juga </a:t>
+            </a:r>
+            <a:r>
+              <a:rPr lang="en-US" sz="1000" dirty="0" err="1">
+                <a:latin typeface="Poppins" panose="00000500000000000000" pitchFamily="2" charset="0"/>
+                <a:cs typeface="Poppins" panose="00000500000000000000" pitchFamily="2" charset="0"/>
+              </a:rPr>
+              <a:t>boleh</a:t>
+            </a:r>
+            <a:r>
+              <a:rPr lang="en-US" sz="1000" dirty="0">
+                <a:latin typeface="Poppins" panose="00000500000000000000" pitchFamily="2" charset="0"/>
+                <a:cs typeface="Poppins" panose="00000500000000000000" pitchFamily="2" charset="0"/>
+              </a:rPr>
+              <a:t> :V</a:t>
+            </a:r>
+          </a:p>
+          <a:p>
+            <a:pPr marL="228600" indent="-228600">
+              <a:buFont typeface="+mj-lt"/>
+              <a:buAutoNum type="arabicPeriod"/>
+            </a:pPr>
+            <a:endParaRPr lang="en-US" sz="1000" dirty="0">
+              <a:latin typeface="Poppins" panose="00000500000000000000" pitchFamily="2" charset="0"/>
+              <a:cs typeface="Poppins" panose="00000500000000000000" pitchFamily="2" charset="0"/>
+            </a:endParaRPr>
+          </a:p>
+          <a:p>
+            <a:pPr marL="228600" indent="-228600">
+              <a:buFont typeface="+mj-lt"/>
+              <a:buAutoNum type="arabicPeriod"/>
+            </a:pPr>
+            <a:r>
+              <a:rPr lang="en-US" sz="1000" dirty="0" err="1">
+                <a:latin typeface="Poppins" panose="00000500000000000000" pitchFamily="2" charset="0"/>
+                <a:cs typeface="Poppins" panose="00000500000000000000" pitchFamily="2" charset="0"/>
+              </a:rPr>
+              <a:t>Diskusikan</a:t>
+            </a:r>
+            <a:r>
+              <a:rPr lang="en-US" sz="1000" dirty="0">
+                <a:latin typeface="Poppins" panose="00000500000000000000" pitchFamily="2" charset="0"/>
+                <a:cs typeface="Poppins" panose="00000500000000000000" pitchFamily="2" charset="0"/>
+              </a:rPr>
+              <a:t> Bersama </a:t>
+            </a:r>
+            <a:r>
+              <a:rPr lang="en-US" sz="1000" dirty="0" err="1">
+                <a:latin typeface="Poppins" panose="00000500000000000000" pitchFamily="2" charset="0"/>
+                <a:cs typeface="Poppins" panose="00000500000000000000" pitchFamily="2" charset="0"/>
+              </a:rPr>
+              <a:t>digrub</a:t>
+            </a:r>
+            <a:r>
+              <a:rPr lang="en-US" sz="1000" dirty="0">
+                <a:latin typeface="Poppins" panose="00000500000000000000" pitchFamily="2" charset="0"/>
+                <a:cs typeface="Poppins" panose="00000500000000000000" pitchFamily="2" charset="0"/>
+              </a:rPr>
+              <a:t> </a:t>
+            </a:r>
+            <a:r>
+              <a:rPr lang="en-US" sz="1000" dirty="0" err="1">
+                <a:latin typeface="Poppins" panose="00000500000000000000" pitchFamily="2" charset="0"/>
+                <a:cs typeface="Poppins" panose="00000500000000000000" pitchFamily="2" charset="0"/>
+              </a:rPr>
+              <a:t>jika</a:t>
+            </a:r>
+            <a:r>
+              <a:rPr lang="en-US" sz="1000" dirty="0">
+                <a:latin typeface="Poppins" panose="00000500000000000000" pitchFamily="2" charset="0"/>
+                <a:cs typeface="Poppins" panose="00000500000000000000" pitchFamily="2" charset="0"/>
+              </a:rPr>
+              <a:t> </a:t>
+            </a:r>
+            <a:r>
+              <a:rPr lang="en-US" sz="1000" dirty="0" err="1">
+                <a:latin typeface="Poppins" panose="00000500000000000000" pitchFamily="2" charset="0"/>
+                <a:cs typeface="Poppins" panose="00000500000000000000" pitchFamily="2" charset="0"/>
+              </a:rPr>
+              <a:t>ada</a:t>
+            </a:r>
+            <a:r>
+              <a:rPr lang="en-US" sz="1000" dirty="0">
+                <a:latin typeface="Poppins" panose="00000500000000000000" pitchFamily="2" charset="0"/>
+                <a:cs typeface="Poppins" panose="00000500000000000000" pitchFamily="2" charset="0"/>
+              </a:rPr>
+              <a:t> </a:t>
+            </a:r>
+            <a:r>
+              <a:rPr lang="en-US" sz="1000" dirty="0" err="1">
+                <a:latin typeface="Poppins" panose="00000500000000000000" pitchFamily="2" charset="0"/>
+                <a:cs typeface="Poppins" panose="00000500000000000000" pitchFamily="2" charset="0"/>
+              </a:rPr>
+              <a:t>kendala</a:t>
+            </a:r>
+            <a:endParaRPr lang="en-US" sz="1000" dirty="0">
+              <a:latin typeface="Poppins" panose="00000500000000000000" pitchFamily="2" charset="0"/>
+              <a:cs typeface="Poppins" panose="00000500000000000000" pitchFamily="2" charset="0"/>
+            </a:endParaRPr>
+          </a:p>
+          <a:p>
+            <a:pPr marL="228600" indent="-228600">
+              <a:buFont typeface="+mj-lt"/>
+              <a:buAutoNum type="arabicPeriod"/>
+            </a:pPr>
+            <a:endParaRPr lang="en-US" sz="1000" dirty="0">
+              <a:latin typeface="Poppins" panose="00000500000000000000" pitchFamily="2" charset="0"/>
+              <a:cs typeface="Poppins" panose="00000500000000000000" pitchFamily="2" charset="0"/>
+            </a:endParaRPr>
+          </a:p>
+          <a:p>
+            <a:pPr marL="228600" indent="-228600">
+              <a:buFont typeface="+mj-lt"/>
+              <a:buAutoNum type="arabicPeriod"/>
+            </a:pPr>
+            <a:r>
+              <a:rPr lang="en-US" sz="1000" dirty="0" err="1">
+                <a:latin typeface="Poppins" panose="00000500000000000000" pitchFamily="2" charset="0"/>
+                <a:cs typeface="Poppins" panose="00000500000000000000" pitchFamily="2" charset="0"/>
+              </a:rPr>
+              <a:t>Tidak</a:t>
+            </a:r>
+            <a:r>
+              <a:rPr lang="en-US" sz="1000" dirty="0">
+                <a:latin typeface="Poppins" panose="00000500000000000000" pitchFamily="2" charset="0"/>
+                <a:cs typeface="Poppins" panose="00000500000000000000" pitchFamily="2" charset="0"/>
+              </a:rPr>
+              <a:t> </a:t>
+            </a:r>
+            <a:r>
+              <a:rPr lang="en-US" sz="1000" dirty="0" err="1">
+                <a:latin typeface="Poppins" panose="00000500000000000000" pitchFamily="2" charset="0"/>
+                <a:cs typeface="Poppins" panose="00000500000000000000" pitchFamily="2" charset="0"/>
+              </a:rPr>
+              <a:t>dikerjakan</a:t>
+            </a:r>
+            <a:r>
+              <a:rPr lang="en-US" sz="1000" dirty="0">
+                <a:latin typeface="Poppins" panose="00000500000000000000" pitchFamily="2" charset="0"/>
+                <a:cs typeface="Poppins" panose="00000500000000000000" pitchFamily="2" charset="0"/>
+              </a:rPr>
+              <a:t> juga </a:t>
+            </a:r>
+            <a:r>
+              <a:rPr lang="en-US" sz="1000" dirty="0" err="1">
+                <a:latin typeface="Poppins" panose="00000500000000000000" pitchFamily="2" charset="0"/>
+                <a:cs typeface="Poppins" panose="00000500000000000000" pitchFamily="2" charset="0"/>
+              </a:rPr>
+              <a:t>gapapa</a:t>
+            </a:r>
+            <a:r>
+              <a:rPr lang="en-US" sz="1000" dirty="0">
+                <a:latin typeface="Poppins" panose="00000500000000000000" pitchFamily="2" charset="0"/>
+                <a:cs typeface="Poppins" panose="00000500000000000000" pitchFamily="2" charset="0"/>
+              </a:rPr>
+              <a:t>, </a:t>
+            </a:r>
+            <a:r>
+              <a:rPr lang="en-US" sz="1000" dirty="0" err="1">
+                <a:latin typeface="Poppins" panose="00000500000000000000" pitchFamily="2" charset="0"/>
+                <a:cs typeface="Poppins" panose="00000500000000000000" pitchFamily="2" charset="0"/>
+              </a:rPr>
+              <a:t>tidak</a:t>
+            </a:r>
+            <a:r>
+              <a:rPr lang="en-US" sz="1000" dirty="0">
+                <a:latin typeface="Poppins" panose="00000500000000000000" pitchFamily="2" charset="0"/>
+                <a:cs typeface="Poppins" panose="00000500000000000000" pitchFamily="2" charset="0"/>
+              </a:rPr>
+              <a:t> </a:t>
+            </a:r>
+            <a:r>
+              <a:rPr lang="en-US" sz="1000" dirty="0" err="1">
+                <a:latin typeface="Poppins" panose="00000500000000000000" pitchFamily="2" charset="0"/>
+                <a:cs typeface="Poppins" panose="00000500000000000000" pitchFamily="2" charset="0"/>
+              </a:rPr>
+              <a:t>dinilai</a:t>
+            </a:r>
+            <a:r>
+              <a:rPr lang="en-US" sz="1000" dirty="0">
+                <a:latin typeface="Poppins" panose="00000500000000000000" pitchFamily="2" charset="0"/>
+                <a:cs typeface="Poppins" panose="00000500000000000000" pitchFamily="2" charset="0"/>
+              </a:rPr>
+              <a:t>, </a:t>
+            </a:r>
+            <a:r>
+              <a:rPr lang="en-US" sz="1000" dirty="0" err="1">
+                <a:latin typeface="Poppins" panose="00000500000000000000" pitchFamily="2" charset="0"/>
+                <a:cs typeface="Poppins" panose="00000500000000000000" pitchFamily="2" charset="0"/>
+              </a:rPr>
+              <a:t>sebagai</a:t>
+            </a:r>
+            <a:r>
+              <a:rPr lang="en-US" sz="1000" dirty="0">
+                <a:latin typeface="Poppins" panose="00000500000000000000" pitchFamily="2" charset="0"/>
+                <a:cs typeface="Poppins" panose="00000500000000000000" pitchFamily="2" charset="0"/>
+              </a:rPr>
+              <a:t> </a:t>
+            </a:r>
+            <a:r>
+              <a:rPr lang="en-US" sz="1000" dirty="0" err="1">
+                <a:latin typeface="Poppins" panose="00000500000000000000" pitchFamily="2" charset="0"/>
+                <a:cs typeface="Poppins" panose="00000500000000000000" pitchFamily="2" charset="0"/>
+              </a:rPr>
+              <a:t>bahan</a:t>
+            </a:r>
+            <a:r>
+              <a:rPr lang="en-US" sz="1000" dirty="0">
+                <a:latin typeface="Poppins" panose="00000500000000000000" pitchFamily="2" charset="0"/>
+                <a:cs typeface="Poppins" panose="00000500000000000000" pitchFamily="2" charset="0"/>
+              </a:rPr>
+              <a:t> </a:t>
+            </a:r>
+            <a:r>
+              <a:rPr lang="en-US" sz="1000" dirty="0" err="1">
+                <a:latin typeface="Poppins" panose="00000500000000000000" pitchFamily="2" charset="0"/>
+                <a:cs typeface="Poppins" panose="00000500000000000000" pitchFamily="2" charset="0"/>
+              </a:rPr>
+              <a:t>diskusi</a:t>
+            </a:r>
+            <a:r>
+              <a:rPr lang="en-US" sz="1000" dirty="0">
+                <a:latin typeface="Poppins" panose="00000500000000000000" pitchFamily="2" charset="0"/>
+                <a:cs typeface="Poppins" panose="00000500000000000000" pitchFamily="2" charset="0"/>
+              </a:rPr>
+              <a:t>  :V</a:t>
+            </a:r>
+          </a:p>
+          <a:p>
+            <a:pPr marL="228600" indent="-228600">
+              <a:buFont typeface="+mj-lt"/>
+              <a:buAutoNum type="arabicPeriod"/>
+            </a:pPr>
+            <a:endParaRPr lang="en-US" sz="1000" dirty="0">
+              <a:latin typeface="Poppins" panose="00000500000000000000" pitchFamily="2" charset="0"/>
+              <a:cs typeface="Poppins" panose="00000500000000000000" pitchFamily="2" charset="0"/>
+            </a:endParaRPr>
+          </a:p>
+          <a:p>
+            <a:pPr marL="228600" indent="-228600">
+              <a:buFont typeface="+mj-lt"/>
+              <a:buAutoNum type="arabicPeriod"/>
+            </a:pPr>
+            <a:r>
+              <a:rPr lang="en-US" sz="1000" dirty="0" err="1">
+                <a:latin typeface="Poppins" panose="00000500000000000000" pitchFamily="2" charset="0"/>
+                <a:cs typeface="Poppins" panose="00000500000000000000" pitchFamily="2" charset="0"/>
+              </a:rPr>
+              <a:t>Minggu</a:t>
+            </a:r>
+            <a:r>
+              <a:rPr lang="en-US" sz="1000" dirty="0">
+                <a:latin typeface="Poppins" panose="00000500000000000000" pitchFamily="2" charset="0"/>
+                <a:cs typeface="Poppins" panose="00000500000000000000" pitchFamily="2" charset="0"/>
+              </a:rPr>
+              <a:t> ke-3 </a:t>
+            </a:r>
+            <a:r>
+              <a:rPr lang="en-US" sz="1000" dirty="0" err="1">
+                <a:latin typeface="Poppins" panose="00000500000000000000" pitchFamily="2" charset="0"/>
+                <a:cs typeface="Poppins" panose="00000500000000000000" pitchFamily="2" charset="0"/>
+              </a:rPr>
+              <a:t>silahkan</a:t>
+            </a:r>
+            <a:r>
+              <a:rPr lang="en-US" sz="1000" dirty="0">
+                <a:latin typeface="Poppins" panose="00000500000000000000" pitchFamily="2" charset="0"/>
+                <a:cs typeface="Poppins" panose="00000500000000000000" pitchFamily="2" charset="0"/>
+              </a:rPr>
+              <a:t> </a:t>
+            </a:r>
+            <a:r>
+              <a:rPr lang="en-US" sz="1000" dirty="0" err="1">
+                <a:latin typeface="Poppins" panose="00000500000000000000" pitchFamily="2" charset="0"/>
+                <a:cs typeface="Poppins" panose="00000500000000000000" pitchFamily="2" charset="0"/>
+              </a:rPr>
+              <a:t>bahas</a:t>
+            </a:r>
+            <a:r>
+              <a:rPr lang="en-US" sz="1000" dirty="0">
+                <a:latin typeface="Poppins" panose="00000500000000000000" pitchFamily="2" charset="0"/>
+                <a:cs typeface="Poppins" panose="00000500000000000000" pitchFamily="2" charset="0"/>
+              </a:rPr>
+              <a:t> di meeting, code </a:t>
+            </a:r>
+            <a:r>
+              <a:rPr lang="en-US" sz="1000" dirty="0" err="1">
+                <a:latin typeface="Poppins" panose="00000500000000000000" pitchFamily="2" charset="0"/>
+                <a:cs typeface="Poppins" panose="00000500000000000000" pitchFamily="2" charset="0"/>
+              </a:rPr>
+              <a:t>nya</a:t>
+            </a:r>
+            <a:r>
+              <a:rPr lang="en-US" sz="1000" dirty="0">
+                <a:latin typeface="Poppins" panose="00000500000000000000" pitchFamily="2" charset="0"/>
+                <a:cs typeface="Poppins" panose="00000500000000000000" pitchFamily="2" charset="0"/>
+              </a:rPr>
+              <a:t> </a:t>
+            </a:r>
+            <a:r>
+              <a:rPr lang="en-US" sz="1000" dirty="0" err="1">
+                <a:latin typeface="Poppins" panose="00000500000000000000" pitchFamily="2" charset="0"/>
+                <a:cs typeface="Poppins" panose="00000500000000000000" pitchFamily="2" charset="0"/>
+              </a:rPr>
+              <a:t>bukan</a:t>
+            </a:r>
+            <a:r>
+              <a:rPr lang="en-US" sz="1000" dirty="0">
+                <a:latin typeface="Poppins" panose="00000500000000000000" pitchFamily="2" charset="0"/>
+                <a:cs typeface="Poppins" panose="00000500000000000000" pitchFamily="2" charset="0"/>
+              </a:rPr>
+              <a:t> </a:t>
+            </a:r>
+            <a:r>
+              <a:rPr lang="en-US" sz="1000" dirty="0" err="1">
+                <a:latin typeface="Poppins" panose="00000500000000000000" pitchFamily="2" charset="0"/>
+                <a:cs typeface="Poppins" panose="00000500000000000000" pitchFamily="2" charset="0"/>
+              </a:rPr>
+              <a:t>hasilnya</a:t>
+            </a:r>
+            <a:r>
+              <a:rPr lang="en-US" sz="1000" dirty="0">
+                <a:latin typeface="Poppins" panose="00000500000000000000" pitchFamily="2" charset="0"/>
+                <a:cs typeface="Poppins" panose="00000500000000000000" pitchFamily="2" charset="0"/>
+              </a:rPr>
+              <a:t> :V</a:t>
+            </a:r>
+          </a:p>
+          <a:p>
+            <a:pPr marL="228600" indent="-228600">
+              <a:buFont typeface="+mj-lt"/>
+              <a:buAutoNum type="arabicPeriod"/>
+            </a:pPr>
+            <a:endParaRPr lang="en-US" sz="1000" dirty="0">
+              <a:latin typeface="Poppins" panose="00000500000000000000" pitchFamily="2" charset="0"/>
+              <a:cs typeface="Poppins" panose="00000500000000000000" pitchFamily="2" charset="0"/>
+            </a:endParaRPr>
+          </a:p>
+          <a:p>
+            <a:pPr marL="228600" indent="-228600">
+              <a:buFont typeface="+mj-lt"/>
+              <a:buAutoNum type="arabicPeriod"/>
+            </a:pPr>
+            <a:r>
+              <a:rPr lang="en-US" sz="1000" dirty="0" err="1">
+                <a:latin typeface="Poppins" panose="00000500000000000000" pitchFamily="2" charset="0"/>
+                <a:cs typeface="Poppins" panose="00000500000000000000" pitchFamily="2" charset="0"/>
+              </a:rPr>
+              <a:t>Tujuannya</a:t>
+            </a:r>
+            <a:r>
+              <a:rPr lang="en-US" sz="1000" dirty="0">
+                <a:latin typeface="Poppins" panose="00000500000000000000" pitchFamily="2" charset="0"/>
+                <a:cs typeface="Poppins" panose="00000500000000000000" pitchFamily="2" charset="0"/>
+              </a:rPr>
+              <a:t> </a:t>
+            </a:r>
+            <a:r>
+              <a:rPr lang="en-US" sz="1000" dirty="0" err="1">
+                <a:latin typeface="Poppins" panose="00000500000000000000" pitchFamily="2" charset="0"/>
+                <a:cs typeface="Poppins" panose="00000500000000000000" pitchFamily="2" charset="0"/>
+              </a:rPr>
+              <a:t>supaya</a:t>
+            </a:r>
+            <a:r>
+              <a:rPr lang="en-US" sz="1000" dirty="0">
+                <a:latin typeface="Poppins" panose="00000500000000000000" pitchFamily="2" charset="0"/>
+                <a:cs typeface="Poppins" panose="00000500000000000000" pitchFamily="2" charset="0"/>
+              </a:rPr>
+              <a:t> </a:t>
+            </a:r>
+            <a:r>
+              <a:rPr lang="en-US" sz="1000" dirty="0" err="1">
+                <a:latin typeface="Poppins" panose="00000500000000000000" pitchFamily="2" charset="0"/>
+                <a:cs typeface="Poppins" panose="00000500000000000000" pitchFamily="2" charset="0"/>
+              </a:rPr>
+              <a:t>kita</a:t>
+            </a:r>
+            <a:r>
+              <a:rPr lang="en-US" sz="1000" dirty="0">
+                <a:latin typeface="Poppins" panose="00000500000000000000" pitchFamily="2" charset="0"/>
+                <a:cs typeface="Poppins" panose="00000500000000000000" pitchFamily="2" charset="0"/>
+              </a:rPr>
+              <a:t> </a:t>
+            </a:r>
+            <a:r>
+              <a:rPr lang="en-US" sz="1000" dirty="0" err="1">
+                <a:latin typeface="Poppins" panose="00000500000000000000" pitchFamily="2" charset="0"/>
+                <a:cs typeface="Poppins" panose="00000500000000000000" pitchFamily="2" charset="0"/>
+              </a:rPr>
+              <a:t>dapat</a:t>
+            </a:r>
+            <a:r>
+              <a:rPr lang="en-US" sz="1000" dirty="0">
+                <a:latin typeface="Poppins" panose="00000500000000000000" pitchFamily="2" charset="0"/>
+                <a:cs typeface="Poppins" panose="00000500000000000000" pitchFamily="2" charset="0"/>
+              </a:rPr>
+              <a:t> </a:t>
+            </a:r>
+            <a:r>
+              <a:rPr lang="en-US" sz="1000" dirty="0" err="1">
+                <a:latin typeface="Poppins" panose="00000500000000000000" pitchFamily="2" charset="0"/>
+                <a:cs typeface="Poppins" panose="00000500000000000000" pitchFamily="2" charset="0"/>
+              </a:rPr>
+              <a:t>mengerti</a:t>
+            </a:r>
+            <a:r>
+              <a:rPr lang="en-US" sz="1000" dirty="0">
+                <a:latin typeface="Poppins" panose="00000500000000000000" pitchFamily="2" charset="0"/>
+                <a:cs typeface="Poppins" panose="00000500000000000000" pitchFamily="2" charset="0"/>
+              </a:rPr>
+              <a:t> </a:t>
+            </a:r>
+            <a:r>
+              <a:rPr lang="en-US" sz="1000" dirty="0" err="1">
+                <a:latin typeface="Poppins" panose="00000500000000000000" pitchFamily="2" charset="0"/>
+                <a:cs typeface="Poppins" panose="00000500000000000000" pitchFamily="2" charset="0"/>
+              </a:rPr>
+              <a:t>tentang</a:t>
+            </a:r>
+            <a:r>
+              <a:rPr lang="en-US" sz="1000" dirty="0">
+                <a:latin typeface="Poppins" panose="00000500000000000000" pitchFamily="2" charset="0"/>
+                <a:cs typeface="Poppins" panose="00000500000000000000" pitchFamily="2" charset="0"/>
+              </a:rPr>
+              <a:t> </a:t>
+            </a:r>
+            <a:r>
+              <a:rPr lang="en-US" sz="1000" dirty="0" err="1">
+                <a:latin typeface="Poppins" panose="00000500000000000000" pitchFamily="2" charset="0"/>
+                <a:cs typeface="Poppins" panose="00000500000000000000" pitchFamily="2" charset="0"/>
+              </a:rPr>
+              <a:t>pengkodean</a:t>
+            </a:r>
+            <a:r>
+              <a:rPr lang="en-US" sz="1000" dirty="0">
+                <a:latin typeface="Poppins" panose="00000500000000000000" pitchFamily="2" charset="0"/>
+                <a:cs typeface="Poppins" panose="00000500000000000000" pitchFamily="2" charset="0"/>
+              </a:rPr>
+              <a:t> </a:t>
+            </a:r>
+            <a:r>
+              <a:rPr lang="en-US" sz="1000" dirty="0" err="1">
+                <a:latin typeface="Poppins" panose="00000500000000000000" pitchFamily="2" charset="0"/>
+                <a:cs typeface="Poppins" panose="00000500000000000000" pitchFamily="2" charset="0"/>
+              </a:rPr>
+              <a:t>javascript</a:t>
+            </a:r>
+            <a:r>
+              <a:rPr lang="en-US" sz="1000" dirty="0">
+                <a:latin typeface="Poppins" panose="00000500000000000000" pitchFamily="2" charset="0"/>
+                <a:cs typeface="Poppins" panose="00000500000000000000" pitchFamily="2" charset="0"/>
+              </a:rPr>
+              <a:t> native </a:t>
+            </a:r>
+            <a:r>
+              <a:rPr lang="en-US" sz="1000" dirty="0" err="1">
+                <a:latin typeface="Poppins" panose="00000500000000000000" pitchFamily="2" charset="0"/>
+                <a:cs typeface="Poppins" panose="00000500000000000000" pitchFamily="2" charset="0"/>
+              </a:rPr>
+              <a:t>sebelum</a:t>
+            </a:r>
+            <a:r>
+              <a:rPr lang="en-US" sz="1000" dirty="0">
+                <a:latin typeface="Poppins" panose="00000500000000000000" pitchFamily="2" charset="0"/>
+                <a:cs typeface="Poppins" panose="00000500000000000000" pitchFamily="2" charset="0"/>
+              </a:rPr>
+              <a:t> </a:t>
+            </a:r>
+            <a:r>
+              <a:rPr lang="en-US" sz="1000" dirty="0" err="1">
+                <a:latin typeface="Poppins" panose="00000500000000000000" pitchFamily="2" charset="0"/>
+                <a:cs typeface="Poppins" panose="00000500000000000000" pitchFamily="2" charset="0"/>
+              </a:rPr>
+              <a:t>masuk</a:t>
+            </a:r>
+            <a:r>
+              <a:rPr lang="en-US" sz="1000" dirty="0">
+                <a:latin typeface="Poppins" panose="00000500000000000000" pitchFamily="2" charset="0"/>
+                <a:cs typeface="Poppins" panose="00000500000000000000" pitchFamily="2" charset="0"/>
+              </a:rPr>
+              <a:t> </a:t>
+            </a:r>
+            <a:r>
+              <a:rPr lang="en-US" sz="1000" dirty="0" err="1">
+                <a:latin typeface="Poppins" panose="00000500000000000000" pitchFamily="2" charset="0"/>
+                <a:cs typeface="Poppins" panose="00000500000000000000" pitchFamily="2" charset="0"/>
+              </a:rPr>
+              <a:t>ke</a:t>
+            </a:r>
+            <a:r>
+              <a:rPr lang="en-US" sz="1000" dirty="0">
+                <a:latin typeface="Poppins" panose="00000500000000000000" pitchFamily="2" charset="0"/>
+                <a:cs typeface="Poppins" panose="00000500000000000000" pitchFamily="2" charset="0"/>
+              </a:rPr>
+              <a:t> </a:t>
+            </a:r>
+            <a:r>
+              <a:rPr lang="en-US" sz="1000" dirty="0" err="1">
+                <a:latin typeface="Poppins" panose="00000500000000000000" pitchFamily="2" charset="0"/>
+                <a:cs typeface="Poppins" panose="00000500000000000000" pitchFamily="2" charset="0"/>
+              </a:rPr>
+              <a:t>materi</a:t>
+            </a:r>
+            <a:r>
+              <a:rPr lang="en-US" sz="1000" dirty="0">
+                <a:latin typeface="Poppins" panose="00000500000000000000" pitchFamily="2" charset="0"/>
+                <a:cs typeface="Poppins" panose="00000500000000000000" pitchFamily="2" charset="0"/>
+              </a:rPr>
+              <a:t> framework</a:t>
+            </a:r>
+          </a:p>
+          <a:p>
+            <a:pPr marL="228600" indent="-228600">
+              <a:buFont typeface="+mj-lt"/>
+              <a:buAutoNum type="arabicPeriod"/>
+            </a:pPr>
+            <a:endParaRPr lang="en-US" sz="1000" dirty="0">
+              <a:latin typeface="Poppins" panose="00000500000000000000" pitchFamily="2" charset="0"/>
+              <a:cs typeface="Poppins" panose="00000500000000000000" pitchFamily="2" charset="0"/>
+            </a:endParaRPr>
+          </a:p>
+          <a:p>
+            <a:pPr marL="228600" indent="-228600">
+              <a:buFont typeface="+mj-lt"/>
+              <a:buAutoNum type="arabicPeriod"/>
+            </a:pPr>
+            <a:r>
+              <a:rPr lang="en-US" sz="1000" dirty="0">
+                <a:latin typeface="Poppins" panose="00000500000000000000" pitchFamily="2" charset="0"/>
+                <a:cs typeface="Poppins" panose="00000500000000000000" pitchFamily="2" charset="0"/>
+              </a:rPr>
+              <a:t>Practice make improvement </a:t>
+            </a:r>
+          </a:p>
+          <a:p>
+            <a:pPr marL="228600" indent="-228600">
+              <a:buFont typeface="+mj-lt"/>
+              <a:buAutoNum type="arabicPeriod"/>
+            </a:pPr>
+            <a:endParaRPr lang="en-US" sz="1000" dirty="0">
+              <a:latin typeface="Poppins" panose="00000500000000000000" pitchFamily="2" charset="0"/>
+              <a:cs typeface="Poppins" panose="00000500000000000000" pitchFamily="2" charset="0"/>
+            </a:endParaRPr>
+          </a:p>
+          <a:p>
+            <a:pPr marL="228600" indent="-228600">
+              <a:buFont typeface="+mj-lt"/>
+              <a:buAutoNum type="arabicPeriod"/>
+            </a:pPr>
+            <a:r>
+              <a:rPr lang="en-US" sz="1000" dirty="0">
+                <a:latin typeface="Poppins" panose="00000500000000000000" pitchFamily="2" charset="0"/>
+                <a:cs typeface="Poppins" panose="00000500000000000000" pitchFamily="2" charset="0"/>
+              </a:rPr>
+              <a:t>Next </a:t>
+            </a:r>
+            <a:r>
+              <a:rPr lang="en-US" sz="1000" dirty="0" err="1">
+                <a:latin typeface="Poppins" panose="00000500000000000000" pitchFamily="2" charset="0"/>
+                <a:cs typeface="Poppins" panose="00000500000000000000" pitchFamily="2" charset="0"/>
+              </a:rPr>
+              <a:t>Materi</a:t>
+            </a:r>
+            <a:r>
+              <a:rPr lang="en-US" sz="1000" dirty="0">
+                <a:latin typeface="Poppins" panose="00000500000000000000" pitchFamily="2" charset="0"/>
+                <a:cs typeface="Poppins" panose="00000500000000000000" pitchFamily="2" charset="0"/>
+              </a:rPr>
+              <a:t>: asynchronous (API)</a:t>
+            </a:r>
+          </a:p>
+          <a:p>
+            <a:pPr marL="228600" indent="-228600">
+              <a:buFont typeface="+mj-lt"/>
+              <a:buAutoNum type="arabicPeriod"/>
+            </a:pPr>
+            <a:endParaRPr lang="en-US" sz="1000" dirty="0">
+              <a:latin typeface="Poppins" panose="00000500000000000000" pitchFamily="2" charset="0"/>
+              <a:cs typeface="Poppins" panose="00000500000000000000" pitchFamily="2" charset="0"/>
+            </a:endParaRPr>
+          </a:p>
+        </p:txBody>
+      </p:sp>
+    </p:spTree>
+    <p:extLst>
+      <p:ext uri="{BB962C8B-B14F-4D97-AF65-F5344CB8AC3E}">
+        <p14:creationId xmlns:p14="http://schemas.microsoft.com/office/powerpoint/2010/main" val="4109695148"/>
+      </p:ext>
+    </p:extLst>
+  </p:cSld>
+  <p:clrMapOvr>
+    <a:masterClrMapping/>
+  </p:clrMapOvr>
+</p:sld>
+</file>
+
 <file path=ppt/slides/slide2.xml><?xml version="1.0" encoding="utf-8"?>
 <p:sld xmlns:a="http://schemas.openxmlformats.org/drawingml/2006/main" xmlns:r="http://schemas.openxmlformats.org/officeDocument/2006/relationships" xmlns:p="http://schemas.openxmlformats.org/presentationml/2006/main">
   <p:cSld>

--- a/march/week-2/meeting-2/PPT.pptx
+++ b/march/week-2/meeting-2/PPT.pptx
@@ -269,7 +269,7 @@
           <a:p>
             <a:fld id="{81255441-46A9-44B1-9015-9C02B2715532}" type="datetimeFigureOut">
               <a:rPr lang="en-US" smtClean="0"/>
-              <a:t>3/6/2022</a:t>
+              <a:t>3/8/2022</a:t>
             </a:fld>
             <a:endParaRPr lang="en-US"/>
           </a:p>
@@ -467,7 +467,7 @@
           <a:p>
             <a:fld id="{81255441-46A9-44B1-9015-9C02B2715532}" type="datetimeFigureOut">
               <a:rPr lang="en-US" smtClean="0"/>
-              <a:t>3/6/2022</a:t>
+              <a:t>3/8/2022</a:t>
             </a:fld>
             <a:endParaRPr lang="en-US"/>
           </a:p>
@@ -675,7 +675,7 @@
           <a:p>
             <a:fld id="{81255441-46A9-44B1-9015-9C02B2715532}" type="datetimeFigureOut">
               <a:rPr lang="en-US" smtClean="0"/>
-              <a:t>3/6/2022</a:t>
+              <a:t>3/8/2022</a:t>
             </a:fld>
             <a:endParaRPr lang="en-US"/>
           </a:p>
@@ -873,7 +873,7 @@
           <a:p>
             <a:fld id="{81255441-46A9-44B1-9015-9C02B2715532}" type="datetimeFigureOut">
               <a:rPr lang="en-US" smtClean="0"/>
-              <a:t>3/6/2022</a:t>
+              <a:t>3/8/2022</a:t>
             </a:fld>
             <a:endParaRPr lang="en-US"/>
           </a:p>
@@ -1148,7 +1148,7 @@
           <a:p>
             <a:fld id="{81255441-46A9-44B1-9015-9C02B2715532}" type="datetimeFigureOut">
               <a:rPr lang="en-US" smtClean="0"/>
-              <a:t>3/6/2022</a:t>
+              <a:t>3/8/2022</a:t>
             </a:fld>
             <a:endParaRPr lang="en-US"/>
           </a:p>
@@ -1413,7 +1413,7 @@
           <a:p>
             <a:fld id="{81255441-46A9-44B1-9015-9C02B2715532}" type="datetimeFigureOut">
               <a:rPr lang="en-US" smtClean="0"/>
-              <a:t>3/6/2022</a:t>
+              <a:t>3/8/2022</a:t>
             </a:fld>
             <a:endParaRPr lang="en-US"/>
           </a:p>
@@ -1825,7 +1825,7 @@
           <a:p>
             <a:fld id="{81255441-46A9-44B1-9015-9C02B2715532}" type="datetimeFigureOut">
               <a:rPr lang="en-US" smtClean="0"/>
-              <a:t>3/6/2022</a:t>
+              <a:t>3/8/2022</a:t>
             </a:fld>
             <a:endParaRPr lang="en-US"/>
           </a:p>
@@ -1966,7 +1966,7 @@
           <a:p>
             <a:fld id="{81255441-46A9-44B1-9015-9C02B2715532}" type="datetimeFigureOut">
               <a:rPr lang="en-US" smtClean="0"/>
-              <a:t>3/6/2022</a:t>
+              <a:t>3/8/2022</a:t>
             </a:fld>
             <a:endParaRPr lang="en-US"/>
           </a:p>
@@ -2079,7 +2079,7 @@
           <a:p>
             <a:fld id="{81255441-46A9-44B1-9015-9C02B2715532}" type="datetimeFigureOut">
               <a:rPr lang="en-US" smtClean="0"/>
-              <a:t>3/6/2022</a:t>
+              <a:t>3/8/2022</a:t>
             </a:fld>
             <a:endParaRPr lang="en-US"/>
           </a:p>
@@ -2390,7 +2390,7 @@
           <a:p>
             <a:fld id="{81255441-46A9-44B1-9015-9C02B2715532}" type="datetimeFigureOut">
               <a:rPr lang="en-US" smtClean="0"/>
-              <a:t>3/6/2022</a:t>
+              <a:t>3/8/2022</a:t>
             </a:fld>
             <a:endParaRPr lang="en-US"/>
           </a:p>
@@ -2678,7 +2678,7 @@
           <a:p>
             <a:fld id="{81255441-46A9-44B1-9015-9C02B2715532}" type="datetimeFigureOut">
               <a:rPr lang="en-US" smtClean="0"/>
-              <a:t>3/6/2022</a:t>
+              <a:t>3/8/2022</a:t>
             </a:fld>
             <a:endParaRPr lang="en-US"/>
           </a:p>
@@ -2919,7 +2919,7 @@
           <a:p>
             <a:fld id="{81255441-46A9-44B1-9015-9C02B2715532}" type="datetimeFigureOut">
               <a:rPr lang="en-US" smtClean="0"/>
-              <a:t>3/6/2022</a:t>
+              <a:t>3/8/2022</a:t>
             </a:fld>
             <a:endParaRPr lang="en-US"/>
           </a:p>
@@ -3654,7 +3654,7 @@
         </p:nvSpPr>
         <p:spPr>
           <a:xfrm>
-            <a:off x="5413762" y="1021120"/>
+            <a:off x="5413762" y="774567"/>
             <a:ext cx="1364476" cy="338554"/>
           </a:xfrm>
           <a:prstGeom prst="rect">
@@ -3692,8 +3692,8 @@
         </p:nvSpPr>
         <p:spPr>
           <a:xfrm>
-            <a:off x="3938799" y="1920895"/>
-            <a:ext cx="5678878" cy="3323987"/>
+            <a:off x="4006533" y="1438295"/>
+            <a:ext cx="5678878" cy="4555093"/>
           </a:xfrm>
           <a:prstGeom prst="rect">
             <a:avLst/>
@@ -4489,6 +4489,157 @@
               </a:rPr>
               <a:t>: asynchronous (API)</a:t>
             </a:r>
+          </a:p>
+          <a:p>
+            <a:pPr marL="228600" indent="-228600">
+              <a:buFont typeface="+mj-lt"/>
+              <a:buAutoNum type="arabicPeriod"/>
+            </a:pPr>
+            <a:endParaRPr lang="en-US" sz="1000" dirty="0">
+              <a:latin typeface="Poppins" panose="00000500000000000000" pitchFamily="2" charset="0"/>
+              <a:cs typeface="Poppins" panose="00000500000000000000" pitchFamily="2" charset="0"/>
+            </a:endParaRPr>
+          </a:p>
+          <a:p>
+            <a:pPr marL="228600" indent="-228600">
+              <a:buFont typeface="+mj-lt"/>
+              <a:buAutoNum type="arabicPeriod"/>
+            </a:pPr>
+            <a:r>
+              <a:rPr lang="en-US" sz="1000" dirty="0" err="1">
+                <a:latin typeface="Poppins" panose="00000500000000000000" pitchFamily="2" charset="0"/>
+                <a:cs typeface="Poppins" panose="00000500000000000000" pitchFamily="2" charset="0"/>
+              </a:rPr>
+              <a:t>Contoh</a:t>
+            </a:r>
+            <a:r>
+              <a:rPr lang="en-US" sz="1000" dirty="0">
+                <a:latin typeface="Poppins" panose="00000500000000000000" pitchFamily="2" charset="0"/>
+                <a:cs typeface="Poppins" panose="00000500000000000000" pitchFamily="2" charset="0"/>
+              </a:rPr>
+              <a:t> submission: </a:t>
+            </a:r>
+          </a:p>
+          <a:p>
+            <a:pPr marL="228600" indent="-228600">
+              <a:buFont typeface="+mj-lt"/>
+              <a:buAutoNum type="arabicPeriod"/>
+            </a:pPr>
+            <a:endParaRPr lang="en-US" sz="1000" dirty="0">
+              <a:latin typeface="Poppins" panose="00000500000000000000" pitchFamily="2" charset="0"/>
+              <a:cs typeface="Poppins" panose="00000500000000000000" pitchFamily="2" charset="0"/>
+            </a:endParaRPr>
+          </a:p>
+          <a:p>
+            <a:pPr marL="685800" lvl="1" indent="-228600">
+              <a:buFont typeface="+mj-lt"/>
+              <a:buAutoNum type="arabicPeriod"/>
+            </a:pPr>
+            <a:r>
+              <a:rPr lang="en-US" sz="1000" dirty="0">
+                <a:latin typeface="Poppins" panose="00000500000000000000" pitchFamily="2" charset="0"/>
+                <a:cs typeface="Poppins" panose="00000500000000000000" pitchFamily="2" charset="0"/>
+                <a:hlinkClick r:id="rId2"/>
+              </a:rPr>
+              <a:t>https://suspicious-elion-55f6c0.netlify.app</a:t>
+            </a:r>
+            <a:endParaRPr lang="en-US" sz="1000" dirty="0">
+              <a:latin typeface="Poppins" panose="00000500000000000000" pitchFamily="2" charset="0"/>
+              <a:cs typeface="Poppins" panose="00000500000000000000" pitchFamily="2" charset="0"/>
+            </a:endParaRPr>
+          </a:p>
+          <a:p>
+            <a:pPr marL="685800" lvl="1" indent="-228600">
+              <a:buFont typeface="+mj-lt"/>
+              <a:buAutoNum type="arabicPeriod"/>
+            </a:pPr>
+            <a:endParaRPr lang="en-US" sz="1000" dirty="0">
+              <a:latin typeface="Poppins" panose="00000500000000000000" pitchFamily="2" charset="0"/>
+              <a:cs typeface="Poppins" panose="00000500000000000000" pitchFamily="2" charset="0"/>
+            </a:endParaRPr>
+          </a:p>
+          <a:p>
+            <a:pPr marL="685800" lvl="1" indent="-228600">
+              <a:buFont typeface="+mj-lt"/>
+              <a:buAutoNum type="arabicPeriod"/>
+            </a:pPr>
+            <a:r>
+              <a:rPr lang="en-US" sz="1000" dirty="0">
+                <a:latin typeface="Poppins" panose="00000500000000000000" pitchFamily="2" charset="0"/>
+                <a:cs typeface="Poppins" panose="00000500000000000000" pitchFamily="2" charset="0"/>
+                <a:hlinkClick r:id="rId3"/>
+              </a:rPr>
+              <a:t>https://focused-liskov-119164.netlify.app</a:t>
+            </a:r>
+            <a:r>
+              <a:rPr lang="en-US" sz="1000" dirty="0">
+                <a:latin typeface="Poppins" panose="00000500000000000000" pitchFamily="2" charset="0"/>
+                <a:cs typeface="Poppins" panose="00000500000000000000" pitchFamily="2" charset="0"/>
+              </a:rPr>
+              <a:t> </a:t>
+            </a:r>
+          </a:p>
+          <a:p>
+            <a:pPr marL="685800" lvl="1" indent="-228600">
+              <a:buFont typeface="+mj-lt"/>
+              <a:buAutoNum type="arabicPeriod"/>
+            </a:pPr>
+            <a:endParaRPr lang="en-US" sz="1000" dirty="0">
+              <a:latin typeface="Poppins" panose="00000500000000000000" pitchFamily="2" charset="0"/>
+              <a:cs typeface="Poppins" panose="00000500000000000000" pitchFamily="2" charset="0"/>
+            </a:endParaRPr>
+          </a:p>
+          <a:p>
+            <a:pPr marL="685800" lvl="1" indent="-228600">
+              <a:buFont typeface="+mj-lt"/>
+              <a:buAutoNum type="arabicPeriod"/>
+            </a:pPr>
+            <a:r>
+              <a:rPr lang="en-US" sz="1000" dirty="0">
+                <a:latin typeface="Poppins" panose="00000500000000000000" pitchFamily="2" charset="0"/>
+                <a:cs typeface="Poppins" panose="00000500000000000000" pitchFamily="2" charset="0"/>
+              </a:rPr>
+              <a:t>Source code </a:t>
+            </a:r>
+            <a:r>
+              <a:rPr lang="en-US" sz="1000" dirty="0" err="1">
+                <a:latin typeface="Poppins" panose="00000500000000000000" pitchFamily="2" charset="0"/>
+                <a:cs typeface="Poppins" panose="00000500000000000000" pitchFamily="2" charset="0"/>
+              </a:rPr>
+              <a:t>ada</a:t>
+            </a:r>
+            <a:r>
+              <a:rPr lang="en-US" sz="1000" dirty="0">
+                <a:latin typeface="Poppins" panose="00000500000000000000" pitchFamily="2" charset="0"/>
+                <a:cs typeface="Poppins" panose="00000500000000000000" pitchFamily="2" charset="0"/>
+              </a:rPr>
+              <a:t> di </a:t>
+            </a:r>
+            <a:r>
+              <a:rPr lang="en-US" sz="1000" dirty="0" err="1">
+                <a:latin typeface="Poppins" panose="00000500000000000000" pitchFamily="2" charset="0"/>
+                <a:cs typeface="Poppins" panose="00000500000000000000" pitchFamily="2" charset="0"/>
+              </a:rPr>
+              <a:t>github</a:t>
+            </a:r>
+            <a:r>
+              <a:rPr lang="en-US" sz="1000" dirty="0">
+                <a:latin typeface="Poppins" panose="00000500000000000000" pitchFamily="2" charset="0"/>
+                <a:cs typeface="Poppins" panose="00000500000000000000" pitchFamily="2" charset="0"/>
+              </a:rPr>
+              <a:t> yang </a:t>
+            </a:r>
+            <a:r>
+              <a:rPr lang="en-US" sz="1000" dirty="0" err="1">
+                <a:latin typeface="Poppins" panose="00000500000000000000" pitchFamily="2" charset="0"/>
+                <a:cs typeface="Poppins" panose="00000500000000000000" pitchFamily="2" charset="0"/>
+              </a:rPr>
+              <a:t>biasa</a:t>
+            </a:r>
+            <a:endParaRPr lang="en-US" sz="1000" dirty="0">
+              <a:latin typeface="Poppins" panose="00000500000000000000" pitchFamily="2" charset="0"/>
+              <a:cs typeface="Poppins" panose="00000500000000000000" pitchFamily="2" charset="0"/>
+            </a:endParaRPr>
           </a:p>
           <a:p>
             <a:pPr marL="228600" indent="-228600">

--- a/march/week-2/meeting-2/PPT.pptx
+++ b/march/week-2/meeting-2/PPT.pptx
@@ -7,15 +7,17 @@
   <p:sldIdLst>
     <p:sldId id="256" r:id="rId2"/>
     <p:sldId id="259" r:id="rId3"/>
-    <p:sldId id="257" r:id="rId4"/>
-    <p:sldId id="260" r:id="rId5"/>
-    <p:sldId id="261" r:id="rId6"/>
-    <p:sldId id="262" r:id="rId7"/>
-    <p:sldId id="263" r:id="rId8"/>
-    <p:sldId id="264" r:id="rId9"/>
-    <p:sldId id="265" r:id="rId10"/>
-    <p:sldId id="267" r:id="rId11"/>
-    <p:sldId id="268" r:id="rId12"/>
+    <p:sldId id="269" r:id="rId4"/>
+    <p:sldId id="270" r:id="rId5"/>
+    <p:sldId id="257" r:id="rId6"/>
+    <p:sldId id="260" r:id="rId7"/>
+    <p:sldId id="261" r:id="rId8"/>
+    <p:sldId id="262" r:id="rId9"/>
+    <p:sldId id="263" r:id="rId10"/>
+    <p:sldId id="264" r:id="rId11"/>
+    <p:sldId id="265" r:id="rId12"/>
+    <p:sldId id="267" r:id="rId13"/>
+    <p:sldId id="268" r:id="rId14"/>
   </p:sldIdLst>
   <p:sldSz cx="12192000" cy="6858000"/>
   <p:notesSz cx="6858000" cy="9144000"/>
@@ -269,7 +271,7 @@
           <a:p>
             <a:fld id="{81255441-46A9-44B1-9015-9C02B2715532}" type="datetimeFigureOut">
               <a:rPr lang="en-US" smtClean="0"/>
-              <a:t>3/8/2022</a:t>
+              <a:t>3/10/2022</a:t>
             </a:fld>
             <a:endParaRPr lang="en-US"/>
           </a:p>
@@ -467,7 +469,7 @@
           <a:p>
             <a:fld id="{81255441-46A9-44B1-9015-9C02B2715532}" type="datetimeFigureOut">
               <a:rPr lang="en-US" smtClean="0"/>
-              <a:t>3/8/2022</a:t>
+              <a:t>3/10/2022</a:t>
             </a:fld>
             <a:endParaRPr lang="en-US"/>
           </a:p>
@@ -675,7 +677,7 @@
           <a:p>
             <a:fld id="{81255441-46A9-44B1-9015-9C02B2715532}" type="datetimeFigureOut">
               <a:rPr lang="en-US" smtClean="0"/>
-              <a:t>3/8/2022</a:t>
+              <a:t>3/10/2022</a:t>
             </a:fld>
             <a:endParaRPr lang="en-US"/>
           </a:p>
@@ -873,7 +875,7 @@
           <a:p>
             <a:fld id="{81255441-46A9-44B1-9015-9C02B2715532}" type="datetimeFigureOut">
               <a:rPr lang="en-US" smtClean="0"/>
-              <a:t>3/8/2022</a:t>
+              <a:t>3/10/2022</a:t>
             </a:fld>
             <a:endParaRPr lang="en-US"/>
           </a:p>
@@ -1148,7 +1150,7 @@
           <a:p>
             <a:fld id="{81255441-46A9-44B1-9015-9C02B2715532}" type="datetimeFigureOut">
               <a:rPr lang="en-US" smtClean="0"/>
-              <a:t>3/8/2022</a:t>
+              <a:t>3/10/2022</a:t>
             </a:fld>
             <a:endParaRPr lang="en-US"/>
           </a:p>
@@ -1413,7 +1415,7 @@
           <a:p>
             <a:fld id="{81255441-46A9-44B1-9015-9C02B2715532}" type="datetimeFigureOut">
               <a:rPr lang="en-US" smtClean="0"/>
-              <a:t>3/8/2022</a:t>
+              <a:t>3/10/2022</a:t>
             </a:fld>
             <a:endParaRPr lang="en-US"/>
           </a:p>
@@ -1825,7 +1827,7 @@
           <a:p>
             <a:fld id="{81255441-46A9-44B1-9015-9C02B2715532}" type="datetimeFigureOut">
               <a:rPr lang="en-US" smtClean="0"/>
-              <a:t>3/8/2022</a:t>
+              <a:t>3/10/2022</a:t>
             </a:fld>
             <a:endParaRPr lang="en-US"/>
           </a:p>
@@ -1966,7 +1968,7 @@
           <a:p>
             <a:fld id="{81255441-46A9-44B1-9015-9C02B2715532}" type="datetimeFigureOut">
               <a:rPr lang="en-US" smtClean="0"/>
-              <a:t>3/8/2022</a:t>
+              <a:t>3/10/2022</a:t>
             </a:fld>
             <a:endParaRPr lang="en-US"/>
           </a:p>
@@ -2079,7 +2081,7 @@
           <a:p>
             <a:fld id="{81255441-46A9-44B1-9015-9C02B2715532}" type="datetimeFigureOut">
               <a:rPr lang="en-US" smtClean="0"/>
-              <a:t>3/8/2022</a:t>
+              <a:t>3/10/2022</a:t>
             </a:fld>
             <a:endParaRPr lang="en-US"/>
           </a:p>
@@ -2390,7 +2392,7 @@
           <a:p>
             <a:fld id="{81255441-46A9-44B1-9015-9C02B2715532}" type="datetimeFigureOut">
               <a:rPr lang="en-US" smtClean="0"/>
-              <a:t>3/8/2022</a:t>
+              <a:t>3/10/2022</a:t>
             </a:fld>
             <a:endParaRPr lang="en-US"/>
           </a:p>
@@ -2678,7 +2680,7 @@
           <a:p>
             <a:fld id="{81255441-46A9-44B1-9015-9C02B2715532}" type="datetimeFigureOut">
               <a:rPr lang="en-US" smtClean="0"/>
-              <a:t>3/8/2022</a:t>
+              <a:t>3/10/2022</a:t>
             </a:fld>
             <a:endParaRPr lang="en-US"/>
           </a:p>
@@ -2919,7 +2921,7 @@
           <a:p>
             <a:fld id="{81255441-46A9-44B1-9015-9C02B2715532}" type="datetimeFigureOut">
               <a:rPr lang="en-US" smtClean="0"/>
-              <a:t>3/8/2022</a:t>
+              <a:t>3/10/2022</a:t>
             </a:fld>
             <a:endParaRPr lang="en-US"/>
           </a:p>
@@ -3495,4186 +3497,6 @@
       </p:grpSpPr>
       <p:sp>
         <p:nvSpPr>
-          <p:cNvPr id="3" name="TextBox 2">
-            <a:extLst>
-              <a:ext uri="{FF2B5EF4-FFF2-40B4-BE49-F238E27FC236}">
-                <a16:creationId xmlns:a16="http://schemas.microsoft.com/office/drawing/2014/main" id="{5637F38B-DFAE-49D1-BAFA-D383FD1E2DE9}"/>
-              </a:ext>
-            </a:extLst>
-          </p:cNvPr>
-          <p:cNvSpPr txBox="1"/>
-          <p:nvPr/>
-        </p:nvSpPr>
-        <p:spPr>
-          <a:xfrm>
-            <a:off x="4501651" y="2849920"/>
-            <a:ext cx="3188693" cy="338554"/>
-          </a:xfrm>
-          <a:prstGeom prst="rect">
-            <a:avLst/>
-          </a:prstGeom>
-          <a:noFill/>
-        </p:spPr>
-        <p:txBody>
-          <a:bodyPr wrap="none" rtlCol="0">
-            <a:spAutoFit/>
-          </a:bodyPr>
-          <a:lstStyle/>
-          <a:p>
-            <a:r>
-              <a:rPr lang="en-US" sz="1600" dirty="0" err="1">
-                <a:latin typeface="Poppins" panose="00000500000000000000" pitchFamily="2" charset="0"/>
-                <a:cs typeface="Poppins" panose="00000500000000000000" pitchFamily="2" charset="0"/>
-              </a:rPr>
-              <a:t>Pertanyaan</a:t>
-            </a:r>
-            <a:r>
-              <a:rPr lang="en-US" sz="1600" dirty="0">
-                <a:latin typeface="Poppins" panose="00000500000000000000" pitchFamily="2" charset="0"/>
-                <a:cs typeface="Poppins" panose="00000500000000000000" pitchFamily="2" charset="0"/>
-              </a:rPr>
-              <a:t> </a:t>
-            </a:r>
-            <a:r>
-              <a:rPr lang="en-US" sz="1600" dirty="0" err="1">
-                <a:latin typeface="Poppins" panose="00000500000000000000" pitchFamily="2" charset="0"/>
-                <a:cs typeface="Poppins" panose="00000500000000000000" pitchFamily="2" charset="0"/>
-              </a:rPr>
-              <a:t>atau</a:t>
-            </a:r>
-            <a:r>
-              <a:rPr lang="en-US" sz="1600" dirty="0">
-                <a:latin typeface="Poppins" panose="00000500000000000000" pitchFamily="2" charset="0"/>
-                <a:cs typeface="Poppins" panose="00000500000000000000" pitchFamily="2" charset="0"/>
-              </a:rPr>
-              <a:t> </a:t>
-            </a:r>
-            <a:r>
-              <a:rPr lang="en-US" sz="1600" dirty="0" err="1">
-                <a:latin typeface="Poppins" panose="00000500000000000000" pitchFamily="2" charset="0"/>
-                <a:cs typeface="Poppins" panose="00000500000000000000" pitchFamily="2" charset="0"/>
-              </a:rPr>
-              <a:t>pernyataan</a:t>
-            </a:r>
-            <a:endParaRPr lang="en-US" sz="1600" dirty="0">
-              <a:latin typeface="Poppins" panose="00000500000000000000" pitchFamily="2" charset="0"/>
-              <a:cs typeface="Poppins" panose="00000500000000000000" pitchFamily="2" charset="0"/>
-            </a:endParaRPr>
-          </a:p>
-        </p:txBody>
-      </p:sp>
-      <p:pic>
-        <p:nvPicPr>
-          <p:cNvPr id="5126" name="Picture 6" descr="50+] Riddler Question Mark Wallpaper on WallpaperSafari">
-            <a:extLst>
-              <a:ext uri="{FF2B5EF4-FFF2-40B4-BE49-F238E27FC236}">
-                <a16:creationId xmlns:a16="http://schemas.microsoft.com/office/drawing/2014/main" id="{223F1329-9215-44FA-9A56-2790CB402910}"/>
-              </a:ext>
-            </a:extLst>
-          </p:cNvPr>
-          <p:cNvPicPr>
-            <a:picLocks noChangeAspect="1" noChangeArrowheads="1"/>
-          </p:cNvPicPr>
-          <p:nvPr/>
-        </p:nvPicPr>
-        <p:blipFill>
-          <a:blip r:embed="rId2">
-            <a:extLst>
-              <a:ext uri="{28A0092B-C50C-407E-A947-70E740481C1C}">
-                <a14:useLocalDpi xmlns:a14="http://schemas.microsoft.com/office/drawing/2010/main" val="0"/>
-              </a:ext>
-            </a:extLst>
-          </a:blip>
-          <a:srcRect/>
-          <a:stretch>
-            <a:fillRect/>
-          </a:stretch>
-        </p:blipFill>
-        <p:spPr bwMode="auto">
-          <a:xfrm>
-            <a:off x="5420175" y="3188474"/>
-            <a:ext cx="1351647" cy="2039510"/>
-          </a:xfrm>
-          <a:prstGeom prst="rect">
-            <a:avLst/>
-          </a:prstGeom>
-          <a:noFill/>
-          <a:extLst>
-            <a:ext uri="{909E8E84-426E-40DD-AFC4-6F175D3DCCD1}">
-              <a14:hiddenFill xmlns:a14="http://schemas.microsoft.com/office/drawing/2010/main">
-                <a:solidFill>
-                  <a:srgbClr val="FFFFFF"/>
-                </a:solidFill>
-              </a14:hiddenFill>
-            </a:ext>
-          </a:extLst>
-        </p:spPr>
-      </p:pic>
-    </p:spTree>
-    <p:extLst>
-      <p:ext uri="{BB962C8B-B14F-4D97-AF65-F5344CB8AC3E}">
-        <p14:creationId xmlns:p14="http://schemas.microsoft.com/office/powerpoint/2010/main" val="568692128"/>
-      </p:ext>
-    </p:extLst>
-  </p:cSld>
-  <p:clrMapOvr>
-    <a:masterClrMapping/>
-  </p:clrMapOvr>
-</p:sld>
-</file>
-
-<file path=ppt/slides/slide11.xml><?xml version="1.0" encoding="utf-8"?>
-<p:sld xmlns:a="http://schemas.openxmlformats.org/drawingml/2006/main" xmlns:r="http://schemas.openxmlformats.org/officeDocument/2006/relationships" xmlns:p="http://schemas.openxmlformats.org/presentationml/2006/main">
-  <p:cSld>
-    <p:spTree>
-      <p:nvGrpSpPr>
-        <p:cNvPr id="1" name=""/>
-        <p:cNvGrpSpPr/>
-        <p:nvPr/>
-      </p:nvGrpSpPr>
-      <p:grpSpPr>
-        <a:xfrm>
-          <a:off x="0" y="0"/>
-          <a:ext cx="0" cy="0"/>
-          <a:chOff x="0" y="0"/>
-          <a:chExt cx="0" cy="0"/>
-        </a:xfrm>
-      </p:grpSpPr>
-      <p:sp>
-        <p:nvSpPr>
-          <p:cNvPr id="2" name="TextBox 1">
-            <a:extLst>
-              <a:ext uri="{FF2B5EF4-FFF2-40B4-BE49-F238E27FC236}">
-                <a16:creationId xmlns:a16="http://schemas.microsoft.com/office/drawing/2014/main" id="{A636BD6B-D110-4F51-A8C9-937F168F8C9F}"/>
-              </a:ext>
-            </a:extLst>
-          </p:cNvPr>
-          <p:cNvSpPr txBox="1"/>
-          <p:nvPr/>
-        </p:nvSpPr>
-        <p:spPr>
-          <a:xfrm>
-            <a:off x="5413762" y="774567"/>
-            <a:ext cx="1364476" cy="338554"/>
-          </a:xfrm>
-          <a:prstGeom prst="rect">
-            <a:avLst/>
-          </a:prstGeom>
-          <a:noFill/>
-        </p:spPr>
-        <p:txBody>
-          <a:bodyPr wrap="none" rtlCol="0">
-            <a:spAutoFit/>
-          </a:bodyPr>
-          <a:lstStyle/>
-          <a:p>
-            <a:r>
-              <a:rPr lang="en-US" sz="1600" dirty="0">
-                <a:latin typeface="Poppins" panose="00000500000000000000" pitchFamily="2" charset="0"/>
-                <a:cs typeface="Poppins" panose="00000500000000000000" pitchFamily="2" charset="0"/>
-              </a:rPr>
-              <a:t>Submission</a:t>
-            </a:r>
-          </a:p>
-        </p:txBody>
-      </p:sp>
-      <p:sp>
-        <p:nvSpPr>
-          <p:cNvPr id="3" name="TextBox 2">
-            <a:extLst>
-              <a:ext uri="{FF2B5EF4-FFF2-40B4-BE49-F238E27FC236}">
-                <a16:creationId xmlns:a16="http://schemas.microsoft.com/office/drawing/2014/main" id="{2C661639-2D96-4B90-A769-840521C14BFE}"/>
-              </a:ext>
-            </a:extLst>
-          </p:cNvPr>
-          <p:cNvSpPr txBox="1"/>
-          <p:nvPr/>
-        </p:nvSpPr>
-        <p:spPr>
-          <a:xfrm>
-            <a:off x="4006533" y="1438295"/>
-            <a:ext cx="5678878" cy="4555093"/>
-          </a:xfrm>
-          <a:prstGeom prst="rect">
-            <a:avLst/>
-          </a:prstGeom>
-          <a:noFill/>
-        </p:spPr>
-        <p:txBody>
-          <a:bodyPr wrap="square" rtlCol="0">
-            <a:spAutoFit/>
-          </a:bodyPr>
-          <a:lstStyle/>
-          <a:p>
-            <a:pPr marL="228600" indent="-228600">
-              <a:buFont typeface="+mj-lt"/>
-              <a:buAutoNum type="arabicPeriod"/>
-            </a:pPr>
-            <a:r>
-              <a:rPr lang="en-US" sz="1000" dirty="0" err="1">
-                <a:latin typeface="Poppins" panose="00000500000000000000" pitchFamily="2" charset="0"/>
-                <a:cs typeface="Poppins" panose="00000500000000000000" pitchFamily="2" charset="0"/>
-              </a:rPr>
-              <a:t>Tema</a:t>
-            </a:r>
-            <a:r>
-              <a:rPr lang="en-US" sz="1000" dirty="0">
-                <a:latin typeface="Poppins" panose="00000500000000000000" pitchFamily="2" charset="0"/>
-                <a:cs typeface="Poppins" panose="00000500000000000000" pitchFamily="2" charset="0"/>
-              </a:rPr>
-              <a:t> </a:t>
-            </a:r>
-            <a:r>
-              <a:rPr lang="en-US" sz="1000" dirty="0" err="1">
-                <a:latin typeface="Poppins" panose="00000500000000000000" pitchFamily="2" charset="0"/>
-                <a:cs typeface="Poppins" panose="00000500000000000000" pitchFamily="2" charset="0"/>
-              </a:rPr>
-              <a:t>bebas</a:t>
-            </a:r>
-            <a:r>
-              <a:rPr lang="en-US" sz="1000" dirty="0">
-                <a:latin typeface="Poppins" panose="00000500000000000000" pitchFamily="2" charset="0"/>
-                <a:cs typeface="Poppins" panose="00000500000000000000" pitchFamily="2" charset="0"/>
-              </a:rPr>
-              <a:t>, </a:t>
-            </a:r>
-            <a:r>
-              <a:rPr lang="en-US" sz="1000" dirty="0" err="1">
-                <a:latin typeface="Poppins" panose="00000500000000000000" pitchFamily="2" charset="0"/>
-                <a:cs typeface="Poppins" panose="00000500000000000000" pitchFamily="2" charset="0"/>
-              </a:rPr>
-              <a:t>boleh</a:t>
-            </a:r>
-            <a:r>
-              <a:rPr lang="en-US" sz="1000" dirty="0">
-                <a:latin typeface="Poppins" panose="00000500000000000000" pitchFamily="2" charset="0"/>
-                <a:cs typeface="Poppins" panose="00000500000000000000" pitchFamily="2" charset="0"/>
-              </a:rPr>
-              <a:t> website </a:t>
-            </a:r>
-            <a:r>
-              <a:rPr lang="en-US" sz="1000" dirty="0" err="1">
-                <a:latin typeface="Poppins" panose="00000500000000000000" pitchFamily="2" charset="0"/>
-                <a:cs typeface="Poppins" panose="00000500000000000000" pitchFamily="2" charset="0"/>
-              </a:rPr>
-              <a:t>apapun</a:t>
-            </a:r>
-            <a:endParaRPr lang="en-US" sz="1000" dirty="0">
-              <a:latin typeface="Poppins" panose="00000500000000000000" pitchFamily="2" charset="0"/>
-              <a:cs typeface="Poppins" panose="00000500000000000000" pitchFamily="2" charset="0"/>
-            </a:endParaRPr>
-          </a:p>
-          <a:p>
-            <a:pPr marL="228600" indent="-228600">
-              <a:buFont typeface="+mj-lt"/>
-              <a:buAutoNum type="arabicPeriod"/>
-            </a:pPr>
-            <a:endParaRPr lang="en-US" sz="1000" dirty="0">
-              <a:latin typeface="Poppins" panose="00000500000000000000" pitchFamily="2" charset="0"/>
-              <a:cs typeface="Poppins" panose="00000500000000000000" pitchFamily="2" charset="0"/>
-            </a:endParaRPr>
-          </a:p>
-          <a:p>
-            <a:pPr marL="228600" indent="-228600">
-              <a:buFont typeface="+mj-lt"/>
-              <a:buAutoNum type="arabicPeriod"/>
-            </a:pPr>
-            <a:r>
-              <a:rPr lang="en-US" sz="1000" dirty="0">
-                <a:latin typeface="Poppins" panose="00000500000000000000" pitchFamily="2" charset="0"/>
-                <a:cs typeface="Poppins" panose="00000500000000000000" pitchFamily="2" charset="0"/>
-              </a:rPr>
-              <a:t>Website </a:t>
-            </a:r>
-            <a:r>
-              <a:rPr lang="en-US" sz="1000" dirty="0" err="1">
-                <a:latin typeface="Poppins" panose="00000500000000000000" pitchFamily="2" charset="0"/>
-                <a:cs typeface="Poppins" panose="00000500000000000000" pitchFamily="2" charset="0"/>
-              </a:rPr>
-              <a:t>memiliki</a:t>
-            </a:r>
-            <a:r>
-              <a:rPr lang="en-US" sz="1000" dirty="0">
-                <a:latin typeface="Poppins" panose="00000500000000000000" pitchFamily="2" charset="0"/>
-                <a:cs typeface="Poppins" panose="00000500000000000000" pitchFamily="2" charset="0"/>
-              </a:rPr>
-              <a:t> </a:t>
-            </a:r>
-            <a:r>
-              <a:rPr lang="en-US" sz="1000" dirty="0" err="1">
-                <a:latin typeface="Poppins" panose="00000500000000000000" pitchFamily="2" charset="0"/>
-                <a:cs typeface="Poppins" panose="00000500000000000000" pitchFamily="2" charset="0"/>
-              </a:rPr>
-              <a:t>struktur</a:t>
-            </a:r>
-            <a:r>
-              <a:rPr lang="en-US" sz="1000" dirty="0">
-                <a:latin typeface="Poppins" panose="00000500000000000000" pitchFamily="2" charset="0"/>
-                <a:cs typeface="Poppins" panose="00000500000000000000" pitchFamily="2" charset="0"/>
-              </a:rPr>
-              <a:t> folder </a:t>
-            </a:r>
-            <a:r>
-              <a:rPr lang="en-US" sz="1000" dirty="0" err="1">
-                <a:latin typeface="Poppins" panose="00000500000000000000" pitchFamily="2" charset="0"/>
-                <a:cs typeface="Poppins" panose="00000500000000000000" pitchFamily="2" charset="0"/>
-              </a:rPr>
-              <a:t>js,css,html</a:t>
-            </a:r>
-            <a:endParaRPr lang="en-US" sz="1000" dirty="0">
-              <a:latin typeface="Poppins" panose="00000500000000000000" pitchFamily="2" charset="0"/>
-              <a:cs typeface="Poppins" panose="00000500000000000000" pitchFamily="2" charset="0"/>
-            </a:endParaRPr>
-          </a:p>
-          <a:p>
-            <a:pPr marL="228600" indent="-228600">
-              <a:buFont typeface="+mj-lt"/>
-              <a:buAutoNum type="arabicPeriod"/>
-            </a:pPr>
-            <a:endParaRPr lang="en-US" sz="1000" dirty="0">
-              <a:latin typeface="Poppins" panose="00000500000000000000" pitchFamily="2" charset="0"/>
-              <a:cs typeface="Poppins" panose="00000500000000000000" pitchFamily="2" charset="0"/>
-            </a:endParaRPr>
-          </a:p>
-          <a:p>
-            <a:pPr marL="228600" indent="-228600">
-              <a:buFont typeface="+mj-lt"/>
-              <a:buAutoNum type="arabicPeriod"/>
-            </a:pPr>
-            <a:r>
-              <a:rPr lang="en-US" sz="1000" dirty="0">
-                <a:latin typeface="Poppins" panose="00000500000000000000" pitchFamily="2" charset="0"/>
-                <a:cs typeface="Poppins" panose="00000500000000000000" pitchFamily="2" charset="0"/>
-              </a:rPr>
-              <a:t>Functional + DOM</a:t>
-            </a:r>
-          </a:p>
-          <a:p>
-            <a:pPr marL="228600" indent="-228600">
-              <a:buFont typeface="+mj-lt"/>
-              <a:buAutoNum type="arabicPeriod"/>
-            </a:pPr>
-            <a:endParaRPr lang="en-US" sz="1000" dirty="0">
-              <a:latin typeface="Poppins" panose="00000500000000000000" pitchFamily="2" charset="0"/>
-              <a:cs typeface="Poppins" panose="00000500000000000000" pitchFamily="2" charset="0"/>
-            </a:endParaRPr>
-          </a:p>
-          <a:p>
-            <a:pPr marL="228600" indent="-228600">
-              <a:buFont typeface="+mj-lt"/>
-              <a:buAutoNum type="arabicPeriod"/>
-            </a:pPr>
-            <a:r>
-              <a:rPr lang="en-US" sz="1000" dirty="0" err="1">
-                <a:latin typeface="Poppins" panose="00000500000000000000" pitchFamily="2" charset="0"/>
-                <a:cs typeface="Poppins" panose="00000500000000000000" pitchFamily="2" charset="0"/>
-              </a:rPr>
-              <a:t>Dikerjakan</a:t>
-            </a:r>
-            <a:r>
-              <a:rPr lang="en-US" sz="1000" dirty="0">
-                <a:latin typeface="Poppins" panose="00000500000000000000" pitchFamily="2" charset="0"/>
-                <a:cs typeface="Poppins" panose="00000500000000000000" pitchFamily="2" charset="0"/>
-              </a:rPr>
-              <a:t> oleh 2 orang </a:t>
-            </a:r>
-            <a:r>
-              <a:rPr lang="en-US" sz="1000" dirty="0" err="1">
-                <a:latin typeface="Poppins" panose="00000500000000000000" pitchFamily="2" charset="0"/>
-                <a:cs typeface="Poppins" panose="00000500000000000000" pitchFamily="2" charset="0"/>
-              </a:rPr>
-              <a:t>kalau</a:t>
-            </a:r>
-            <a:r>
-              <a:rPr lang="en-US" sz="1000" dirty="0">
-                <a:latin typeface="Poppins" panose="00000500000000000000" pitchFamily="2" charset="0"/>
-                <a:cs typeface="Poppins" panose="00000500000000000000" pitchFamily="2" charset="0"/>
-              </a:rPr>
-              <a:t> </a:t>
-            </a:r>
-            <a:r>
-              <a:rPr lang="en-US" sz="1000" dirty="0" err="1">
-                <a:latin typeface="Poppins" panose="00000500000000000000" pitchFamily="2" charset="0"/>
-                <a:cs typeface="Poppins" panose="00000500000000000000" pitchFamily="2" charset="0"/>
-              </a:rPr>
-              <a:t>mau</a:t>
-            </a:r>
-            <a:r>
-              <a:rPr lang="en-US" sz="1000" dirty="0">
-                <a:latin typeface="Poppins" panose="00000500000000000000" pitchFamily="2" charset="0"/>
-                <a:cs typeface="Poppins" panose="00000500000000000000" pitchFamily="2" charset="0"/>
-              </a:rPr>
-              <a:t> </a:t>
-            </a:r>
-            <a:r>
-              <a:rPr lang="en-US" sz="1000" dirty="0" err="1">
-                <a:latin typeface="Poppins" panose="00000500000000000000" pitchFamily="2" charset="0"/>
-                <a:cs typeface="Poppins" panose="00000500000000000000" pitchFamily="2" charset="0"/>
-              </a:rPr>
-              <a:t>sendiri</a:t>
-            </a:r>
-            <a:r>
-              <a:rPr lang="en-US" sz="1000" dirty="0">
-                <a:latin typeface="Poppins" panose="00000500000000000000" pitchFamily="2" charset="0"/>
-                <a:cs typeface="Poppins" panose="00000500000000000000" pitchFamily="2" charset="0"/>
-              </a:rPr>
-              <a:t> juga </a:t>
-            </a:r>
-            <a:r>
-              <a:rPr lang="en-US" sz="1000" dirty="0" err="1">
-                <a:latin typeface="Poppins" panose="00000500000000000000" pitchFamily="2" charset="0"/>
-                <a:cs typeface="Poppins" panose="00000500000000000000" pitchFamily="2" charset="0"/>
-              </a:rPr>
-              <a:t>boleh</a:t>
-            </a:r>
-            <a:r>
-              <a:rPr lang="en-US" sz="1000" dirty="0">
-                <a:latin typeface="Poppins" panose="00000500000000000000" pitchFamily="2" charset="0"/>
-                <a:cs typeface="Poppins" panose="00000500000000000000" pitchFamily="2" charset="0"/>
-              </a:rPr>
-              <a:t> :V</a:t>
-            </a:r>
-          </a:p>
-          <a:p>
-            <a:pPr marL="228600" indent="-228600">
-              <a:buFont typeface="+mj-lt"/>
-              <a:buAutoNum type="arabicPeriod"/>
-            </a:pPr>
-            <a:endParaRPr lang="en-US" sz="1000" dirty="0">
-              <a:latin typeface="Poppins" panose="00000500000000000000" pitchFamily="2" charset="0"/>
-              <a:cs typeface="Poppins" panose="00000500000000000000" pitchFamily="2" charset="0"/>
-            </a:endParaRPr>
-          </a:p>
-          <a:p>
-            <a:pPr marL="228600" indent="-228600">
-              <a:buFont typeface="+mj-lt"/>
-              <a:buAutoNum type="arabicPeriod"/>
-            </a:pPr>
-            <a:r>
-              <a:rPr lang="en-US" sz="1000" dirty="0" err="1">
-                <a:latin typeface="Poppins" panose="00000500000000000000" pitchFamily="2" charset="0"/>
-                <a:cs typeface="Poppins" panose="00000500000000000000" pitchFamily="2" charset="0"/>
-              </a:rPr>
-              <a:t>Diskusikan</a:t>
-            </a:r>
-            <a:r>
-              <a:rPr lang="en-US" sz="1000" dirty="0">
-                <a:latin typeface="Poppins" panose="00000500000000000000" pitchFamily="2" charset="0"/>
-                <a:cs typeface="Poppins" panose="00000500000000000000" pitchFamily="2" charset="0"/>
-              </a:rPr>
-              <a:t> Bersama </a:t>
-            </a:r>
-            <a:r>
-              <a:rPr lang="en-US" sz="1000" dirty="0" err="1">
-                <a:latin typeface="Poppins" panose="00000500000000000000" pitchFamily="2" charset="0"/>
-                <a:cs typeface="Poppins" panose="00000500000000000000" pitchFamily="2" charset="0"/>
-              </a:rPr>
-              <a:t>digrub</a:t>
-            </a:r>
-            <a:r>
-              <a:rPr lang="en-US" sz="1000" dirty="0">
-                <a:latin typeface="Poppins" panose="00000500000000000000" pitchFamily="2" charset="0"/>
-                <a:cs typeface="Poppins" panose="00000500000000000000" pitchFamily="2" charset="0"/>
-              </a:rPr>
-              <a:t> </a:t>
-            </a:r>
-            <a:r>
-              <a:rPr lang="en-US" sz="1000" dirty="0" err="1">
-                <a:latin typeface="Poppins" panose="00000500000000000000" pitchFamily="2" charset="0"/>
-                <a:cs typeface="Poppins" panose="00000500000000000000" pitchFamily="2" charset="0"/>
-              </a:rPr>
-              <a:t>jika</a:t>
-            </a:r>
-            <a:r>
-              <a:rPr lang="en-US" sz="1000" dirty="0">
-                <a:latin typeface="Poppins" panose="00000500000000000000" pitchFamily="2" charset="0"/>
-                <a:cs typeface="Poppins" panose="00000500000000000000" pitchFamily="2" charset="0"/>
-              </a:rPr>
-              <a:t> </a:t>
-            </a:r>
-            <a:r>
-              <a:rPr lang="en-US" sz="1000" dirty="0" err="1">
-                <a:latin typeface="Poppins" panose="00000500000000000000" pitchFamily="2" charset="0"/>
-                <a:cs typeface="Poppins" panose="00000500000000000000" pitchFamily="2" charset="0"/>
-              </a:rPr>
-              <a:t>ada</a:t>
-            </a:r>
-            <a:r>
-              <a:rPr lang="en-US" sz="1000" dirty="0">
-                <a:latin typeface="Poppins" panose="00000500000000000000" pitchFamily="2" charset="0"/>
-                <a:cs typeface="Poppins" panose="00000500000000000000" pitchFamily="2" charset="0"/>
-              </a:rPr>
-              <a:t> </a:t>
-            </a:r>
-            <a:r>
-              <a:rPr lang="en-US" sz="1000" dirty="0" err="1">
-                <a:latin typeface="Poppins" panose="00000500000000000000" pitchFamily="2" charset="0"/>
-                <a:cs typeface="Poppins" panose="00000500000000000000" pitchFamily="2" charset="0"/>
-              </a:rPr>
-              <a:t>kendala</a:t>
-            </a:r>
-            <a:endParaRPr lang="en-US" sz="1000" dirty="0">
-              <a:latin typeface="Poppins" panose="00000500000000000000" pitchFamily="2" charset="0"/>
-              <a:cs typeface="Poppins" panose="00000500000000000000" pitchFamily="2" charset="0"/>
-            </a:endParaRPr>
-          </a:p>
-          <a:p>
-            <a:pPr marL="228600" indent="-228600">
-              <a:buFont typeface="+mj-lt"/>
-              <a:buAutoNum type="arabicPeriod"/>
-            </a:pPr>
-            <a:endParaRPr lang="en-US" sz="1000" dirty="0">
-              <a:latin typeface="Poppins" panose="00000500000000000000" pitchFamily="2" charset="0"/>
-              <a:cs typeface="Poppins" panose="00000500000000000000" pitchFamily="2" charset="0"/>
-            </a:endParaRPr>
-          </a:p>
-          <a:p>
-            <a:pPr marL="228600" indent="-228600">
-              <a:buFont typeface="+mj-lt"/>
-              <a:buAutoNum type="arabicPeriod"/>
-            </a:pPr>
-            <a:r>
-              <a:rPr lang="en-US" sz="1000" dirty="0" err="1">
-                <a:latin typeface="Poppins" panose="00000500000000000000" pitchFamily="2" charset="0"/>
-                <a:cs typeface="Poppins" panose="00000500000000000000" pitchFamily="2" charset="0"/>
-              </a:rPr>
-              <a:t>Tidak</a:t>
-            </a:r>
-            <a:r>
-              <a:rPr lang="en-US" sz="1000" dirty="0">
-                <a:latin typeface="Poppins" panose="00000500000000000000" pitchFamily="2" charset="0"/>
-                <a:cs typeface="Poppins" panose="00000500000000000000" pitchFamily="2" charset="0"/>
-              </a:rPr>
-              <a:t> </a:t>
-            </a:r>
-            <a:r>
-              <a:rPr lang="en-US" sz="1000" dirty="0" err="1">
-                <a:latin typeface="Poppins" panose="00000500000000000000" pitchFamily="2" charset="0"/>
-                <a:cs typeface="Poppins" panose="00000500000000000000" pitchFamily="2" charset="0"/>
-              </a:rPr>
-              <a:t>dikerjakan</a:t>
-            </a:r>
-            <a:r>
-              <a:rPr lang="en-US" sz="1000" dirty="0">
-                <a:latin typeface="Poppins" panose="00000500000000000000" pitchFamily="2" charset="0"/>
-                <a:cs typeface="Poppins" panose="00000500000000000000" pitchFamily="2" charset="0"/>
-              </a:rPr>
-              <a:t> juga </a:t>
-            </a:r>
-            <a:r>
-              <a:rPr lang="en-US" sz="1000" dirty="0" err="1">
-                <a:latin typeface="Poppins" panose="00000500000000000000" pitchFamily="2" charset="0"/>
-                <a:cs typeface="Poppins" panose="00000500000000000000" pitchFamily="2" charset="0"/>
-              </a:rPr>
-              <a:t>gapapa</a:t>
-            </a:r>
-            <a:r>
-              <a:rPr lang="en-US" sz="1000" dirty="0">
-                <a:latin typeface="Poppins" panose="00000500000000000000" pitchFamily="2" charset="0"/>
-                <a:cs typeface="Poppins" panose="00000500000000000000" pitchFamily="2" charset="0"/>
-              </a:rPr>
-              <a:t>, </a:t>
-            </a:r>
-            <a:r>
-              <a:rPr lang="en-US" sz="1000" dirty="0" err="1">
-                <a:latin typeface="Poppins" panose="00000500000000000000" pitchFamily="2" charset="0"/>
-                <a:cs typeface="Poppins" panose="00000500000000000000" pitchFamily="2" charset="0"/>
-              </a:rPr>
-              <a:t>tidak</a:t>
-            </a:r>
-            <a:r>
-              <a:rPr lang="en-US" sz="1000" dirty="0">
-                <a:latin typeface="Poppins" panose="00000500000000000000" pitchFamily="2" charset="0"/>
-                <a:cs typeface="Poppins" panose="00000500000000000000" pitchFamily="2" charset="0"/>
-              </a:rPr>
-              <a:t> </a:t>
-            </a:r>
-            <a:r>
-              <a:rPr lang="en-US" sz="1000" dirty="0" err="1">
-                <a:latin typeface="Poppins" panose="00000500000000000000" pitchFamily="2" charset="0"/>
-                <a:cs typeface="Poppins" panose="00000500000000000000" pitchFamily="2" charset="0"/>
-              </a:rPr>
-              <a:t>dinilai</a:t>
-            </a:r>
-            <a:r>
-              <a:rPr lang="en-US" sz="1000" dirty="0">
-                <a:latin typeface="Poppins" panose="00000500000000000000" pitchFamily="2" charset="0"/>
-                <a:cs typeface="Poppins" panose="00000500000000000000" pitchFamily="2" charset="0"/>
-              </a:rPr>
-              <a:t>, </a:t>
-            </a:r>
-            <a:r>
-              <a:rPr lang="en-US" sz="1000" dirty="0" err="1">
-                <a:latin typeface="Poppins" panose="00000500000000000000" pitchFamily="2" charset="0"/>
-                <a:cs typeface="Poppins" panose="00000500000000000000" pitchFamily="2" charset="0"/>
-              </a:rPr>
-              <a:t>sebagai</a:t>
-            </a:r>
-            <a:r>
-              <a:rPr lang="en-US" sz="1000" dirty="0">
-                <a:latin typeface="Poppins" panose="00000500000000000000" pitchFamily="2" charset="0"/>
-                <a:cs typeface="Poppins" panose="00000500000000000000" pitchFamily="2" charset="0"/>
-              </a:rPr>
-              <a:t> </a:t>
-            </a:r>
-            <a:r>
-              <a:rPr lang="en-US" sz="1000" dirty="0" err="1">
-                <a:latin typeface="Poppins" panose="00000500000000000000" pitchFamily="2" charset="0"/>
-                <a:cs typeface="Poppins" panose="00000500000000000000" pitchFamily="2" charset="0"/>
-              </a:rPr>
-              <a:t>bahan</a:t>
-            </a:r>
-            <a:r>
-              <a:rPr lang="en-US" sz="1000" dirty="0">
-                <a:latin typeface="Poppins" panose="00000500000000000000" pitchFamily="2" charset="0"/>
-                <a:cs typeface="Poppins" panose="00000500000000000000" pitchFamily="2" charset="0"/>
-              </a:rPr>
-              <a:t> </a:t>
-            </a:r>
-            <a:r>
-              <a:rPr lang="en-US" sz="1000" dirty="0" err="1">
-                <a:latin typeface="Poppins" panose="00000500000000000000" pitchFamily="2" charset="0"/>
-                <a:cs typeface="Poppins" panose="00000500000000000000" pitchFamily="2" charset="0"/>
-              </a:rPr>
-              <a:t>diskusi</a:t>
-            </a:r>
-            <a:r>
-              <a:rPr lang="en-US" sz="1000" dirty="0">
-                <a:latin typeface="Poppins" panose="00000500000000000000" pitchFamily="2" charset="0"/>
-                <a:cs typeface="Poppins" panose="00000500000000000000" pitchFamily="2" charset="0"/>
-              </a:rPr>
-              <a:t>  :V</a:t>
-            </a:r>
-          </a:p>
-          <a:p>
-            <a:pPr marL="228600" indent="-228600">
-              <a:buFont typeface="+mj-lt"/>
-              <a:buAutoNum type="arabicPeriod"/>
-            </a:pPr>
-            <a:endParaRPr lang="en-US" sz="1000" dirty="0">
-              <a:latin typeface="Poppins" panose="00000500000000000000" pitchFamily="2" charset="0"/>
-              <a:cs typeface="Poppins" panose="00000500000000000000" pitchFamily="2" charset="0"/>
-            </a:endParaRPr>
-          </a:p>
-          <a:p>
-            <a:pPr marL="228600" indent="-228600">
-              <a:buFont typeface="+mj-lt"/>
-              <a:buAutoNum type="arabicPeriod"/>
-            </a:pPr>
-            <a:r>
-              <a:rPr lang="en-US" sz="1000" dirty="0" err="1">
-                <a:latin typeface="Poppins" panose="00000500000000000000" pitchFamily="2" charset="0"/>
-                <a:cs typeface="Poppins" panose="00000500000000000000" pitchFamily="2" charset="0"/>
-              </a:rPr>
-              <a:t>Minggu</a:t>
-            </a:r>
-            <a:r>
-              <a:rPr lang="en-US" sz="1000" dirty="0">
-                <a:latin typeface="Poppins" panose="00000500000000000000" pitchFamily="2" charset="0"/>
-                <a:cs typeface="Poppins" panose="00000500000000000000" pitchFamily="2" charset="0"/>
-              </a:rPr>
-              <a:t> ke-3 </a:t>
-            </a:r>
-            <a:r>
-              <a:rPr lang="en-US" sz="1000" dirty="0" err="1">
-                <a:latin typeface="Poppins" panose="00000500000000000000" pitchFamily="2" charset="0"/>
-                <a:cs typeface="Poppins" panose="00000500000000000000" pitchFamily="2" charset="0"/>
-              </a:rPr>
-              <a:t>silahkan</a:t>
-            </a:r>
-            <a:r>
-              <a:rPr lang="en-US" sz="1000" dirty="0">
-                <a:latin typeface="Poppins" panose="00000500000000000000" pitchFamily="2" charset="0"/>
-                <a:cs typeface="Poppins" panose="00000500000000000000" pitchFamily="2" charset="0"/>
-              </a:rPr>
-              <a:t> </a:t>
-            </a:r>
-            <a:r>
-              <a:rPr lang="en-US" sz="1000" dirty="0" err="1">
-                <a:latin typeface="Poppins" panose="00000500000000000000" pitchFamily="2" charset="0"/>
-                <a:cs typeface="Poppins" panose="00000500000000000000" pitchFamily="2" charset="0"/>
-              </a:rPr>
-              <a:t>bahas</a:t>
-            </a:r>
-            <a:r>
-              <a:rPr lang="en-US" sz="1000" dirty="0">
-                <a:latin typeface="Poppins" panose="00000500000000000000" pitchFamily="2" charset="0"/>
-                <a:cs typeface="Poppins" panose="00000500000000000000" pitchFamily="2" charset="0"/>
-              </a:rPr>
-              <a:t> di meeting, code </a:t>
-            </a:r>
-            <a:r>
-              <a:rPr lang="en-US" sz="1000" dirty="0" err="1">
-                <a:latin typeface="Poppins" panose="00000500000000000000" pitchFamily="2" charset="0"/>
-                <a:cs typeface="Poppins" panose="00000500000000000000" pitchFamily="2" charset="0"/>
-              </a:rPr>
-              <a:t>nya</a:t>
-            </a:r>
-            <a:r>
-              <a:rPr lang="en-US" sz="1000" dirty="0">
-                <a:latin typeface="Poppins" panose="00000500000000000000" pitchFamily="2" charset="0"/>
-                <a:cs typeface="Poppins" panose="00000500000000000000" pitchFamily="2" charset="0"/>
-              </a:rPr>
-              <a:t> </a:t>
-            </a:r>
-            <a:r>
-              <a:rPr lang="en-US" sz="1000" dirty="0" err="1">
-                <a:latin typeface="Poppins" panose="00000500000000000000" pitchFamily="2" charset="0"/>
-                <a:cs typeface="Poppins" panose="00000500000000000000" pitchFamily="2" charset="0"/>
-              </a:rPr>
-              <a:t>bukan</a:t>
-            </a:r>
-            <a:r>
-              <a:rPr lang="en-US" sz="1000" dirty="0">
-                <a:latin typeface="Poppins" panose="00000500000000000000" pitchFamily="2" charset="0"/>
-                <a:cs typeface="Poppins" panose="00000500000000000000" pitchFamily="2" charset="0"/>
-              </a:rPr>
-              <a:t> </a:t>
-            </a:r>
-            <a:r>
-              <a:rPr lang="en-US" sz="1000" dirty="0" err="1">
-                <a:latin typeface="Poppins" panose="00000500000000000000" pitchFamily="2" charset="0"/>
-                <a:cs typeface="Poppins" panose="00000500000000000000" pitchFamily="2" charset="0"/>
-              </a:rPr>
-              <a:t>hasilnya</a:t>
-            </a:r>
-            <a:r>
-              <a:rPr lang="en-US" sz="1000" dirty="0">
-                <a:latin typeface="Poppins" panose="00000500000000000000" pitchFamily="2" charset="0"/>
-                <a:cs typeface="Poppins" panose="00000500000000000000" pitchFamily="2" charset="0"/>
-              </a:rPr>
-              <a:t> :V</a:t>
-            </a:r>
-          </a:p>
-          <a:p>
-            <a:pPr marL="228600" indent="-228600">
-              <a:buFont typeface="+mj-lt"/>
-              <a:buAutoNum type="arabicPeriod"/>
-            </a:pPr>
-            <a:endParaRPr lang="en-US" sz="1000" dirty="0">
-              <a:latin typeface="Poppins" panose="00000500000000000000" pitchFamily="2" charset="0"/>
-              <a:cs typeface="Poppins" panose="00000500000000000000" pitchFamily="2" charset="0"/>
-            </a:endParaRPr>
-          </a:p>
-          <a:p>
-            <a:pPr marL="228600" indent="-228600">
-              <a:buFont typeface="+mj-lt"/>
-              <a:buAutoNum type="arabicPeriod"/>
-            </a:pPr>
-            <a:r>
-              <a:rPr lang="en-US" sz="1000" dirty="0" err="1">
-                <a:latin typeface="Poppins" panose="00000500000000000000" pitchFamily="2" charset="0"/>
-                <a:cs typeface="Poppins" panose="00000500000000000000" pitchFamily="2" charset="0"/>
-              </a:rPr>
-              <a:t>Tujuannya</a:t>
-            </a:r>
-            <a:r>
-              <a:rPr lang="en-US" sz="1000" dirty="0">
-                <a:latin typeface="Poppins" panose="00000500000000000000" pitchFamily="2" charset="0"/>
-                <a:cs typeface="Poppins" panose="00000500000000000000" pitchFamily="2" charset="0"/>
-              </a:rPr>
-              <a:t> </a:t>
-            </a:r>
-            <a:r>
-              <a:rPr lang="en-US" sz="1000" dirty="0" err="1">
-                <a:latin typeface="Poppins" panose="00000500000000000000" pitchFamily="2" charset="0"/>
-                <a:cs typeface="Poppins" panose="00000500000000000000" pitchFamily="2" charset="0"/>
-              </a:rPr>
-              <a:t>supaya</a:t>
-            </a:r>
-            <a:r>
-              <a:rPr lang="en-US" sz="1000" dirty="0">
-                <a:latin typeface="Poppins" panose="00000500000000000000" pitchFamily="2" charset="0"/>
-                <a:cs typeface="Poppins" panose="00000500000000000000" pitchFamily="2" charset="0"/>
-              </a:rPr>
-              <a:t> </a:t>
-            </a:r>
-            <a:r>
-              <a:rPr lang="en-US" sz="1000" dirty="0" err="1">
-                <a:latin typeface="Poppins" panose="00000500000000000000" pitchFamily="2" charset="0"/>
-                <a:cs typeface="Poppins" panose="00000500000000000000" pitchFamily="2" charset="0"/>
-              </a:rPr>
-              <a:t>kita</a:t>
-            </a:r>
-            <a:r>
-              <a:rPr lang="en-US" sz="1000" dirty="0">
-                <a:latin typeface="Poppins" panose="00000500000000000000" pitchFamily="2" charset="0"/>
-                <a:cs typeface="Poppins" panose="00000500000000000000" pitchFamily="2" charset="0"/>
-              </a:rPr>
-              <a:t> </a:t>
-            </a:r>
-            <a:r>
-              <a:rPr lang="en-US" sz="1000" dirty="0" err="1">
-                <a:latin typeface="Poppins" panose="00000500000000000000" pitchFamily="2" charset="0"/>
-                <a:cs typeface="Poppins" panose="00000500000000000000" pitchFamily="2" charset="0"/>
-              </a:rPr>
-              <a:t>dapat</a:t>
-            </a:r>
-            <a:r>
-              <a:rPr lang="en-US" sz="1000" dirty="0">
-                <a:latin typeface="Poppins" panose="00000500000000000000" pitchFamily="2" charset="0"/>
-                <a:cs typeface="Poppins" panose="00000500000000000000" pitchFamily="2" charset="0"/>
-              </a:rPr>
-              <a:t> </a:t>
-            </a:r>
-            <a:r>
-              <a:rPr lang="en-US" sz="1000" dirty="0" err="1">
-                <a:latin typeface="Poppins" panose="00000500000000000000" pitchFamily="2" charset="0"/>
-                <a:cs typeface="Poppins" panose="00000500000000000000" pitchFamily="2" charset="0"/>
-              </a:rPr>
-              <a:t>mengerti</a:t>
-            </a:r>
-            <a:r>
-              <a:rPr lang="en-US" sz="1000" dirty="0">
-                <a:latin typeface="Poppins" panose="00000500000000000000" pitchFamily="2" charset="0"/>
-                <a:cs typeface="Poppins" panose="00000500000000000000" pitchFamily="2" charset="0"/>
-              </a:rPr>
-              <a:t> </a:t>
-            </a:r>
-            <a:r>
-              <a:rPr lang="en-US" sz="1000" dirty="0" err="1">
-                <a:latin typeface="Poppins" panose="00000500000000000000" pitchFamily="2" charset="0"/>
-                <a:cs typeface="Poppins" panose="00000500000000000000" pitchFamily="2" charset="0"/>
-              </a:rPr>
-              <a:t>tentang</a:t>
-            </a:r>
-            <a:r>
-              <a:rPr lang="en-US" sz="1000" dirty="0">
-                <a:latin typeface="Poppins" panose="00000500000000000000" pitchFamily="2" charset="0"/>
-                <a:cs typeface="Poppins" panose="00000500000000000000" pitchFamily="2" charset="0"/>
-              </a:rPr>
-              <a:t> </a:t>
-            </a:r>
-            <a:r>
-              <a:rPr lang="en-US" sz="1000" dirty="0" err="1">
-                <a:latin typeface="Poppins" panose="00000500000000000000" pitchFamily="2" charset="0"/>
-                <a:cs typeface="Poppins" panose="00000500000000000000" pitchFamily="2" charset="0"/>
-              </a:rPr>
-              <a:t>pengkodean</a:t>
-            </a:r>
-            <a:r>
-              <a:rPr lang="en-US" sz="1000" dirty="0">
-                <a:latin typeface="Poppins" panose="00000500000000000000" pitchFamily="2" charset="0"/>
-                <a:cs typeface="Poppins" panose="00000500000000000000" pitchFamily="2" charset="0"/>
-              </a:rPr>
-              <a:t> </a:t>
-            </a:r>
-            <a:r>
-              <a:rPr lang="en-US" sz="1000" dirty="0" err="1">
-                <a:latin typeface="Poppins" panose="00000500000000000000" pitchFamily="2" charset="0"/>
-                <a:cs typeface="Poppins" panose="00000500000000000000" pitchFamily="2" charset="0"/>
-              </a:rPr>
-              <a:t>javascript</a:t>
-            </a:r>
-            <a:r>
-              <a:rPr lang="en-US" sz="1000" dirty="0">
-                <a:latin typeface="Poppins" panose="00000500000000000000" pitchFamily="2" charset="0"/>
-                <a:cs typeface="Poppins" panose="00000500000000000000" pitchFamily="2" charset="0"/>
-              </a:rPr>
-              <a:t> native </a:t>
-            </a:r>
-            <a:r>
-              <a:rPr lang="en-US" sz="1000" dirty="0" err="1">
-                <a:latin typeface="Poppins" panose="00000500000000000000" pitchFamily="2" charset="0"/>
-                <a:cs typeface="Poppins" panose="00000500000000000000" pitchFamily="2" charset="0"/>
-              </a:rPr>
-              <a:t>sebelum</a:t>
-            </a:r>
-            <a:r>
-              <a:rPr lang="en-US" sz="1000" dirty="0">
-                <a:latin typeface="Poppins" panose="00000500000000000000" pitchFamily="2" charset="0"/>
-                <a:cs typeface="Poppins" panose="00000500000000000000" pitchFamily="2" charset="0"/>
-              </a:rPr>
-              <a:t> </a:t>
-            </a:r>
-            <a:r>
-              <a:rPr lang="en-US" sz="1000" dirty="0" err="1">
-                <a:latin typeface="Poppins" panose="00000500000000000000" pitchFamily="2" charset="0"/>
-                <a:cs typeface="Poppins" panose="00000500000000000000" pitchFamily="2" charset="0"/>
-              </a:rPr>
-              <a:t>masuk</a:t>
-            </a:r>
-            <a:r>
-              <a:rPr lang="en-US" sz="1000" dirty="0">
-                <a:latin typeface="Poppins" panose="00000500000000000000" pitchFamily="2" charset="0"/>
-                <a:cs typeface="Poppins" panose="00000500000000000000" pitchFamily="2" charset="0"/>
-              </a:rPr>
-              <a:t> </a:t>
-            </a:r>
-            <a:r>
-              <a:rPr lang="en-US" sz="1000" dirty="0" err="1">
-                <a:latin typeface="Poppins" panose="00000500000000000000" pitchFamily="2" charset="0"/>
-                <a:cs typeface="Poppins" panose="00000500000000000000" pitchFamily="2" charset="0"/>
-              </a:rPr>
-              <a:t>ke</a:t>
-            </a:r>
-            <a:r>
-              <a:rPr lang="en-US" sz="1000" dirty="0">
-                <a:latin typeface="Poppins" panose="00000500000000000000" pitchFamily="2" charset="0"/>
-                <a:cs typeface="Poppins" panose="00000500000000000000" pitchFamily="2" charset="0"/>
-              </a:rPr>
-              <a:t> </a:t>
-            </a:r>
-            <a:r>
-              <a:rPr lang="en-US" sz="1000" dirty="0" err="1">
-                <a:latin typeface="Poppins" panose="00000500000000000000" pitchFamily="2" charset="0"/>
-                <a:cs typeface="Poppins" panose="00000500000000000000" pitchFamily="2" charset="0"/>
-              </a:rPr>
-              <a:t>materi</a:t>
-            </a:r>
-            <a:r>
-              <a:rPr lang="en-US" sz="1000" dirty="0">
-                <a:latin typeface="Poppins" panose="00000500000000000000" pitchFamily="2" charset="0"/>
-                <a:cs typeface="Poppins" panose="00000500000000000000" pitchFamily="2" charset="0"/>
-              </a:rPr>
-              <a:t> framework</a:t>
-            </a:r>
-          </a:p>
-          <a:p>
-            <a:pPr marL="228600" indent="-228600">
-              <a:buFont typeface="+mj-lt"/>
-              <a:buAutoNum type="arabicPeriod"/>
-            </a:pPr>
-            <a:endParaRPr lang="en-US" sz="1000" dirty="0">
-              <a:latin typeface="Poppins" panose="00000500000000000000" pitchFamily="2" charset="0"/>
-              <a:cs typeface="Poppins" panose="00000500000000000000" pitchFamily="2" charset="0"/>
-            </a:endParaRPr>
-          </a:p>
-          <a:p>
-            <a:pPr marL="228600" indent="-228600">
-              <a:buFont typeface="+mj-lt"/>
-              <a:buAutoNum type="arabicPeriod"/>
-            </a:pPr>
-            <a:r>
-              <a:rPr lang="en-US" sz="1000" dirty="0">
-                <a:latin typeface="Poppins" panose="00000500000000000000" pitchFamily="2" charset="0"/>
-                <a:cs typeface="Poppins" panose="00000500000000000000" pitchFamily="2" charset="0"/>
-              </a:rPr>
-              <a:t>Practice make improvement </a:t>
-            </a:r>
-          </a:p>
-          <a:p>
-            <a:pPr marL="228600" indent="-228600">
-              <a:buFont typeface="+mj-lt"/>
-              <a:buAutoNum type="arabicPeriod"/>
-            </a:pPr>
-            <a:endParaRPr lang="en-US" sz="1000" dirty="0">
-              <a:latin typeface="Poppins" panose="00000500000000000000" pitchFamily="2" charset="0"/>
-              <a:cs typeface="Poppins" panose="00000500000000000000" pitchFamily="2" charset="0"/>
-            </a:endParaRPr>
-          </a:p>
-          <a:p>
-            <a:pPr marL="228600" indent="-228600">
-              <a:buFont typeface="+mj-lt"/>
-              <a:buAutoNum type="arabicPeriod"/>
-            </a:pPr>
-            <a:r>
-              <a:rPr lang="en-US" sz="1000" dirty="0">
-                <a:latin typeface="Poppins" panose="00000500000000000000" pitchFamily="2" charset="0"/>
-                <a:cs typeface="Poppins" panose="00000500000000000000" pitchFamily="2" charset="0"/>
-              </a:rPr>
-              <a:t>Next </a:t>
-            </a:r>
-            <a:r>
-              <a:rPr lang="en-US" sz="1000" dirty="0" err="1">
-                <a:latin typeface="Poppins" panose="00000500000000000000" pitchFamily="2" charset="0"/>
-                <a:cs typeface="Poppins" panose="00000500000000000000" pitchFamily="2" charset="0"/>
-              </a:rPr>
-              <a:t>Materi</a:t>
-            </a:r>
-            <a:r>
-              <a:rPr lang="en-US" sz="1000" dirty="0">
-                <a:latin typeface="Poppins" panose="00000500000000000000" pitchFamily="2" charset="0"/>
-                <a:cs typeface="Poppins" panose="00000500000000000000" pitchFamily="2" charset="0"/>
-              </a:rPr>
-              <a:t>: asynchronous (API)</a:t>
-            </a:r>
-          </a:p>
-          <a:p>
-            <a:pPr marL="228600" indent="-228600">
-              <a:buFont typeface="+mj-lt"/>
-              <a:buAutoNum type="arabicPeriod"/>
-            </a:pPr>
-            <a:endParaRPr lang="en-US" sz="1000" dirty="0">
-              <a:latin typeface="Poppins" panose="00000500000000000000" pitchFamily="2" charset="0"/>
-              <a:cs typeface="Poppins" panose="00000500000000000000" pitchFamily="2" charset="0"/>
-            </a:endParaRPr>
-          </a:p>
-          <a:p>
-            <a:pPr marL="228600" indent="-228600">
-              <a:buFont typeface="+mj-lt"/>
-              <a:buAutoNum type="arabicPeriod"/>
-            </a:pPr>
-            <a:r>
-              <a:rPr lang="en-US" sz="1000" dirty="0" err="1">
-                <a:latin typeface="Poppins" panose="00000500000000000000" pitchFamily="2" charset="0"/>
-                <a:cs typeface="Poppins" panose="00000500000000000000" pitchFamily="2" charset="0"/>
-              </a:rPr>
-              <a:t>Contoh</a:t>
-            </a:r>
-            <a:r>
-              <a:rPr lang="en-US" sz="1000" dirty="0">
-                <a:latin typeface="Poppins" panose="00000500000000000000" pitchFamily="2" charset="0"/>
-                <a:cs typeface="Poppins" panose="00000500000000000000" pitchFamily="2" charset="0"/>
-              </a:rPr>
-              <a:t> submission: </a:t>
-            </a:r>
-          </a:p>
-          <a:p>
-            <a:pPr marL="228600" indent="-228600">
-              <a:buFont typeface="+mj-lt"/>
-              <a:buAutoNum type="arabicPeriod"/>
-            </a:pPr>
-            <a:endParaRPr lang="en-US" sz="1000" dirty="0">
-              <a:latin typeface="Poppins" panose="00000500000000000000" pitchFamily="2" charset="0"/>
-              <a:cs typeface="Poppins" panose="00000500000000000000" pitchFamily="2" charset="0"/>
-            </a:endParaRPr>
-          </a:p>
-          <a:p>
-            <a:pPr marL="685800" lvl="1" indent="-228600">
-              <a:buFont typeface="+mj-lt"/>
-              <a:buAutoNum type="arabicPeriod"/>
-            </a:pPr>
-            <a:r>
-              <a:rPr lang="en-US" sz="1000" dirty="0">
-                <a:latin typeface="Poppins" panose="00000500000000000000" pitchFamily="2" charset="0"/>
-                <a:cs typeface="Poppins" panose="00000500000000000000" pitchFamily="2" charset="0"/>
-                <a:hlinkClick r:id="rId2"/>
-              </a:rPr>
-              <a:t>https://suspicious-elion-55f6c0.netlify.app</a:t>
-            </a:r>
-            <a:endParaRPr lang="en-US" sz="1000" dirty="0">
-              <a:latin typeface="Poppins" panose="00000500000000000000" pitchFamily="2" charset="0"/>
-              <a:cs typeface="Poppins" panose="00000500000000000000" pitchFamily="2" charset="0"/>
-            </a:endParaRPr>
-          </a:p>
-          <a:p>
-            <a:pPr marL="685800" lvl="1" indent="-228600">
-              <a:buFont typeface="+mj-lt"/>
-              <a:buAutoNum type="arabicPeriod"/>
-            </a:pPr>
-            <a:endParaRPr lang="en-US" sz="1000" dirty="0">
-              <a:latin typeface="Poppins" panose="00000500000000000000" pitchFamily="2" charset="0"/>
-              <a:cs typeface="Poppins" panose="00000500000000000000" pitchFamily="2" charset="0"/>
-            </a:endParaRPr>
-          </a:p>
-          <a:p>
-            <a:pPr marL="685800" lvl="1" indent="-228600">
-              <a:buFont typeface="+mj-lt"/>
-              <a:buAutoNum type="arabicPeriod"/>
-            </a:pPr>
-            <a:r>
-              <a:rPr lang="en-US" sz="1000" dirty="0">
-                <a:latin typeface="Poppins" panose="00000500000000000000" pitchFamily="2" charset="0"/>
-                <a:cs typeface="Poppins" panose="00000500000000000000" pitchFamily="2" charset="0"/>
-                <a:hlinkClick r:id="rId3"/>
-              </a:rPr>
-              <a:t>https://focused-liskov-119164.netlify.app</a:t>
-            </a:r>
-            <a:r>
-              <a:rPr lang="en-US" sz="1000" dirty="0">
-                <a:latin typeface="Poppins" panose="00000500000000000000" pitchFamily="2" charset="0"/>
-                <a:cs typeface="Poppins" panose="00000500000000000000" pitchFamily="2" charset="0"/>
-              </a:rPr>
-              <a:t> </a:t>
-            </a:r>
-          </a:p>
-          <a:p>
-            <a:pPr marL="685800" lvl="1" indent="-228600">
-              <a:buFont typeface="+mj-lt"/>
-              <a:buAutoNum type="arabicPeriod"/>
-            </a:pPr>
-            <a:endParaRPr lang="en-US" sz="1000" dirty="0">
-              <a:latin typeface="Poppins" panose="00000500000000000000" pitchFamily="2" charset="0"/>
-              <a:cs typeface="Poppins" panose="00000500000000000000" pitchFamily="2" charset="0"/>
-            </a:endParaRPr>
-          </a:p>
-          <a:p>
-            <a:pPr marL="685800" lvl="1" indent="-228600">
-              <a:buFont typeface="+mj-lt"/>
-              <a:buAutoNum type="arabicPeriod"/>
-            </a:pPr>
-            <a:r>
-              <a:rPr lang="en-US" sz="1000" dirty="0">
-                <a:latin typeface="Poppins" panose="00000500000000000000" pitchFamily="2" charset="0"/>
-                <a:cs typeface="Poppins" panose="00000500000000000000" pitchFamily="2" charset="0"/>
-              </a:rPr>
-              <a:t>Source code </a:t>
-            </a:r>
-            <a:r>
-              <a:rPr lang="en-US" sz="1000" dirty="0" err="1">
-                <a:latin typeface="Poppins" panose="00000500000000000000" pitchFamily="2" charset="0"/>
-                <a:cs typeface="Poppins" panose="00000500000000000000" pitchFamily="2" charset="0"/>
-              </a:rPr>
-              <a:t>ada</a:t>
-            </a:r>
-            <a:r>
-              <a:rPr lang="en-US" sz="1000" dirty="0">
-                <a:latin typeface="Poppins" panose="00000500000000000000" pitchFamily="2" charset="0"/>
-                <a:cs typeface="Poppins" panose="00000500000000000000" pitchFamily="2" charset="0"/>
-              </a:rPr>
-              <a:t> di </a:t>
-            </a:r>
-            <a:r>
-              <a:rPr lang="en-US" sz="1000" dirty="0" err="1">
-                <a:latin typeface="Poppins" panose="00000500000000000000" pitchFamily="2" charset="0"/>
-                <a:cs typeface="Poppins" panose="00000500000000000000" pitchFamily="2" charset="0"/>
-              </a:rPr>
-              <a:t>github</a:t>
-            </a:r>
-            <a:r>
-              <a:rPr lang="en-US" sz="1000" dirty="0">
-                <a:latin typeface="Poppins" panose="00000500000000000000" pitchFamily="2" charset="0"/>
-                <a:cs typeface="Poppins" panose="00000500000000000000" pitchFamily="2" charset="0"/>
-              </a:rPr>
-              <a:t> yang </a:t>
-            </a:r>
-            <a:r>
-              <a:rPr lang="en-US" sz="1000" dirty="0" err="1">
-                <a:latin typeface="Poppins" panose="00000500000000000000" pitchFamily="2" charset="0"/>
-                <a:cs typeface="Poppins" panose="00000500000000000000" pitchFamily="2" charset="0"/>
-              </a:rPr>
-              <a:t>biasa</a:t>
-            </a:r>
-            <a:endParaRPr lang="en-US" sz="1000" dirty="0">
-              <a:latin typeface="Poppins" panose="00000500000000000000" pitchFamily="2" charset="0"/>
-              <a:cs typeface="Poppins" panose="00000500000000000000" pitchFamily="2" charset="0"/>
-            </a:endParaRPr>
-          </a:p>
-          <a:p>
-            <a:pPr marL="228600" indent="-228600">
-              <a:buFont typeface="+mj-lt"/>
-              <a:buAutoNum type="arabicPeriod"/>
-            </a:pPr>
-            <a:endParaRPr lang="en-US" sz="1000" dirty="0">
-              <a:latin typeface="Poppins" panose="00000500000000000000" pitchFamily="2" charset="0"/>
-              <a:cs typeface="Poppins" panose="00000500000000000000" pitchFamily="2" charset="0"/>
-            </a:endParaRPr>
-          </a:p>
-        </p:txBody>
-      </p:sp>
-    </p:spTree>
-    <p:extLst>
-      <p:ext uri="{BB962C8B-B14F-4D97-AF65-F5344CB8AC3E}">
-        <p14:creationId xmlns:p14="http://schemas.microsoft.com/office/powerpoint/2010/main" val="4109695148"/>
-      </p:ext>
-    </p:extLst>
-  </p:cSld>
-  <p:clrMapOvr>
-    <a:masterClrMapping/>
-  </p:clrMapOvr>
-</p:sld>
-</file>
-
-<file path=ppt/slides/slide2.xml><?xml version="1.0" encoding="utf-8"?>
-<p:sld xmlns:a="http://schemas.openxmlformats.org/drawingml/2006/main" xmlns:r="http://schemas.openxmlformats.org/officeDocument/2006/relationships" xmlns:p="http://schemas.openxmlformats.org/presentationml/2006/main">
-  <p:cSld>
-    <p:spTree>
-      <p:nvGrpSpPr>
-        <p:cNvPr id="1" name=""/>
-        <p:cNvGrpSpPr/>
-        <p:nvPr/>
-      </p:nvGrpSpPr>
-      <p:grpSpPr>
-        <a:xfrm>
-          <a:off x="0" y="0"/>
-          <a:ext cx="0" cy="0"/>
-          <a:chOff x="0" y="0"/>
-          <a:chExt cx="0" cy="0"/>
-        </a:xfrm>
-      </p:grpSpPr>
-      <p:sp>
-        <p:nvSpPr>
-          <p:cNvPr id="6" name="TextBox 5">
-            <a:extLst>
-              <a:ext uri="{FF2B5EF4-FFF2-40B4-BE49-F238E27FC236}">
-                <a16:creationId xmlns:a16="http://schemas.microsoft.com/office/drawing/2014/main" id="{6D1A6A94-A72D-42FD-9FCB-CE5FDBE3084F}"/>
-              </a:ext>
-            </a:extLst>
-          </p:cNvPr>
-          <p:cNvSpPr txBox="1"/>
-          <p:nvPr/>
-        </p:nvSpPr>
-        <p:spPr>
-          <a:xfrm>
-            <a:off x="770950" y="377376"/>
-            <a:ext cx="1696298" cy="338554"/>
-          </a:xfrm>
-          <a:prstGeom prst="rect">
-            <a:avLst/>
-          </a:prstGeom>
-          <a:noFill/>
-        </p:spPr>
-        <p:txBody>
-          <a:bodyPr wrap="none" rtlCol="0">
-            <a:spAutoFit/>
-          </a:bodyPr>
-          <a:lstStyle/>
-          <a:p>
-            <a:r>
-              <a:rPr lang="en-US" sz="1600" dirty="0">
-                <a:latin typeface="Poppins" panose="00000500000000000000" pitchFamily="2" charset="0"/>
-                <a:cs typeface="Poppins" panose="00000500000000000000" pitchFamily="2" charset="0"/>
-              </a:rPr>
-              <a:t>Structure HTML</a:t>
-            </a:r>
-          </a:p>
-        </p:txBody>
-      </p:sp>
-      <p:pic>
-        <p:nvPicPr>
-          <p:cNvPr id="8" name="Picture 7">
-            <a:extLst>
-              <a:ext uri="{FF2B5EF4-FFF2-40B4-BE49-F238E27FC236}">
-                <a16:creationId xmlns:a16="http://schemas.microsoft.com/office/drawing/2014/main" id="{0F86ACF2-5370-488D-A6C3-AFD82D2FE341}"/>
-              </a:ext>
-            </a:extLst>
-          </p:cNvPr>
-          <p:cNvPicPr>
-            <a:picLocks noChangeAspect="1"/>
-          </p:cNvPicPr>
-          <p:nvPr/>
-        </p:nvPicPr>
-        <p:blipFill>
-          <a:blip r:embed="rId2">
-            <a:extLst>
-              <a:ext uri="{28A0092B-C50C-407E-A947-70E740481C1C}">
-                <a14:useLocalDpi xmlns:a14="http://schemas.microsoft.com/office/drawing/2010/main" val="0"/>
-              </a:ext>
-            </a:extLst>
-          </a:blip>
-          <a:stretch>
-            <a:fillRect/>
-          </a:stretch>
-        </p:blipFill>
-        <p:spPr>
-          <a:xfrm>
-            <a:off x="2398325" y="1318757"/>
-            <a:ext cx="5481883" cy="3901811"/>
-          </a:xfrm>
-          <a:prstGeom prst="rect">
-            <a:avLst/>
-          </a:prstGeom>
-        </p:spPr>
-      </p:pic>
-      <p:cxnSp>
-        <p:nvCxnSpPr>
-          <p:cNvPr id="9" name="Straight Connector 8">
-            <a:extLst>
-              <a:ext uri="{FF2B5EF4-FFF2-40B4-BE49-F238E27FC236}">
-                <a16:creationId xmlns:a16="http://schemas.microsoft.com/office/drawing/2014/main" id="{8413EDED-1DC1-4635-8AEC-C72F04BD4E26}"/>
-              </a:ext>
-            </a:extLst>
-          </p:cNvPr>
-          <p:cNvCxnSpPr>
-            <a:cxnSpLocks/>
-          </p:cNvCxnSpPr>
-          <p:nvPr/>
-        </p:nvCxnSpPr>
-        <p:spPr>
-          <a:xfrm flipH="1" flipV="1">
-            <a:off x="1837267" y="2032000"/>
-            <a:ext cx="1092201" cy="364067"/>
-          </a:xfrm>
-          <a:prstGeom prst="line">
-            <a:avLst/>
-          </a:prstGeom>
-          <a:ln>
-            <a:solidFill>
-              <a:srgbClr val="FF0000"/>
-            </a:solidFill>
-          </a:ln>
-        </p:spPr>
-        <p:style>
-          <a:lnRef idx="1">
-            <a:schemeClr val="accent6"/>
-          </a:lnRef>
-          <a:fillRef idx="0">
-            <a:schemeClr val="accent6"/>
-          </a:fillRef>
-          <a:effectRef idx="0">
-            <a:schemeClr val="accent6"/>
-          </a:effectRef>
-          <a:fontRef idx="minor">
-            <a:schemeClr val="tx1"/>
-          </a:fontRef>
-        </p:style>
-      </p:cxnSp>
-      <p:sp>
-        <p:nvSpPr>
-          <p:cNvPr id="12" name="TextBox 11">
-            <a:extLst>
-              <a:ext uri="{FF2B5EF4-FFF2-40B4-BE49-F238E27FC236}">
-                <a16:creationId xmlns:a16="http://schemas.microsoft.com/office/drawing/2014/main" id="{0751CD31-57FD-41D5-ADB5-687E68EDC811}"/>
-              </a:ext>
-            </a:extLst>
-          </p:cNvPr>
-          <p:cNvSpPr txBox="1"/>
-          <p:nvPr/>
-        </p:nvSpPr>
-        <p:spPr>
-          <a:xfrm>
-            <a:off x="1041399" y="1785779"/>
-            <a:ext cx="795868" cy="246221"/>
-          </a:xfrm>
-          <a:prstGeom prst="rect">
-            <a:avLst/>
-          </a:prstGeom>
-          <a:noFill/>
-        </p:spPr>
-        <p:txBody>
-          <a:bodyPr wrap="square" rtlCol="0">
-            <a:spAutoFit/>
-          </a:bodyPr>
-          <a:lstStyle/>
-          <a:p>
-            <a:r>
-              <a:rPr lang="en-US" sz="1000" dirty="0">
-                <a:latin typeface="Poppins" panose="00000500000000000000" pitchFamily="2" charset="0"/>
-                <a:cs typeface="Poppins" panose="00000500000000000000" pitchFamily="2" charset="0"/>
-              </a:rPr>
-              <a:t>HTML tag</a:t>
-            </a:r>
-          </a:p>
-        </p:txBody>
-      </p:sp>
-      <p:sp>
-        <p:nvSpPr>
-          <p:cNvPr id="14" name="TextBox 13">
-            <a:extLst>
-              <a:ext uri="{FF2B5EF4-FFF2-40B4-BE49-F238E27FC236}">
-                <a16:creationId xmlns:a16="http://schemas.microsoft.com/office/drawing/2014/main" id="{91F62EFD-2E96-4115-B212-E6EC4F37F839}"/>
-              </a:ext>
-            </a:extLst>
-          </p:cNvPr>
-          <p:cNvSpPr txBox="1"/>
-          <p:nvPr/>
-        </p:nvSpPr>
-        <p:spPr>
-          <a:xfrm>
-            <a:off x="967456" y="2396067"/>
-            <a:ext cx="795868" cy="246221"/>
-          </a:xfrm>
-          <a:prstGeom prst="rect">
-            <a:avLst/>
-          </a:prstGeom>
-          <a:noFill/>
-        </p:spPr>
-        <p:txBody>
-          <a:bodyPr wrap="square" rtlCol="0">
-            <a:spAutoFit/>
-          </a:bodyPr>
-          <a:lstStyle/>
-          <a:p>
-            <a:r>
-              <a:rPr lang="en-US" sz="1000" dirty="0">
-                <a:latin typeface="Poppins" panose="00000500000000000000" pitchFamily="2" charset="0"/>
-                <a:cs typeface="Poppins" panose="00000500000000000000" pitchFamily="2" charset="0"/>
-              </a:rPr>
-              <a:t>Head tag</a:t>
-            </a:r>
-          </a:p>
-        </p:txBody>
-      </p:sp>
-      <p:cxnSp>
-        <p:nvCxnSpPr>
-          <p:cNvPr id="15" name="Straight Connector 14">
-            <a:extLst>
-              <a:ext uri="{FF2B5EF4-FFF2-40B4-BE49-F238E27FC236}">
-                <a16:creationId xmlns:a16="http://schemas.microsoft.com/office/drawing/2014/main" id="{D26D19C0-4551-469D-A0F7-2581A1AF1C89}"/>
-              </a:ext>
-            </a:extLst>
-          </p:cNvPr>
-          <p:cNvCxnSpPr>
-            <a:cxnSpLocks/>
-            <a:endCxn id="14" idx="3"/>
-          </p:cNvCxnSpPr>
-          <p:nvPr/>
-        </p:nvCxnSpPr>
-        <p:spPr>
-          <a:xfrm flipH="1" flipV="1">
-            <a:off x="1763324" y="2519178"/>
-            <a:ext cx="1335476" cy="123110"/>
-          </a:xfrm>
-          <a:prstGeom prst="line">
-            <a:avLst/>
-          </a:prstGeom>
-          <a:ln>
-            <a:solidFill>
-              <a:srgbClr val="FF0000"/>
-            </a:solidFill>
-          </a:ln>
-        </p:spPr>
-        <p:style>
-          <a:lnRef idx="1">
-            <a:schemeClr val="accent6"/>
-          </a:lnRef>
-          <a:fillRef idx="0">
-            <a:schemeClr val="accent6"/>
-          </a:fillRef>
-          <a:effectRef idx="0">
-            <a:schemeClr val="accent6"/>
-          </a:effectRef>
-          <a:fontRef idx="minor">
-            <a:schemeClr val="tx1"/>
-          </a:fontRef>
-        </p:style>
-      </p:cxnSp>
-      <p:cxnSp>
-        <p:nvCxnSpPr>
-          <p:cNvPr id="19" name="Straight Connector 18">
-            <a:extLst>
-              <a:ext uri="{FF2B5EF4-FFF2-40B4-BE49-F238E27FC236}">
-                <a16:creationId xmlns:a16="http://schemas.microsoft.com/office/drawing/2014/main" id="{E4935719-24C2-4E16-A644-F5296752526E}"/>
-              </a:ext>
-            </a:extLst>
-          </p:cNvPr>
-          <p:cNvCxnSpPr>
-            <a:cxnSpLocks/>
-          </p:cNvCxnSpPr>
-          <p:nvPr/>
-        </p:nvCxnSpPr>
-        <p:spPr>
-          <a:xfrm flipH="1" flipV="1">
-            <a:off x="1964267" y="3269662"/>
-            <a:ext cx="1208476" cy="24314"/>
-          </a:xfrm>
-          <a:prstGeom prst="line">
-            <a:avLst/>
-          </a:prstGeom>
-          <a:ln>
-            <a:solidFill>
-              <a:srgbClr val="FF0000"/>
-            </a:solidFill>
-          </a:ln>
-        </p:spPr>
-        <p:style>
-          <a:lnRef idx="1">
-            <a:schemeClr val="accent6"/>
-          </a:lnRef>
-          <a:fillRef idx="0">
-            <a:schemeClr val="accent6"/>
-          </a:fillRef>
-          <a:effectRef idx="0">
-            <a:schemeClr val="accent6"/>
-          </a:effectRef>
-          <a:fontRef idx="minor">
-            <a:schemeClr val="tx1"/>
-          </a:fontRef>
-        </p:style>
-      </p:cxnSp>
-      <p:sp>
-        <p:nvSpPr>
-          <p:cNvPr id="21" name="TextBox 20">
-            <a:extLst>
-              <a:ext uri="{FF2B5EF4-FFF2-40B4-BE49-F238E27FC236}">
-                <a16:creationId xmlns:a16="http://schemas.microsoft.com/office/drawing/2014/main" id="{AF42756A-88E0-4E70-B8AF-C86A81D365F9}"/>
-              </a:ext>
-            </a:extLst>
-          </p:cNvPr>
-          <p:cNvSpPr txBox="1"/>
-          <p:nvPr/>
-        </p:nvSpPr>
-        <p:spPr>
-          <a:xfrm>
-            <a:off x="1321928" y="3135028"/>
-            <a:ext cx="795868" cy="246221"/>
-          </a:xfrm>
-          <a:prstGeom prst="rect">
-            <a:avLst/>
-          </a:prstGeom>
-          <a:noFill/>
-        </p:spPr>
-        <p:txBody>
-          <a:bodyPr wrap="square" rtlCol="0">
-            <a:spAutoFit/>
-          </a:bodyPr>
-          <a:lstStyle/>
-          <a:p>
-            <a:r>
-              <a:rPr lang="en-US" sz="1000" dirty="0">
-                <a:latin typeface="Poppins" panose="00000500000000000000" pitchFamily="2" charset="0"/>
-                <a:cs typeface="Poppins" panose="00000500000000000000" pitchFamily="2" charset="0"/>
-              </a:rPr>
-              <a:t>Title tag</a:t>
-            </a:r>
-          </a:p>
-        </p:txBody>
-      </p:sp>
-      <p:cxnSp>
-        <p:nvCxnSpPr>
-          <p:cNvPr id="22" name="Straight Connector 21">
-            <a:extLst>
-              <a:ext uri="{FF2B5EF4-FFF2-40B4-BE49-F238E27FC236}">
-                <a16:creationId xmlns:a16="http://schemas.microsoft.com/office/drawing/2014/main" id="{E6B2BDBB-201E-4AC5-ADAB-7B168B9EA996}"/>
-              </a:ext>
-            </a:extLst>
-          </p:cNvPr>
-          <p:cNvCxnSpPr>
-            <a:cxnSpLocks/>
-          </p:cNvCxnSpPr>
-          <p:nvPr/>
-        </p:nvCxnSpPr>
-        <p:spPr>
-          <a:xfrm flipH="1">
-            <a:off x="2048934" y="3593427"/>
-            <a:ext cx="1123809" cy="64173"/>
-          </a:xfrm>
-          <a:prstGeom prst="line">
-            <a:avLst/>
-          </a:prstGeom>
-          <a:ln>
-            <a:solidFill>
-              <a:srgbClr val="FF0000"/>
-            </a:solidFill>
-          </a:ln>
-        </p:spPr>
-        <p:style>
-          <a:lnRef idx="1">
-            <a:schemeClr val="accent6"/>
-          </a:lnRef>
-          <a:fillRef idx="0">
-            <a:schemeClr val="accent6"/>
-          </a:fillRef>
-          <a:effectRef idx="0">
-            <a:schemeClr val="accent6"/>
-          </a:effectRef>
-          <a:fontRef idx="minor">
-            <a:schemeClr val="tx1"/>
-          </a:fontRef>
-        </p:style>
-      </p:cxnSp>
-      <p:sp>
-        <p:nvSpPr>
-          <p:cNvPr id="24" name="TextBox 23">
-            <a:extLst>
-              <a:ext uri="{FF2B5EF4-FFF2-40B4-BE49-F238E27FC236}">
-                <a16:creationId xmlns:a16="http://schemas.microsoft.com/office/drawing/2014/main" id="{4E1AD44C-54C5-4EDB-AB42-76C2F19B30DB}"/>
-              </a:ext>
-            </a:extLst>
-          </p:cNvPr>
-          <p:cNvSpPr txBox="1"/>
-          <p:nvPr/>
-        </p:nvSpPr>
-        <p:spPr>
-          <a:xfrm>
-            <a:off x="1462193" y="3534489"/>
-            <a:ext cx="795868" cy="246221"/>
-          </a:xfrm>
-          <a:prstGeom prst="rect">
-            <a:avLst/>
-          </a:prstGeom>
-          <a:noFill/>
-        </p:spPr>
-        <p:txBody>
-          <a:bodyPr wrap="square" rtlCol="0">
-            <a:spAutoFit/>
-          </a:bodyPr>
-          <a:lstStyle/>
-          <a:p>
-            <a:r>
-              <a:rPr lang="en-US" sz="1000" dirty="0">
-                <a:latin typeface="Poppins" panose="00000500000000000000" pitchFamily="2" charset="0"/>
-                <a:cs typeface="Poppins" panose="00000500000000000000" pitchFamily="2" charset="0"/>
-              </a:rPr>
-              <a:t>Link tag</a:t>
-            </a:r>
-          </a:p>
-        </p:txBody>
-      </p:sp>
-      <p:sp>
-        <p:nvSpPr>
-          <p:cNvPr id="26" name="TextBox 25">
-            <a:extLst>
-              <a:ext uri="{FF2B5EF4-FFF2-40B4-BE49-F238E27FC236}">
-                <a16:creationId xmlns:a16="http://schemas.microsoft.com/office/drawing/2014/main" id="{E9E5F21D-8AAF-43B7-8A36-2F6478384785}"/>
-              </a:ext>
-            </a:extLst>
-          </p:cNvPr>
-          <p:cNvSpPr txBox="1"/>
-          <p:nvPr/>
-        </p:nvSpPr>
-        <p:spPr>
-          <a:xfrm>
-            <a:off x="8560644" y="1488423"/>
-            <a:ext cx="2495410" cy="3785652"/>
-          </a:xfrm>
-          <a:prstGeom prst="rect">
-            <a:avLst/>
-          </a:prstGeom>
-          <a:noFill/>
-        </p:spPr>
-        <p:txBody>
-          <a:bodyPr wrap="square" rtlCol="0">
-            <a:spAutoFit/>
-          </a:bodyPr>
-          <a:lstStyle/>
-          <a:p>
-            <a:pPr marL="228600" indent="-228600">
-              <a:buFont typeface="+mj-lt"/>
-              <a:buAutoNum type="arabicPeriod"/>
-            </a:pPr>
-            <a:r>
-              <a:rPr lang="en-US" sz="1000" dirty="0">
-                <a:latin typeface="Poppins" panose="00000500000000000000" pitchFamily="2" charset="0"/>
-                <a:cs typeface="Poppins" panose="00000500000000000000" pitchFamily="2" charset="0"/>
-              </a:rPr>
-              <a:t>HTML tag </a:t>
-            </a:r>
-            <a:r>
-              <a:rPr lang="en-US" sz="1000" dirty="0" err="1">
-                <a:latin typeface="Poppins" panose="00000500000000000000" pitchFamily="2" charset="0"/>
-                <a:cs typeface="Poppins" panose="00000500000000000000" pitchFamily="2" charset="0"/>
-              </a:rPr>
-              <a:t>untuk</a:t>
-            </a:r>
-            <a:r>
-              <a:rPr lang="en-US" sz="1000" dirty="0">
-                <a:latin typeface="Poppins" panose="00000500000000000000" pitchFamily="2" charset="0"/>
-                <a:cs typeface="Poppins" panose="00000500000000000000" pitchFamily="2" charset="0"/>
-              </a:rPr>
-              <a:t> </a:t>
-            </a:r>
-            <a:r>
-              <a:rPr lang="en-US" sz="1000" dirty="0" err="1">
-                <a:latin typeface="Poppins" panose="00000500000000000000" pitchFamily="2" charset="0"/>
-                <a:cs typeface="Poppins" panose="00000500000000000000" pitchFamily="2" charset="0"/>
-              </a:rPr>
-              <a:t>membungkus</a:t>
-            </a:r>
-            <a:r>
-              <a:rPr lang="en-US" sz="1000" dirty="0">
-                <a:latin typeface="Poppins" panose="00000500000000000000" pitchFamily="2" charset="0"/>
-                <a:cs typeface="Poppins" panose="00000500000000000000" pitchFamily="2" charset="0"/>
-              </a:rPr>
-              <a:t> </a:t>
-            </a:r>
-            <a:r>
-              <a:rPr lang="en-US" sz="1000" dirty="0" err="1">
-                <a:latin typeface="Poppins" panose="00000500000000000000" pitchFamily="2" charset="0"/>
-                <a:cs typeface="Poppins" panose="00000500000000000000" pitchFamily="2" charset="0"/>
-              </a:rPr>
-              <a:t>setiap</a:t>
-            </a:r>
-            <a:r>
-              <a:rPr lang="en-US" sz="1000" dirty="0">
-                <a:latin typeface="Poppins" panose="00000500000000000000" pitchFamily="2" charset="0"/>
-                <a:cs typeface="Poppins" panose="00000500000000000000" pitchFamily="2" charset="0"/>
-              </a:rPr>
-              <a:t> element html </a:t>
-            </a:r>
-          </a:p>
-          <a:p>
-            <a:pPr marL="228600" indent="-228600">
-              <a:buFont typeface="+mj-lt"/>
-              <a:buAutoNum type="arabicPeriod"/>
-            </a:pPr>
-            <a:endParaRPr lang="en-US" sz="1000" dirty="0">
-              <a:latin typeface="Poppins" panose="00000500000000000000" pitchFamily="2" charset="0"/>
-              <a:cs typeface="Poppins" panose="00000500000000000000" pitchFamily="2" charset="0"/>
-            </a:endParaRPr>
-          </a:p>
-          <a:p>
-            <a:pPr marL="228600" indent="-228600">
-              <a:buFont typeface="+mj-lt"/>
-              <a:buAutoNum type="arabicPeriod"/>
-            </a:pPr>
-            <a:r>
-              <a:rPr lang="en-US" sz="1000" dirty="0">
-                <a:latin typeface="Poppins" panose="00000500000000000000" pitchFamily="2" charset="0"/>
-                <a:cs typeface="Poppins" panose="00000500000000000000" pitchFamily="2" charset="0"/>
-              </a:rPr>
-              <a:t>Head tag </a:t>
-            </a:r>
-            <a:r>
-              <a:rPr lang="en-US" sz="1000" dirty="0" err="1">
-                <a:latin typeface="Poppins" panose="00000500000000000000" pitchFamily="2" charset="0"/>
-                <a:cs typeface="Poppins" panose="00000500000000000000" pitchFamily="2" charset="0"/>
-              </a:rPr>
-              <a:t>biasa</a:t>
-            </a:r>
-            <a:r>
-              <a:rPr lang="en-US" sz="1000" dirty="0">
-                <a:latin typeface="Poppins" panose="00000500000000000000" pitchFamily="2" charset="0"/>
-                <a:cs typeface="Poppins" panose="00000500000000000000" pitchFamily="2" charset="0"/>
-              </a:rPr>
-              <a:t> </a:t>
-            </a:r>
-            <a:r>
-              <a:rPr lang="en-US" sz="1000" dirty="0" err="1">
-                <a:latin typeface="Poppins" panose="00000500000000000000" pitchFamily="2" charset="0"/>
-                <a:cs typeface="Poppins" panose="00000500000000000000" pitchFamily="2" charset="0"/>
-              </a:rPr>
-              <a:t>diisi</a:t>
-            </a:r>
-            <a:r>
-              <a:rPr lang="en-US" sz="1000" dirty="0">
-                <a:latin typeface="Poppins" panose="00000500000000000000" pitchFamily="2" charset="0"/>
-                <a:cs typeface="Poppins" panose="00000500000000000000" pitchFamily="2" charset="0"/>
-              </a:rPr>
-              <a:t> </a:t>
-            </a:r>
-            <a:r>
-              <a:rPr lang="en-US" sz="1000" dirty="0" err="1">
-                <a:latin typeface="Poppins" panose="00000500000000000000" pitchFamily="2" charset="0"/>
-                <a:cs typeface="Poppins" panose="00000500000000000000" pitchFamily="2" charset="0"/>
-              </a:rPr>
-              <a:t>untuk</a:t>
-            </a:r>
-            <a:r>
-              <a:rPr lang="en-US" sz="1000" dirty="0">
-                <a:latin typeface="Poppins" panose="00000500000000000000" pitchFamily="2" charset="0"/>
-                <a:cs typeface="Poppins" panose="00000500000000000000" pitchFamily="2" charset="0"/>
-              </a:rPr>
-              <a:t> tag </a:t>
-            </a:r>
-            <a:r>
-              <a:rPr lang="en-US" sz="1000" dirty="0" err="1">
-                <a:latin typeface="Poppins" panose="00000500000000000000" pitchFamily="2" charset="0"/>
-                <a:cs typeface="Poppins" panose="00000500000000000000" pitchFamily="2" charset="0"/>
-              </a:rPr>
-              <a:t>berupa</a:t>
-            </a:r>
-            <a:r>
-              <a:rPr lang="en-US" sz="1000" dirty="0">
-                <a:latin typeface="Poppins" panose="00000500000000000000" pitchFamily="2" charset="0"/>
-                <a:cs typeface="Poppins" panose="00000500000000000000" pitchFamily="2" charset="0"/>
-              </a:rPr>
-              <a:t> </a:t>
-            </a:r>
-            <a:r>
-              <a:rPr lang="en-US" sz="1000" dirty="0" err="1">
-                <a:latin typeface="Poppins" panose="00000500000000000000" pitchFamily="2" charset="0"/>
-                <a:cs typeface="Poppins" panose="00000500000000000000" pitchFamily="2" charset="0"/>
-              </a:rPr>
-              <a:t>meta,link,title</a:t>
-            </a:r>
-            <a:r>
-              <a:rPr lang="en-US" sz="1000" dirty="0">
-                <a:latin typeface="Poppins" panose="00000500000000000000" pitchFamily="2" charset="0"/>
-                <a:cs typeface="Poppins" panose="00000500000000000000" pitchFamily="2" charset="0"/>
-              </a:rPr>
-              <a:t>, head tag </a:t>
-            </a:r>
-            <a:r>
-              <a:rPr lang="en-US" sz="1000" dirty="0" err="1">
-                <a:latin typeface="Poppins" panose="00000500000000000000" pitchFamily="2" charset="0"/>
-                <a:cs typeface="Poppins" panose="00000500000000000000" pitchFamily="2" charset="0"/>
-              </a:rPr>
-              <a:t>ini</a:t>
-            </a:r>
-            <a:r>
-              <a:rPr lang="en-US" sz="1000" dirty="0">
-                <a:latin typeface="Poppins" panose="00000500000000000000" pitchFamily="2" charset="0"/>
-                <a:cs typeface="Poppins" panose="00000500000000000000" pitchFamily="2" charset="0"/>
-              </a:rPr>
-              <a:t> </a:t>
-            </a:r>
-            <a:r>
-              <a:rPr lang="en-US" sz="1000" dirty="0" err="1">
-                <a:latin typeface="Poppins" panose="00000500000000000000" pitchFamily="2" charset="0"/>
-                <a:cs typeface="Poppins" panose="00000500000000000000" pitchFamily="2" charset="0"/>
-              </a:rPr>
-              <a:t>khusus</a:t>
-            </a:r>
-            <a:r>
-              <a:rPr lang="en-US" sz="1000" dirty="0">
-                <a:latin typeface="Poppins" panose="00000500000000000000" pitchFamily="2" charset="0"/>
-                <a:cs typeface="Poppins" panose="00000500000000000000" pitchFamily="2" charset="0"/>
-              </a:rPr>
-              <a:t> </a:t>
-            </a:r>
-            <a:r>
-              <a:rPr lang="en-US" sz="1000" dirty="0" err="1">
-                <a:latin typeface="Poppins" panose="00000500000000000000" pitchFamily="2" charset="0"/>
-                <a:cs typeface="Poppins" panose="00000500000000000000" pitchFamily="2" charset="0"/>
-              </a:rPr>
-              <a:t>untuk</a:t>
-            </a:r>
-            <a:r>
-              <a:rPr lang="en-US" sz="1000" dirty="0">
-                <a:latin typeface="Poppins" panose="00000500000000000000" pitchFamily="2" charset="0"/>
-                <a:cs typeface="Poppins" panose="00000500000000000000" pitchFamily="2" charset="0"/>
-              </a:rPr>
-              <a:t> browser agar </a:t>
-            </a:r>
-            <a:r>
-              <a:rPr lang="en-US" sz="1000" dirty="0" err="1">
-                <a:latin typeface="Poppins" panose="00000500000000000000" pitchFamily="2" charset="0"/>
-                <a:cs typeface="Poppins" panose="00000500000000000000" pitchFamily="2" charset="0"/>
-              </a:rPr>
-              <a:t>mengenali</a:t>
-            </a:r>
-            <a:r>
-              <a:rPr lang="en-US" sz="1000" dirty="0">
-                <a:latin typeface="Poppins" panose="00000500000000000000" pitchFamily="2" charset="0"/>
-                <a:cs typeface="Poppins" panose="00000500000000000000" pitchFamily="2" charset="0"/>
-              </a:rPr>
-              <a:t> website</a:t>
-            </a:r>
-          </a:p>
-          <a:p>
-            <a:pPr marL="228600" indent="-228600">
-              <a:buFont typeface="+mj-lt"/>
-              <a:buAutoNum type="arabicPeriod"/>
-            </a:pPr>
-            <a:endParaRPr lang="en-US" sz="1000" dirty="0">
-              <a:latin typeface="Poppins" panose="00000500000000000000" pitchFamily="2" charset="0"/>
-              <a:cs typeface="Poppins" panose="00000500000000000000" pitchFamily="2" charset="0"/>
-            </a:endParaRPr>
-          </a:p>
-          <a:p>
-            <a:pPr marL="228600" indent="-228600">
-              <a:buFont typeface="+mj-lt"/>
-              <a:buAutoNum type="arabicPeriod"/>
-            </a:pPr>
-            <a:r>
-              <a:rPr lang="en-US" sz="1000" dirty="0">
-                <a:latin typeface="Poppins" panose="00000500000000000000" pitchFamily="2" charset="0"/>
-                <a:cs typeface="Poppins" panose="00000500000000000000" pitchFamily="2" charset="0"/>
-              </a:rPr>
-              <a:t>Meta Tag </a:t>
-            </a:r>
-            <a:r>
-              <a:rPr lang="en-US" sz="1000" dirty="0" err="1">
-                <a:latin typeface="Poppins" panose="00000500000000000000" pitchFamily="2" charset="0"/>
-                <a:cs typeface="Poppins" panose="00000500000000000000" pitchFamily="2" charset="0"/>
-              </a:rPr>
-              <a:t>biasa</a:t>
-            </a:r>
-            <a:r>
-              <a:rPr lang="en-US" sz="1000" dirty="0">
-                <a:latin typeface="Poppins" panose="00000500000000000000" pitchFamily="2" charset="0"/>
-                <a:cs typeface="Poppins" panose="00000500000000000000" pitchFamily="2" charset="0"/>
-              </a:rPr>
-              <a:t> </a:t>
-            </a:r>
-            <a:r>
-              <a:rPr lang="en-US" sz="1000" dirty="0" err="1">
-                <a:latin typeface="Poppins" panose="00000500000000000000" pitchFamily="2" charset="0"/>
-                <a:cs typeface="Poppins" panose="00000500000000000000" pitchFamily="2" charset="0"/>
-              </a:rPr>
-              <a:t>digunakan</a:t>
-            </a:r>
-            <a:r>
-              <a:rPr lang="en-US" sz="1000" dirty="0">
-                <a:latin typeface="Poppins" panose="00000500000000000000" pitchFamily="2" charset="0"/>
-                <a:cs typeface="Poppins" panose="00000500000000000000" pitchFamily="2" charset="0"/>
-              </a:rPr>
-              <a:t> </a:t>
-            </a:r>
-            <a:r>
-              <a:rPr lang="en-US" sz="1000" dirty="0" err="1">
-                <a:latin typeface="Poppins" panose="00000500000000000000" pitchFamily="2" charset="0"/>
-                <a:cs typeface="Poppins" panose="00000500000000000000" pitchFamily="2" charset="0"/>
-              </a:rPr>
-              <a:t>untuk</a:t>
-            </a:r>
-            <a:r>
-              <a:rPr lang="en-US" sz="1000" dirty="0">
-                <a:latin typeface="Poppins" panose="00000500000000000000" pitchFamily="2" charset="0"/>
-                <a:cs typeface="Poppins" panose="00000500000000000000" pitchFamily="2" charset="0"/>
-              </a:rPr>
-              <a:t> </a:t>
-            </a:r>
-            <a:r>
-              <a:rPr lang="en-US" sz="1000" dirty="0" err="1">
-                <a:latin typeface="Poppins" panose="00000500000000000000" pitchFamily="2" charset="0"/>
-                <a:cs typeface="Poppins" panose="00000500000000000000" pitchFamily="2" charset="0"/>
-              </a:rPr>
-              <a:t>memberi</a:t>
-            </a:r>
-            <a:r>
-              <a:rPr lang="en-US" sz="1000" dirty="0">
-                <a:latin typeface="Poppins" panose="00000500000000000000" pitchFamily="2" charset="0"/>
-                <a:cs typeface="Poppins" panose="00000500000000000000" pitchFamily="2" charset="0"/>
-              </a:rPr>
-              <a:t> </a:t>
-            </a:r>
-            <a:r>
-              <a:rPr lang="en-US" sz="1000" dirty="0" err="1">
-                <a:latin typeface="Poppins" panose="00000500000000000000" pitchFamily="2" charset="0"/>
-                <a:cs typeface="Poppins" panose="00000500000000000000" pitchFamily="2" charset="0"/>
-              </a:rPr>
-              <a:t>informasi</a:t>
-            </a:r>
-            <a:r>
-              <a:rPr lang="en-US" sz="1000" dirty="0">
-                <a:latin typeface="Poppins" panose="00000500000000000000" pitchFamily="2" charset="0"/>
-                <a:cs typeface="Poppins" panose="00000500000000000000" pitchFamily="2" charset="0"/>
-              </a:rPr>
-              <a:t> </a:t>
-            </a:r>
-            <a:r>
-              <a:rPr lang="en-US" sz="1000" dirty="0" err="1">
-                <a:latin typeface="Poppins" panose="00000500000000000000" pitchFamily="2" charset="0"/>
-                <a:cs typeface="Poppins" panose="00000500000000000000" pitchFamily="2" charset="0"/>
-              </a:rPr>
-              <a:t>kepada</a:t>
-            </a:r>
-            <a:r>
-              <a:rPr lang="en-US" sz="1000" dirty="0">
-                <a:latin typeface="Poppins" panose="00000500000000000000" pitchFamily="2" charset="0"/>
-                <a:cs typeface="Poppins" panose="00000500000000000000" pitchFamily="2" charset="0"/>
-              </a:rPr>
-              <a:t> browser </a:t>
-            </a:r>
-            <a:r>
-              <a:rPr lang="en-US" sz="1000" dirty="0" err="1">
-                <a:latin typeface="Poppins" panose="00000500000000000000" pitchFamily="2" charset="0"/>
-                <a:cs typeface="Poppins" panose="00000500000000000000" pitchFamily="2" charset="0"/>
-              </a:rPr>
-              <a:t>tentang</a:t>
-            </a:r>
-            <a:r>
-              <a:rPr lang="en-US" sz="1000" dirty="0">
-                <a:latin typeface="Poppins" panose="00000500000000000000" pitchFamily="2" charset="0"/>
-                <a:cs typeface="Poppins" panose="00000500000000000000" pitchFamily="2" charset="0"/>
-              </a:rPr>
-              <a:t> website yang </a:t>
-            </a:r>
-            <a:r>
-              <a:rPr lang="en-US" sz="1000" dirty="0" err="1">
-                <a:latin typeface="Poppins" panose="00000500000000000000" pitchFamily="2" charset="0"/>
-                <a:cs typeface="Poppins" panose="00000500000000000000" pitchFamily="2" charset="0"/>
-              </a:rPr>
-              <a:t>dibuat</a:t>
-            </a:r>
-            <a:endParaRPr lang="en-US" sz="1000" dirty="0">
-              <a:latin typeface="Poppins" panose="00000500000000000000" pitchFamily="2" charset="0"/>
-              <a:cs typeface="Poppins" panose="00000500000000000000" pitchFamily="2" charset="0"/>
-            </a:endParaRPr>
-          </a:p>
-          <a:p>
-            <a:pPr marL="228600" indent="-228600">
-              <a:buFont typeface="+mj-lt"/>
-              <a:buAutoNum type="arabicPeriod"/>
-            </a:pPr>
-            <a:endParaRPr lang="en-US" sz="1000" dirty="0">
-              <a:latin typeface="Poppins" panose="00000500000000000000" pitchFamily="2" charset="0"/>
-              <a:cs typeface="Poppins" panose="00000500000000000000" pitchFamily="2" charset="0"/>
-            </a:endParaRPr>
-          </a:p>
-          <a:p>
-            <a:pPr marL="228600" indent="-228600">
-              <a:buFont typeface="+mj-lt"/>
-              <a:buAutoNum type="arabicPeriod"/>
-            </a:pPr>
-            <a:r>
-              <a:rPr lang="en-US" sz="1000" dirty="0">
-                <a:latin typeface="Poppins" panose="00000500000000000000" pitchFamily="2" charset="0"/>
-                <a:cs typeface="Poppins" panose="00000500000000000000" pitchFamily="2" charset="0"/>
-              </a:rPr>
-              <a:t>Title tag </a:t>
-            </a:r>
-            <a:r>
-              <a:rPr lang="en-US" sz="1000" dirty="0" err="1">
-                <a:latin typeface="Poppins" panose="00000500000000000000" pitchFamily="2" charset="0"/>
-                <a:cs typeface="Poppins" panose="00000500000000000000" pitchFamily="2" charset="0"/>
-              </a:rPr>
-              <a:t>untuk</a:t>
-            </a:r>
-            <a:r>
-              <a:rPr lang="en-US" sz="1000" dirty="0">
-                <a:latin typeface="Poppins" panose="00000500000000000000" pitchFamily="2" charset="0"/>
-                <a:cs typeface="Poppins" panose="00000500000000000000" pitchFamily="2" charset="0"/>
-              </a:rPr>
-              <a:t> </a:t>
-            </a:r>
-            <a:r>
-              <a:rPr lang="en-US" sz="1000" dirty="0" err="1">
-                <a:latin typeface="Poppins" panose="00000500000000000000" pitchFamily="2" charset="0"/>
-                <a:cs typeface="Poppins" panose="00000500000000000000" pitchFamily="2" charset="0"/>
-              </a:rPr>
-              <a:t>mengubah</a:t>
-            </a:r>
-            <a:r>
-              <a:rPr lang="en-US" sz="1000" dirty="0">
-                <a:latin typeface="Poppins" panose="00000500000000000000" pitchFamily="2" charset="0"/>
-                <a:cs typeface="Poppins" panose="00000500000000000000" pitchFamily="2" charset="0"/>
-              </a:rPr>
-              <a:t> </a:t>
-            </a:r>
-            <a:r>
-              <a:rPr lang="en-US" sz="1000" dirty="0" err="1">
-                <a:latin typeface="Poppins" panose="00000500000000000000" pitchFamily="2" charset="0"/>
-                <a:cs typeface="Poppins" panose="00000500000000000000" pitchFamily="2" charset="0"/>
-              </a:rPr>
-              <a:t>judul</a:t>
-            </a:r>
-            <a:r>
-              <a:rPr lang="en-US" sz="1000" dirty="0">
-                <a:latin typeface="Poppins" panose="00000500000000000000" pitchFamily="2" charset="0"/>
-                <a:cs typeface="Poppins" panose="00000500000000000000" pitchFamily="2" charset="0"/>
-              </a:rPr>
-              <a:t> yang </a:t>
-            </a:r>
-            <a:r>
-              <a:rPr lang="en-US" sz="1000" dirty="0" err="1">
-                <a:latin typeface="Poppins" panose="00000500000000000000" pitchFamily="2" charset="0"/>
-                <a:cs typeface="Poppins" panose="00000500000000000000" pitchFamily="2" charset="0"/>
-              </a:rPr>
-              <a:t>terdapat</a:t>
-            </a:r>
-            <a:r>
-              <a:rPr lang="en-US" sz="1000" dirty="0">
-                <a:latin typeface="Poppins" panose="00000500000000000000" pitchFamily="2" charset="0"/>
-                <a:cs typeface="Poppins" panose="00000500000000000000" pitchFamily="2" charset="0"/>
-              </a:rPr>
-              <a:t> pada tab browser</a:t>
-            </a:r>
-          </a:p>
-          <a:p>
-            <a:pPr marL="228600" indent="-228600">
-              <a:buFont typeface="+mj-lt"/>
-              <a:buAutoNum type="arabicPeriod"/>
-            </a:pPr>
-            <a:endParaRPr lang="en-US" sz="1000" dirty="0">
-              <a:latin typeface="Poppins" panose="00000500000000000000" pitchFamily="2" charset="0"/>
-              <a:cs typeface="Poppins" panose="00000500000000000000" pitchFamily="2" charset="0"/>
-            </a:endParaRPr>
-          </a:p>
-          <a:p>
-            <a:pPr marL="228600" indent="-228600">
-              <a:buFont typeface="+mj-lt"/>
-              <a:buAutoNum type="arabicPeriod"/>
-            </a:pPr>
-            <a:r>
-              <a:rPr lang="en-US" sz="1000" dirty="0">
-                <a:latin typeface="Poppins" panose="00000500000000000000" pitchFamily="2" charset="0"/>
-                <a:cs typeface="Poppins" panose="00000500000000000000" pitchFamily="2" charset="0"/>
-              </a:rPr>
-              <a:t>Link tag </a:t>
-            </a:r>
-            <a:r>
-              <a:rPr lang="en-US" sz="1000" dirty="0" err="1">
-                <a:latin typeface="Poppins" panose="00000500000000000000" pitchFamily="2" charset="0"/>
-                <a:cs typeface="Poppins" panose="00000500000000000000" pitchFamily="2" charset="0"/>
-              </a:rPr>
-              <a:t>untuk</a:t>
-            </a:r>
-            <a:r>
-              <a:rPr lang="en-US" sz="1000" dirty="0">
-                <a:latin typeface="Poppins" panose="00000500000000000000" pitchFamily="2" charset="0"/>
-                <a:cs typeface="Poppins" panose="00000500000000000000" pitchFamily="2" charset="0"/>
-              </a:rPr>
-              <a:t> </a:t>
-            </a:r>
-            <a:r>
-              <a:rPr lang="en-US" sz="1000" dirty="0" err="1">
-                <a:latin typeface="Poppins" panose="00000500000000000000" pitchFamily="2" charset="0"/>
-                <a:cs typeface="Poppins" panose="00000500000000000000" pitchFamily="2" charset="0"/>
-              </a:rPr>
-              <a:t>menghubungkan</a:t>
-            </a:r>
-            <a:r>
-              <a:rPr lang="en-US" sz="1000" dirty="0">
-                <a:latin typeface="Poppins" panose="00000500000000000000" pitchFamily="2" charset="0"/>
-                <a:cs typeface="Poppins" panose="00000500000000000000" pitchFamily="2" charset="0"/>
-              </a:rPr>
-              <a:t> </a:t>
-            </a:r>
-            <a:r>
-              <a:rPr lang="en-US" sz="1000" dirty="0" err="1">
-                <a:latin typeface="Poppins" panose="00000500000000000000" pitchFamily="2" charset="0"/>
-                <a:cs typeface="Poppins" panose="00000500000000000000" pitchFamily="2" charset="0"/>
-              </a:rPr>
-              <a:t>antar</a:t>
-            </a:r>
-            <a:r>
-              <a:rPr lang="en-US" sz="1000" dirty="0">
-                <a:latin typeface="Poppins" panose="00000500000000000000" pitchFamily="2" charset="0"/>
-                <a:cs typeface="Poppins" panose="00000500000000000000" pitchFamily="2" charset="0"/>
-              </a:rPr>
-              <a:t> file internal </a:t>
-            </a:r>
-            <a:r>
-              <a:rPr lang="en-US" sz="1000" dirty="0" err="1">
-                <a:latin typeface="Poppins" panose="00000500000000000000" pitchFamily="2" charset="0"/>
-                <a:cs typeface="Poppins" panose="00000500000000000000" pitchFamily="2" charset="0"/>
-              </a:rPr>
-              <a:t>ataupun</a:t>
-            </a:r>
-            <a:r>
-              <a:rPr lang="en-US" sz="1000" dirty="0">
-                <a:latin typeface="Poppins" panose="00000500000000000000" pitchFamily="2" charset="0"/>
-                <a:cs typeface="Poppins" panose="00000500000000000000" pitchFamily="2" charset="0"/>
-              </a:rPr>
-              <a:t> external </a:t>
-            </a:r>
-            <a:r>
-              <a:rPr lang="en-US" sz="1000" dirty="0" err="1">
-                <a:latin typeface="Poppins" panose="00000500000000000000" pitchFamily="2" charset="0"/>
-                <a:cs typeface="Poppins" panose="00000500000000000000" pitchFamily="2" charset="0"/>
-              </a:rPr>
-              <a:t>seperti</a:t>
-            </a:r>
-            <a:r>
-              <a:rPr lang="en-US" sz="1000" dirty="0">
-                <a:latin typeface="Poppins" panose="00000500000000000000" pitchFamily="2" charset="0"/>
-                <a:cs typeface="Poppins" panose="00000500000000000000" pitchFamily="2" charset="0"/>
-              </a:rPr>
-              <a:t> CDN</a:t>
-            </a:r>
-          </a:p>
-          <a:p>
-            <a:pPr marL="228600" indent="-228600">
-              <a:buFont typeface="+mj-lt"/>
-              <a:buAutoNum type="arabicPeriod"/>
-            </a:pPr>
-            <a:endParaRPr lang="en-US" sz="1000" dirty="0">
-              <a:latin typeface="Poppins" panose="00000500000000000000" pitchFamily="2" charset="0"/>
-              <a:cs typeface="Poppins" panose="00000500000000000000" pitchFamily="2" charset="0"/>
-            </a:endParaRPr>
-          </a:p>
-          <a:p>
-            <a:pPr marL="228600" indent="-228600">
-              <a:buFont typeface="+mj-lt"/>
-              <a:buAutoNum type="arabicPeriod"/>
-            </a:pPr>
-            <a:r>
-              <a:rPr lang="en-US" sz="1000" dirty="0">
-                <a:latin typeface="Poppins" panose="00000500000000000000" pitchFamily="2" charset="0"/>
-                <a:cs typeface="Poppins" panose="00000500000000000000" pitchFamily="2" charset="0"/>
-              </a:rPr>
-              <a:t>Body tag </a:t>
-            </a:r>
-            <a:r>
-              <a:rPr lang="en-US" sz="1000" dirty="0" err="1">
-                <a:latin typeface="Poppins" panose="00000500000000000000" pitchFamily="2" charset="0"/>
-                <a:cs typeface="Poppins" panose="00000500000000000000" pitchFamily="2" charset="0"/>
-              </a:rPr>
-              <a:t>digunakan</a:t>
-            </a:r>
-            <a:r>
-              <a:rPr lang="en-US" sz="1000" dirty="0">
-                <a:latin typeface="Poppins" panose="00000500000000000000" pitchFamily="2" charset="0"/>
-                <a:cs typeface="Poppins" panose="00000500000000000000" pitchFamily="2" charset="0"/>
-              </a:rPr>
-              <a:t> </a:t>
-            </a:r>
-            <a:r>
-              <a:rPr lang="en-US" sz="1000" dirty="0" err="1">
-                <a:latin typeface="Poppins" panose="00000500000000000000" pitchFamily="2" charset="0"/>
-                <a:cs typeface="Poppins" panose="00000500000000000000" pitchFamily="2" charset="0"/>
-              </a:rPr>
-              <a:t>untuk</a:t>
-            </a:r>
-            <a:r>
-              <a:rPr lang="en-US" sz="1000" dirty="0">
-                <a:latin typeface="Poppins" panose="00000500000000000000" pitchFamily="2" charset="0"/>
-                <a:cs typeface="Poppins" panose="00000500000000000000" pitchFamily="2" charset="0"/>
-              </a:rPr>
-              <a:t> </a:t>
-            </a:r>
-            <a:r>
-              <a:rPr lang="en-US" sz="1000" dirty="0" err="1">
-                <a:latin typeface="Poppins" panose="00000500000000000000" pitchFamily="2" charset="0"/>
-                <a:cs typeface="Poppins" panose="00000500000000000000" pitchFamily="2" charset="0"/>
-              </a:rPr>
-              <a:t>menampilkan</a:t>
-            </a:r>
-            <a:r>
-              <a:rPr lang="en-US" sz="1000" dirty="0">
-                <a:latin typeface="Poppins" panose="00000500000000000000" pitchFamily="2" charset="0"/>
-                <a:cs typeface="Poppins" panose="00000500000000000000" pitchFamily="2" charset="0"/>
-              </a:rPr>
-              <a:t> </a:t>
-            </a:r>
-            <a:r>
-              <a:rPr lang="en-US" sz="1000" dirty="0" err="1">
-                <a:latin typeface="Poppins" panose="00000500000000000000" pitchFamily="2" charset="0"/>
-                <a:cs typeface="Poppins" panose="00000500000000000000" pitchFamily="2" charset="0"/>
-              </a:rPr>
-              <a:t>tampilan</a:t>
-            </a:r>
-            <a:r>
-              <a:rPr lang="en-US" sz="1000" dirty="0">
-                <a:latin typeface="Poppins" panose="00000500000000000000" pitchFamily="2" charset="0"/>
-                <a:cs typeface="Poppins" panose="00000500000000000000" pitchFamily="2" charset="0"/>
-              </a:rPr>
-              <a:t> website </a:t>
-            </a:r>
-          </a:p>
-          <a:p>
-            <a:pPr marL="228600" indent="-228600">
-              <a:buFont typeface="+mj-lt"/>
-              <a:buAutoNum type="arabicPeriod"/>
-            </a:pPr>
-            <a:endParaRPr lang="en-US" sz="1000" dirty="0">
-              <a:latin typeface="Poppins" panose="00000500000000000000" pitchFamily="2" charset="0"/>
-              <a:cs typeface="Poppins" panose="00000500000000000000" pitchFamily="2" charset="0"/>
-            </a:endParaRPr>
-          </a:p>
-        </p:txBody>
-      </p:sp>
-      <p:cxnSp>
-        <p:nvCxnSpPr>
-          <p:cNvPr id="27" name="Straight Connector 26">
-            <a:extLst>
-              <a:ext uri="{FF2B5EF4-FFF2-40B4-BE49-F238E27FC236}">
-                <a16:creationId xmlns:a16="http://schemas.microsoft.com/office/drawing/2014/main" id="{B2013A71-E9CB-4434-92ED-ED15F374EC20}"/>
-              </a:ext>
-            </a:extLst>
-          </p:cNvPr>
-          <p:cNvCxnSpPr>
-            <a:cxnSpLocks/>
-          </p:cNvCxnSpPr>
-          <p:nvPr/>
-        </p:nvCxnSpPr>
-        <p:spPr>
-          <a:xfrm flipH="1">
-            <a:off x="2048934" y="2853222"/>
-            <a:ext cx="1166142" cy="0"/>
-          </a:xfrm>
-          <a:prstGeom prst="line">
-            <a:avLst/>
-          </a:prstGeom>
-          <a:ln>
-            <a:solidFill>
-              <a:srgbClr val="FF0000"/>
-            </a:solidFill>
-          </a:ln>
-        </p:spPr>
-        <p:style>
-          <a:lnRef idx="1">
-            <a:schemeClr val="accent6"/>
-          </a:lnRef>
-          <a:fillRef idx="0">
-            <a:schemeClr val="accent6"/>
-          </a:fillRef>
-          <a:effectRef idx="0">
-            <a:schemeClr val="accent6"/>
-          </a:effectRef>
-          <a:fontRef idx="minor">
-            <a:schemeClr val="tx1"/>
-          </a:fontRef>
-        </p:style>
-      </p:cxnSp>
-      <p:sp>
-        <p:nvSpPr>
-          <p:cNvPr id="29" name="TextBox 28">
-            <a:extLst>
-              <a:ext uri="{FF2B5EF4-FFF2-40B4-BE49-F238E27FC236}">
-                <a16:creationId xmlns:a16="http://schemas.microsoft.com/office/drawing/2014/main" id="{3A8D6E5E-31CE-4206-BE85-CBDE43C4390C}"/>
-              </a:ext>
-            </a:extLst>
-          </p:cNvPr>
-          <p:cNvSpPr txBox="1"/>
-          <p:nvPr/>
-        </p:nvSpPr>
-        <p:spPr>
-          <a:xfrm>
-            <a:off x="1244600" y="2760895"/>
-            <a:ext cx="795868" cy="246221"/>
-          </a:xfrm>
-          <a:prstGeom prst="rect">
-            <a:avLst/>
-          </a:prstGeom>
-          <a:noFill/>
-        </p:spPr>
-        <p:txBody>
-          <a:bodyPr wrap="square" rtlCol="0">
-            <a:spAutoFit/>
-          </a:bodyPr>
-          <a:lstStyle/>
-          <a:p>
-            <a:r>
-              <a:rPr lang="en-US" sz="1000" dirty="0">
-                <a:latin typeface="Poppins" panose="00000500000000000000" pitchFamily="2" charset="0"/>
-                <a:cs typeface="Poppins" panose="00000500000000000000" pitchFamily="2" charset="0"/>
-              </a:rPr>
-              <a:t>Meta Tag</a:t>
-            </a:r>
-          </a:p>
-        </p:txBody>
-      </p:sp>
-      <p:cxnSp>
-        <p:nvCxnSpPr>
-          <p:cNvPr id="30" name="Straight Connector 29">
-            <a:extLst>
-              <a:ext uri="{FF2B5EF4-FFF2-40B4-BE49-F238E27FC236}">
-                <a16:creationId xmlns:a16="http://schemas.microsoft.com/office/drawing/2014/main" id="{3E918203-8E85-4BDF-AB99-8A7CF9BCDAA2}"/>
-              </a:ext>
-            </a:extLst>
-          </p:cNvPr>
-          <p:cNvCxnSpPr>
-            <a:cxnSpLocks/>
-          </p:cNvCxnSpPr>
-          <p:nvPr/>
-        </p:nvCxnSpPr>
-        <p:spPr>
-          <a:xfrm flipH="1">
-            <a:off x="1839526" y="4377222"/>
-            <a:ext cx="1166142" cy="0"/>
-          </a:xfrm>
-          <a:prstGeom prst="line">
-            <a:avLst/>
-          </a:prstGeom>
-          <a:ln>
-            <a:solidFill>
-              <a:srgbClr val="FF0000"/>
-            </a:solidFill>
-          </a:ln>
-        </p:spPr>
-        <p:style>
-          <a:lnRef idx="1">
-            <a:schemeClr val="accent6"/>
-          </a:lnRef>
-          <a:fillRef idx="0">
-            <a:schemeClr val="accent6"/>
-          </a:fillRef>
-          <a:effectRef idx="0">
-            <a:schemeClr val="accent6"/>
-          </a:effectRef>
-          <a:fontRef idx="minor">
-            <a:schemeClr val="tx1"/>
-          </a:fontRef>
-        </p:style>
-      </p:cxnSp>
-      <p:sp>
-        <p:nvSpPr>
-          <p:cNvPr id="31" name="TextBox 30">
-            <a:extLst>
-              <a:ext uri="{FF2B5EF4-FFF2-40B4-BE49-F238E27FC236}">
-                <a16:creationId xmlns:a16="http://schemas.microsoft.com/office/drawing/2014/main" id="{A6C475C5-7917-43D9-9220-0476D5E9A949}"/>
-              </a:ext>
-            </a:extLst>
-          </p:cNvPr>
-          <p:cNvSpPr txBox="1"/>
-          <p:nvPr/>
-        </p:nvSpPr>
-        <p:spPr>
-          <a:xfrm>
-            <a:off x="1116753" y="4254111"/>
-            <a:ext cx="795868" cy="246221"/>
-          </a:xfrm>
-          <a:prstGeom prst="rect">
-            <a:avLst/>
-          </a:prstGeom>
-          <a:noFill/>
-        </p:spPr>
-        <p:txBody>
-          <a:bodyPr wrap="square" rtlCol="0">
-            <a:spAutoFit/>
-          </a:bodyPr>
-          <a:lstStyle/>
-          <a:p>
-            <a:r>
-              <a:rPr lang="en-US" sz="1000" dirty="0">
-                <a:latin typeface="Poppins" panose="00000500000000000000" pitchFamily="2" charset="0"/>
-                <a:cs typeface="Poppins" panose="00000500000000000000" pitchFamily="2" charset="0"/>
-              </a:rPr>
-              <a:t>Body tag</a:t>
-            </a:r>
-          </a:p>
-        </p:txBody>
-      </p:sp>
-    </p:spTree>
-    <p:extLst>
-      <p:ext uri="{BB962C8B-B14F-4D97-AF65-F5344CB8AC3E}">
-        <p14:creationId xmlns:p14="http://schemas.microsoft.com/office/powerpoint/2010/main" val="2140923995"/>
-      </p:ext>
-    </p:extLst>
-  </p:cSld>
-  <p:clrMapOvr>
-    <a:masterClrMapping/>
-  </p:clrMapOvr>
-</p:sld>
-</file>
-
-<file path=ppt/slides/slide3.xml><?xml version="1.0" encoding="utf-8"?>
-<p:sld xmlns:a="http://schemas.openxmlformats.org/drawingml/2006/main" xmlns:r="http://schemas.openxmlformats.org/officeDocument/2006/relationships" xmlns:p="http://schemas.openxmlformats.org/presentationml/2006/main">
-  <p:cSld>
-    <p:spTree>
-      <p:nvGrpSpPr>
-        <p:cNvPr id="1" name=""/>
-        <p:cNvGrpSpPr/>
-        <p:nvPr/>
-      </p:nvGrpSpPr>
-      <p:grpSpPr>
-        <a:xfrm>
-          <a:off x="0" y="0"/>
-          <a:ext cx="0" cy="0"/>
-          <a:chOff x="0" y="0"/>
-          <a:chExt cx="0" cy="0"/>
-        </a:xfrm>
-      </p:grpSpPr>
-      <p:sp>
-        <p:nvSpPr>
-          <p:cNvPr id="2" name="TextBox 1">
-            <a:extLst>
-              <a:ext uri="{FF2B5EF4-FFF2-40B4-BE49-F238E27FC236}">
-                <a16:creationId xmlns:a16="http://schemas.microsoft.com/office/drawing/2014/main" id="{E0E99B02-4A2D-4B7A-8BCC-A150D0EC54B5}"/>
-              </a:ext>
-            </a:extLst>
-          </p:cNvPr>
-          <p:cNvSpPr txBox="1"/>
-          <p:nvPr/>
-        </p:nvSpPr>
-        <p:spPr>
-          <a:xfrm>
-            <a:off x="770950" y="377376"/>
-            <a:ext cx="2752677" cy="338554"/>
-          </a:xfrm>
-          <a:prstGeom prst="rect">
-            <a:avLst/>
-          </a:prstGeom>
-          <a:noFill/>
-        </p:spPr>
-        <p:txBody>
-          <a:bodyPr wrap="none" rtlCol="0">
-            <a:spAutoFit/>
-          </a:bodyPr>
-          <a:lstStyle/>
-          <a:p>
-            <a:r>
-              <a:rPr lang="en-US" sz="1600" dirty="0" err="1">
-                <a:latin typeface="Poppins" panose="00000500000000000000" pitchFamily="2" charset="0"/>
-                <a:cs typeface="Poppins" panose="00000500000000000000" pitchFamily="2" charset="0"/>
-              </a:rPr>
-              <a:t>Heading,Paragraph,span</a:t>
-            </a:r>
-            <a:endParaRPr lang="en-US" sz="1600" dirty="0">
-              <a:latin typeface="Poppins" panose="00000500000000000000" pitchFamily="2" charset="0"/>
-              <a:cs typeface="Poppins" panose="00000500000000000000" pitchFamily="2" charset="0"/>
-            </a:endParaRPr>
-          </a:p>
-        </p:txBody>
-      </p:sp>
-      <p:pic>
-        <p:nvPicPr>
-          <p:cNvPr id="4" name="Picture 3">
-            <a:extLst>
-              <a:ext uri="{FF2B5EF4-FFF2-40B4-BE49-F238E27FC236}">
-                <a16:creationId xmlns:a16="http://schemas.microsoft.com/office/drawing/2014/main" id="{99F975AA-BD4D-4BE6-B72D-5DE9FBA32B5C}"/>
-              </a:ext>
-            </a:extLst>
-          </p:cNvPr>
-          <p:cNvPicPr>
-            <a:picLocks noChangeAspect="1"/>
-          </p:cNvPicPr>
-          <p:nvPr/>
-        </p:nvPicPr>
-        <p:blipFill>
-          <a:blip r:embed="rId2">
-            <a:extLst>
-              <a:ext uri="{28A0092B-C50C-407E-A947-70E740481C1C}">
-                <a14:useLocalDpi xmlns:a14="http://schemas.microsoft.com/office/drawing/2010/main" val="0"/>
-              </a:ext>
-            </a:extLst>
-          </a:blip>
-          <a:stretch>
-            <a:fillRect/>
-          </a:stretch>
-        </p:blipFill>
-        <p:spPr>
-          <a:xfrm>
-            <a:off x="1176868" y="1211765"/>
-            <a:ext cx="4995684" cy="4782633"/>
-          </a:xfrm>
-          <a:prstGeom prst="rect">
-            <a:avLst/>
-          </a:prstGeom>
-        </p:spPr>
-      </p:pic>
-      <p:pic>
-        <p:nvPicPr>
-          <p:cNvPr id="6" name="Picture 5">
-            <a:extLst>
-              <a:ext uri="{FF2B5EF4-FFF2-40B4-BE49-F238E27FC236}">
-                <a16:creationId xmlns:a16="http://schemas.microsoft.com/office/drawing/2014/main" id="{AC1E5899-0F20-4FEF-92B1-1C80A8DA0253}"/>
-              </a:ext>
-            </a:extLst>
-          </p:cNvPr>
-          <p:cNvPicPr>
-            <a:picLocks noChangeAspect="1"/>
-          </p:cNvPicPr>
-          <p:nvPr/>
-        </p:nvPicPr>
-        <p:blipFill>
-          <a:blip r:embed="rId3">
-            <a:extLst>
-              <a:ext uri="{28A0092B-C50C-407E-A947-70E740481C1C}">
-                <a14:useLocalDpi xmlns:a14="http://schemas.microsoft.com/office/drawing/2010/main" val="0"/>
-              </a:ext>
-            </a:extLst>
-          </a:blip>
-          <a:stretch>
-            <a:fillRect/>
-          </a:stretch>
-        </p:blipFill>
-        <p:spPr>
-          <a:xfrm>
-            <a:off x="6805682" y="1847571"/>
-            <a:ext cx="4695226" cy="3781954"/>
-          </a:xfrm>
-          <a:prstGeom prst="rect">
-            <a:avLst/>
-          </a:prstGeom>
-        </p:spPr>
-      </p:pic>
-    </p:spTree>
-    <p:extLst>
-      <p:ext uri="{BB962C8B-B14F-4D97-AF65-F5344CB8AC3E}">
-        <p14:creationId xmlns:p14="http://schemas.microsoft.com/office/powerpoint/2010/main" val="1591419964"/>
-      </p:ext>
-    </p:extLst>
-  </p:cSld>
-  <p:clrMapOvr>
-    <a:masterClrMapping/>
-  </p:clrMapOvr>
-</p:sld>
-</file>
-
-<file path=ppt/slides/slide4.xml><?xml version="1.0" encoding="utf-8"?>
-<p:sld xmlns:a="http://schemas.openxmlformats.org/drawingml/2006/main" xmlns:r="http://schemas.openxmlformats.org/officeDocument/2006/relationships" xmlns:p="http://schemas.openxmlformats.org/presentationml/2006/main">
-  <p:cSld>
-    <p:spTree>
-      <p:nvGrpSpPr>
-        <p:cNvPr id="1" name=""/>
-        <p:cNvGrpSpPr/>
-        <p:nvPr/>
-      </p:nvGrpSpPr>
-      <p:grpSpPr>
-        <a:xfrm>
-          <a:off x="0" y="0"/>
-          <a:ext cx="0" cy="0"/>
-          <a:chOff x="0" y="0"/>
-          <a:chExt cx="0" cy="0"/>
-        </a:xfrm>
-      </p:grpSpPr>
-      <p:sp>
-        <p:nvSpPr>
-          <p:cNvPr id="3" name="TextBox 2">
-            <a:extLst>
-              <a:ext uri="{FF2B5EF4-FFF2-40B4-BE49-F238E27FC236}">
-                <a16:creationId xmlns:a16="http://schemas.microsoft.com/office/drawing/2014/main" id="{A0D434F9-BC31-447D-9110-E5FDE5D81E1A}"/>
-              </a:ext>
-            </a:extLst>
-          </p:cNvPr>
-          <p:cNvSpPr txBox="1"/>
-          <p:nvPr/>
-        </p:nvSpPr>
-        <p:spPr>
-          <a:xfrm>
-            <a:off x="770950" y="377376"/>
-            <a:ext cx="518091" cy="338554"/>
-          </a:xfrm>
-          <a:prstGeom prst="rect">
-            <a:avLst/>
-          </a:prstGeom>
-          <a:noFill/>
-        </p:spPr>
-        <p:txBody>
-          <a:bodyPr wrap="none" rtlCol="0">
-            <a:spAutoFit/>
-          </a:bodyPr>
-          <a:lstStyle/>
-          <a:p>
-            <a:r>
-              <a:rPr lang="en-US" sz="1600" dirty="0">
-                <a:latin typeface="Poppins" panose="00000500000000000000" pitchFamily="2" charset="0"/>
-                <a:cs typeface="Poppins" panose="00000500000000000000" pitchFamily="2" charset="0"/>
-              </a:rPr>
-              <a:t>DIV</a:t>
-            </a:r>
-          </a:p>
-        </p:txBody>
-      </p:sp>
-      <p:pic>
-        <p:nvPicPr>
-          <p:cNvPr id="4" name="Picture 3">
-            <a:extLst>
-              <a:ext uri="{FF2B5EF4-FFF2-40B4-BE49-F238E27FC236}">
-                <a16:creationId xmlns:a16="http://schemas.microsoft.com/office/drawing/2014/main" id="{F09D29CE-5B6A-4D48-AF78-3784553818F1}"/>
-              </a:ext>
-            </a:extLst>
-          </p:cNvPr>
-          <p:cNvPicPr>
-            <a:picLocks noChangeAspect="1"/>
-          </p:cNvPicPr>
-          <p:nvPr/>
-        </p:nvPicPr>
-        <p:blipFill>
-          <a:blip r:embed="rId2">
-            <a:extLst>
-              <a:ext uri="{28A0092B-C50C-407E-A947-70E740481C1C}">
-                <a14:useLocalDpi xmlns:a14="http://schemas.microsoft.com/office/drawing/2010/main" val="0"/>
-              </a:ext>
-            </a:extLst>
-          </a:blip>
-          <a:stretch>
-            <a:fillRect/>
-          </a:stretch>
-        </p:blipFill>
-        <p:spPr>
-          <a:xfrm>
-            <a:off x="1453731" y="1043691"/>
-            <a:ext cx="5762403" cy="4415018"/>
-          </a:xfrm>
-          <a:prstGeom prst="rect">
-            <a:avLst/>
-          </a:prstGeom>
-        </p:spPr>
-      </p:pic>
-    </p:spTree>
-    <p:extLst>
-      <p:ext uri="{BB962C8B-B14F-4D97-AF65-F5344CB8AC3E}">
-        <p14:creationId xmlns:p14="http://schemas.microsoft.com/office/powerpoint/2010/main" val="4208508989"/>
-      </p:ext>
-    </p:extLst>
-  </p:cSld>
-  <p:clrMapOvr>
-    <a:masterClrMapping/>
-  </p:clrMapOvr>
-</p:sld>
-</file>
-
-<file path=ppt/slides/slide5.xml><?xml version="1.0" encoding="utf-8"?>
-<p:sld xmlns:a="http://schemas.openxmlformats.org/drawingml/2006/main" xmlns:r="http://schemas.openxmlformats.org/officeDocument/2006/relationships" xmlns:p="http://schemas.openxmlformats.org/presentationml/2006/main">
-  <p:cSld>
-    <p:spTree>
-      <p:nvGrpSpPr>
-        <p:cNvPr id="1" name=""/>
-        <p:cNvGrpSpPr/>
-        <p:nvPr/>
-      </p:nvGrpSpPr>
-      <p:grpSpPr>
-        <a:xfrm>
-          <a:off x="0" y="0"/>
-          <a:ext cx="0" cy="0"/>
-          <a:chOff x="0" y="0"/>
-          <a:chExt cx="0" cy="0"/>
-        </a:xfrm>
-      </p:grpSpPr>
-      <p:sp>
-        <p:nvSpPr>
-          <p:cNvPr id="2" name="TextBox 1">
-            <a:extLst>
-              <a:ext uri="{FF2B5EF4-FFF2-40B4-BE49-F238E27FC236}">
-                <a16:creationId xmlns:a16="http://schemas.microsoft.com/office/drawing/2014/main" id="{7BCEF339-1C1F-465D-8EC7-307F28D5DA8A}"/>
-              </a:ext>
-            </a:extLst>
-          </p:cNvPr>
-          <p:cNvSpPr txBox="1"/>
-          <p:nvPr/>
-        </p:nvSpPr>
-        <p:spPr>
-          <a:xfrm>
-            <a:off x="770950" y="377376"/>
-            <a:ext cx="732893" cy="338554"/>
-          </a:xfrm>
-          <a:prstGeom prst="rect">
-            <a:avLst/>
-          </a:prstGeom>
-          <a:noFill/>
-        </p:spPr>
-        <p:txBody>
-          <a:bodyPr wrap="none" rtlCol="0">
-            <a:spAutoFit/>
-          </a:bodyPr>
-          <a:lstStyle/>
-          <a:p>
-            <a:r>
-              <a:rPr lang="en-US" sz="1600" dirty="0">
-                <a:latin typeface="Poppins" panose="00000500000000000000" pitchFamily="2" charset="0"/>
-                <a:cs typeface="Poppins" panose="00000500000000000000" pitchFamily="2" charset="0"/>
-              </a:rPr>
-              <a:t>a tag</a:t>
-            </a:r>
-          </a:p>
-        </p:txBody>
-      </p:sp>
-      <p:pic>
-        <p:nvPicPr>
-          <p:cNvPr id="3" name="Picture 2">
-            <a:extLst>
-              <a:ext uri="{FF2B5EF4-FFF2-40B4-BE49-F238E27FC236}">
-                <a16:creationId xmlns:a16="http://schemas.microsoft.com/office/drawing/2014/main" id="{5CD83388-BF13-442B-B26D-76E5AA16BC1F}"/>
-              </a:ext>
-            </a:extLst>
-          </p:cNvPr>
-          <p:cNvPicPr>
-            <a:picLocks noChangeAspect="1"/>
-          </p:cNvPicPr>
-          <p:nvPr/>
-        </p:nvPicPr>
-        <p:blipFill>
-          <a:blip r:embed="rId2">
-            <a:extLst>
-              <a:ext uri="{28A0092B-C50C-407E-A947-70E740481C1C}">
-                <a14:useLocalDpi xmlns:a14="http://schemas.microsoft.com/office/drawing/2010/main" val="0"/>
-              </a:ext>
-            </a:extLst>
-          </a:blip>
-          <a:stretch>
-            <a:fillRect/>
-          </a:stretch>
-        </p:blipFill>
-        <p:spPr>
-          <a:xfrm>
-            <a:off x="1710267" y="1280029"/>
-            <a:ext cx="5402218" cy="4297941"/>
-          </a:xfrm>
-          <a:prstGeom prst="rect">
-            <a:avLst/>
-          </a:prstGeom>
-        </p:spPr>
-      </p:pic>
-      <p:cxnSp>
-        <p:nvCxnSpPr>
-          <p:cNvPr id="4" name="Straight Connector 3">
-            <a:extLst>
-              <a:ext uri="{FF2B5EF4-FFF2-40B4-BE49-F238E27FC236}">
-                <a16:creationId xmlns:a16="http://schemas.microsoft.com/office/drawing/2014/main" id="{9F874E23-0F1D-4325-89F1-B7DAC2F3A80E}"/>
-              </a:ext>
-            </a:extLst>
-          </p:cNvPr>
-          <p:cNvCxnSpPr>
-            <a:cxnSpLocks/>
-          </p:cNvCxnSpPr>
-          <p:nvPr/>
-        </p:nvCxnSpPr>
-        <p:spPr>
-          <a:xfrm flipH="1">
-            <a:off x="6282267" y="4114800"/>
-            <a:ext cx="1329266" cy="323262"/>
-          </a:xfrm>
-          <a:prstGeom prst="line">
-            <a:avLst/>
-          </a:prstGeom>
-          <a:ln>
-            <a:solidFill>
-              <a:srgbClr val="FF0000"/>
-            </a:solidFill>
-          </a:ln>
-        </p:spPr>
-        <p:style>
-          <a:lnRef idx="1">
-            <a:schemeClr val="accent6"/>
-          </a:lnRef>
-          <a:fillRef idx="0">
-            <a:schemeClr val="accent6"/>
-          </a:fillRef>
-          <a:effectRef idx="0">
-            <a:schemeClr val="accent6"/>
-          </a:effectRef>
-          <a:fontRef idx="minor">
-            <a:schemeClr val="tx1"/>
-          </a:fontRef>
-        </p:style>
-      </p:cxnSp>
-      <p:sp>
-        <p:nvSpPr>
-          <p:cNvPr id="6" name="TextBox 5">
-            <a:extLst>
-              <a:ext uri="{FF2B5EF4-FFF2-40B4-BE49-F238E27FC236}">
-                <a16:creationId xmlns:a16="http://schemas.microsoft.com/office/drawing/2014/main" id="{C9A22ED0-31B0-4A19-BB57-BAF8B1FE0827}"/>
-              </a:ext>
-            </a:extLst>
-          </p:cNvPr>
-          <p:cNvSpPr txBox="1"/>
-          <p:nvPr/>
-        </p:nvSpPr>
-        <p:spPr>
-          <a:xfrm>
-            <a:off x="7611532" y="3991689"/>
-            <a:ext cx="1100667" cy="246221"/>
-          </a:xfrm>
-          <a:prstGeom prst="rect">
-            <a:avLst/>
-          </a:prstGeom>
-          <a:noFill/>
-        </p:spPr>
-        <p:txBody>
-          <a:bodyPr wrap="square" rtlCol="0">
-            <a:spAutoFit/>
-          </a:bodyPr>
-          <a:lstStyle/>
-          <a:p>
-            <a:r>
-              <a:rPr lang="en-US" sz="1000" dirty="0">
-                <a:latin typeface="Poppins" panose="00000500000000000000" pitchFamily="2" charset="0"/>
-                <a:cs typeface="Poppins" panose="00000500000000000000" pitchFamily="2" charset="0"/>
-              </a:rPr>
-              <a:t>External link</a:t>
-            </a:r>
-          </a:p>
-        </p:txBody>
-      </p:sp>
-      <p:cxnSp>
-        <p:nvCxnSpPr>
-          <p:cNvPr id="7" name="Straight Connector 6">
-            <a:extLst>
-              <a:ext uri="{FF2B5EF4-FFF2-40B4-BE49-F238E27FC236}">
-                <a16:creationId xmlns:a16="http://schemas.microsoft.com/office/drawing/2014/main" id="{0A6F55FF-CFA7-4269-AA36-8D7A09C8D820}"/>
-              </a:ext>
-            </a:extLst>
-          </p:cNvPr>
-          <p:cNvCxnSpPr>
-            <a:cxnSpLocks/>
-          </p:cNvCxnSpPr>
-          <p:nvPr/>
-        </p:nvCxnSpPr>
-        <p:spPr>
-          <a:xfrm flipH="1">
-            <a:off x="5528734" y="4561173"/>
-            <a:ext cx="1794933" cy="158659"/>
-          </a:xfrm>
-          <a:prstGeom prst="line">
-            <a:avLst/>
-          </a:prstGeom>
-          <a:ln>
-            <a:solidFill>
-              <a:srgbClr val="FF0000"/>
-            </a:solidFill>
-          </a:ln>
-        </p:spPr>
-        <p:style>
-          <a:lnRef idx="1">
-            <a:schemeClr val="accent6"/>
-          </a:lnRef>
-          <a:fillRef idx="0">
-            <a:schemeClr val="accent6"/>
-          </a:fillRef>
-          <a:effectRef idx="0">
-            <a:schemeClr val="accent6"/>
-          </a:effectRef>
-          <a:fontRef idx="minor">
-            <a:schemeClr val="tx1"/>
-          </a:fontRef>
-        </p:style>
-      </p:cxnSp>
-      <p:sp>
-        <p:nvSpPr>
-          <p:cNvPr id="9" name="TextBox 8">
-            <a:extLst>
-              <a:ext uri="{FF2B5EF4-FFF2-40B4-BE49-F238E27FC236}">
-                <a16:creationId xmlns:a16="http://schemas.microsoft.com/office/drawing/2014/main" id="{716F9FD3-64ED-4AD5-B288-264CD7A303F9}"/>
-              </a:ext>
-            </a:extLst>
-          </p:cNvPr>
-          <p:cNvSpPr txBox="1"/>
-          <p:nvPr/>
-        </p:nvSpPr>
-        <p:spPr>
-          <a:xfrm>
-            <a:off x="7323667" y="4420757"/>
-            <a:ext cx="1100667" cy="246221"/>
-          </a:xfrm>
-          <a:prstGeom prst="rect">
-            <a:avLst/>
-          </a:prstGeom>
-          <a:noFill/>
-        </p:spPr>
-        <p:txBody>
-          <a:bodyPr wrap="square" rtlCol="0">
-            <a:spAutoFit/>
-          </a:bodyPr>
-          <a:lstStyle/>
-          <a:p>
-            <a:r>
-              <a:rPr lang="en-US" sz="1000" dirty="0">
-                <a:latin typeface="Poppins" panose="00000500000000000000" pitchFamily="2" charset="0"/>
-                <a:cs typeface="Poppins" panose="00000500000000000000" pitchFamily="2" charset="0"/>
-              </a:rPr>
-              <a:t>Internal link</a:t>
-            </a:r>
-          </a:p>
-        </p:txBody>
-      </p:sp>
-      <p:sp>
-        <p:nvSpPr>
-          <p:cNvPr id="10" name="TextBox 9">
-            <a:extLst>
-              <a:ext uri="{FF2B5EF4-FFF2-40B4-BE49-F238E27FC236}">
-                <a16:creationId xmlns:a16="http://schemas.microsoft.com/office/drawing/2014/main" id="{F9C97E0E-DB7A-4272-835F-AFBD0468D6A3}"/>
-              </a:ext>
-            </a:extLst>
-          </p:cNvPr>
-          <p:cNvSpPr txBox="1"/>
-          <p:nvPr/>
-        </p:nvSpPr>
-        <p:spPr>
-          <a:xfrm>
-            <a:off x="8424334" y="2639291"/>
-            <a:ext cx="2495410" cy="1169551"/>
-          </a:xfrm>
-          <a:prstGeom prst="rect">
-            <a:avLst/>
-          </a:prstGeom>
-          <a:noFill/>
-        </p:spPr>
-        <p:txBody>
-          <a:bodyPr wrap="square" rtlCol="0">
-            <a:spAutoFit/>
-          </a:bodyPr>
-          <a:lstStyle/>
-          <a:p>
-            <a:pPr marL="228600" indent="-228600">
-              <a:buFont typeface="+mj-lt"/>
-              <a:buAutoNum type="arabicPeriod"/>
-            </a:pPr>
-            <a:r>
-              <a:rPr lang="en-US" sz="1000" dirty="0">
-                <a:latin typeface="Poppins" panose="00000500000000000000" pitchFamily="2" charset="0"/>
-                <a:cs typeface="Poppins" panose="00000500000000000000" pitchFamily="2" charset="0"/>
-              </a:rPr>
-              <a:t>External link </a:t>
-            </a:r>
-            <a:r>
-              <a:rPr lang="en-US" sz="1000" dirty="0" err="1">
-                <a:latin typeface="Poppins" panose="00000500000000000000" pitchFamily="2" charset="0"/>
-                <a:cs typeface="Poppins" panose="00000500000000000000" pitchFamily="2" charset="0"/>
-              </a:rPr>
-              <a:t>biasa</a:t>
-            </a:r>
-            <a:r>
-              <a:rPr lang="en-US" sz="1000" dirty="0">
-                <a:latin typeface="Poppins" panose="00000500000000000000" pitchFamily="2" charset="0"/>
-                <a:cs typeface="Poppins" panose="00000500000000000000" pitchFamily="2" charset="0"/>
-              </a:rPr>
-              <a:t> </a:t>
-            </a:r>
-            <a:r>
-              <a:rPr lang="en-US" sz="1000" dirty="0" err="1">
-                <a:latin typeface="Poppins" panose="00000500000000000000" pitchFamily="2" charset="0"/>
-                <a:cs typeface="Poppins" panose="00000500000000000000" pitchFamily="2" charset="0"/>
-              </a:rPr>
-              <a:t>digunakan</a:t>
-            </a:r>
-            <a:r>
-              <a:rPr lang="en-US" sz="1000" dirty="0">
-                <a:latin typeface="Poppins" panose="00000500000000000000" pitchFamily="2" charset="0"/>
-                <a:cs typeface="Poppins" panose="00000500000000000000" pitchFamily="2" charset="0"/>
-              </a:rPr>
-              <a:t> </a:t>
-            </a:r>
-            <a:r>
-              <a:rPr lang="en-US" sz="1000" dirty="0" err="1">
-                <a:latin typeface="Poppins" panose="00000500000000000000" pitchFamily="2" charset="0"/>
-                <a:cs typeface="Poppins" panose="00000500000000000000" pitchFamily="2" charset="0"/>
-              </a:rPr>
-              <a:t>untuk</a:t>
-            </a:r>
-            <a:r>
-              <a:rPr lang="en-US" sz="1000" dirty="0">
-                <a:latin typeface="Poppins" panose="00000500000000000000" pitchFamily="2" charset="0"/>
-                <a:cs typeface="Poppins" panose="00000500000000000000" pitchFamily="2" charset="0"/>
-              </a:rPr>
-              <a:t> </a:t>
-            </a:r>
-            <a:r>
-              <a:rPr lang="en-US" sz="1000" dirty="0" err="1">
-                <a:latin typeface="Poppins" panose="00000500000000000000" pitchFamily="2" charset="0"/>
-                <a:cs typeface="Poppins" panose="00000500000000000000" pitchFamily="2" charset="0"/>
-              </a:rPr>
-              <a:t>mengembed</a:t>
-            </a:r>
-            <a:r>
-              <a:rPr lang="en-US" sz="1000" dirty="0">
-                <a:latin typeface="Poppins" panose="00000500000000000000" pitchFamily="2" charset="0"/>
-                <a:cs typeface="Poppins" panose="00000500000000000000" pitchFamily="2" charset="0"/>
-              </a:rPr>
-              <a:t> </a:t>
-            </a:r>
-            <a:r>
-              <a:rPr lang="en-US" sz="1000" dirty="0" err="1">
-                <a:latin typeface="Poppins" panose="00000500000000000000" pitchFamily="2" charset="0"/>
-                <a:cs typeface="Poppins" panose="00000500000000000000" pitchFamily="2" charset="0"/>
-              </a:rPr>
-              <a:t>suatu</a:t>
-            </a:r>
-            <a:r>
-              <a:rPr lang="en-US" sz="1000" dirty="0">
-                <a:latin typeface="Poppins" panose="00000500000000000000" pitchFamily="2" charset="0"/>
-                <a:cs typeface="Poppins" panose="00000500000000000000" pitchFamily="2" charset="0"/>
-              </a:rPr>
-              <a:t> link website orang lain</a:t>
-            </a:r>
-          </a:p>
-          <a:p>
-            <a:pPr marL="228600" indent="-228600">
-              <a:buFont typeface="+mj-lt"/>
-              <a:buAutoNum type="arabicPeriod"/>
-            </a:pPr>
-            <a:endParaRPr lang="en-US" sz="1000" dirty="0">
-              <a:latin typeface="Poppins" panose="00000500000000000000" pitchFamily="2" charset="0"/>
-              <a:cs typeface="Poppins" panose="00000500000000000000" pitchFamily="2" charset="0"/>
-            </a:endParaRPr>
-          </a:p>
-          <a:p>
-            <a:pPr marL="228600" indent="-228600">
-              <a:buFont typeface="+mj-lt"/>
-              <a:buAutoNum type="arabicPeriod"/>
-            </a:pPr>
-            <a:r>
-              <a:rPr lang="en-US" sz="1000" dirty="0">
-                <a:latin typeface="Poppins" panose="00000500000000000000" pitchFamily="2" charset="0"/>
-                <a:cs typeface="Poppins" panose="00000500000000000000" pitchFamily="2" charset="0"/>
-              </a:rPr>
-              <a:t>Internal link </a:t>
-            </a:r>
-            <a:r>
-              <a:rPr lang="en-US" sz="1000" dirty="0" err="1">
-                <a:latin typeface="Poppins" panose="00000500000000000000" pitchFamily="2" charset="0"/>
-                <a:cs typeface="Poppins" panose="00000500000000000000" pitchFamily="2" charset="0"/>
-              </a:rPr>
-              <a:t>biasa</a:t>
-            </a:r>
-            <a:r>
-              <a:rPr lang="en-US" sz="1000" dirty="0">
-                <a:latin typeface="Poppins" panose="00000500000000000000" pitchFamily="2" charset="0"/>
-                <a:cs typeface="Poppins" panose="00000500000000000000" pitchFamily="2" charset="0"/>
-              </a:rPr>
-              <a:t> </a:t>
-            </a:r>
-            <a:r>
-              <a:rPr lang="en-US" sz="1000" dirty="0" err="1">
-                <a:latin typeface="Poppins" panose="00000500000000000000" pitchFamily="2" charset="0"/>
-                <a:cs typeface="Poppins" panose="00000500000000000000" pitchFamily="2" charset="0"/>
-              </a:rPr>
-              <a:t>digunakan</a:t>
-            </a:r>
-            <a:r>
-              <a:rPr lang="en-US" sz="1000" dirty="0">
-                <a:latin typeface="Poppins" panose="00000500000000000000" pitchFamily="2" charset="0"/>
-                <a:cs typeface="Poppins" panose="00000500000000000000" pitchFamily="2" charset="0"/>
-              </a:rPr>
-              <a:t> </a:t>
-            </a:r>
-            <a:r>
-              <a:rPr lang="en-US" sz="1000" dirty="0" err="1">
-                <a:latin typeface="Poppins" panose="00000500000000000000" pitchFamily="2" charset="0"/>
-                <a:cs typeface="Poppins" panose="00000500000000000000" pitchFamily="2" charset="0"/>
-              </a:rPr>
-              <a:t>untuk</a:t>
-            </a:r>
-            <a:r>
-              <a:rPr lang="en-US" sz="1000" dirty="0">
-                <a:latin typeface="Poppins" panose="00000500000000000000" pitchFamily="2" charset="0"/>
-                <a:cs typeface="Poppins" panose="00000500000000000000" pitchFamily="2" charset="0"/>
-              </a:rPr>
-              <a:t> </a:t>
-            </a:r>
-            <a:r>
-              <a:rPr lang="en-US" sz="1000" dirty="0" err="1">
-                <a:latin typeface="Poppins" panose="00000500000000000000" pitchFamily="2" charset="0"/>
-                <a:cs typeface="Poppins" panose="00000500000000000000" pitchFamily="2" charset="0"/>
-              </a:rPr>
-              <a:t>berpindah</a:t>
-            </a:r>
-            <a:r>
-              <a:rPr lang="en-US" sz="1000" dirty="0">
-                <a:latin typeface="Poppins" panose="00000500000000000000" pitchFamily="2" charset="0"/>
-                <a:cs typeface="Poppins" panose="00000500000000000000" pitchFamily="2" charset="0"/>
-              </a:rPr>
-              <a:t> </a:t>
-            </a:r>
-            <a:r>
-              <a:rPr lang="en-US" sz="1000" dirty="0" err="1">
-                <a:latin typeface="Poppins" panose="00000500000000000000" pitchFamily="2" charset="0"/>
-                <a:cs typeface="Poppins" panose="00000500000000000000" pitchFamily="2" charset="0"/>
-              </a:rPr>
-              <a:t>halaman</a:t>
-            </a:r>
-            <a:r>
-              <a:rPr lang="en-US" sz="1000" dirty="0">
-                <a:latin typeface="Poppins" panose="00000500000000000000" pitchFamily="2" charset="0"/>
-                <a:cs typeface="Poppins" panose="00000500000000000000" pitchFamily="2" charset="0"/>
-              </a:rPr>
-              <a:t> pada website </a:t>
-            </a:r>
-            <a:r>
-              <a:rPr lang="en-US" sz="1000" dirty="0" err="1">
-                <a:latin typeface="Poppins" panose="00000500000000000000" pitchFamily="2" charset="0"/>
-                <a:cs typeface="Poppins" panose="00000500000000000000" pitchFamily="2" charset="0"/>
-              </a:rPr>
-              <a:t>kita</a:t>
-            </a:r>
-            <a:endParaRPr lang="en-US" sz="1000" dirty="0">
-              <a:latin typeface="Poppins" panose="00000500000000000000" pitchFamily="2" charset="0"/>
-              <a:cs typeface="Poppins" panose="00000500000000000000" pitchFamily="2" charset="0"/>
-            </a:endParaRPr>
-          </a:p>
-        </p:txBody>
-      </p:sp>
-    </p:spTree>
-    <p:extLst>
-      <p:ext uri="{BB962C8B-B14F-4D97-AF65-F5344CB8AC3E}">
-        <p14:creationId xmlns:p14="http://schemas.microsoft.com/office/powerpoint/2010/main" val="1140366746"/>
-      </p:ext>
-    </p:extLst>
-  </p:cSld>
-  <p:clrMapOvr>
-    <a:masterClrMapping/>
-  </p:clrMapOvr>
-</p:sld>
-</file>
-
-<file path=ppt/slides/slide6.xml><?xml version="1.0" encoding="utf-8"?>
-<p:sld xmlns:a="http://schemas.openxmlformats.org/drawingml/2006/main" xmlns:r="http://schemas.openxmlformats.org/officeDocument/2006/relationships" xmlns:p="http://schemas.openxmlformats.org/presentationml/2006/main">
-  <p:cSld>
-    <p:spTree>
-      <p:nvGrpSpPr>
-        <p:cNvPr id="1" name=""/>
-        <p:cNvGrpSpPr/>
-        <p:nvPr/>
-      </p:nvGrpSpPr>
-      <p:grpSpPr>
-        <a:xfrm>
-          <a:off x="0" y="0"/>
-          <a:ext cx="0" cy="0"/>
-          <a:chOff x="0" y="0"/>
-          <a:chExt cx="0" cy="0"/>
-        </a:xfrm>
-      </p:grpSpPr>
-      <p:sp>
-        <p:nvSpPr>
-          <p:cNvPr id="2" name="TextBox 1">
-            <a:extLst>
-              <a:ext uri="{FF2B5EF4-FFF2-40B4-BE49-F238E27FC236}">
-                <a16:creationId xmlns:a16="http://schemas.microsoft.com/office/drawing/2014/main" id="{9D87E491-6977-48BB-92ED-D1309480619D}"/>
-              </a:ext>
-            </a:extLst>
-          </p:cNvPr>
-          <p:cNvSpPr txBox="1"/>
-          <p:nvPr/>
-        </p:nvSpPr>
-        <p:spPr>
-          <a:xfrm>
-            <a:off x="770950" y="377376"/>
-            <a:ext cx="726481" cy="338554"/>
-          </a:xfrm>
-          <a:prstGeom prst="rect">
-            <a:avLst/>
-          </a:prstGeom>
-          <a:noFill/>
-        </p:spPr>
-        <p:txBody>
-          <a:bodyPr wrap="none" rtlCol="0">
-            <a:spAutoFit/>
-          </a:bodyPr>
-          <a:lstStyle/>
-          <a:p>
-            <a:r>
-              <a:rPr lang="en-US" sz="1600" dirty="0" err="1">
-                <a:latin typeface="Poppins" panose="00000500000000000000" pitchFamily="2" charset="0"/>
-                <a:cs typeface="Poppins" panose="00000500000000000000" pitchFamily="2" charset="0"/>
-              </a:rPr>
-              <a:t>ul,li,ol</a:t>
-            </a:r>
-            <a:endParaRPr lang="en-US" sz="1600" dirty="0">
-              <a:latin typeface="Poppins" panose="00000500000000000000" pitchFamily="2" charset="0"/>
-              <a:cs typeface="Poppins" panose="00000500000000000000" pitchFamily="2" charset="0"/>
-            </a:endParaRPr>
-          </a:p>
-        </p:txBody>
-      </p:sp>
-      <p:pic>
-        <p:nvPicPr>
-          <p:cNvPr id="4" name="Picture 3">
-            <a:extLst>
-              <a:ext uri="{FF2B5EF4-FFF2-40B4-BE49-F238E27FC236}">
-                <a16:creationId xmlns:a16="http://schemas.microsoft.com/office/drawing/2014/main" id="{B5416109-4AAE-42D2-B2DA-952D3B1A8A71}"/>
-              </a:ext>
-            </a:extLst>
-          </p:cNvPr>
-          <p:cNvPicPr>
-            <a:picLocks noChangeAspect="1"/>
-          </p:cNvPicPr>
-          <p:nvPr/>
-        </p:nvPicPr>
-        <p:blipFill>
-          <a:blip r:embed="rId2">
-            <a:extLst>
-              <a:ext uri="{28A0092B-C50C-407E-A947-70E740481C1C}">
-                <a14:useLocalDpi xmlns:a14="http://schemas.microsoft.com/office/drawing/2010/main" val="0"/>
-              </a:ext>
-            </a:extLst>
-          </a:blip>
-          <a:stretch>
-            <a:fillRect/>
-          </a:stretch>
-        </p:blipFill>
-        <p:spPr>
-          <a:xfrm>
-            <a:off x="1497431" y="915396"/>
-            <a:ext cx="4743794" cy="4799603"/>
-          </a:xfrm>
-          <a:prstGeom prst="rect">
-            <a:avLst/>
-          </a:prstGeom>
-        </p:spPr>
-      </p:pic>
-      <p:sp>
-        <p:nvSpPr>
-          <p:cNvPr id="5" name="TextBox 4">
-            <a:extLst>
-              <a:ext uri="{FF2B5EF4-FFF2-40B4-BE49-F238E27FC236}">
-                <a16:creationId xmlns:a16="http://schemas.microsoft.com/office/drawing/2014/main" id="{0935CB9C-159C-4F91-ADFD-AF517B0C5856}"/>
-              </a:ext>
-            </a:extLst>
-          </p:cNvPr>
-          <p:cNvSpPr txBox="1"/>
-          <p:nvPr/>
-        </p:nvSpPr>
-        <p:spPr>
-          <a:xfrm>
-            <a:off x="7230534" y="2536448"/>
-            <a:ext cx="2495410" cy="1785104"/>
-          </a:xfrm>
-          <a:prstGeom prst="rect">
-            <a:avLst/>
-          </a:prstGeom>
-          <a:noFill/>
-        </p:spPr>
-        <p:txBody>
-          <a:bodyPr wrap="square" rtlCol="0">
-            <a:spAutoFit/>
-          </a:bodyPr>
-          <a:lstStyle/>
-          <a:p>
-            <a:pPr marL="228600" indent="-228600">
-              <a:buFont typeface="+mj-lt"/>
-              <a:buAutoNum type="arabicPeriod"/>
-            </a:pPr>
-            <a:r>
-              <a:rPr lang="en-US" sz="1000" dirty="0">
-                <a:latin typeface="Poppins" panose="00000500000000000000" pitchFamily="2" charset="0"/>
-                <a:cs typeface="Poppins" panose="00000500000000000000" pitchFamily="2" charset="0"/>
-              </a:rPr>
-              <a:t>ul (unorder list) </a:t>
-            </a:r>
-            <a:r>
-              <a:rPr lang="en-US" sz="1000" dirty="0" err="1">
-                <a:latin typeface="Poppins" panose="00000500000000000000" pitchFamily="2" charset="0"/>
-                <a:cs typeface="Poppins" panose="00000500000000000000" pitchFamily="2" charset="0"/>
-              </a:rPr>
-              <a:t>biasa</a:t>
-            </a:r>
-            <a:r>
-              <a:rPr lang="en-US" sz="1000" dirty="0">
-                <a:latin typeface="Poppins" panose="00000500000000000000" pitchFamily="2" charset="0"/>
-                <a:cs typeface="Poppins" panose="00000500000000000000" pitchFamily="2" charset="0"/>
-              </a:rPr>
-              <a:t> </a:t>
-            </a:r>
-            <a:r>
-              <a:rPr lang="en-US" sz="1000" dirty="0" err="1">
-                <a:latin typeface="Poppins" panose="00000500000000000000" pitchFamily="2" charset="0"/>
-                <a:cs typeface="Poppins" panose="00000500000000000000" pitchFamily="2" charset="0"/>
-              </a:rPr>
-              <a:t>digunakan</a:t>
-            </a:r>
-            <a:r>
-              <a:rPr lang="en-US" sz="1000" dirty="0">
-                <a:latin typeface="Poppins" panose="00000500000000000000" pitchFamily="2" charset="0"/>
-                <a:cs typeface="Poppins" panose="00000500000000000000" pitchFamily="2" charset="0"/>
-              </a:rPr>
-              <a:t> </a:t>
-            </a:r>
-            <a:r>
-              <a:rPr lang="en-US" sz="1000" dirty="0" err="1">
-                <a:latin typeface="Poppins" panose="00000500000000000000" pitchFamily="2" charset="0"/>
-                <a:cs typeface="Poppins" panose="00000500000000000000" pitchFamily="2" charset="0"/>
-              </a:rPr>
-              <a:t>untuk</a:t>
-            </a:r>
-            <a:r>
-              <a:rPr lang="en-US" sz="1000" dirty="0">
-                <a:latin typeface="Poppins" panose="00000500000000000000" pitchFamily="2" charset="0"/>
-                <a:cs typeface="Poppins" panose="00000500000000000000" pitchFamily="2" charset="0"/>
-              </a:rPr>
-              <a:t> </a:t>
-            </a:r>
-            <a:r>
-              <a:rPr lang="en-US" sz="1000" dirty="0" err="1">
-                <a:latin typeface="Poppins" panose="00000500000000000000" pitchFamily="2" charset="0"/>
-                <a:cs typeface="Poppins" panose="00000500000000000000" pitchFamily="2" charset="0"/>
-              </a:rPr>
-              <a:t>membuat</a:t>
-            </a:r>
-            <a:r>
-              <a:rPr lang="en-US" sz="1000" dirty="0">
-                <a:latin typeface="Poppins" panose="00000500000000000000" pitchFamily="2" charset="0"/>
-                <a:cs typeface="Poppins" panose="00000500000000000000" pitchFamily="2" charset="0"/>
-              </a:rPr>
-              <a:t> list item yang </a:t>
-            </a:r>
-            <a:r>
-              <a:rPr lang="en-US" sz="1000" dirty="0" err="1">
-                <a:latin typeface="Poppins" panose="00000500000000000000" pitchFamily="2" charset="0"/>
-                <a:cs typeface="Poppins" panose="00000500000000000000" pitchFamily="2" charset="0"/>
-              </a:rPr>
-              <a:t>tidak</a:t>
-            </a:r>
-            <a:r>
-              <a:rPr lang="en-US" sz="1000" dirty="0">
-                <a:latin typeface="Poppins" panose="00000500000000000000" pitchFamily="2" charset="0"/>
-                <a:cs typeface="Poppins" panose="00000500000000000000" pitchFamily="2" charset="0"/>
-              </a:rPr>
-              <a:t> </a:t>
-            </a:r>
-            <a:r>
-              <a:rPr lang="en-US" sz="1000" dirty="0" err="1">
-                <a:latin typeface="Poppins" panose="00000500000000000000" pitchFamily="2" charset="0"/>
-                <a:cs typeface="Poppins" panose="00000500000000000000" pitchFamily="2" charset="0"/>
-              </a:rPr>
-              <a:t>berurutan</a:t>
-            </a:r>
-            <a:r>
-              <a:rPr lang="en-US" sz="1000" dirty="0">
-                <a:latin typeface="Poppins" panose="00000500000000000000" pitchFamily="2" charset="0"/>
-                <a:cs typeface="Poppins" panose="00000500000000000000" pitchFamily="2" charset="0"/>
-              </a:rPr>
-              <a:t> </a:t>
-            </a:r>
-          </a:p>
-          <a:p>
-            <a:pPr marL="228600" indent="-228600">
-              <a:buFont typeface="+mj-lt"/>
-              <a:buAutoNum type="arabicPeriod"/>
-            </a:pPr>
-            <a:endParaRPr lang="en-US" sz="1000" dirty="0">
-              <a:latin typeface="Poppins" panose="00000500000000000000" pitchFamily="2" charset="0"/>
-              <a:cs typeface="Poppins" panose="00000500000000000000" pitchFamily="2" charset="0"/>
-            </a:endParaRPr>
-          </a:p>
-          <a:p>
-            <a:pPr marL="228600" indent="-228600">
-              <a:buFont typeface="+mj-lt"/>
-              <a:buAutoNum type="arabicPeriod"/>
-            </a:pPr>
-            <a:r>
-              <a:rPr lang="en-US" sz="1000" dirty="0" err="1">
-                <a:latin typeface="Poppins" panose="00000500000000000000" pitchFamily="2" charset="0"/>
-                <a:cs typeface="Poppins" panose="00000500000000000000" pitchFamily="2" charset="0"/>
-              </a:rPr>
-              <a:t>ol</a:t>
-            </a:r>
-            <a:r>
-              <a:rPr lang="en-US" sz="1000" dirty="0">
-                <a:latin typeface="Poppins" panose="00000500000000000000" pitchFamily="2" charset="0"/>
-                <a:cs typeface="Poppins" panose="00000500000000000000" pitchFamily="2" charset="0"/>
-              </a:rPr>
-              <a:t> (order list) </a:t>
-            </a:r>
-            <a:r>
-              <a:rPr lang="en-US" sz="1000" dirty="0" err="1">
-                <a:latin typeface="Poppins" panose="00000500000000000000" pitchFamily="2" charset="0"/>
-                <a:cs typeface="Poppins" panose="00000500000000000000" pitchFamily="2" charset="0"/>
-              </a:rPr>
-              <a:t>biasa</a:t>
-            </a:r>
-            <a:r>
-              <a:rPr lang="en-US" sz="1000" dirty="0">
-                <a:latin typeface="Poppins" panose="00000500000000000000" pitchFamily="2" charset="0"/>
-                <a:cs typeface="Poppins" panose="00000500000000000000" pitchFamily="2" charset="0"/>
-              </a:rPr>
-              <a:t> </a:t>
-            </a:r>
-            <a:r>
-              <a:rPr lang="en-US" sz="1000" dirty="0" err="1">
-                <a:latin typeface="Poppins" panose="00000500000000000000" pitchFamily="2" charset="0"/>
-                <a:cs typeface="Poppins" panose="00000500000000000000" pitchFamily="2" charset="0"/>
-              </a:rPr>
-              <a:t>digunakan</a:t>
-            </a:r>
-            <a:r>
-              <a:rPr lang="en-US" sz="1000" dirty="0">
-                <a:latin typeface="Poppins" panose="00000500000000000000" pitchFamily="2" charset="0"/>
-                <a:cs typeface="Poppins" panose="00000500000000000000" pitchFamily="2" charset="0"/>
-              </a:rPr>
-              <a:t> </a:t>
-            </a:r>
-            <a:r>
-              <a:rPr lang="en-US" sz="1000" dirty="0" err="1">
-                <a:latin typeface="Poppins" panose="00000500000000000000" pitchFamily="2" charset="0"/>
-                <a:cs typeface="Poppins" panose="00000500000000000000" pitchFamily="2" charset="0"/>
-              </a:rPr>
-              <a:t>untuk</a:t>
-            </a:r>
-            <a:r>
-              <a:rPr lang="en-US" sz="1000" dirty="0">
-                <a:latin typeface="Poppins" panose="00000500000000000000" pitchFamily="2" charset="0"/>
-                <a:cs typeface="Poppins" panose="00000500000000000000" pitchFamily="2" charset="0"/>
-              </a:rPr>
-              <a:t> </a:t>
-            </a:r>
-            <a:r>
-              <a:rPr lang="en-US" sz="1000" dirty="0" err="1">
-                <a:latin typeface="Poppins" panose="00000500000000000000" pitchFamily="2" charset="0"/>
-                <a:cs typeface="Poppins" panose="00000500000000000000" pitchFamily="2" charset="0"/>
-              </a:rPr>
-              <a:t>membuat</a:t>
-            </a:r>
-            <a:r>
-              <a:rPr lang="en-US" sz="1000" dirty="0">
-                <a:latin typeface="Poppins" panose="00000500000000000000" pitchFamily="2" charset="0"/>
-                <a:cs typeface="Poppins" panose="00000500000000000000" pitchFamily="2" charset="0"/>
-              </a:rPr>
-              <a:t> list item yang </a:t>
-            </a:r>
-            <a:r>
-              <a:rPr lang="en-US" sz="1000" dirty="0" err="1">
-                <a:latin typeface="Poppins" panose="00000500000000000000" pitchFamily="2" charset="0"/>
-                <a:cs typeface="Poppins" panose="00000500000000000000" pitchFamily="2" charset="0"/>
-              </a:rPr>
-              <a:t>berururtan</a:t>
-            </a:r>
-            <a:r>
-              <a:rPr lang="en-US" sz="1000" dirty="0">
-                <a:latin typeface="Poppins" panose="00000500000000000000" pitchFamily="2" charset="0"/>
-                <a:cs typeface="Poppins" panose="00000500000000000000" pitchFamily="2" charset="0"/>
-              </a:rPr>
-              <a:t> (1-n)</a:t>
-            </a:r>
-          </a:p>
-          <a:p>
-            <a:pPr marL="228600" indent="-228600">
-              <a:buFont typeface="+mj-lt"/>
-              <a:buAutoNum type="arabicPeriod"/>
-            </a:pPr>
-            <a:endParaRPr lang="en-US" sz="1000" dirty="0">
-              <a:latin typeface="Poppins" panose="00000500000000000000" pitchFamily="2" charset="0"/>
-              <a:cs typeface="Poppins" panose="00000500000000000000" pitchFamily="2" charset="0"/>
-            </a:endParaRPr>
-          </a:p>
-          <a:p>
-            <a:pPr marL="228600" indent="-228600">
-              <a:buFont typeface="+mj-lt"/>
-              <a:buAutoNum type="arabicPeriod"/>
-            </a:pPr>
-            <a:r>
-              <a:rPr lang="en-US" sz="1000" dirty="0">
-                <a:latin typeface="Poppins" panose="00000500000000000000" pitchFamily="2" charset="0"/>
-                <a:cs typeface="Poppins" panose="00000500000000000000" pitchFamily="2" charset="0"/>
-              </a:rPr>
-              <a:t>li (list item) </a:t>
-            </a:r>
-            <a:r>
-              <a:rPr lang="en-US" sz="1000" dirty="0" err="1">
-                <a:latin typeface="Poppins" panose="00000500000000000000" pitchFamily="2" charset="0"/>
-                <a:cs typeface="Poppins" panose="00000500000000000000" pitchFamily="2" charset="0"/>
-              </a:rPr>
-              <a:t>biasa</a:t>
-            </a:r>
-            <a:r>
-              <a:rPr lang="en-US" sz="1000" dirty="0">
-                <a:latin typeface="Poppins" panose="00000500000000000000" pitchFamily="2" charset="0"/>
-                <a:cs typeface="Poppins" panose="00000500000000000000" pitchFamily="2" charset="0"/>
-              </a:rPr>
-              <a:t> </a:t>
-            </a:r>
-            <a:r>
-              <a:rPr lang="en-US" sz="1000" dirty="0" err="1">
-                <a:latin typeface="Poppins" panose="00000500000000000000" pitchFamily="2" charset="0"/>
-                <a:cs typeface="Poppins" panose="00000500000000000000" pitchFamily="2" charset="0"/>
-              </a:rPr>
-              <a:t>digunakan</a:t>
-            </a:r>
-            <a:r>
-              <a:rPr lang="en-US" sz="1000" dirty="0">
-                <a:latin typeface="Poppins" panose="00000500000000000000" pitchFamily="2" charset="0"/>
-                <a:cs typeface="Poppins" panose="00000500000000000000" pitchFamily="2" charset="0"/>
-              </a:rPr>
-              <a:t> </a:t>
-            </a:r>
-            <a:r>
-              <a:rPr lang="en-US" sz="1000" dirty="0" err="1">
-                <a:latin typeface="Poppins" panose="00000500000000000000" pitchFamily="2" charset="0"/>
-                <a:cs typeface="Poppins" panose="00000500000000000000" pitchFamily="2" charset="0"/>
-              </a:rPr>
-              <a:t>didalam</a:t>
-            </a:r>
-            <a:r>
-              <a:rPr lang="en-US" sz="1000" dirty="0">
-                <a:latin typeface="Poppins" panose="00000500000000000000" pitchFamily="2" charset="0"/>
-                <a:cs typeface="Poppins" panose="00000500000000000000" pitchFamily="2" charset="0"/>
-              </a:rPr>
-              <a:t> ul/</a:t>
-            </a:r>
-            <a:r>
-              <a:rPr lang="en-US" sz="1000" dirty="0" err="1">
-                <a:latin typeface="Poppins" panose="00000500000000000000" pitchFamily="2" charset="0"/>
-                <a:cs typeface="Poppins" panose="00000500000000000000" pitchFamily="2" charset="0"/>
-              </a:rPr>
-              <a:t>ol</a:t>
-            </a:r>
-            <a:r>
-              <a:rPr lang="en-US" sz="1000" dirty="0">
-                <a:latin typeface="Poppins" panose="00000500000000000000" pitchFamily="2" charset="0"/>
-                <a:cs typeface="Poppins" panose="00000500000000000000" pitchFamily="2" charset="0"/>
-              </a:rPr>
-              <a:t> </a:t>
-            </a:r>
-            <a:r>
-              <a:rPr lang="en-US" sz="1000" dirty="0" err="1">
-                <a:latin typeface="Poppins" panose="00000500000000000000" pitchFamily="2" charset="0"/>
-                <a:cs typeface="Poppins" panose="00000500000000000000" pitchFamily="2" charset="0"/>
-              </a:rPr>
-              <a:t>untuk</a:t>
-            </a:r>
-            <a:r>
-              <a:rPr lang="en-US" sz="1000" dirty="0">
-                <a:latin typeface="Poppins" panose="00000500000000000000" pitchFamily="2" charset="0"/>
-                <a:cs typeface="Poppins" panose="00000500000000000000" pitchFamily="2" charset="0"/>
-              </a:rPr>
-              <a:t> </a:t>
-            </a:r>
-            <a:r>
-              <a:rPr lang="en-US" sz="1000" dirty="0" err="1">
-                <a:latin typeface="Poppins" panose="00000500000000000000" pitchFamily="2" charset="0"/>
-                <a:cs typeface="Poppins" panose="00000500000000000000" pitchFamily="2" charset="0"/>
-              </a:rPr>
-              <a:t>membuat</a:t>
-            </a:r>
-            <a:r>
-              <a:rPr lang="en-US" sz="1000" dirty="0">
-                <a:latin typeface="Poppins" panose="00000500000000000000" pitchFamily="2" charset="0"/>
-                <a:cs typeface="Poppins" panose="00000500000000000000" pitchFamily="2" charset="0"/>
-              </a:rPr>
-              <a:t> </a:t>
-            </a:r>
-            <a:r>
-              <a:rPr lang="en-US" sz="1000" dirty="0" err="1">
-                <a:latin typeface="Poppins" panose="00000500000000000000" pitchFamily="2" charset="0"/>
-                <a:cs typeface="Poppins" panose="00000500000000000000" pitchFamily="2" charset="0"/>
-              </a:rPr>
-              <a:t>isi</a:t>
-            </a:r>
-            <a:r>
-              <a:rPr lang="en-US" sz="1000" dirty="0">
-                <a:latin typeface="Poppins" panose="00000500000000000000" pitchFamily="2" charset="0"/>
-                <a:cs typeface="Poppins" panose="00000500000000000000" pitchFamily="2" charset="0"/>
-              </a:rPr>
-              <a:t> </a:t>
-            </a:r>
-            <a:r>
-              <a:rPr lang="en-US" sz="1000" dirty="0" err="1">
-                <a:latin typeface="Poppins" panose="00000500000000000000" pitchFamily="2" charset="0"/>
-                <a:cs typeface="Poppins" panose="00000500000000000000" pitchFamily="2" charset="0"/>
-              </a:rPr>
-              <a:t>dari</a:t>
-            </a:r>
-            <a:r>
-              <a:rPr lang="en-US" sz="1000" dirty="0">
-                <a:latin typeface="Poppins" panose="00000500000000000000" pitchFamily="2" charset="0"/>
-                <a:cs typeface="Poppins" panose="00000500000000000000" pitchFamily="2" charset="0"/>
-              </a:rPr>
-              <a:t> list </a:t>
-            </a:r>
-            <a:r>
-              <a:rPr lang="en-US" sz="1000" dirty="0" err="1">
-                <a:latin typeface="Poppins" panose="00000500000000000000" pitchFamily="2" charset="0"/>
-                <a:cs typeface="Poppins" panose="00000500000000000000" pitchFamily="2" charset="0"/>
-              </a:rPr>
-              <a:t>nya</a:t>
-            </a:r>
-            <a:r>
-              <a:rPr lang="en-US" sz="1000" dirty="0">
-                <a:latin typeface="Poppins" panose="00000500000000000000" pitchFamily="2" charset="0"/>
-                <a:cs typeface="Poppins" panose="00000500000000000000" pitchFamily="2" charset="0"/>
-              </a:rPr>
-              <a:t> / </a:t>
-            </a:r>
-            <a:r>
-              <a:rPr lang="en-US" sz="1000" dirty="0" err="1">
-                <a:latin typeface="Poppins" panose="00000500000000000000" pitchFamily="2" charset="0"/>
-                <a:cs typeface="Poppins" panose="00000500000000000000" pitchFamily="2" charset="0"/>
-              </a:rPr>
-              <a:t>itemnya</a:t>
-            </a:r>
-            <a:endParaRPr lang="en-US" sz="1000" dirty="0">
-              <a:latin typeface="Poppins" panose="00000500000000000000" pitchFamily="2" charset="0"/>
-              <a:cs typeface="Poppins" panose="00000500000000000000" pitchFamily="2" charset="0"/>
-            </a:endParaRPr>
-          </a:p>
-        </p:txBody>
-      </p:sp>
-    </p:spTree>
-    <p:extLst>
-      <p:ext uri="{BB962C8B-B14F-4D97-AF65-F5344CB8AC3E}">
-        <p14:creationId xmlns:p14="http://schemas.microsoft.com/office/powerpoint/2010/main" val="1751076442"/>
-      </p:ext>
-    </p:extLst>
-  </p:cSld>
-  <p:clrMapOvr>
-    <a:masterClrMapping/>
-  </p:clrMapOvr>
-</p:sld>
-</file>
-
-<file path=ppt/slides/slide7.xml><?xml version="1.0" encoding="utf-8"?>
-<p:sld xmlns:a="http://schemas.openxmlformats.org/drawingml/2006/main" xmlns:r="http://schemas.openxmlformats.org/officeDocument/2006/relationships" xmlns:p="http://schemas.openxmlformats.org/presentationml/2006/main">
-  <p:cSld>
-    <p:spTree>
-      <p:nvGrpSpPr>
-        <p:cNvPr id="1" name=""/>
-        <p:cNvGrpSpPr/>
-        <p:nvPr/>
-      </p:nvGrpSpPr>
-      <p:grpSpPr>
-        <a:xfrm>
-          <a:off x="0" y="0"/>
-          <a:ext cx="0" cy="0"/>
-          <a:chOff x="0" y="0"/>
-          <a:chExt cx="0" cy="0"/>
-        </a:xfrm>
-      </p:grpSpPr>
-      <p:sp>
-        <p:nvSpPr>
-          <p:cNvPr id="2" name="TextBox 1">
-            <a:extLst>
-              <a:ext uri="{FF2B5EF4-FFF2-40B4-BE49-F238E27FC236}">
-                <a16:creationId xmlns:a16="http://schemas.microsoft.com/office/drawing/2014/main" id="{46C6A598-E957-4F2C-96BD-EA5E5A806FA6}"/>
-              </a:ext>
-            </a:extLst>
-          </p:cNvPr>
-          <p:cNvSpPr txBox="1"/>
-          <p:nvPr/>
-        </p:nvSpPr>
-        <p:spPr>
-          <a:xfrm>
-            <a:off x="770950" y="377376"/>
-            <a:ext cx="715260" cy="338554"/>
-          </a:xfrm>
-          <a:prstGeom prst="rect">
-            <a:avLst/>
-          </a:prstGeom>
-          <a:noFill/>
-        </p:spPr>
-        <p:txBody>
-          <a:bodyPr wrap="none" rtlCol="0">
-            <a:spAutoFit/>
-          </a:bodyPr>
-          <a:lstStyle/>
-          <a:p>
-            <a:r>
-              <a:rPr lang="en-US" sz="1600" dirty="0">
-                <a:latin typeface="Poppins" panose="00000500000000000000" pitchFamily="2" charset="0"/>
-                <a:cs typeface="Poppins" panose="00000500000000000000" pitchFamily="2" charset="0"/>
-              </a:rPr>
-              <a:t>table</a:t>
-            </a:r>
-          </a:p>
-        </p:txBody>
-      </p:sp>
-      <p:pic>
-        <p:nvPicPr>
-          <p:cNvPr id="3" name="Picture 2">
-            <a:extLst>
-              <a:ext uri="{FF2B5EF4-FFF2-40B4-BE49-F238E27FC236}">
-                <a16:creationId xmlns:a16="http://schemas.microsoft.com/office/drawing/2014/main" id="{3D13B453-4F05-45AB-9897-8397BE05FB7C}"/>
-              </a:ext>
-            </a:extLst>
-          </p:cNvPr>
-          <p:cNvPicPr>
-            <a:picLocks noChangeAspect="1"/>
-          </p:cNvPicPr>
-          <p:nvPr/>
-        </p:nvPicPr>
-        <p:blipFill>
-          <a:blip r:embed="rId2">
-            <a:extLst>
-              <a:ext uri="{28A0092B-C50C-407E-A947-70E740481C1C}">
-                <a14:useLocalDpi xmlns:a14="http://schemas.microsoft.com/office/drawing/2010/main" val="0"/>
-              </a:ext>
-            </a:extLst>
-          </a:blip>
-          <a:stretch>
-            <a:fillRect/>
-          </a:stretch>
-        </p:blipFill>
-        <p:spPr>
-          <a:xfrm>
-            <a:off x="1337734" y="1099297"/>
-            <a:ext cx="4608735" cy="4920503"/>
-          </a:xfrm>
-          <a:prstGeom prst="rect">
-            <a:avLst/>
-          </a:prstGeom>
-        </p:spPr>
-      </p:pic>
-      <p:sp>
-        <p:nvSpPr>
-          <p:cNvPr id="4" name="TextBox 3">
-            <a:extLst>
-              <a:ext uri="{FF2B5EF4-FFF2-40B4-BE49-F238E27FC236}">
-                <a16:creationId xmlns:a16="http://schemas.microsoft.com/office/drawing/2014/main" id="{C1958A7D-DA8B-473F-B4AF-6630FCED0901}"/>
-              </a:ext>
-            </a:extLst>
-          </p:cNvPr>
-          <p:cNvSpPr txBox="1"/>
-          <p:nvPr/>
-        </p:nvSpPr>
-        <p:spPr>
-          <a:xfrm>
-            <a:off x="6908801" y="2382559"/>
-            <a:ext cx="2495410" cy="2092881"/>
-          </a:xfrm>
-          <a:prstGeom prst="rect">
-            <a:avLst/>
-          </a:prstGeom>
-          <a:noFill/>
-        </p:spPr>
-        <p:txBody>
-          <a:bodyPr wrap="square" rtlCol="0">
-            <a:spAutoFit/>
-          </a:bodyPr>
-          <a:lstStyle/>
-          <a:p>
-            <a:pPr marL="228600" indent="-228600">
-              <a:buFont typeface="+mj-lt"/>
-              <a:buAutoNum type="arabicPeriod"/>
-            </a:pPr>
-            <a:r>
-              <a:rPr lang="en-US" sz="1000" dirty="0">
-                <a:latin typeface="Poppins" panose="00000500000000000000" pitchFamily="2" charset="0"/>
-                <a:cs typeface="Poppins" panose="00000500000000000000" pitchFamily="2" charset="0"/>
-              </a:rPr>
-              <a:t>table </a:t>
-            </a:r>
-            <a:r>
-              <a:rPr lang="en-US" sz="1000" dirty="0" err="1">
-                <a:latin typeface="Poppins" panose="00000500000000000000" pitchFamily="2" charset="0"/>
-                <a:cs typeface="Poppins" panose="00000500000000000000" pitchFamily="2" charset="0"/>
-              </a:rPr>
-              <a:t>digunakan</a:t>
-            </a:r>
-            <a:r>
-              <a:rPr lang="en-US" sz="1000" dirty="0">
-                <a:latin typeface="Poppins" panose="00000500000000000000" pitchFamily="2" charset="0"/>
-                <a:cs typeface="Poppins" panose="00000500000000000000" pitchFamily="2" charset="0"/>
-              </a:rPr>
-              <a:t> </a:t>
-            </a:r>
-            <a:r>
-              <a:rPr lang="en-US" sz="1000" dirty="0" err="1">
-                <a:latin typeface="Poppins" panose="00000500000000000000" pitchFamily="2" charset="0"/>
-                <a:cs typeface="Poppins" panose="00000500000000000000" pitchFamily="2" charset="0"/>
-              </a:rPr>
-              <a:t>untuk</a:t>
-            </a:r>
-            <a:r>
-              <a:rPr lang="en-US" sz="1000" dirty="0">
-                <a:latin typeface="Poppins" panose="00000500000000000000" pitchFamily="2" charset="0"/>
-                <a:cs typeface="Poppins" panose="00000500000000000000" pitchFamily="2" charset="0"/>
-              </a:rPr>
-              <a:t> </a:t>
-            </a:r>
-            <a:r>
-              <a:rPr lang="en-US" sz="1000" dirty="0" err="1">
-                <a:latin typeface="Poppins" panose="00000500000000000000" pitchFamily="2" charset="0"/>
-                <a:cs typeface="Poppins" panose="00000500000000000000" pitchFamily="2" charset="0"/>
-              </a:rPr>
-              <a:t>membuat</a:t>
-            </a:r>
-            <a:r>
-              <a:rPr lang="en-US" sz="1000" dirty="0">
-                <a:latin typeface="Poppins" panose="00000500000000000000" pitchFamily="2" charset="0"/>
-                <a:cs typeface="Poppins" panose="00000500000000000000" pitchFamily="2" charset="0"/>
-              </a:rPr>
-              <a:t> table, </a:t>
-            </a:r>
-            <a:r>
-              <a:rPr lang="en-US" sz="1000" dirty="0" err="1">
-                <a:latin typeface="Poppins" panose="00000500000000000000" pitchFamily="2" charset="0"/>
-                <a:cs typeface="Poppins" panose="00000500000000000000" pitchFamily="2" charset="0"/>
-              </a:rPr>
-              <a:t>namun</a:t>
-            </a:r>
-            <a:r>
-              <a:rPr lang="en-US" sz="1000" dirty="0">
-                <a:latin typeface="Poppins" panose="00000500000000000000" pitchFamily="2" charset="0"/>
-                <a:cs typeface="Poppins" panose="00000500000000000000" pitchFamily="2" charset="0"/>
-              </a:rPr>
-              <a:t> table </a:t>
-            </a:r>
-            <a:r>
-              <a:rPr lang="en-US" sz="1000" dirty="0" err="1">
-                <a:latin typeface="Poppins" panose="00000500000000000000" pitchFamily="2" charset="0"/>
-                <a:cs typeface="Poppins" panose="00000500000000000000" pitchFamily="2" charset="0"/>
-              </a:rPr>
-              <a:t>tidak</a:t>
-            </a:r>
-            <a:r>
-              <a:rPr lang="en-US" sz="1000" dirty="0">
-                <a:latin typeface="Poppins" panose="00000500000000000000" pitchFamily="2" charset="0"/>
-                <a:cs typeface="Poppins" panose="00000500000000000000" pitchFamily="2" charset="0"/>
-              </a:rPr>
-              <a:t> </a:t>
-            </a:r>
-            <a:r>
-              <a:rPr lang="en-US" sz="1000" dirty="0" err="1">
-                <a:latin typeface="Poppins" panose="00000500000000000000" pitchFamily="2" charset="0"/>
-                <a:cs typeface="Poppins" panose="00000500000000000000" pitchFamily="2" charset="0"/>
-              </a:rPr>
-              <a:t>akan</a:t>
-            </a:r>
-            <a:r>
-              <a:rPr lang="en-US" sz="1000" dirty="0">
-                <a:latin typeface="Poppins" panose="00000500000000000000" pitchFamily="2" charset="0"/>
-                <a:cs typeface="Poppins" panose="00000500000000000000" pitchFamily="2" charset="0"/>
-              </a:rPr>
-              <a:t> </a:t>
-            </a:r>
-            <a:r>
-              <a:rPr lang="en-US" sz="1000" dirty="0" err="1">
-                <a:latin typeface="Poppins" panose="00000500000000000000" pitchFamily="2" charset="0"/>
-                <a:cs typeface="Poppins" panose="00000500000000000000" pitchFamily="2" charset="0"/>
-              </a:rPr>
-              <a:t>tampil</a:t>
-            </a:r>
-            <a:r>
-              <a:rPr lang="en-US" sz="1000" dirty="0">
-                <a:latin typeface="Poppins" panose="00000500000000000000" pitchFamily="2" charset="0"/>
-                <a:cs typeface="Poppins" panose="00000500000000000000" pitchFamily="2" charset="0"/>
-              </a:rPr>
-              <a:t> </a:t>
-            </a:r>
-            <a:r>
-              <a:rPr lang="en-US" sz="1000" dirty="0" err="1">
-                <a:latin typeface="Poppins" panose="00000500000000000000" pitchFamily="2" charset="0"/>
-                <a:cs typeface="Poppins" panose="00000500000000000000" pitchFamily="2" charset="0"/>
-              </a:rPr>
-              <a:t>jika</a:t>
-            </a:r>
-            <a:r>
-              <a:rPr lang="en-US" sz="1000" dirty="0">
-                <a:latin typeface="Poppins" panose="00000500000000000000" pitchFamily="2" charset="0"/>
-                <a:cs typeface="Poppins" panose="00000500000000000000" pitchFamily="2" charset="0"/>
-              </a:rPr>
-              <a:t> </a:t>
-            </a:r>
-            <a:r>
-              <a:rPr lang="en-US" sz="1000" dirty="0" err="1">
-                <a:latin typeface="Poppins" panose="00000500000000000000" pitchFamily="2" charset="0"/>
-                <a:cs typeface="Poppins" panose="00000500000000000000" pitchFamily="2" charset="0"/>
-              </a:rPr>
-              <a:t>tidak</a:t>
-            </a:r>
-            <a:r>
-              <a:rPr lang="en-US" sz="1000" dirty="0">
-                <a:latin typeface="Poppins" panose="00000500000000000000" pitchFamily="2" charset="0"/>
-                <a:cs typeface="Poppins" panose="00000500000000000000" pitchFamily="2" charset="0"/>
-              </a:rPr>
-              <a:t> </a:t>
-            </a:r>
-            <a:r>
-              <a:rPr lang="en-US" sz="1000" dirty="0" err="1">
-                <a:latin typeface="Poppins" panose="00000500000000000000" pitchFamily="2" charset="0"/>
-                <a:cs typeface="Poppins" panose="00000500000000000000" pitchFamily="2" charset="0"/>
-              </a:rPr>
-              <a:t>ada</a:t>
-            </a:r>
-            <a:r>
-              <a:rPr lang="en-US" sz="1000" dirty="0">
-                <a:latin typeface="Poppins" panose="00000500000000000000" pitchFamily="2" charset="0"/>
-                <a:cs typeface="Poppins" panose="00000500000000000000" pitchFamily="2" charset="0"/>
-              </a:rPr>
-              <a:t> baris dan </a:t>
-            </a:r>
-            <a:r>
-              <a:rPr lang="en-US" sz="1000" dirty="0" err="1">
-                <a:latin typeface="Poppins" panose="00000500000000000000" pitchFamily="2" charset="0"/>
-                <a:cs typeface="Poppins" panose="00000500000000000000" pitchFamily="2" charset="0"/>
-              </a:rPr>
-              <a:t>kolom</a:t>
-            </a:r>
-            <a:endParaRPr lang="en-US" sz="1000" dirty="0">
-              <a:latin typeface="Poppins" panose="00000500000000000000" pitchFamily="2" charset="0"/>
-              <a:cs typeface="Poppins" panose="00000500000000000000" pitchFamily="2" charset="0"/>
-            </a:endParaRPr>
-          </a:p>
-          <a:p>
-            <a:pPr marL="228600" indent="-228600">
-              <a:buFont typeface="+mj-lt"/>
-              <a:buAutoNum type="arabicPeriod"/>
-            </a:pPr>
-            <a:endParaRPr lang="en-US" sz="1000" dirty="0">
-              <a:latin typeface="Poppins" panose="00000500000000000000" pitchFamily="2" charset="0"/>
-              <a:cs typeface="Poppins" panose="00000500000000000000" pitchFamily="2" charset="0"/>
-            </a:endParaRPr>
-          </a:p>
-          <a:p>
-            <a:pPr marL="228600" indent="-228600">
-              <a:buFont typeface="+mj-lt"/>
-              <a:buAutoNum type="arabicPeriod"/>
-            </a:pPr>
-            <a:r>
-              <a:rPr lang="en-US" sz="1000" dirty="0">
-                <a:latin typeface="Poppins" panose="00000500000000000000" pitchFamily="2" charset="0"/>
-                <a:cs typeface="Poppins" panose="00000500000000000000" pitchFamily="2" charset="0"/>
-              </a:rPr>
-              <a:t>tr </a:t>
-            </a:r>
-            <a:r>
-              <a:rPr lang="en-US" sz="1000" dirty="0" err="1">
-                <a:latin typeface="Poppins" panose="00000500000000000000" pitchFamily="2" charset="0"/>
-                <a:cs typeface="Poppins" panose="00000500000000000000" pitchFamily="2" charset="0"/>
-              </a:rPr>
-              <a:t>digunakan</a:t>
-            </a:r>
-            <a:r>
-              <a:rPr lang="en-US" sz="1000" dirty="0">
-                <a:latin typeface="Poppins" panose="00000500000000000000" pitchFamily="2" charset="0"/>
-                <a:cs typeface="Poppins" panose="00000500000000000000" pitchFamily="2" charset="0"/>
-              </a:rPr>
-              <a:t> </a:t>
-            </a:r>
-            <a:r>
-              <a:rPr lang="en-US" sz="1000" dirty="0" err="1">
-                <a:latin typeface="Poppins" panose="00000500000000000000" pitchFamily="2" charset="0"/>
-                <a:cs typeface="Poppins" panose="00000500000000000000" pitchFamily="2" charset="0"/>
-              </a:rPr>
-              <a:t>untuk</a:t>
-            </a:r>
-            <a:r>
-              <a:rPr lang="en-US" sz="1000" dirty="0">
-                <a:latin typeface="Poppins" panose="00000500000000000000" pitchFamily="2" charset="0"/>
-                <a:cs typeface="Poppins" panose="00000500000000000000" pitchFamily="2" charset="0"/>
-              </a:rPr>
-              <a:t> </a:t>
-            </a:r>
-            <a:r>
-              <a:rPr lang="en-US" sz="1000" dirty="0" err="1">
-                <a:latin typeface="Poppins" panose="00000500000000000000" pitchFamily="2" charset="0"/>
-                <a:cs typeface="Poppins" panose="00000500000000000000" pitchFamily="2" charset="0"/>
-              </a:rPr>
-              <a:t>membuat</a:t>
-            </a:r>
-            <a:r>
-              <a:rPr lang="en-US" sz="1000" dirty="0">
-                <a:latin typeface="Poppins" panose="00000500000000000000" pitchFamily="2" charset="0"/>
-                <a:cs typeface="Poppins" panose="00000500000000000000" pitchFamily="2" charset="0"/>
-              </a:rPr>
-              <a:t> baris </a:t>
-            </a:r>
-          </a:p>
-          <a:p>
-            <a:pPr marL="228600" indent="-228600">
-              <a:buFont typeface="+mj-lt"/>
-              <a:buAutoNum type="arabicPeriod"/>
-            </a:pPr>
-            <a:endParaRPr lang="en-US" sz="1000" dirty="0">
-              <a:latin typeface="Poppins" panose="00000500000000000000" pitchFamily="2" charset="0"/>
-              <a:cs typeface="Poppins" panose="00000500000000000000" pitchFamily="2" charset="0"/>
-            </a:endParaRPr>
-          </a:p>
-          <a:p>
-            <a:pPr marL="228600" indent="-228600">
-              <a:buFont typeface="+mj-lt"/>
-              <a:buAutoNum type="arabicPeriod"/>
-            </a:pPr>
-            <a:r>
-              <a:rPr lang="en-US" sz="1000" dirty="0" err="1">
-                <a:latin typeface="Poppins" panose="00000500000000000000" pitchFamily="2" charset="0"/>
-                <a:cs typeface="Poppins" panose="00000500000000000000" pitchFamily="2" charset="0"/>
-              </a:rPr>
-              <a:t>th</a:t>
-            </a:r>
-            <a:r>
-              <a:rPr lang="en-US" sz="1000" dirty="0">
-                <a:latin typeface="Poppins" panose="00000500000000000000" pitchFamily="2" charset="0"/>
-                <a:cs typeface="Poppins" panose="00000500000000000000" pitchFamily="2" charset="0"/>
-              </a:rPr>
-              <a:t> </a:t>
-            </a:r>
-            <a:r>
-              <a:rPr lang="en-US" sz="1000" dirty="0" err="1">
-                <a:latin typeface="Poppins" panose="00000500000000000000" pitchFamily="2" charset="0"/>
-                <a:cs typeface="Poppins" panose="00000500000000000000" pitchFamily="2" charset="0"/>
-              </a:rPr>
-              <a:t>digunakan</a:t>
-            </a:r>
-            <a:r>
-              <a:rPr lang="en-US" sz="1000" dirty="0">
-                <a:latin typeface="Poppins" panose="00000500000000000000" pitchFamily="2" charset="0"/>
-                <a:cs typeface="Poppins" panose="00000500000000000000" pitchFamily="2" charset="0"/>
-              </a:rPr>
-              <a:t> </a:t>
-            </a:r>
-            <a:r>
-              <a:rPr lang="en-US" sz="1000" dirty="0" err="1">
-                <a:latin typeface="Poppins" panose="00000500000000000000" pitchFamily="2" charset="0"/>
-                <a:cs typeface="Poppins" panose="00000500000000000000" pitchFamily="2" charset="0"/>
-              </a:rPr>
-              <a:t>untuk</a:t>
-            </a:r>
-            <a:r>
-              <a:rPr lang="en-US" sz="1000" dirty="0">
-                <a:latin typeface="Poppins" panose="00000500000000000000" pitchFamily="2" charset="0"/>
-                <a:cs typeface="Poppins" panose="00000500000000000000" pitchFamily="2" charset="0"/>
-              </a:rPr>
-              <a:t> </a:t>
-            </a:r>
-            <a:r>
-              <a:rPr lang="en-US" sz="1000" dirty="0" err="1">
-                <a:latin typeface="Poppins" panose="00000500000000000000" pitchFamily="2" charset="0"/>
-                <a:cs typeface="Poppins" panose="00000500000000000000" pitchFamily="2" charset="0"/>
-              </a:rPr>
-              <a:t>membuat</a:t>
-            </a:r>
-            <a:r>
-              <a:rPr lang="en-US" sz="1000" dirty="0">
-                <a:latin typeface="Poppins" panose="00000500000000000000" pitchFamily="2" charset="0"/>
-                <a:cs typeface="Poppins" panose="00000500000000000000" pitchFamily="2" charset="0"/>
-              </a:rPr>
-              <a:t> header pada </a:t>
-            </a:r>
-            <a:r>
-              <a:rPr lang="en-US" sz="1000" dirty="0" err="1">
-                <a:latin typeface="Poppins" panose="00000500000000000000" pitchFamily="2" charset="0"/>
-                <a:cs typeface="Poppins" panose="00000500000000000000" pitchFamily="2" charset="0"/>
-              </a:rPr>
-              <a:t>kolom</a:t>
-            </a:r>
-            <a:endParaRPr lang="en-US" sz="1000" dirty="0">
-              <a:latin typeface="Poppins" panose="00000500000000000000" pitchFamily="2" charset="0"/>
-              <a:cs typeface="Poppins" panose="00000500000000000000" pitchFamily="2" charset="0"/>
-            </a:endParaRPr>
-          </a:p>
-          <a:p>
-            <a:pPr marL="228600" indent="-228600">
-              <a:buFont typeface="+mj-lt"/>
-              <a:buAutoNum type="arabicPeriod"/>
-            </a:pPr>
-            <a:endParaRPr lang="en-US" sz="1000" dirty="0">
-              <a:latin typeface="Poppins" panose="00000500000000000000" pitchFamily="2" charset="0"/>
-              <a:cs typeface="Poppins" panose="00000500000000000000" pitchFamily="2" charset="0"/>
-            </a:endParaRPr>
-          </a:p>
-          <a:p>
-            <a:pPr marL="228600" indent="-228600">
-              <a:buFont typeface="+mj-lt"/>
-              <a:buAutoNum type="arabicPeriod"/>
-            </a:pPr>
-            <a:r>
-              <a:rPr lang="en-US" sz="1000" dirty="0">
-                <a:latin typeface="Poppins" panose="00000500000000000000" pitchFamily="2" charset="0"/>
-                <a:cs typeface="Poppins" panose="00000500000000000000" pitchFamily="2" charset="0"/>
-              </a:rPr>
-              <a:t>td </a:t>
-            </a:r>
-            <a:r>
-              <a:rPr lang="en-US" sz="1000" dirty="0" err="1">
-                <a:latin typeface="Poppins" panose="00000500000000000000" pitchFamily="2" charset="0"/>
-                <a:cs typeface="Poppins" panose="00000500000000000000" pitchFamily="2" charset="0"/>
-              </a:rPr>
-              <a:t>digunakan</a:t>
-            </a:r>
-            <a:r>
-              <a:rPr lang="en-US" sz="1000" dirty="0">
-                <a:latin typeface="Poppins" panose="00000500000000000000" pitchFamily="2" charset="0"/>
-                <a:cs typeface="Poppins" panose="00000500000000000000" pitchFamily="2" charset="0"/>
-              </a:rPr>
-              <a:t> </a:t>
-            </a:r>
-            <a:r>
-              <a:rPr lang="en-US" sz="1000" dirty="0" err="1">
-                <a:latin typeface="Poppins" panose="00000500000000000000" pitchFamily="2" charset="0"/>
-                <a:cs typeface="Poppins" panose="00000500000000000000" pitchFamily="2" charset="0"/>
-              </a:rPr>
-              <a:t>untuk</a:t>
-            </a:r>
-            <a:r>
-              <a:rPr lang="en-US" sz="1000" dirty="0">
-                <a:latin typeface="Poppins" panose="00000500000000000000" pitchFamily="2" charset="0"/>
-                <a:cs typeface="Poppins" panose="00000500000000000000" pitchFamily="2" charset="0"/>
-              </a:rPr>
-              <a:t> table data </a:t>
-            </a:r>
-            <a:r>
-              <a:rPr lang="en-US" sz="1000" dirty="0" err="1">
-                <a:latin typeface="Poppins" panose="00000500000000000000" pitchFamily="2" charset="0"/>
-                <a:cs typeface="Poppins" panose="00000500000000000000" pitchFamily="2" charset="0"/>
-              </a:rPr>
-              <a:t>atau</a:t>
-            </a:r>
-            <a:r>
-              <a:rPr lang="en-US" sz="1000" dirty="0">
-                <a:latin typeface="Poppins" panose="00000500000000000000" pitchFamily="2" charset="0"/>
-                <a:cs typeface="Poppins" panose="00000500000000000000" pitchFamily="2" charset="0"/>
-              </a:rPr>
-              <a:t> </a:t>
-            </a:r>
-            <a:r>
-              <a:rPr lang="en-US" sz="1000" dirty="0" err="1">
-                <a:latin typeface="Poppins" panose="00000500000000000000" pitchFamily="2" charset="0"/>
-                <a:cs typeface="Poppins" panose="00000500000000000000" pitchFamily="2" charset="0"/>
-              </a:rPr>
-              <a:t>isi</a:t>
-            </a:r>
-            <a:r>
-              <a:rPr lang="en-US" sz="1000" dirty="0">
-                <a:latin typeface="Poppins" panose="00000500000000000000" pitchFamily="2" charset="0"/>
-                <a:cs typeface="Poppins" panose="00000500000000000000" pitchFamily="2" charset="0"/>
-              </a:rPr>
-              <a:t> </a:t>
-            </a:r>
-            <a:r>
-              <a:rPr lang="en-US" sz="1000" dirty="0" err="1">
-                <a:latin typeface="Poppins" panose="00000500000000000000" pitchFamily="2" charset="0"/>
-                <a:cs typeface="Poppins" panose="00000500000000000000" pitchFamily="2" charset="0"/>
-              </a:rPr>
-              <a:t>dari</a:t>
-            </a:r>
-            <a:r>
-              <a:rPr lang="en-US" sz="1000" dirty="0">
-                <a:latin typeface="Poppins" panose="00000500000000000000" pitchFamily="2" charset="0"/>
-                <a:cs typeface="Poppins" panose="00000500000000000000" pitchFamily="2" charset="0"/>
-              </a:rPr>
-              <a:t> table </a:t>
-            </a:r>
-            <a:r>
-              <a:rPr lang="en-US" sz="1000" dirty="0" err="1">
-                <a:latin typeface="Poppins" panose="00000500000000000000" pitchFamily="2" charset="0"/>
-                <a:cs typeface="Poppins" panose="00000500000000000000" pitchFamily="2" charset="0"/>
-              </a:rPr>
-              <a:t>tersebut</a:t>
-            </a:r>
-            <a:endParaRPr lang="en-US" sz="1000" dirty="0">
-              <a:latin typeface="Poppins" panose="00000500000000000000" pitchFamily="2" charset="0"/>
-              <a:cs typeface="Poppins" panose="00000500000000000000" pitchFamily="2" charset="0"/>
-            </a:endParaRPr>
-          </a:p>
-        </p:txBody>
-      </p:sp>
-    </p:spTree>
-    <p:extLst>
-      <p:ext uri="{BB962C8B-B14F-4D97-AF65-F5344CB8AC3E}">
-        <p14:creationId xmlns:p14="http://schemas.microsoft.com/office/powerpoint/2010/main" val="3872059060"/>
-      </p:ext>
-    </p:extLst>
-  </p:cSld>
-  <p:clrMapOvr>
-    <a:masterClrMapping/>
-  </p:clrMapOvr>
-</p:sld>
-</file>
-
-<file path=ppt/slides/slide8.xml><?xml version="1.0" encoding="utf-8"?>
-<p:sld xmlns:a="http://schemas.openxmlformats.org/drawingml/2006/main" xmlns:r="http://schemas.openxmlformats.org/officeDocument/2006/relationships" xmlns:p="http://schemas.openxmlformats.org/presentationml/2006/main">
-  <p:cSld>
-    <p:spTree>
-      <p:nvGrpSpPr>
-        <p:cNvPr id="1" name=""/>
-        <p:cNvGrpSpPr/>
-        <p:nvPr/>
-      </p:nvGrpSpPr>
-      <p:grpSpPr>
-        <a:xfrm>
-          <a:off x="0" y="0"/>
-          <a:ext cx="0" cy="0"/>
-          <a:chOff x="0" y="0"/>
-          <a:chExt cx="0" cy="0"/>
-        </a:xfrm>
-      </p:grpSpPr>
-      <p:sp>
-        <p:nvSpPr>
           <p:cNvPr id="2" name="TextBox 1">
             <a:extLst>
               <a:ext uri="{FF2B5EF4-FFF2-40B4-BE49-F238E27FC236}">
@@ -8468,7 +4290,7 @@
 </p:sld>
 </file>
 
-<file path=ppt/slides/slide9.xml><?xml version="1.0" encoding="utf-8"?>
+<file path=ppt/slides/slide11.xml><?xml version="1.0" encoding="utf-8"?>
 <p:sld xmlns:a="http://schemas.openxmlformats.org/drawingml/2006/main" xmlns:r="http://schemas.openxmlformats.org/officeDocument/2006/relationships" xmlns:p="http://schemas.openxmlformats.org/presentationml/2006/main">
   <p:cSld>
     <p:spTree>
@@ -8637,6 +4459,4699 @@
     <p:extLst>
       <p:ext uri="{BB962C8B-B14F-4D97-AF65-F5344CB8AC3E}">
         <p14:creationId xmlns:p14="http://schemas.microsoft.com/office/powerpoint/2010/main" val="1363491407"/>
+      </p:ext>
+    </p:extLst>
+  </p:cSld>
+  <p:clrMapOvr>
+    <a:masterClrMapping/>
+  </p:clrMapOvr>
+</p:sld>
+</file>
+
+<file path=ppt/slides/slide12.xml><?xml version="1.0" encoding="utf-8"?>
+<p:sld xmlns:a="http://schemas.openxmlformats.org/drawingml/2006/main" xmlns:r="http://schemas.openxmlformats.org/officeDocument/2006/relationships" xmlns:p="http://schemas.openxmlformats.org/presentationml/2006/main">
+  <p:cSld>
+    <p:spTree>
+      <p:nvGrpSpPr>
+        <p:cNvPr id="1" name=""/>
+        <p:cNvGrpSpPr/>
+        <p:nvPr/>
+      </p:nvGrpSpPr>
+      <p:grpSpPr>
+        <a:xfrm>
+          <a:off x="0" y="0"/>
+          <a:ext cx="0" cy="0"/>
+          <a:chOff x="0" y="0"/>
+          <a:chExt cx="0" cy="0"/>
+        </a:xfrm>
+      </p:grpSpPr>
+      <p:sp>
+        <p:nvSpPr>
+          <p:cNvPr id="3" name="TextBox 2">
+            <a:extLst>
+              <a:ext uri="{FF2B5EF4-FFF2-40B4-BE49-F238E27FC236}">
+                <a16:creationId xmlns:a16="http://schemas.microsoft.com/office/drawing/2014/main" id="{5637F38B-DFAE-49D1-BAFA-D383FD1E2DE9}"/>
+              </a:ext>
+            </a:extLst>
+          </p:cNvPr>
+          <p:cNvSpPr txBox="1"/>
+          <p:nvPr/>
+        </p:nvSpPr>
+        <p:spPr>
+          <a:xfrm>
+            <a:off x="4501651" y="2849920"/>
+            <a:ext cx="3188693" cy="338554"/>
+          </a:xfrm>
+          <a:prstGeom prst="rect">
+            <a:avLst/>
+          </a:prstGeom>
+          <a:noFill/>
+        </p:spPr>
+        <p:txBody>
+          <a:bodyPr wrap="none" rtlCol="0">
+            <a:spAutoFit/>
+          </a:bodyPr>
+          <a:lstStyle/>
+          <a:p>
+            <a:r>
+              <a:rPr lang="en-US" sz="1600" dirty="0" err="1">
+                <a:latin typeface="Poppins" panose="00000500000000000000" pitchFamily="2" charset="0"/>
+                <a:cs typeface="Poppins" panose="00000500000000000000" pitchFamily="2" charset="0"/>
+              </a:rPr>
+              <a:t>Pertanyaan</a:t>
+            </a:r>
+            <a:r>
+              <a:rPr lang="en-US" sz="1600" dirty="0">
+                <a:latin typeface="Poppins" panose="00000500000000000000" pitchFamily="2" charset="0"/>
+                <a:cs typeface="Poppins" panose="00000500000000000000" pitchFamily="2" charset="0"/>
+              </a:rPr>
+              <a:t> </a:t>
+            </a:r>
+            <a:r>
+              <a:rPr lang="en-US" sz="1600" dirty="0" err="1">
+                <a:latin typeface="Poppins" panose="00000500000000000000" pitchFamily="2" charset="0"/>
+                <a:cs typeface="Poppins" panose="00000500000000000000" pitchFamily="2" charset="0"/>
+              </a:rPr>
+              <a:t>atau</a:t>
+            </a:r>
+            <a:r>
+              <a:rPr lang="en-US" sz="1600" dirty="0">
+                <a:latin typeface="Poppins" panose="00000500000000000000" pitchFamily="2" charset="0"/>
+                <a:cs typeface="Poppins" panose="00000500000000000000" pitchFamily="2" charset="0"/>
+              </a:rPr>
+              <a:t> </a:t>
+            </a:r>
+            <a:r>
+              <a:rPr lang="en-US" sz="1600" dirty="0" err="1">
+                <a:latin typeface="Poppins" panose="00000500000000000000" pitchFamily="2" charset="0"/>
+                <a:cs typeface="Poppins" panose="00000500000000000000" pitchFamily="2" charset="0"/>
+              </a:rPr>
+              <a:t>pernyataan</a:t>
+            </a:r>
+            <a:endParaRPr lang="en-US" sz="1600" dirty="0">
+              <a:latin typeface="Poppins" panose="00000500000000000000" pitchFamily="2" charset="0"/>
+              <a:cs typeface="Poppins" panose="00000500000000000000" pitchFamily="2" charset="0"/>
+            </a:endParaRPr>
+          </a:p>
+        </p:txBody>
+      </p:sp>
+      <p:pic>
+        <p:nvPicPr>
+          <p:cNvPr id="5126" name="Picture 6" descr="50+] Riddler Question Mark Wallpaper on WallpaperSafari">
+            <a:extLst>
+              <a:ext uri="{FF2B5EF4-FFF2-40B4-BE49-F238E27FC236}">
+                <a16:creationId xmlns:a16="http://schemas.microsoft.com/office/drawing/2014/main" id="{223F1329-9215-44FA-9A56-2790CB402910}"/>
+              </a:ext>
+            </a:extLst>
+          </p:cNvPr>
+          <p:cNvPicPr>
+            <a:picLocks noChangeAspect="1" noChangeArrowheads="1"/>
+          </p:cNvPicPr>
+          <p:nvPr/>
+        </p:nvPicPr>
+        <p:blipFill>
+          <a:blip r:embed="rId2">
+            <a:extLst>
+              <a:ext uri="{28A0092B-C50C-407E-A947-70E740481C1C}">
+                <a14:useLocalDpi xmlns:a14="http://schemas.microsoft.com/office/drawing/2010/main" val="0"/>
+              </a:ext>
+            </a:extLst>
+          </a:blip>
+          <a:srcRect/>
+          <a:stretch>
+            <a:fillRect/>
+          </a:stretch>
+        </p:blipFill>
+        <p:spPr bwMode="auto">
+          <a:xfrm>
+            <a:off x="5420175" y="3188474"/>
+            <a:ext cx="1351647" cy="2039510"/>
+          </a:xfrm>
+          <a:prstGeom prst="rect">
+            <a:avLst/>
+          </a:prstGeom>
+          <a:noFill/>
+          <a:extLst>
+            <a:ext uri="{909E8E84-426E-40DD-AFC4-6F175D3DCCD1}">
+              <a14:hiddenFill xmlns:a14="http://schemas.microsoft.com/office/drawing/2010/main">
+                <a:solidFill>
+                  <a:srgbClr val="FFFFFF"/>
+                </a:solidFill>
+              </a14:hiddenFill>
+            </a:ext>
+          </a:extLst>
+        </p:spPr>
+      </p:pic>
+    </p:spTree>
+    <p:extLst>
+      <p:ext uri="{BB962C8B-B14F-4D97-AF65-F5344CB8AC3E}">
+        <p14:creationId xmlns:p14="http://schemas.microsoft.com/office/powerpoint/2010/main" val="568692128"/>
+      </p:ext>
+    </p:extLst>
+  </p:cSld>
+  <p:clrMapOvr>
+    <a:masterClrMapping/>
+  </p:clrMapOvr>
+</p:sld>
+</file>
+
+<file path=ppt/slides/slide13.xml><?xml version="1.0" encoding="utf-8"?>
+<p:sld xmlns:a="http://schemas.openxmlformats.org/drawingml/2006/main" xmlns:r="http://schemas.openxmlformats.org/officeDocument/2006/relationships" xmlns:p="http://schemas.openxmlformats.org/presentationml/2006/main">
+  <p:cSld>
+    <p:spTree>
+      <p:nvGrpSpPr>
+        <p:cNvPr id="1" name=""/>
+        <p:cNvGrpSpPr/>
+        <p:nvPr/>
+      </p:nvGrpSpPr>
+      <p:grpSpPr>
+        <a:xfrm>
+          <a:off x="0" y="0"/>
+          <a:ext cx="0" cy="0"/>
+          <a:chOff x="0" y="0"/>
+          <a:chExt cx="0" cy="0"/>
+        </a:xfrm>
+      </p:grpSpPr>
+      <p:sp>
+        <p:nvSpPr>
+          <p:cNvPr id="2" name="TextBox 1">
+            <a:extLst>
+              <a:ext uri="{FF2B5EF4-FFF2-40B4-BE49-F238E27FC236}">
+                <a16:creationId xmlns:a16="http://schemas.microsoft.com/office/drawing/2014/main" id="{A636BD6B-D110-4F51-A8C9-937F168F8C9F}"/>
+              </a:ext>
+            </a:extLst>
+          </p:cNvPr>
+          <p:cNvSpPr txBox="1"/>
+          <p:nvPr/>
+        </p:nvSpPr>
+        <p:spPr>
+          <a:xfrm>
+            <a:off x="5413762" y="774567"/>
+            <a:ext cx="1364476" cy="338554"/>
+          </a:xfrm>
+          <a:prstGeom prst="rect">
+            <a:avLst/>
+          </a:prstGeom>
+          <a:noFill/>
+        </p:spPr>
+        <p:txBody>
+          <a:bodyPr wrap="none" rtlCol="0">
+            <a:spAutoFit/>
+          </a:bodyPr>
+          <a:lstStyle/>
+          <a:p>
+            <a:r>
+              <a:rPr lang="en-US" sz="1600" dirty="0">
+                <a:latin typeface="Poppins" panose="00000500000000000000" pitchFamily="2" charset="0"/>
+                <a:cs typeface="Poppins" panose="00000500000000000000" pitchFamily="2" charset="0"/>
+              </a:rPr>
+              <a:t>Submission</a:t>
+            </a:r>
+          </a:p>
+        </p:txBody>
+      </p:sp>
+      <p:sp>
+        <p:nvSpPr>
+          <p:cNvPr id="3" name="TextBox 2">
+            <a:extLst>
+              <a:ext uri="{FF2B5EF4-FFF2-40B4-BE49-F238E27FC236}">
+                <a16:creationId xmlns:a16="http://schemas.microsoft.com/office/drawing/2014/main" id="{2C661639-2D96-4B90-A769-840521C14BFE}"/>
+              </a:ext>
+            </a:extLst>
+          </p:cNvPr>
+          <p:cNvSpPr txBox="1"/>
+          <p:nvPr/>
+        </p:nvSpPr>
+        <p:spPr>
+          <a:xfrm>
+            <a:off x="4006533" y="1438295"/>
+            <a:ext cx="5678878" cy="4555093"/>
+          </a:xfrm>
+          <a:prstGeom prst="rect">
+            <a:avLst/>
+          </a:prstGeom>
+          <a:noFill/>
+        </p:spPr>
+        <p:txBody>
+          <a:bodyPr wrap="square" rtlCol="0">
+            <a:spAutoFit/>
+          </a:bodyPr>
+          <a:lstStyle/>
+          <a:p>
+            <a:pPr marL="228600" indent="-228600">
+              <a:buFont typeface="+mj-lt"/>
+              <a:buAutoNum type="arabicPeriod"/>
+            </a:pPr>
+            <a:r>
+              <a:rPr lang="en-US" sz="1000" dirty="0" err="1">
+                <a:latin typeface="Poppins" panose="00000500000000000000" pitchFamily="2" charset="0"/>
+                <a:cs typeface="Poppins" panose="00000500000000000000" pitchFamily="2" charset="0"/>
+              </a:rPr>
+              <a:t>Tema</a:t>
+            </a:r>
+            <a:r>
+              <a:rPr lang="en-US" sz="1000" dirty="0">
+                <a:latin typeface="Poppins" panose="00000500000000000000" pitchFamily="2" charset="0"/>
+                <a:cs typeface="Poppins" panose="00000500000000000000" pitchFamily="2" charset="0"/>
+              </a:rPr>
+              <a:t> </a:t>
+            </a:r>
+            <a:r>
+              <a:rPr lang="en-US" sz="1000" dirty="0" err="1">
+                <a:latin typeface="Poppins" panose="00000500000000000000" pitchFamily="2" charset="0"/>
+                <a:cs typeface="Poppins" panose="00000500000000000000" pitchFamily="2" charset="0"/>
+              </a:rPr>
+              <a:t>bebas</a:t>
+            </a:r>
+            <a:r>
+              <a:rPr lang="en-US" sz="1000" dirty="0">
+                <a:latin typeface="Poppins" panose="00000500000000000000" pitchFamily="2" charset="0"/>
+                <a:cs typeface="Poppins" panose="00000500000000000000" pitchFamily="2" charset="0"/>
+              </a:rPr>
+              <a:t>, </a:t>
+            </a:r>
+            <a:r>
+              <a:rPr lang="en-US" sz="1000" dirty="0" err="1">
+                <a:latin typeface="Poppins" panose="00000500000000000000" pitchFamily="2" charset="0"/>
+                <a:cs typeface="Poppins" panose="00000500000000000000" pitchFamily="2" charset="0"/>
+              </a:rPr>
+              <a:t>boleh</a:t>
+            </a:r>
+            <a:r>
+              <a:rPr lang="en-US" sz="1000" dirty="0">
+                <a:latin typeface="Poppins" panose="00000500000000000000" pitchFamily="2" charset="0"/>
+                <a:cs typeface="Poppins" panose="00000500000000000000" pitchFamily="2" charset="0"/>
+              </a:rPr>
+              <a:t> website </a:t>
+            </a:r>
+            <a:r>
+              <a:rPr lang="en-US" sz="1000" dirty="0" err="1">
+                <a:latin typeface="Poppins" panose="00000500000000000000" pitchFamily="2" charset="0"/>
+                <a:cs typeface="Poppins" panose="00000500000000000000" pitchFamily="2" charset="0"/>
+              </a:rPr>
+              <a:t>apapun</a:t>
+            </a:r>
+            <a:endParaRPr lang="en-US" sz="1000" dirty="0">
+              <a:latin typeface="Poppins" panose="00000500000000000000" pitchFamily="2" charset="0"/>
+              <a:cs typeface="Poppins" panose="00000500000000000000" pitchFamily="2" charset="0"/>
+            </a:endParaRPr>
+          </a:p>
+          <a:p>
+            <a:pPr marL="228600" indent="-228600">
+              <a:buFont typeface="+mj-lt"/>
+              <a:buAutoNum type="arabicPeriod"/>
+            </a:pPr>
+            <a:endParaRPr lang="en-US" sz="1000" dirty="0">
+              <a:latin typeface="Poppins" panose="00000500000000000000" pitchFamily="2" charset="0"/>
+              <a:cs typeface="Poppins" panose="00000500000000000000" pitchFamily="2" charset="0"/>
+            </a:endParaRPr>
+          </a:p>
+          <a:p>
+            <a:pPr marL="228600" indent="-228600">
+              <a:buFont typeface="+mj-lt"/>
+              <a:buAutoNum type="arabicPeriod"/>
+            </a:pPr>
+            <a:r>
+              <a:rPr lang="en-US" sz="1000" dirty="0">
+                <a:latin typeface="Poppins" panose="00000500000000000000" pitchFamily="2" charset="0"/>
+                <a:cs typeface="Poppins" panose="00000500000000000000" pitchFamily="2" charset="0"/>
+              </a:rPr>
+              <a:t>Website </a:t>
+            </a:r>
+            <a:r>
+              <a:rPr lang="en-US" sz="1000" dirty="0" err="1">
+                <a:latin typeface="Poppins" panose="00000500000000000000" pitchFamily="2" charset="0"/>
+                <a:cs typeface="Poppins" panose="00000500000000000000" pitchFamily="2" charset="0"/>
+              </a:rPr>
+              <a:t>memiliki</a:t>
+            </a:r>
+            <a:r>
+              <a:rPr lang="en-US" sz="1000" dirty="0">
+                <a:latin typeface="Poppins" panose="00000500000000000000" pitchFamily="2" charset="0"/>
+                <a:cs typeface="Poppins" panose="00000500000000000000" pitchFamily="2" charset="0"/>
+              </a:rPr>
+              <a:t> </a:t>
+            </a:r>
+            <a:r>
+              <a:rPr lang="en-US" sz="1000" dirty="0" err="1">
+                <a:latin typeface="Poppins" panose="00000500000000000000" pitchFamily="2" charset="0"/>
+                <a:cs typeface="Poppins" panose="00000500000000000000" pitchFamily="2" charset="0"/>
+              </a:rPr>
+              <a:t>struktur</a:t>
+            </a:r>
+            <a:r>
+              <a:rPr lang="en-US" sz="1000" dirty="0">
+                <a:latin typeface="Poppins" panose="00000500000000000000" pitchFamily="2" charset="0"/>
+                <a:cs typeface="Poppins" panose="00000500000000000000" pitchFamily="2" charset="0"/>
+              </a:rPr>
+              <a:t> folder </a:t>
+            </a:r>
+            <a:r>
+              <a:rPr lang="en-US" sz="1000" dirty="0" err="1">
+                <a:latin typeface="Poppins" panose="00000500000000000000" pitchFamily="2" charset="0"/>
+                <a:cs typeface="Poppins" panose="00000500000000000000" pitchFamily="2" charset="0"/>
+              </a:rPr>
+              <a:t>js,css,html</a:t>
+            </a:r>
+            <a:endParaRPr lang="en-US" sz="1000" dirty="0">
+              <a:latin typeface="Poppins" panose="00000500000000000000" pitchFamily="2" charset="0"/>
+              <a:cs typeface="Poppins" panose="00000500000000000000" pitchFamily="2" charset="0"/>
+            </a:endParaRPr>
+          </a:p>
+          <a:p>
+            <a:pPr marL="228600" indent="-228600">
+              <a:buFont typeface="+mj-lt"/>
+              <a:buAutoNum type="arabicPeriod"/>
+            </a:pPr>
+            <a:endParaRPr lang="en-US" sz="1000" dirty="0">
+              <a:latin typeface="Poppins" panose="00000500000000000000" pitchFamily="2" charset="0"/>
+              <a:cs typeface="Poppins" panose="00000500000000000000" pitchFamily="2" charset="0"/>
+            </a:endParaRPr>
+          </a:p>
+          <a:p>
+            <a:pPr marL="228600" indent="-228600">
+              <a:buFont typeface="+mj-lt"/>
+              <a:buAutoNum type="arabicPeriod"/>
+            </a:pPr>
+            <a:r>
+              <a:rPr lang="en-US" sz="1000" dirty="0">
+                <a:latin typeface="Poppins" panose="00000500000000000000" pitchFamily="2" charset="0"/>
+                <a:cs typeface="Poppins" panose="00000500000000000000" pitchFamily="2" charset="0"/>
+              </a:rPr>
+              <a:t>Functional + DOM</a:t>
+            </a:r>
+          </a:p>
+          <a:p>
+            <a:pPr marL="228600" indent="-228600">
+              <a:buFont typeface="+mj-lt"/>
+              <a:buAutoNum type="arabicPeriod"/>
+            </a:pPr>
+            <a:endParaRPr lang="en-US" sz="1000" dirty="0">
+              <a:latin typeface="Poppins" panose="00000500000000000000" pitchFamily="2" charset="0"/>
+              <a:cs typeface="Poppins" panose="00000500000000000000" pitchFamily="2" charset="0"/>
+            </a:endParaRPr>
+          </a:p>
+          <a:p>
+            <a:pPr marL="228600" indent="-228600">
+              <a:buFont typeface="+mj-lt"/>
+              <a:buAutoNum type="arabicPeriod"/>
+            </a:pPr>
+            <a:r>
+              <a:rPr lang="en-US" sz="1000" dirty="0" err="1">
+                <a:latin typeface="Poppins" panose="00000500000000000000" pitchFamily="2" charset="0"/>
+                <a:cs typeface="Poppins" panose="00000500000000000000" pitchFamily="2" charset="0"/>
+              </a:rPr>
+              <a:t>Dikerjakan</a:t>
+            </a:r>
+            <a:r>
+              <a:rPr lang="en-US" sz="1000" dirty="0">
+                <a:latin typeface="Poppins" panose="00000500000000000000" pitchFamily="2" charset="0"/>
+                <a:cs typeface="Poppins" panose="00000500000000000000" pitchFamily="2" charset="0"/>
+              </a:rPr>
+              <a:t> oleh 2 orang </a:t>
+            </a:r>
+            <a:r>
+              <a:rPr lang="en-US" sz="1000" dirty="0" err="1">
+                <a:latin typeface="Poppins" panose="00000500000000000000" pitchFamily="2" charset="0"/>
+                <a:cs typeface="Poppins" panose="00000500000000000000" pitchFamily="2" charset="0"/>
+              </a:rPr>
+              <a:t>kalau</a:t>
+            </a:r>
+            <a:r>
+              <a:rPr lang="en-US" sz="1000" dirty="0">
+                <a:latin typeface="Poppins" panose="00000500000000000000" pitchFamily="2" charset="0"/>
+                <a:cs typeface="Poppins" panose="00000500000000000000" pitchFamily="2" charset="0"/>
+              </a:rPr>
+              <a:t> </a:t>
+            </a:r>
+            <a:r>
+              <a:rPr lang="en-US" sz="1000" dirty="0" err="1">
+                <a:latin typeface="Poppins" panose="00000500000000000000" pitchFamily="2" charset="0"/>
+                <a:cs typeface="Poppins" panose="00000500000000000000" pitchFamily="2" charset="0"/>
+              </a:rPr>
+              <a:t>mau</a:t>
+            </a:r>
+            <a:r>
+              <a:rPr lang="en-US" sz="1000" dirty="0">
+                <a:latin typeface="Poppins" panose="00000500000000000000" pitchFamily="2" charset="0"/>
+                <a:cs typeface="Poppins" panose="00000500000000000000" pitchFamily="2" charset="0"/>
+              </a:rPr>
+              <a:t> </a:t>
+            </a:r>
+            <a:r>
+              <a:rPr lang="en-US" sz="1000" dirty="0" err="1">
+                <a:latin typeface="Poppins" panose="00000500000000000000" pitchFamily="2" charset="0"/>
+                <a:cs typeface="Poppins" panose="00000500000000000000" pitchFamily="2" charset="0"/>
+              </a:rPr>
+              <a:t>sendiri</a:t>
+            </a:r>
+            <a:r>
+              <a:rPr lang="en-US" sz="1000" dirty="0">
+                <a:latin typeface="Poppins" panose="00000500000000000000" pitchFamily="2" charset="0"/>
+                <a:cs typeface="Poppins" panose="00000500000000000000" pitchFamily="2" charset="0"/>
+              </a:rPr>
+              <a:t> juga </a:t>
+            </a:r>
+            <a:r>
+              <a:rPr lang="en-US" sz="1000" dirty="0" err="1">
+                <a:latin typeface="Poppins" panose="00000500000000000000" pitchFamily="2" charset="0"/>
+                <a:cs typeface="Poppins" panose="00000500000000000000" pitchFamily="2" charset="0"/>
+              </a:rPr>
+              <a:t>boleh</a:t>
+            </a:r>
+            <a:r>
+              <a:rPr lang="en-US" sz="1000" dirty="0">
+                <a:latin typeface="Poppins" panose="00000500000000000000" pitchFamily="2" charset="0"/>
+                <a:cs typeface="Poppins" panose="00000500000000000000" pitchFamily="2" charset="0"/>
+              </a:rPr>
+              <a:t> :V</a:t>
+            </a:r>
+          </a:p>
+          <a:p>
+            <a:pPr marL="228600" indent="-228600">
+              <a:buFont typeface="+mj-lt"/>
+              <a:buAutoNum type="arabicPeriod"/>
+            </a:pPr>
+            <a:endParaRPr lang="en-US" sz="1000" dirty="0">
+              <a:latin typeface="Poppins" panose="00000500000000000000" pitchFamily="2" charset="0"/>
+              <a:cs typeface="Poppins" panose="00000500000000000000" pitchFamily="2" charset="0"/>
+            </a:endParaRPr>
+          </a:p>
+          <a:p>
+            <a:pPr marL="228600" indent="-228600">
+              <a:buFont typeface="+mj-lt"/>
+              <a:buAutoNum type="arabicPeriod"/>
+            </a:pPr>
+            <a:r>
+              <a:rPr lang="en-US" sz="1000" dirty="0" err="1">
+                <a:latin typeface="Poppins" panose="00000500000000000000" pitchFamily="2" charset="0"/>
+                <a:cs typeface="Poppins" panose="00000500000000000000" pitchFamily="2" charset="0"/>
+              </a:rPr>
+              <a:t>Diskusikan</a:t>
+            </a:r>
+            <a:r>
+              <a:rPr lang="en-US" sz="1000" dirty="0">
+                <a:latin typeface="Poppins" panose="00000500000000000000" pitchFamily="2" charset="0"/>
+                <a:cs typeface="Poppins" panose="00000500000000000000" pitchFamily="2" charset="0"/>
+              </a:rPr>
+              <a:t> Bersama </a:t>
+            </a:r>
+            <a:r>
+              <a:rPr lang="en-US" sz="1000" dirty="0" err="1">
+                <a:latin typeface="Poppins" panose="00000500000000000000" pitchFamily="2" charset="0"/>
+                <a:cs typeface="Poppins" panose="00000500000000000000" pitchFamily="2" charset="0"/>
+              </a:rPr>
+              <a:t>digrub</a:t>
+            </a:r>
+            <a:r>
+              <a:rPr lang="en-US" sz="1000" dirty="0">
+                <a:latin typeface="Poppins" panose="00000500000000000000" pitchFamily="2" charset="0"/>
+                <a:cs typeface="Poppins" panose="00000500000000000000" pitchFamily="2" charset="0"/>
+              </a:rPr>
+              <a:t> </a:t>
+            </a:r>
+            <a:r>
+              <a:rPr lang="en-US" sz="1000" dirty="0" err="1">
+                <a:latin typeface="Poppins" panose="00000500000000000000" pitchFamily="2" charset="0"/>
+                <a:cs typeface="Poppins" panose="00000500000000000000" pitchFamily="2" charset="0"/>
+              </a:rPr>
+              <a:t>jika</a:t>
+            </a:r>
+            <a:r>
+              <a:rPr lang="en-US" sz="1000" dirty="0">
+                <a:latin typeface="Poppins" panose="00000500000000000000" pitchFamily="2" charset="0"/>
+                <a:cs typeface="Poppins" panose="00000500000000000000" pitchFamily="2" charset="0"/>
+              </a:rPr>
+              <a:t> </a:t>
+            </a:r>
+            <a:r>
+              <a:rPr lang="en-US" sz="1000" dirty="0" err="1">
+                <a:latin typeface="Poppins" panose="00000500000000000000" pitchFamily="2" charset="0"/>
+                <a:cs typeface="Poppins" panose="00000500000000000000" pitchFamily="2" charset="0"/>
+              </a:rPr>
+              <a:t>ada</a:t>
+            </a:r>
+            <a:r>
+              <a:rPr lang="en-US" sz="1000" dirty="0">
+                <a:latin typeface="Poppins" panose="00000500000000000000" pitchFamily="2" charset="0"/>
+                <a:cs typeface="Poppins" panose="00000500000000000000" pitchFamily="2" charset="0"/>
+              </a:rPr>
+              <a:t> </a:t>
+            </a:r>
+            <a:r>
+              <a:rPr lang="en-US" sz="1000" dirty="0" err="1">
+                <a:latin typeface="Poppins" panose="00000500000000000000" pitchFamily="2" charset="0"/>
+                <a:cs typeface="Poppins" panose="00000500000000000000" pitchFamily="2" charset="0"/>
+              </a:rPr>
+              <a:t>kendala</a:t>
+            </a:r>
+            <a:endParaRPr lang="en-US" sz="1000" dirty="0">
+              <a:latin typeface="Poppins" panose="00000500000000000000" pitchFamily="2" charset="0"/>
+              <a:cs typeface="Poppins" panose="00000500000000000000" pitchFamily="2" charset="0"/>
+            </a:endParaRPr>
+          </a:p>
+          <a:p>
+            <a:pPr marL="228600" indent="-228600">
+              <a:buFont typeface="+mj-lt"/>
+              <a:buAutoNum type="arabicPeriod"/>
+            </a:pPr>
+            <a:endParaRPr lang="en-US" sz="1000" dirty="0">
+              <a:latin typeface="Poppins" panose="00000500000000000000" pitchFamily="2" charset="0"/>
+              <a:cs typeface="Poppins" panose="00000500000000000000" pitchFamily="2" charset="0"/>
+            </a:endParaRPr>
+          </a:p>
+          <a:p>
+            <a:pPr marL="228600" indent="-228600">
+              <a:buFont typeface="+mj-lt"/>
+              <a:buAutoNum type="arabicPeriod"/>
+            </a:pPr>
+            <a:r>
+              <a:rPr lang="en-US" sz="1000" dirty="0" err="1">
+                <a:latin typeface="Poppins" panose="00000500000000000000" pitchFamily="2" charset="0"/>
+                <a:cs typeface="Poppins" panose="00000500000000000000" pitchFamily="2" charset="0"/>
+              </a:rPr>
+              <a:t>Tidak</a:t>
+            </a:r>
+            <a:r>
+              <a:rPr lang="en-US" sz="1000" dirty="0">
+                <a:latin typeface="Poppins" panose="00000500000000000000" pitchFamily="2" charset="0"/>
+                <a:cs typeface="Poppins" panose="00000500000000000000" pitchFamily="2" charset="0"/>
+              </a:rPr>
+              <a:t> </a:t>
+            </a:r>
+            <a:r>
+              <a:rPr lang="en-US" sz="1000" dirty="0" err="1">
+                <a:latin typeface="Poppins" panose="00000500000000000000" pitchFamily="2" charset="0"/>
+                <a:cs typeface="Poppins" panose="00000500000000000000" pitchFamily="2" charset="0"/>
+              </a:rPr>
+              <a:t>dikerjakan</a:t>
+            </a:r>
+            <a:r>
+              <a:rPr lang="en-US" sz="1000" dirty="0">
+                <a:latin typeface="Poppins" panose="00000500000000000000" pitchFamily="2" charset="0"/>
+                <a:cs typeface="Poppins" panose="00000500000000000000" pitchFamily="2" charset="0"/>
+              </a:rPr>
+              <a:t> juga </a:t>
+            </a:r>
+            <a:r>
+              <a:rPr lang="en-US" sz="1000" dirty="0" err="1">
+                <a:latin typeface="Poppins" panose="00000500000000000000" pitchFamily="2" charset="0"/>
+                <a:cs typeface="Poppins" panose="00000500000000000000" pitchFamily="2" charset="0"/>
+              </a:rPr>
+              <a:t>gapapa</a:t>
+            </a:r>
+            <a:r>
+              <a:rPr lang="en-US" sz="1000" dirty="0">
+                <a:latin typeface="Poppins" panose="00000500000000000000" pitchFamily="2" charset="0"/>
+                <a:cs typeface="Poppins" panose="00000500000000000000" pitchFamily="2" charset="0"/>
+              </a:rPr>
+              <a:t>, </a:t>
+            </a:r>
+            <a:r>
+              <a:rPr lang="en-US" sz="1000" dirty="0" err="1">
+                <a:latin typeface="Poppins" panose="00000500000000000000" pitchFamily="2" charset="0"/>
+                <a:cs typeface="Poppins" panose="00000500000000000000" pitchFamily="2" charset="0"/>
+              </a:rPr>
+              <a:t>tidak</a:t>
+            </a:r>
+            <a:r>
+              <a:rPr lang="en-US" sz="1000" dirty="0">
+                <a:latin typeface="Poppins" panose="00000500000000000000" pitchFamily="2" charset="0"/>
+                <a:cs typeface="Poppins" panose="00000500000000000000" pitchFamily="2" charset="0"/>
+              </a:rPr>
+              <a:t> </a:t>
+            </a:r>
+            <a:r>
+              <a:rPr lang="en-US" sz="1000" dirty="0" err="1">
+                <a:latin typeface="Poppins" panose="00000500000000000000" pitchFamily="2" charset="0"/>
+                <a:cs typeface="Poppins" panose="00000500000000000000" pitchFamily="2" charset="0"/>
+              </a:rPr>
+              <a:t>dinilai</a:t>
+            </a:r>
+            <a:r>
+              <a:rPr lang="en-US" sz="1000" dirty="0">
+                <a:latin typeface="Poppins" panose="00000500000000000000" pitchFamily="2" charset="0"/>
+                <a:cs typeface="Poppins" panose="00000500000000000000" pitchFamily="2" charset="0"/>
+              </a:rPr>
+              <a:t>, </a:t>
+            </a:r>
+            <a:r>
+              <a:rPr lang="en-US" sz="1000" dirty="0" err="1">
+                <a:latin typeface="Poppins" panose="00000500000000000000" pitchFamily="2" charset="0"/>
+                <a:cs typeface="Poppins" panose="00000500000000000000" pitchFamily="2" charset="0"/>
+              </a:rPr>
+              <a:t>sebagai</a:t>
+            </a:r>
+            <a:r>
+              <a:rPr lang="en-US" sz="1000" dirty="0">
+                <a:latin typeface="Poppins" panose="00000500000000000000" pitchFamily="2" charset="0"/>
+                <a:cs typeface="Poppins" panose="00000500000000000000" pitchFamily="2" charset="0"/>
+              </a:rPr>
+              <a:t> </a:t>
+            </a:r>
+            <a:r>
+              <a:rPr lang="en-US" sz="1000" dirty="0" err="1">
+                <a:latin typeface="Poppins" panose="00000500000000000000" pitchFamily="2" charset="0"/>
+                <a:cs typeface="Poppins" panose="00000500000000000000" pitchFamily="2" charset="0"/>
+              </a:rPr>
+              <a:t>bahan</a:t>
+            </a:r>
+            <a:r>
+              <a:rPr lang="en-US" sz="1000" dirty="0">
+                <a:latin typeface="Poppins" panose="00000500000000000000" pitchFamily="2" charset="0"/>
+                <a:cs typeface="Poppins" panose="00000500000000000000" pitchFamily="2" charset="0"/>
+              </a:rPr>
+              <a:t> </a:t>
+            </a:r>
+            <a:r>
+              <a:rPr lang="en-US" sz="1000" dirty="0" err="1">
+                <a:latin typeface="Poppins" panose="00000500000000000000" pitchFamily="2" charset="0"/>
+                <a:cs typeface="Poppins" panose="00000500000000000000" pitchFamily="2" charset="0"/>
+              </a:rPr>
+              <a:t>diskusi</a:t>
+            </a:r>
+            <a:r>
+              <a:rPr lang="en-US" sz="1000" dirty="0">
+                <a:latin typeface="Poppins" panose="00000500000000000000" pitchFamily="2" charset="0"/>
+                <a:cs typeface="Poppins" panose="00000500000000000000" pitchFamily="2" charset="0"/>
+              </a:rPr>
+              <a:t>  :V</a:t>
+            </a:r>
+          </a:p>
+          <a:p>
+            <a:pPr marL="228600" indent="-228600">
+              <a:buFont typeface="+mj-lt"/>
+              <a:buAutoNum type="arabicPeriod"/>
+            </a:pPr>
+            <a:endParaRPr lang="en-US" sz="1000" dirty="0">
+              <a:latin typeface="Poppins" panose="00000500000000000000" pitchFamily="2" charset="0"/>
+              <a:cs typeface="Poppins" panose="00000500000000000000" pitchFamily="2" charset="0"/>
+            </a:endParaRPr>
+          </a:p>
+          <a:p>
+            <a:pPr marL="228600" indent="-228600">
+              <a:buFont typeface="+mj-lt"/>
+              <a:buAutoNum type="arabicPeriod"/>
+            </a:pPr>
+            <a:r>
+              <a:rPr lang="en-US" sz="1000" dirty="0" err="1">
+                <a:latin typeface="Poppins" panose="00000500000000000000" pitchFamily="2" charset="0"/>
+                <a:cs typeface="Poppins" panose="00000500000000000000" pitchFamily="2" charset="0"/>
+              </a:rPr>
+              <a:t>Minggu</a:t>
+            </a:r>
+            <a:r>
+              <a:rPr lang="en-US" sz="1000" dirty="0">
+                <a:latin typeface="Poppins" panose="00000500000000000000" pitchFamily="2" charset="0"/>
+                <a:cs typeface="Poppins" panose="00000500000000000000" pitchFamily="2" charset="0"/>
+              </a:rPr>
+              <a:t> ke-3 </a:t>
+            </a:r>
+            <a:r>
+              <a:rPr lang="en-US" sz="1000" dirty="0" err="1">
+                <a:latin typeface="Poppins" panose="00000500000000000000" pitchFamily="2" charset="0"/>
+                <a:cs typeface="Poppins" panose="00000500000000000000" pitchFamily="2" charset="0"/>
+              </a:rPr>
+              <a:t>silahkan</a:t>
+            </a:r>
+            <a:r>
+              <a:rPr lang="en-US" sz="1000" dirty="0">
+                <a:latin typeface="Poppins" panose="00000500000000000000" pitchFamily="2" charset="0"/>
+                <a:cs typeface="Poppins" panose="00000500000000000000" pitchFamily="2" charset="0"/>
+              </a:rPr>
+              <a:t> </a:t>
+            </a:r>
+            <a:r>
+              <a:rPr lang="en-US" sz="1000" dirty="0" err="1">
+                <a:latin typeface="Poppins" panose="00000500000000000000" pitchFamily="2" charset="0"/>
+                <a:cs typeface="Poppins" panose="00000500000000000000" pitchFamily="2" charset="0"/>
+              </a:rPr>
+              <a:t>bahas</a:t>
+            </a:r>
+            <a:r>
+              <a:rPr lang="en-US" sz="1000" dirty="0">
+                <a:latin typeface="Poppins" panose="00000500000000000000" pitchFamily="2" charset="0"/>
+                <a:cs typeface="Poppins" panose="00000500000000000000" pitchFamily="2" charset="0"/>
+              </a:rPr>
+              <a:t> di meeting, code </a:t>
+            </a:r>
+            <a:r>
+              <a:rPr lang="en-US" sz="1000" dirty="0" err="1">
+                <a:latin typeface="Poppins" panose="00000500000000000000" pitchFamily="2" charset="0"/>
+                <a:cs typeface="Poppins" panose="00000500000000000000" pitchFamily="2" charset="0"/>
+              </a:rPr>
+              <a:t>nya</a:t>
+            </a:r>
+            <a:r>
+              <a:rPr lang="en-US" sz="1000" dirty="0">
+                <a:latin typeface="Poppins" panose="00000500000000000000" pitchFamily="2" charset="0"/>
+                <a:cs typeface="Poppins" panose="00000500000000000000" pitchFamily="2" charset="0"/>
+              </a:rPr>
+              <a:t> </a:t>
+            </a:r>
+            <a:r>
+              <a:rPr lang="en-US" sz="1000" dirty="0" err="1">
+                <a:latin typeface="Poppins" panose="00000500000000000000" pitchFamily="2" charset="0"/>
+                <a:cs typeface="Poppins" panose="00000500000000000000" pitchFamily="2" charset="0"/>
+              </a:rPr>
+              <a:t>bukan</a:t>
+            </a:r>
+            <a:r>
+              <a:rPr lang="en-US" sz="1000" dirty="0">
+                <a:latin typeface="Poppins" panose="00000500000000000000" pitchFamily="2" charset="0"/>
+                <a:cs typeface="Poppins" panose="00000500000000000000" pitchFamily="2" charset="0"/>
+              </a:rPr>
+              <a:t> </a:t>
+            </a:r>
+            <a:r>
+              <a:rPr lang="en-US" sz="1000" dirty="0" err="1">
+                <a:latin typeface="Poppins" panose="00000500000000000000" pitchFamily="2" charset="0"/>
+                <a:cs typeface="Poppins" panose="00000500000000000000" pitchFamily="2" charset="0"/>
+              </a:rPr>
+              <a:t>hasilnya</a:t>
+            </a:r>
+            <a:r>
+              <a:rPr lang="en-US" sz="1000" dirty="0">
+                <a:latin typeface="Poppins" panose="00000500000000000000" pitchFamily="2" charset="0"/>
+                <a:cs typeface="Poppins" panose="00000500000000000000" pitchFamily="2" charset="0"/>
+              </a:rPr>
+              <a:t> :V</a:t>
+            </a:r>
+          </a:p>
+          <a:p>
+            <a:pPr marL="228600" indent="-228600">
+              <a:buFont typeface="+mj-lt"/>
+              <a:buAutoNum type="arabicPeriod"/>
+            </a:pPr>
+            <a:endParaRPr lang="en-US" sz="1000" dirty="0">
+              <a:latin typeface="Poppins" panose="00000500000000000000" pitchFamily="2" charset="0"/>
+              <a:cs typeface="Poppins" panose="00000500000000000000" pitchFamily="2" charset="0"/>
+            </a:endParaRPr>
+          </a:p>
+          <a:p>
+            <a:pPr marL="228600" indent="-228600">
+              <a:buFont typeface="+mj-lt"/>
+              <a:buAutoNum type="arabicPeriod"/>
+            </a:pPr>
+            <a:r>
+              <a:rPr lang="en-US" sz="1000" dirty="0" err="1">
+                <a:latin typeface="Poppins" panose="00000500000000000000" pitchFamily="2" charset="0"/>
+                <a:cs typeface="Poppins" panose="00000500000000000000" pitchFamily="2" charset="0"/>
+              </a:rPr>
+              <a:t>Tujuannya</a:t>
+            </a:r>
+            <a:r>
+              <a:rPr lang="en-US" sz="1000" dirty="0">
+                <a:latin typeface="Poppins" panose="00000500000000000000" pitchFamily="2" charset="0"/>
+                <a:cs typeface="Poppins" panose="00000500000000000000" pitchFamily="2" charset="0"/>
+              </a:rPr>
+              <a:t> </a:t>
+            </a:r>
+            <a:r>
+              <a:rPr lang="en-US" sz="1000" dirty="0" err="1">
+                <a:latin typeface="Poppins" panose="00000500000000000000" pitchFamily="2" charset="0"/>
+                <a:cs typeface="Poppins" panose="00000500000000000000" pitchFamily="2" charset="0"/>
+              </a:rPr>
+              <a:t>supaya</a:t>
+            </a:r>
+            <a:r>
+              <a:rPr lang="en-US" sz="1000" dirty="0">
+                <a:latin typeface="Poppins" panose="00000500000000000000" pitchFamily="2" charset="0"/>
+                <a:cs typeface="Poppins" panose="00000500000000000000" pitchFamily="2" charset="0"/>
+              </a:rPr>
+              <a:t> </a:t>
+            </a:r>
+            <a:r>
+              <a:rPr lang="en-US" sz="1000" dirty="0" err="1">
+                <a:latin typeface="Poppins" panose="00000500000000000000" pitchFamily="2" charset="0"/>
+                <a:cs typeface="Poppins" panose="00000500000000000000" pitchFamily="2" charset="0"/>
+              </a:rPr>
+              <a:t>kita</a:t>
+            </a:r>
+            <a:r>
+              <a:rPr lang="en-US" sz="1000" dirty="0">
+                <a:latin typeface="Poppins" panose="00000500000000000000" pitchFamily="2" charset="0"/>
+                <a:cs typeface="Poppins" panose="00000500000000000000" pitchFamily="2" charset="0"/>
+              </a:rPr>
+              <a:t> </a:t>
+            </a:r>
+            <a:r>
+              <a:rPr lang="en-US" sz="1000" dirty="0" err="1">
+                <a:latin typeface="Poppins" panose="00000500000000000000" pitchFamily="2" charset="0"/>
+                <a:cs typeface="Poppins" panose="00000500000000000000" pitchFamily="2" charset="0"/>
+              </a:rPr>
+              <a:t>dapat</a:t>
+            </a:r>
+            <a:r>
+              <a:rPr lang="en-US" sz="1000" dirty="0">
+                <a:latin typeface="Poppins" panose="00000500000000000000" pitchFamily="2" charset="0"/>
+                <a:cs typeface="Poppins" panose="00000500000000000000" pitchFamily="2" charset="0"/>
+              </a:rPr>
+              <a:t> </a:t>
+            </a:r>
+            <a:r>
+              <a:rPr lang="en-US" sz="1000" dirty="0" err="1">
+                <a:latin typeface="Poppins" panose="00000500000000000000" pitchFamily="2" charset="0"/>
+                <a:cs typeface="Poppins" panose="00000500000000000000" pitchFamily="2" charset="0"/>
+              </a:rPr>
+              <a:t>mengerti</a:t>
+            </a:r>
+            <a:r>
+              <a:rPr lang="en-US" sz="1000" dirty="0">
+                <a:latin typeface="Poppins" panose="00000500000000000000" pitchFamily="2" charset="0"/>
+                <a:cs typeface="Poppins" panose="00000500000000000000" pitchFamily="2" charset="0"/>
+              </a:rPr>
+              <a:t> </a:t>
+            </a:r>
+            <a:r>
+              <a:rPr lang="en-US" sz="1000" dirty="0" err="1">
+                <a:latin typeface="Poppins" panose="00000500000000000000" pitchFamily="2" charset="0"/>
+                <a:cs typeface="Poppins" panose="00000500000000000000" pitchFamily="2" charset="0"/>
+              </a:rPr>
+              <a:t>tentang</a:t>
+            </a:r>
+            <a:r>
+              <a:rPr lang="en-US" sz="1000" dirty="0">
+                <a:latin typeface="Poppins" panose="00000500000000000000" pitchFamily="2" charset="0"/>
+                <a:cs typeface="Poppins" panose="00000500000000000000" pitchFamily="2" charset="0"/>
+              </a:rPr>
+              <a:t> </a:t>
+            </a:r>
+            <a:r>
+              <a:rPr lang="en-US" sz="1000" dirty="0" err="1">
+                <a:latin typeface="Poppins" panose="00000500000000000000" pitchFamily="2" charset="0"/>
+                <a:cs typeface="Poppins" panose="00000500000000000000" pitchFamily="2" charset="0"/>
+              </a:rPr>
+              <a:t>pengkodean</a:t>
+            </a:r>
+            <a:r>
+              <a:rPr lang="en-US" sz="1000" dirty="0">
+                <a:latin typeface="Poppins" panose="00000500000000000000" pitchFamily="2" charset="0"/>
+                <a:cs typeface="Poppins" panose="00000500000000000000" pitchFamily="2" charset="0"/>
+              </a:rPr>
+              <a:t> </a:t>
+            </a:r>
+            <a:r>
+              <a:rPr lang="en-US" sz="1000" dirty="0" err="1">
+                <a:latin typeface="Poppins" panose="00000500000000000000" pitchFamily="2" charset="0"/>
+                <a:cs typeface="Poppins" panose="00000500000000000000" pitchFamily="2" charset="0"/>
+              </a:rPr>
+              <a:t>javascript</a:t>
+            </a:r>
+            <a:r>
+              <a:rPr lang="en-US" sz="1000" dirty="0">
+                <a:latin typeface="Poppins" panose="00000500000000000000" pitchFamily="2" charset="0"/>
+                <a:cs typeface="Poppins" panose="00000500000000000000" pitchFamily="2" charset="0"/>
+              </a:rPr>
+              <a:t> native </a:t>
+            </a:r>
+            <a:r>
+              <a:rPr lang="en-US" sz="1000" dirty="0" err="1">
+                <a:latin typeface="Poppins" panose="00000500000000000000" pitchFamily="2" charset="0"/>
+                <a:cs typeface="Poppins" panose="00000500000000000000" pitchFamily="2" charset="0"/>
+              </a:rPr>
+              <a:t>sebelum</a:t>
+            </a:r>
+            <a:r>
+              <a:rPr lang="en-US" sz="1000" dirty="0">
+                <a:latin typeface="Poppins" panose="00000500000000000000" pitchFamily="2" charset="0"/>
+                <a:cs typeface="Poppins" panose="00000500000000000000" pitchFamily="2" charset="0"/>
+              </a:rPr>
+              <a:t> </a:t>
+            </a:r>
+            <a:r>
+              <a:rPr lang="en-US" sz="1000" dirty="0" err="1">
+                <a:latin typeface="Poppins" panose="00000500000000000000" pitchFamily="2" charset="0"/>
+                <a:cs typeface="Poppins" panose="00000500000000000000" pitchFamily="2" charset="0"/>
+              </a:rPr>
+              <a:t>masuk</a:t>
+            </a:r>
+            <a:r>
+              <a:rPr lang="en-US" sz="1000" dirty="0">
+                <a:latin typeface="Poppins" panose="00000500000000000000" pitchFamily="2" charset="0"/>
+                <a:cs typeface="Poppins" panose="00000500000000000000" pitchFamily="2" charset="0"/>
+              </a:rPr>
+              <a:t> </a:t>
+            </a:r>
+            <a:r>
+              <a:rPr lang="en-US" sz="1000" dirty="0" err="1">
+                <a:latin typeface="Poppins" panose="00000500000000000000" pitchFamily="2" charset="0"/>
+                <a:cs typeface="Poppins" panose="00000500000000000000" pitchFamily="2" charset="0"/>
+              </a:rPr>
+              <a:t>ke</a:t>
+            </a:r>
+            <a:r>
+              <a:rPr lang="en-US" sz="1000" dirty="0">
+                <a:latin typeface="Poppins" panose="00000500000000000000" pitchFamily="2" charset="0"/>
+                <a:cs typeface="Poppins" panose="00000500000000000000" pitchFamily="2" charset="0"/>
+              </a:rPr>
+              <a:t> </a:t>
+            </a:r>
+            <a:r>
+              <a:rPr lang="en-US" sz="1000" dirty="0" err="1">
+                <a:latin typeface="Poppins" panose="00000500000000000000" pitchFamily="2" charset="0"/>
+                <a:cs typeface="Poppins" panose="00000500000000000000" pitchFamily="2" charset="0"/>
+              </a:rPr>
+              <a:t>materi</a:t>
+            </a:r>
+            <a:r>
+              <a:rPr lang="en-US" sz="1000" dirty="0">
+                <a:latin typeface="Poppins" panose="00000500000000000000" pitchFamily="2" charset="0"/>
+                <a:cs typeface="Poppins" panose="00000500000000000000" pitchFamily="2" charset="0"/>
+              </a:rPr>
+              <a:t> framework</a:t>
+            </a:r>
+          </a:p>
+          <a:p>
+            <a:pPr marL="228600" indent="-228600">
+              <a:buFont typeface="+mj-lt"/>
+              <a:buAutoNum type="arabicPeriod"/>
+            </a:pPr>
+            <a:endParaRPr lang="en-US" sz="1000" dirty="0">
+              <a:latin typeface="Poppins" panose="00000500000000000000" pitchFamily="2" charset="0"/>
+              <a:cs typeface="Poppins" panose="00000500000000000000" pitchFamily="2" charset="0"/>
+            </a:endParaRPr>
+          </a:p>
+          <a:p>
+            <a:pPr marL="228600" indent="-228600">
+              <a:buFont typeface="+mj-lt"/>
+              <a:buAutoNum type="arabicPeriod"/>
+            </a:pPr>
+            <a:r>
+              <a:rPr lang="en-US" sz="1000" dirty="0">
+                <a:latin typeface="Poppins" panose="00000500000000000000" pitchFamily="2" charset="0"/>
+                <a:cs typeface="Poppins" panose="00000500000000000000" pitchFamily="2" charset="0"/>
+              </a:rPr>
+              <a:t>Practice make improvement </a:t>
+            </a:r>
+          </a:p>
+          <a:p>
+            <a:pPr marL="228600" indent="-228600">
+              <a:buFont typeface="+mj-lt"/>
+              <a:buAutoNum type="arabicPeriod"/>
+            </a:pPr>
+            <a:endParaRPr lang="en-US" sz="1000" dirty="0">
+              <a:latin typeface="Poppins" panose="00000500000000000000" pitchFamily="2" charset="0"/>
+              <a:cs typeface="Poppins" panose="00000500000000000000" pitchFamily="2" charset="0"/>
+            </a:endParaRPr>
+          </a:p>
+          <a:p>
+            <a:pPr marL="228600" indent="-228600">
+              <a:buFont typeface="+mj-lt"/>
+              <a:buAutoNum type="arabicPeriod"/>
+            </a:pPr>
+            <a:r>
+              <a:rPr lang="en-US" sz="1000" dirty="0">
+                <a:latin typeface="Poppins" panose="00000500000000000000" pitchFamily="2" charset="0"/>
+                <a:cs typeface="Poppins" panose="00000500000000000000" pitchFamily="2" charset="0"/>
+              </a:rPr>
+              <a:t>Next </a:t>
+            </a:r>
+            <a:r>
+              <a:rPr lang="en-US" sz="1000" dirty="0" err="1">
+                <a:latin typeface="Poppins" panose="00000500000000000000" pitchFamily="2" charset="0"/>
+                <a:cs typeface="Poppins" panose="00000500000000000000" pitchFamily="2" charset="0"/>
+              </a:rPr>
+              <a:t>Materi</a:t>
+            </a:r>
+            <a:r>
+              <a:rPr lang="en-US" sz="1000" dirty="0">
+                <a:latin typeface="Poppins" panose="00000500000000000000" pitchFamily="2" charset="0"/>
+                <a:cs typeface="Poppins" panose="00000500000000000000" pitchFamily="2" charset="0"/>
+              </a:rPr>
+              <a:t>: asynchronous (API)</a:t>
+            </a:r>
+          </a:p>
+          <a:p>
+            <a:pPr marL="228600" indent="-228600">
+              <a:buFont typeface="+mj-lt"/>
+              <a:buAutoNum type="arabicPeriod"/>
+            </a:pPr>
+            <a:endParaRPr lang="en-US" sz="1000" dirty="0">
+              <a:latin typeface="Poppins" panose="00000500000000000000" pitchFamily="2" charset="0"/>
+              <a:cs typeface="Poppins" panose="00000500000000000000" pitchFamily="2" charset="0"/>
+            </a:endParaRPr>
+          </a:p>
+          <a:p>
+            <a:pPr marL="228600" indent="-228600">
+              <a:buFont typeface="+mj-lt"/>
+              <a:buAutoNum type="arabicPeriod"/>
+            </a:pPr>
+            <a:r>
+              <a:rPr lang="en-US" sz="1000" dirty="0" err="1">
+                <a:latin typeface="Poppins" panose="00000500000000000000" pitchFamily="2" charset="0"/>
+                <a:cs typeface="Poppins" panose="00000500000000000000" pitchFamily="2" charset="0"/>
+              </a:rPr>
+              <a:t>Contoh</a:t>
+            </a:r>
+            <a:r>
+              <a:rPr lang="en-US" sz="1000" dirty="0">
+                <a:latin typeface="Poppins" panose="00000500000000000000" pitchFamily="2" charset="0"/>
+                <a:cs typeface="Poppins" panose="00000500000000000000" pitchFamily="2" charset="0"/>
+              </a:rPr>
+              <a:t> submission: </a:t>
+            </a:r>
+          </a:p>
+          <a:p>
+            <a:pPr marL="228600" indent="-228600">
+              <a:buFont typeface="+mj-lt"/>
+              <a:buAutoNum type="arabicPeriod"/>
+            </a:pPr>
+            <a:endParaRPr lang="en-US" sz="1000" dirty="0">
+              <a:latin typeface="Poppins" panose="00000500000000000000" pitchFamily="2" charset="0"/>
+              <a:cs typeface="Poppins" panose="00000500000000000000" pitchFamily="2" charset="0"/>
+            </a:endParaRPr>
+          </a:p>
+          <a:p>
+            <a:pPr marL="685800" lvl="1" indent="-228600">
+              <a:buFont typeface="+mj-lt"/>
+              <a:buAutoNum type="arabicPeriod"/>
+            </a:pPr>
+            <a:r>
+              <a:rPr lang="en-US" sz="1000" dirty="0">
+                <a:latin typeface="Poppins" panose="00000500000000000000" pitchFamily="2" charset="0"/>
+                <a:cs typeface="Poppins" panose="00000500000000000000" pitchFamily="2" charset="0"/>
+                <a:hlinkClick r:id="rId2"/>
+              </a:rPr>
+              <a:t>https://suspicious-elion-55f6c0.netlify.app</a:t>
+            </a:r>
+            <a:endParaRPr lang="en-US" sz="1000" dirty="0">
+              <a:latin typeface="Poppins" panose="00000500000000000000" pitchFamily="2" charset="0"/>
+              <a:cs typeface="Poppins" panose="00000500000000000000" pitchFamily="2" charset="0"/>
+            </a:endParaRPr>
+          </a:p>
+          <a:p>
+            <a:pPr marL="685800" lvl="1" indent="-228600">
+              <a:buFont typeface="+mj-lt"/>
+              <a:buAutoNum type="arabicPeriod"/>
+            </a:pPr>
+            <a:endParaRPr lang="en-US" sz="1000" dirty="0">
+              <a:latin typeface="Poppins" panose="00000500000000000000" pitchFamily="2" charset="0"/>
+              <a:cs typeface="Poppins" panose="00000500000000000000" pitchFamily="2" charset="0"/>
+            </a:endParaRPr>
+          </a:p>
+          <a:p>
+            <a:pPr marL="685800" lvl="1" indent="-228600">
+              <a:buFont typeface="+mj-lt"/>
+              <a:buAutoNum type="arabicPeriod"/>
+            </a:pPr>
+            <a:r>
+              <a:rPr lang="en-US" sz="1000" dirty="0">
+                <a:latin typeface="Poppins" panose="00000500000000000000" pitchFamily="2" charset="0"/>
+                <a:cs typeface="Poppins" panose="00000500000000000000" pitchFamily="2" charset="0"/>
+                <a:hlinkClick r:id="rId3"/>
+              </a:rPr>
+              <a:t>https://focused-liskov-119164.netlify.app</a:t>
+            </a:r>
+            <a:r>
+              <a:rPr lang="en-US" sz="1000" dirty="0">
+                <a:latin typeface="Poppins" panose="00000500000000000000" pitchFamily="2" charset="0"/>
+                <a:cs typeface="Poppins" panose="00000500000000000000" pitchFamily="2" charset="0"/>
+              </a:rPr>
+              <a:t> </a:t>
+            </a:r>
+          </a:p>
+          <a:p>
+            <a:pPr marL="685800" lvl="1" indent="-228600">
+              <a:buFont typeface="+mj-lt"/>
+              <a:buAutoNum type="arabicPeriod"/>
+            </a:pPr>
+            <a:endParaRPr lang="en-US" sz="1000" dirty="0">
+              <a:latin typeface="Poppins" panose="00000500000000000000" pitchFamily="2" charset="0"/>
+              <a:cs typeface="Poppins" panose="00000500000000000000" pitchFamily="2" charset="0"/>
+            </a:endParaRPr>
+          </a:p>
+          <a:p>
+            <a:pPr marL="685800" lvl="1" indent="-228600">
+              <a:buFont typeface="+mj-lt"/>
+              <a:buAutoNum type="arabicPeriod"/>
+            </a:pPr>
+            <a:r>
+              <a:rPr lang="en-US" sz="1000" dirty="0">
+                <a:latin typeface="Poppins" panose="00000500000000000000" pitchFamily="2" charset="0"/>
+                <a:cs typeface="Poppins" panose="00000500000000000000" pitchFamily="2" charset="0"/>
+              </a:rPr>
+              <a:t>Source code </a:t>
+            </a:r>
+            <a:r>
+              <a:rPr lang="en-US" sz="1000" dirty="0" err="1">
+                <a:latin typeface="Poppins" panose="00000500000000000000" pitchFamily="2" charset="0"/>
+                <a:cs typeface="Poppins" panose="00000500000000000000" pitchFamily="2" charset="0"/>
+              </a:rPr>
+              <a:t>ada</a:t>
+            </a:r>
+            <a:r>
+              <a:rPr lang="en-US" sz="1000" dirty="0">
+                <a:latin typeface="Poppins" panose="00000500000000000000" pitchFamily="2" charset="0"/>
+                <a:cs typeface="Poppins" panose="00000500000000000000" pitchFamily="2" charset="0"/>
+              </a:rPr>
+              <a:t> di </a:t>
+            </a:r>
+            <a:r>
+              <a:rPr lang="en-US" sz="1000" dirty="0" err="1">
+                <a:latin typeface="Poppins" panose="00000500000000000000" pitchFamily="2" charset="0"/>
+                <a:cs typeface="Poppins" panose="00000500000000000000" pitchFamily="2" charset="0"/>
+              </a:rPr>
+              <a:t>github</a:t>
+            </a:r>
+            <a:r>
+              <a:rPr lang="en-US" sz="1000" dirty="0">
+                <a:latin typeface="Poppins" panose="00000500000000000000" pitchFamily="2" charset="0"/>
+                <a:cs typeface="Poppins" panose="00000500000000000000" pitchFamily="2" charset="0"/>
+              </a:rPr>
+              <a:t> yang </a:t>
+            </a:r>
+            <a:r>
+              <a:rPr lang="en-US" sz="1000" dirty="0" err="1">
+                <a:latin typeface="Poppins" panose="00000500000000000000" pitchFamily="2" charset="0"/>
+                <a:cs typeface="Poppins" panose="00000500000000000000" pitchFamily="2" charset="0"/>
+              </a:rPr>
+              <a:t>biasa</a:t>
+            </a:r>
+            <a:endParaRPr lang="en-US" sz="1000" dirty="0">
+              <a:latin typeface="Poppins" panose="00000500000000000000" pitchFamily="2" charset="0"/>
+              <a:cs typeface="Poppins" panose="00000500000000000000" pitchFamily="2" charset="0"/>
+            </a:endParaRPr>
+          </a:p>
+          <a:p>
+            <a:pPr marL="228600" indent="-228600">
+              <a:buFont typeface="+mj-lt"/>
+              <a:buAutoNum type="arabicPeriod"/>
+            </a:pPr>
+            <a:endParaRPr lang="en-US" sz="1000" dirty="0">
+              <a:latin typeface="Poppins" panose="00000500000000000000" pitchFamily="2" charset="0"/>
+              <a:cs typeface="Poppins" panose="00000500000000000000" pitchFamily="2" charset="0"/>
+            </a:endParaRPr>
+          </a:p>
+        </p:txBody>
+      </p:sp>
+    </p:spTree>
+    <p:extLst>
+      <p:ext uri="{BB962C8B-B14F-4D97-AF65-F5344CB8AC3E}">
+        <p14:creationId xmlns:p14="http://schemas.microsoft.com/office/powerpoint/2010/main" val="4109695148"/>
+      </p:ext>
+    </p:extLst>
+  </p:cSld>
+  <p:clrMapOvr>
+    <a:masterClrMapping/>
+  </p:clrMapOvr>
+</p:sld>
+</file>
+
+<file path=ppt/slides/slide2.xml><?xml version="1.0" encoding="utf-8"?>
+<p:sld xmlns:a="http://schemas.openxmlformats.org/drawingml/2006/main" xmlns:r="http://schemas.openxmlformats.org/officeDocument/2006/relationships" xmlns:p="http://schemas.openxmlformats.org/presentationml/2006/main">
+  <p:cSld>
+    <p:spTree>
+      <p:nvGrpSpPr>
+        <p:cNvPr id="1" name=""/>
+        <p:cNvGrpSpPr/>
+        <p:nvPr/>
+      </p:nvGrpSpPr>
+      <p:grpSpPr>
+        <a:xfrm>
+          <a:off x="0" y="0"/>
+          <a:ext cx="0" cy="0"/>
+          <a:chOff x="0" y="0"/>
+          <a:chExt cx="0" cy="0"/>
+        </a:xfrm>
+      </p:grpSpPr>
+      <p:sp>
+        <p:nvSpPr>
+          <p:cNvPr id="6" name="TextBox 5">
+            <a:extLst>
+              <a:ext uri="{FF2B5EF4-FFF2-40B4-BE49-F238E27FC236}">
+                <a16:creationId xmlns:a16="http://schemas.microsoft.com/office/drawing/2014/main" id="{6D1A6A94-A72D-42FD-9FCB-CE5FDBE3084F}"/>
+              </a:ext>
+            </a:extLst>
+          </p:cNvPr>
+          <p:cNvSpPr txBox="1"/>
+          <p:nvPr/>
+        </p:nvSpPr>
+        <p:spPr>
+          <a:xfrm>
+            <a:off x="770950" y="377376"/>
+            <a:ext cx="1696298" cy="338554"/>
+          </a:xfrm>
+          <a:prstGeom prst="rect">
+            <a:avLst/>
+          </a:prstGeom>
+          <a:noFill/>
+        </p:spPr>
+        <p:txBody>
+          <a:bodyPr wrap="none" rtlCol="0">
+            <a:spAutoFit/>
+          </a:bodyPr>
+          <a:lstStyle/>
+          <a:p>
+            <a:r>
+              <a:rPr lang="en-US" sz="1600" dirty="0">
+                <a:latin typeface="Poppins" panose="00000500000000000000" pitchFamily="2" charset="0"/>
+                <a:cs typeface="Poppins" panose="00000500000000000000" pitchFamily="2" charset="0"/>
+              </a:rPr>
+              <a:t>Structure HTML</a:t>
+            </a:r>
+          </a:p>
+        </p:txBody>
+      </p:sp>
+      <p:pic>
+        <p:nvPicPr>
+          <p:cNvPr id="8" name="Picture 7">
+            <a:extLst>
+              <a:ext uri="{FF2B5EF4-FFF2-40B4-BE49-F238E27FC236}">
+                <a16:creationId xmlns:a16="http://schemas.microsoft.com/office/drawing/2014/main" id="{0F86ACF2-5370-488D-A6C3-AFD82D2FE341}"/>
+              </a:ext>
+            </a:extLst>
+          </p:cNvPr>
+          <p:cNvPicPr>
+            <a:picLocks noChangeAspect="1"/>
+          </p:cNvPicPr>
+          <p:nvPr/>
+        </p:nvPicPr>
+        <p:blipFill>
+          <a:blip r:embed="rId2">
+            <a:extLst>
+              <a:ext uri="{28A0092B-C50C-407E-A947-70E740481C1C}">
+                <a14:useLocalDpi xmlns:a14="http://schemas.microsoft.com/office/drawing/2010/main" val="0"/>
+              </a:ext>
+            </a:extLst>
+          </a:blip>
+          <a:stretch>
+            <a:fillRect/>
+          </a:stretch>
+        </p:blipFill>
+        <p:spPr>
+          <a:xfrm>
+            <a:off x="2398325" y="1318757"/>
+            <a:ext cx="5481883" cy="3901811"/>
+          </a:xfrm>
+          <a:prstGeom prst="rect">
+            <a:avLst/>
+          </a:prstGeom>
+        </p:spPr>
+      </p:pic>
+      <p:cxnSp>
+        <p:nvCxnSpPr>
+          <p:cNvPr id="9" name="Straight Connector 8">
+            <a:extLst>
+              <a:ext uri="{FF2B5EF4-FFF2-40B4-BE49-F238E27FC236}">
+                <a16:creationId xmlns:a16="http://schemas.microsoft.com/office/drawing/2014/main" id="{8413EDED-1DC1-4635-8AEC-C72F04BD4E26}"/>
+              </a:ext>
+            </a:extLst>
+          </p:cNvPr>
+          <p:cNvCxnSpPr>
+            <a:cxnSpLocks/>
+          </p:cNvCxnSpPr>
+          <p:nvPr/>
+        </p:nvCxnSpPr>
+        <p:spPr>
+          <a:xfrm flipH="1" flipV="1">
+            <a:off x="1837267" y="2032000"/>
+            <a:ext cx="1092201" cy="364067"/>
+          </a:xfrm>
+          <a:prstGeom prst="line">
+            <a:avLst/>
+          </a:prstGeom>
+          <a:ln>
+            <a:solidFill>
+              <a:srgbClr val="FF0000"/>
+            </a:solidFill>
+          </a:ln>
+        </p:spPr>
+        <p:style>
+          <a:lnRef idx="1">
+            <a:schemeClr val="accent6"/>
+          </a:lnRef>
+          <a:fillRef idx="0">
+            <a:schemeClr val="accent6"/>
+          </a:fillRef>
+          <a:effectRef idx="0">
+            <a:schemeClr val="accent6"/>
+          </a:effectRef>
+          <a:fontRef idx="minor">
+            <a:schemeClr val="tx1"/>
+          </a:fontRef>
+        </p:style>
+      </p:cxnSp>
+      <p:sp>
+        <p:nvSpPr>
+          <p:cNvPr id="12" name="TextBox 11">
+            <a:extLst>
+              <a:ext uri="{FF2B5EF4-FFF2-40B4-BE49-F238E27FC236}">
+                <a16:creationId xmlns:a16="http://schemas.microsoft.com/office/drawing/2014/main" id="{0751CD31-57FD-41D5-ADB5-687E68EDC811}"/>
+              </a:ext>
+            </a:extLst>
+          </p:cNvPr>
+          <p:cNvSpPr txBox="1"/>
+          <p:nvPr/>
+        </p:nvSpPr>
+        <p:spPr>
+          <a:xfrm>
+            <a:off x="1041399" y="1785779"/>
+            <a:ext cx="795868" cy="246221"/>
+          </a:xfrm>
+          <a:prstGeom prst="rect">
+            <a:avLst/>
+          </a:prstGeom>
+          <a:noFill/>
+        </p:spPr>
+        <p:txBody>
+          <a:bodyPr wrap="square" rtlCol="0">
+            <a:spAutoFit/>
+          </a:bodyPr>
+          <a:lstStyle/>
+          <a:p>
+            <a:r>
+              <a:rPr lang="en-US" sz="1000" dirty="0">
+                <a:latin typeface="Poppins" panose="00000500000000000000" pitchFamily="2" charset="0"/>
+                <a:cs typeface="Poppins" panose="00000500000000000000" pitchFamily="2" charset="0"/>
+              </a:rPr>
+              <a:t>HTML tag</a:t>
+            </a:r>
+          </a:p>
+        </p:txBody>
+      </p:sp>
+      <p:sp>
+        <p:nvSpPr>
+          <p:cNvPr id="14" name="TextBox 13">
+            <a:extLst>
+              <a:ext uri="{FF2B5EF4-FFF2-40B4-BE49-F238E27FC236}">
+                <a16:creationId xmlns:a16="http://schemas.microsoft.com/office/drawing/2014/main" id="{91F62EFD-2E96-4115-B212-E6EC4F37F839}"/>
+              </a:ext>
+            </a:extLst>
+          </p:cNvPr>
+          <p:cNvSpPr txBox="1"/>
+          <p:nvPr/>
+        </p:nvSpPr>
+        <p:spPr>
+          <a:xfrm>
+            <a:off x="967456" y="2396067"/>
+            <a:ext cx="795868" cy="246221"/>
+          </a:xfrm>
+          <a:prstGeom prst="rect">
+            <a:avLst/>
+          </a:prstGeom>
+          <a:noFill/>
+        </p:spPr>
+        <p:txBody>
+          <a:bodyPr wrap="square" rtlCol="0">
+            <a:spAutoFit/>
+          </a:bodyPr>
+          <a:lstStyle/>
+          <a:p>
+            <a:r>
+              <a:rPr lang="en-US" sz="1000" dirty="0">
+                <a:latin typeface="Poppins" panose="00000500000000000000" pitchFamily="2" charset="0"/>
+                <a:cs typeface="Poppins" panose="00000500000000000000" pitchFamily="2" charset="0"/>
+              </a:rPr>
+              <a:t>Head tag</a:t>
+            </a:r>
+          </a:p>
+        </p:txBody>
+      </p:sp>
+      <p:cxnSp>
+        <p:nvCxnSpPr>
+          <p:cNvPr id="15" name="Straight Connector 14">
+            <a:extLst>
+              <a:ext uri="{FF2B5EF4-FFF2-40B4-BE49-F238E27FC236}">
+                <a16:creationId xmlns:a16="http://schemas.microsoft.com/office/drawing/2014/main" id="{D26D19C0-4551-469D-A0F7-2581A1AF1C89}"/>
+              </a:ext>
+            </a:extLst>
+          </p:cNvPr>
+          <p:cNvCxnSpPr>
+            <a:cxnSpLocks/>
+            <a:endCxn id="14" idx="3"/>
+          </p:cNvCxnSpPr>
+          <p:nvPr/>
+        </p:nvCxnSpPr>
+        <p:spPr>
+          <a:xfrm flipH="1" flipV="1">
+            <a:off x="1763324" y="2519178"/>
+            <a:ext cx="1335476" cy="123110"/>
+          </a:xfrm>
+          <a:prstGeom prst="line">
+            <a:avLst/>
+          </a:prstGeom>
+          <a:ln>
+            <a:solidFill>
+              <a:srgbClr val="FF0000"/>
+            </a:solidFill>
+          </a:ln>
+        </p:spPr>
+        <p:style>
+          <a:lnRef idx="1">
+            <a:schemeClr val="accent6"/>
+          </a:lnRef>
+          <a:fillRef idx="0">
+            <a:schemeClr val="accent6"/>
+          </a:fillRef>
+          <a:effectRef idx="0">
+            <a:schemeClr val="accent6"/>
+          </a:effectRef>
+          <a:fontRef idx="minor">
+            <a:schemeClr val="tx1"/>
+          </a:fontRef>
+        </p:style>
+      </p:cxnSp>
+      <p:cxnSp>
+        <p:nvCxnSpPr>
+          <p:cNvPr id="19" name="Straight Connector 18">
+            <a:extLst>
+              <a:ext uri="{FF2B5EF4-FFF2-40B4-BE49-F238E27FC236}">
+                <a16:creationId xmlns:a16="http://schemas.microsoft.com/office/drawing/2014/main" id="{E4935719-24C2-4E16-A644-F5296752526E}"/>
+              </a:ext>
+            </a:extLst>
+          </p:cNvPr>
+          <p:cNvCxnSpPr>
+            <a:cxnSpLocks/>
+          </p:cNvCxnSpPr>
+          <p:nvPr/>
+        </p:nvCxnSpPr>
+        <p:spPr>
+          <a:xfrm flipH="1" flipV="1">
+            <a:off x="1964267" y="3269662"/>
+            <a:ext cx="1208476" cy="24314"/>
+          </a:xfrm>
+          <a:prstGeom prst="line">
+            <a:avLst/>
+          </a:prstGeom>
+          <a:ln>
+            <a:solidFill>
+              <a:srgbClr val="FF0000"/>
+            </a:solidFill>
+          </a:ln>
+        </p:spPr>
+        <p:style>
+          <a:lnRef idx="1">
+            <a:schemeClr val="accent6"/>
+          </a:lnRef>
+          <a:fillRef idx="0">
+            <a:schemeClr val="accent6"/>
+          </a:fillRef>
+          <a:effectRef idx="0">
+            <a:schemeClr val="accent6"/>
+          </a:effectRef>
+          <a:fontRef idx="minor">
+            <a:schemeClr val="tx1"/>
+          </a:fontRef>
+        </p:style>
+      </p:cxnSp>
+      <p:sp>
+        <p:nvSpPr>
+          <p:cNvPr id="21" name="TextBox 20">
+            <a:extLst>
+              <a:ext uri="{FF2B5EF4-FFF2-40B4-BE49-F238E27FC236}">
+                <a16:creationId xmlns:a16="http://schemas.microsoft.com/office/drawing/2014/main" id="{AF42756A-88E0-4E70-B8AF-C86A81D365F9}"/>
+              </a:ext>
+            </a:extLst>
+          </p:cNvPr>
+          <p:cNvSpPr txBox="1"/>
+          <p:nvPr/>
+        </p:nvSpPr>
+        <p:spPr>
+          <a:xfrm>
+            <a:off x="1321928" y="3135028"/>
+            <a:ext cx="795868" cy="246221"/>
+          </a:xfrm>
+          <a:prstGeom prst="rect">
+            <a:avLst/>
+          </a:prstGeom>
+          <a:noFill/>
+        </p:spPr>
+        <p:txBody>
+          <a:bodyPr wrap="square" rtlCol="0">
+            <a:spAutoFit/>
+          </a:bodyPr>
+          <a:lstStyle/>
+          <a:p>
+            <a:r>
+              <a:rPr lang="en-US" sz="1000" dirty="0">
+                <a:latin typeface="Poppins" panose="00000500000000000000" pitchFamily="2" charset="0"/>
+                <a:cs typeface="Poppins" panose="00000500000000000000" pitchFamily="2" charset="0"/>
+              </a:rPr>
+              <a:t>Title tag</a:t>
+            </a:r>
+          </a:p>
+        </p:txBody>
+      </p:sp>
+      <p:cxnSp>
+        <p:nvCxnSpPr>
+          <p:cNvPr id="22" name="Straight Connector 21">
+            <a:extLst>
+              <a:ext uri="{FF2B5EF4-FFF2-40B4-BE49-F238E27FC236}">
+                <a16:creationId xmlns:a16="http://schemas.microsoft.com/office/drawing/2014/main" id="{E6B2BDBB-201E-4AC5-ADAB-7B168B9EA996}"/>
+              </a:ext>
+            </a:extLst>
+          </p:cNvPr>
+          <p:cNvCxnSpPr>
+            <a:cxnSpLocks/>
+          </p:cNvCxnSpPr>
+          <p:nvPr/>
+        </p:nvCxnSpPr>
+        <p:spPr>
+          <a:xfrm flipH="1">
+            <a:off x="2048934" y="3593427"/>
+            <a:ext cx="1123809" cy="64173"/>
+          </a:xfrm>
+          <a:prstGeom prst="line">
+            <a:avLst/>
+          </a:prstGeom>
+          <a:ln>
+            <a:solidFill>
+              <a:srgbClr val="FF0000"/>
+            </a:solidFill>
+          </a:ln>
+        </p:spPr>
+        <p:style>
+          <a:lnRef idx="1">
+            <a:schemeClr val="accent6"/>
+          </a:lnRef>
+          <a:fillRef idx="0">
+            <a:schemeClr val="accent6"/>
+          </a:fillRef>
+          <a:effectRef idx="0">
+            <a:schemeClr val="accent6"/>
+          </a:effectRef>
+          <a:fontRef idx="minor">
+            <a:schemeClr val="tx1"/>
+          </a:fontRef>
+        </p:style>
+      </p:cxnSp>
+      <p:sp>
+        <p:nvSpPr>
+          <p:cNvPr id="24" name="TextBox 23">
+            <a:extLst>
+              <a:ext uri="{FF2B5EF4-FFF2-40B4-BE49-F238E27FC236}">
+                <a16:creationId xmlns:a16="http://schemas.microsoft.com/office/drawing/2014/main" id="{4E1AD44C-54C5-4EDB-AB42-76C2F19B30DB}"/>
+              </a:ext>
+            </a:extLst>
+          </p:cNvPr>
+          <p:cNvSpPr txBox="1"/>
+          <p:nvPr/>
+        </p:nvSpPr>
+        <p:spPr>
+          <a:xfrm>
+            <a:off x="1462193" y="3534489"/>
+            <a:ext cx="795868" cy="246221"/>
+          </a:xfrm>
+          <a:prstGeom prst="rect">
+            <a:avLst/>
+          </a:prstGeom>
+          <a:noFill/>
+        </p:spPr>
+        <p:txBody>
+          <a:bodyPr wrap="square" rtlCol="0">
+            <a:spAutoFit/>
+          </a:bodyPr>
+          <a:lstStyle/>
+          <a:p>
+            <a:r>
+              <a:rPr lang="en-US" sz="1000" dirty="0">
+                <a:latin typeface="Poppins" panose="00000500000000000000" pitchFamily="2" charset="0"/>
+                <a:cs typeface="Poppins" panose="00000500000000000000" pitchFamily="2" charset="0"/>
+              </a:rPr>
+              <a:t>Link tag</a:t>
+            </a:r>
+          </a:p>
+        </p:txBody>
+      </p:sp>
+      <p:sp>
+        <p:nvSpPr>
+          <p:cNvPr id="26" name="TextBox 25">
+            <a:extLst>
+              <a:ext uri="{FF2B5EF4-FFF2-40B4-BE49-F238E27FC236}">
+                <a16:creationId xmlns:a16="http://schemas.microsoft.com/office/drawing/2014/main" id="{E9E5F21D-8AAF-43B7-8A36-2F6478384785}"/>
+              </a:ext>
+            </a:extLst>
+          </p:cNvPr>
+          <p:cNvSpPr txBox="1"/>
+          <p:nvPr/>
+        </p:nvSpPr>
+        <p:spPr>
+          <a:xfrm>
+            <a:off x="8560644" y="1488423"/>
+            <a:ext cx="2495410" cy="3785652"/>
+          </a:xfrm>
+          <a:prstGeom prst="rect">
+            <a:avLst/>
+          </a:prstGeom>
+          <a:noFill/>
+        </p:spPr>
+        <p:txBody>
+          <a:bodyPr wrap="square" rtlCol="0">
+            <a:spAutoFit/>
+          </a:bodyPr>
+          <a:lstStyle/>
+          <a:p>
+            <a:pPr marL="228600" indent="-228600">
+              <a:buFont typeface="+mj-lt"/>
+              <a:buAutoNum type="arabicPeriod"/>
+            </a:pPr>
+            <a:r>
+              <a:rPr lang="en-US" sz="1000" dirty="0">
+                <a:latin typeface="Poppins" panose="00000500000000000000" pitchFamily="2" charset="0"/>
+                <a:cs typeface="Poppins" panose="00000500000000000000" pitchFamily="2" charset="0"/>
+              </a:rPr>
+              <a:t>HTML tag </a:t>
+            </a:r>
+            <a:r>
+              <a:rPr lang="en-US" sz="1000" dirty="0" err="1">
+                <a:latin typeface="Poppins" panose="00000500000000000000" pitchFamily="2" charset="0"/>
+                <a:cs typeface="Poppins" panose="00000500000000000000" pitchFamily="2" charset="0"/>
+              </a:rPr>
+              <a:t>untuk</a:t>
+            </a:r>
+            <a:r>
+              <a:rPr lang="en-US" sz="1000" dirty="0">
+                <a:latin typeface="Poppins" panose="00000500000000000000" pitchFamily="2" charset="0"/>
+                <a:cs typeface="Poppins" panose="00000500000000000000" pitchFamily="2" charset="0"/>
+              </a:rPr>
+              <a:t> </a:t>
+            </a:r>
+            <a:r>
+              <a:rPr lang="en-US" sz="1000" dirty="0" err="1">
+                <a:latin typeface="Poppins" panose="00000500000000000000" pitchFamily="2" charset="0"/>
+                <a:cs typeface="Poppins" panose="00000500000000000000" pitchFamily="2" charset="0"/>
+              </a:rPr>
+              <a:t>membungkus</a:t>
+            </a:r>
+            <a:r>
+              <a:rPr lang="en-US" sz="1000" dirty="0">
+                <a:latin typeface="Poppins" panose="00000500000000000000" pitchFamily="2" charset="0"/>
+                <a:cs typeface="Poppins" panose="00000500000000000000" pitchFamily="2" charset="0"/>
+              </a:rPr>
+              <a:t> </a:t>
+            </a:r>
+            <a:r>
+              <a:rPr lang="en-US" sz="1000" dirty="0" err="1">
+                <a:latin typeface="Poppins" panose="00000500000000000000" pitchFamily="2" charset="0"/>
+                <a:cs typeface="Poppins" panose="00000500000000000000" pitchFamily="2" charset="0"/>
+              </a:rPr>
+              <a:t>setiap</a:t>
+            </a:r>
+            <a:r>
+              <a:rPr lang="en-US" sz="1000" dirty="0">
+                <a:latin typeface="Poppins" panose="00000500000000000000" pitchFamily="2" charset="0"/>
+                <a:cs typeface="Poppins" panose="00000500000000000000" pitchFamily="2" charset="0"/>
+              </a:rPr>
+              <a:t> element html </a:t>
+            </a:r>
+          </a:p>
+          <a:p>
+            <a:pPr marL="228600" indent="-228600">
+              <a:buFont typeface="+mj-lt"/>
+              <a:buAutoNum type="arabicPeriod"/>
+            </a:pPr>
+            <a:endParaRPr lang="en-US" sz="1000" dirty="0">
+              <a:latin typeface="Poppins" panose="00000500000000000000" pitchFamily="2" charset="0"/>
+              <a:cs typeface="Poppins" panose="00000500000000000000" pitchFamily="2" charset="0"/>
+            </a:endParaRPr>
+          </a:p>
+          <a:p>
+            <a:pPr marL="228600" indent="-228600">
+              <a:buFont typeface="+mj-lt"/>
+              <a:buAutoNum type="arabicPeriod"/>
+            </a:pPr>
+            <a:r>
+              <a:rPr lang="en-US" sz="1000" dirty="0">
+                <a:latin typeface="Poppins" panose="00000500000000000000" pitchFamily="2" charset="0"/>
+                <a:cs typeface="Poppins" panose="00000500000000000000" pitchFamily="2" charset="0"/>
+              </a:rPr>
+              <a:t>Head tag </a:t>
+            </a:r>
+            <a:r>
+              <a:rPr lang="en-US" sz="1000" dirty="0" err="1">
+                <a:latin typeface="Poppins" panose="00000500000000000000" pitchFamily="2" charset="0"/>
+                <a:cs typeface="Poppins" panose="00000500000000000000" pitchFamily="2" charset="0"/>
+              </a:rPr>
+              <a:t>biasa</a:t>
+            </a:r>
+            <a:r>
+              <a:rPr lang="en-US" sz="1000" dirty="0">
+                <a:latin typeface="Poppins" panose="00000500000000000000" pitchFamily="2" charset="0"/>
+                <a:cs typeface="Poppins" panose="00000500000000000000" pitchFamily="2" charset="0"/>
+              </a:rPr>
+              <a:t> </a:t>
+            </a:r>
+            <a:r>
+              <a:rPr lang="en-US" sz="1000" dirty="0" err="1">
+                <a:latin typeface="Poppins" panose="00000500000000000000" pitchFamily="2" charset="0"/>
+                <a:cs typeface="Poppins" panose="00000500000000000000" pitchFamily="2" charset="0"/>
+              </a:rPr>
+              <a:t>diisi</a:t>
+            </a:r>
+            <a:r>
+              <a:rPr lang="en-US" sz="1000" dirty="0">
+                <a:latin typeface="Poppins" panose="00000500000000000000" pitchFamily="2" charset="0"/>
+                <a:cs typeface="Poppins" panose="00000500000000000000" pitchFamily="2" charset="0"/>
+              </a:rPr>
+              <a:t> </a:t>
+            </a:r>
+            <a:r>
+              <a:rPr lang="en-US" sz="1000" dirty="0" err="1">
+                <a:latin typeface="Poppins" panose="00000500000000000000" pitchFamily="2" charset="0"/>
+                <a:cs typeface="Poppins" panose="00000500000000000000" pitchFamily="2" charset="0"/>
+              </a:rPr>
+              <a:t>untuk</a:t>
+            </a:r>
+            <a:r>
+              <a:rPr lang="en-US" sz="1000" dirty="0">
+                <a:latin typeface="Poppins" panose="00000500000000000000" pitchFamily="2" charset="0"/>
+                <a:cs typeface="Poppins" panose="00000500000000000000" pitchFamily="2" charset="0"/>
+              </a:rPr>
+              <a:t> tag </a:t>
+            </a:r>
+            <a:r>
+              <a:rPr lang="en-US" sz="1000" dirty="0" err="1">
+                <a:latin typeface="Poppins" panose="00000500000000000000" pitchFamily="2" charset="0"/>
+                <a:cs typeface="Poppins" panose="00000500000000000000" pitchFamily="2" charset="0"/>
+              </a:rPr>
+              <a:t>berupa</a:t>
+            </a:r>
+            <a:r>
+              <a:rPr lang="en-US" sz="1000" dirty="0">
+                <a:latin typeface="Poppins" panose="00000500000000000000" pitchFamily="2" charset="0"/>
+                <a:cs typeface="Poppins" panose="00000500000000000000" pitchFamily="2" charset="0"/>
+              </a:rPr>
+              <a:t> </a:t>
+            </a:r>
+            <a:r>
+              <a:rPr lang="en-US" sz="1000" dirty="0" err="1">
+                <a:latin typeface="Poppins" panose="00000500000000000000" pitchFamily="2" charset="0"/>
+                <a:cs typeface="Poppins" panose="00000500000000000000" pitchFamily="2" charset="0"/>
+              </a:rPr>
+              <a:t>meta,link,title</a:t>
+            </a:r>
+            <a:r>
+              <a:rPr lang="en-US" sz="1000" dirty="0">
+                <a:latin typeface="Poppins" panose="00000500000000000000" pitchFamily="2" charset="0"/>
+                <a:cs typeface="Poppins" panose="00000500000000000000" pitchFamily="2" charset="0"/>
+              </a:rPr>
+              <a:t>, head tag </a:t>
+            </a:r>
+            <a:r>
+              <a:rPr lang="en-US" sz="1000" dirty="0" err="1">
+                <a:latin typeface="Poppins" panose="00000500000000000000" pitchFamily="2" charset="0"/>
+                <a:cs typeface="Poppins" panose="00000500000000000000" pitchFamily="2" charset="0"/>
+              </a:rPr>
+              <a:t>ini</a:t>
+            </a:r>
+            <a:r>
+              <a:rPr lang="en-US" sz="1000" dirty="0">
+                <a:latin typeface="Poppins" panose="00000500000000000000" pitchFamily="2" charset="0"/>
+                <a:cs typeface="Poppins" panose="00000500000000000000" pitchFamily="2" charset="0"/>
+              </a:rPr>
+              <a:t> </a:t>
+            </a:r>
+            <a:r>
+              <a:rPr lang="en-US" sz="1000" dirty="0" err="1">
+                <a:latin typeface="Poppins" panose="00000500000000000000" pitchFamily="2" charset="0"/>
+                <a:cs typeface="Poppins" panose="00000500000000000000" pitchFamily="2" charset="0"/>
+              </a:rPr>
+              <a:t>khusus</a:t>
+            </a:r>
+            <a:r>
+              <a:rPr lang="en-US" sz="1000" dirty="0">
+                <a:latin typeface="Poppins" panose="00000500000000000000" pitchFamily="2" charset="0"/>
+                <a:cs typeface="Poppins" panose="00000500000000000000" pitchFamily="2" charset="0"/>
+              </a:rPr>
+              <a:t> </a:t>
+            </a:r>
+            <a:r>
+              <a:rPr lang="en-US" sz="1000" dirty="0" err="1">
+                <a:latin typeface="Poppins" panose="00000500000000000000" pitchFamily="2" charset="0"/>
+                <a:cs typeface="Poppins" panose="00000500000000000000" pitchFamily="2" charset="0"/>
+              </a:rPr>
+              <a:t>untuk</a:t>
+            </a:r>
+            <a:r>
+              <a:rPr lang="en-US" sz="1000" dirty="0">
+                <a:latin typeface="Poppins" panose="00000500000000000000" pitchFamily="2" charset="0"/>
+                <a:cs typeface="Poppins" panose="00000500000000000000" pitchFamily="2" charset="0"/>
+              </a:rPr>
+              <a:t> browser agar </a:t>
+            </a:r>
+            <a:r>
+              <a:rPr lang="en-US" sz="1000" dirty="0" err="1">
+                <a:latin typeface="Poppins" panose="00000500000000000000" pitchFamily="2" charset="0"/>
+                <a:cs typeface="Poppins" panose="00000500000000000000" pitchFamily="2" charset="0"/>
+              </a:rPr>
+              <a:t>mengenali</a:t>
+            </a:r>
+            <a:r>
+              <a:rPr lang="en-US" sz="1000" dirty="0">
+                <a:latin typeface="Poppins" panose="00000500000000000000" pitchFamily="2" charset="0"/>
+                <a:cs typeface="Poppins" panose="00000500000000000000" pitchFamily="2" charset="0"/>
+              </a:rPr>
+              <a:t> website</a:t>
+            </a:r>
+          </a:p>
+          <a:p>
+            <a:pPr marL="228600" indent="-228600">
+              <a:buFont typeface="+mj-lt"/>
+              <a:buAutoNum type="arabicPeriod"/>
+            </a:pPr>
+            <a:endParaRPr lang="en-US" sz="1000" dirty="0">
+              <a:latin typeface="Poppins" panose="00000500000000000000" pitchFamily="2" charset="0"/>
+              <a:cs typeface="Poppins" panose="00000500000000000000" pitchFamily="2" charset="0"/>
+            </a:endParaRPr>
+          </a:p>
+          <a:p>
+            <a:pPr marL="228600" indent="-228600">
+              <a:buFont typeface="+mj-lt"/>
+              <a:buAutoNum type="arabicPeriod"/>
+            </a:pPr>
+            <a:r>
+              <a:rPr lang="en-US" sz="1000" dirty="0">
+                <a:latin typeface="Poppins" panose="00000500000000000000" pitchFamily="2" charset="0"/>
+                <a:cs typeface="Poppins" panose="00000500000000000000" pitchFamily="2" charset="0"/>
+              </a:rPr>
+              <a:t>Meta Tag </a:t>
+            </a:r>
+            <a:r>
+              <a:rPr lang="en-US" sz="1000" dirty="0" err="1">
+                <a:latin typeface="Poppins" panose="00000500000000000000" pitchFamily="2" charset="0"/>
+                <a:cs typeface="Poppins" panose="00000500000000000000" pitchFamily="2" charset="0"/>
+              </a:rPr>
+              <a:t>biasa</a:t>
+            </a:r>
+            <a:r>
+              <a:rPr lang="en-US" sz="1000" dirty="0">
+                <a:latin typeface="Poppins" panose="00000500000000000000" pitchFamily="2" charset="0"/>
+                <a:cs typeface="Poppins" panose="00000500000000000000" pitchFamily="2" charset="0"/>
+              </a:rPr>
+              <a:t> </a:t>
+            </a:r>
+            <a:r>
+              <a:rPr lang="en-US" sz="1000" dirty="0" err="1">
+                <a:latin typeface="Poppins" panose="00000500000000000000" pitchFamily="2" charset="0"/>
+                <a:cs typeface="Poppins" panose="00000500000000000000" pitchFamily="2" charset="0"/>
+              </a:rPr>
+              <a:t>digunakan</a:t>
+            </a:r>
+            <a:r>
+              <a:rPr lang="en-US" sz="1000" dirty="0">
+                <a:latin typeface="Poppins" panose="00000500000000000000" pitchFamily="2" charset="0"/>
+                <a:cs typeface="Poppins" panose="00000500000000000000" pitchFamily="2" charset="0"/>
+              </a:rPr>
+              <a:t> </a:t>
+            </a:r>
+            <a:r>
+              <a:rPr lang="en-US" sz="1000" dirty="0" err="1">
+                <a:latin typeface="Poppins" panose="00000500000000000000" pitchFamily="2" charset="0"/>
+                <a:cs typeface="Poppins" panose="00000500000000000000" pitchFamily="2" charset="0"/>
+              </a:rPr>
+              <a:t>untuk</a:t>
+            </a:r>
+            <a:r>
+              <a:rPr lang="en-US" sz="1000" dirty="0">
+                <a:latin typeface="Poppins" panose="00000500000000000000" pitchFamily="2" charset="0"/>
+                <a:cs typeface="Poppins" panose="00000500000000000000" pitchFamily="2" charset="0"/>
+              </a:rPr>
+              <a:t> </a:t>
+            </a:r>
+            <a:r>
+              <a:rPr lang="en-US" sz="1000" dirty="0" err="1">
+                <a:latin typeface="Poppins" panose="00000500000000000000" pitchFamily="2" charset="0"/>
+                <a:cs typeface="Poppins" panose="00000500000000000000" pitchFamily="2" charset="0"/>
+              </a:rPr>
+              <a:t>memberi</a:t>
+            </a:r>
+            <a:r>
+              <a:rPr lang="en-US" sz="1000" dirty="0">
+                <a:latin typeface="Poppins" panose="00000500000000000000" pitchFamily="2" charset="0"/>
+                <a:cs typeface="Poppins" panose="00000500000000000000" pitchFamily="2" charset="0"/>
+              </a:rPr>
+              <a:t> </a:t>
+            </a:r>
+            <a:r>
+              <a:rPr lang="en-US" sz="1000" dirty="0" err="1">
+                <a:latin typeface="Poppins" panose="00000500000000000000" pitchFamily="2" charset="0"/>
+                <a:cs typeface="Poppins" panose="00000500000000000000" pitchFamily="2" charset="0"/>
+              </a:rPr>
+              <a:t>informasi</a:t>
+            </a:r>
+            <a:r>
+              <a:rPr lang="en-US" sz="1000" dirty="0">
+                <a:latin typeface="Poppins" panose="00000500000000000000" pitchFamily="2" charset="0"/>
+                <a:cs typeface="Poppins" panose="00000500000000000000" pitchFamily="2" charset="0"/>
+              </a:rPr>
+              <a:t> </a:t>
+            </a:r>
+            <a:r>
+              <a:rPr lang="en-US" sz="1000" dirty="0" err="1">
+                <a:latin typeface="Poppins" panose="00000500000000000000" pitchFamily="2" charset="0"/>
+                <a:cs typeface="Poppins" panose="00000500000000000000" pitchFamily="2" charset="0"/>
+              </a:rPr>
+              <a:t>kepada</a:t>
+            </a:r>
+            <a:r>
+              <a:rPr lang="en-US" sz="1000" dirty="0">
+                <a:latin typeface="Poppins" panose="00000500000000000000" pitchFamily="2" charset="0"/>
+                <a:cs typeface="Poppins" panose="00000500000000000000" pitchFamily="2" charset="0"/>
+              </a:rPr>
+              <a:t> browser </a:t>
+            </a:r>
+            <a:r>
+              <a:rPr lang="en-US" sz="1000" dirty="0" err="1">
+                <a:latin typeface="Poppins" panose="00000500000000000000" pitchFamily="2" charset="0"/>
+                <a:cs typeface="Poppins" panose="00000500000000000000" pitchFamily="2" charset="0"/>
+              </a:rPr>
+              <a:t>tentang</a:t>
+            </a:r>
+            <a:r>
+              <a:rPr lang="en-US" sz="1000" dirty="0">
+                <a:latin typeface="Poppins" panose="00000500000000000000" pitchFamily="2" charset="0"/>
+                <a:cs typeface="Poppins" panose="00000500000000000000" pitchFamily="2" charset="0"/>
+              </a:rPr>
+              <a:t> website yang </a:t>
+            </a:r>
+            <a:r>
+              <a:rPr lang="en-US" sz="1000" dirty="0" err="1">
+                <a:latin typeface="Poppins" panose="00000500000000000000" pitchFamily="2" charset="0"/>
+                <a:cs typeface="Poppins" panose="00000500000000000000" pitchFamily="2" charset="0"/>
+              </a:rPr>
+              <a:t>dibuat</a:t>
+            </a:r>
+            <a:endParaRPr lang="en-US" sz="1000" dirty="0">
+              <a:latin typeface="Poppins" panose="00000500000000000000" pitchFamily="2" charset="0"/>
+              <a:cs typeface="Poppins" panose="00000500000000000000" pitchFamily="2" charset="0"/>
+            </a:endParaRPr>
+          </a:p>
+          <a:p>
+            <a:pPr marL="228600" indent="-228600">
+              <a:buFont typeface="+mj-lt"/>
+              <a:buAutoNum type="arabicPeriod"/>
+            </a:pPr>
+            <a:endParaRPr lang="en-US" sz="1000" dirty="0">
+              <a:latin typeface="Poppins" panose="00000500000000000000" pitchFamily="2" charset="0"/>
+              <a:cs typeface="Poppins" panose="00000500000000000000" pitchFamily="2" charset="0"/>
+            </a:endParaRPr>
+          </a:p>
+          <a:p>
+            <a:pPr marL="228600" indent="-228600">
+              <a:buFont typeface="+mj-lt"/>
+              <a:buAutoNum type="arabicPeriod"/>
+            </a:pPr>
+            <a:r>
+              <a:rPr lang="en-US" sz="1000" dirty="0">
+                <a:latin typeface="Poppins" panose="00000500000000000000" pitchFamily="2" charset="0"/>
+                <a:cs typeface="Poppins" panose="00000500000000000000" pitchFamily="2" charset="0"/>
+              </a:rPr>
+              <a:t>Title tag </a:t>
+            </a:r>
+            <a:r>
+              <a:rPr lang="en-US" sz="1000" dirty="0" err="1">
+                <a:latin typeface="Poppins" panose="00000500000000000000" pitchFamily="2" charset="0"/>
+                <a:cs typeface="Poppins" panose="00000500000000000000" pitchFamily="2" charset="0"/>
+              </a:rPr>
+              <a:t>untuk</a:t>
+            </a:r>
+            <a:r>
+              <a:rPr lang="en-US" sz="1000" dirty="0">
+                <a:latin typeface="Poppins" panose="00000500000000000000" pitchFamily="2" charset="0"/>
+                <a:cs typeface="Poppins" panose="00000500000000000000" pitchFamily="2" charset="0"/>
+              </a:rPr>
+              <a:t> </a:t>
+            </a:r>
+            <a:r>
+              <a:rPr lang="en-US" sz="1000" dirty="0" err="1">
+                <a:latin typeface="Poppins" panose="00000500000000000000" pitchFamily="2" charset="0"/>
+                <a:cs typeface="Poppins" panose="00000500000000000000" pitchFamily="2" charset="0"/>
+              </a:rPr>
+              <a:t>mengubah</a:t>
+            </a:r>
+            <a:r>
+              <a:rPr lang="en-US" sz="1000" dirty="0">
+                <a:latin typeface="Poppins" panose="00000500000000000000" pitchFamily="2" charset="0"/>
+                <a:cs typeface="Poppins" panose="00000500000000000000" pitchFamily="2" charset="0"/>
+              </a:rPr>
+              <a:t> </a:t>
+            </a:r>
+            <a:r>
+              <a:rPr lang="en-US" sz="1000" dirty="0" err="1">
+                <a:latin typeface="Poppins" panose="00000500000000000000" pitchFamily="2" charset="0"/>
+                <a:cs typeface="Poppins" panose="00000500000000000000" pitchFamily="2" charset="0"/>
+              </a:rPr>
+              <a:t>judul</a:t>
+            </a:r>
+            <a:r>
+              <a:rPr lang="en-US" sz="1000" dirty="0">
+                <a:latin typeface="Poppins" panose="00000500000000000000" pitchFamily="2" charset="0"/>
+                <a:cs typeface="Poppins" panose="00000500000000000000" pitchFamily="2" charset="0"/>
+              </a:rPr>
+              <a:t> yang </a:t>
+            </a:r>
+            <a:r>
+              <a:rPr lang="en-US" sz="1000" dirty="0" err="1">
+                <a:latin typeface="Poppins" panose="00000500000000000000" pitchFamily="2" charset="0"/>
+                <a:cs typeface="Poppins" panose="00000500000000000000" pitchFamily="2" charset="0"/>
+              </a:rPr>
+              <a:t>terdapat</a:t>
+            </a:r>
+            <a:r>
+              <a:rPr lang="en-US" sz="1000" dirty="0">
+                <a:latin typeface="Poppins" panose="00000500000000000000" pitchFamily="2" charset="0"/>
+                <a:cs typeface="Poppins" panose="00000500000000000000" pitchFamily="2" charset="0"/>
+              </a:rPr>
+              <a:t> pada tab browser</a:t>
+            </a:r>
+          </a:p>
+          <a:p>
+            <a:pPr marL="228600" indent="-228600">
+              <a:buFont typeface="+mj-lt"/>
+              <a:buAutoNum type="arabicPeriod"/>
+            </a:pPr>
+            <a:endParaRPr lang="en-US" sz="1000" dirty="0">
+              <a:latin typeface="Poppins" panose="00000500000000000000" pitchFamily="2" charset="0"/>
+              <a:cs typeface="Poppins" panose="00000500000000000000" pitchFamily="2" charset="0"/>
+            </a:endParaRPr>
+          </a:p>
+          <a:p>
+            <a:pPr marL="228600" indent="-228600">
+              <a:buFont typeface="+mj-lt"/>
+              <a:buAutoNum type="arabicPeriod"/>
+            </a:pPr>
+            <a:r>
+              <a:rPr lang="en-US" sz="1000" dirty="0">
+                <a:latin typeface="Poppins" panose="00000500000000000000" pitchFamily="2" charset="0"/>
+                <a:cs typeface="Poppins" panose="00000500000000000000" pitchFamily="2" charset="0"/>
+              </a:rPr>
+              <a:t>Link tag </a:t>
+            </a:r>
+            <a:r>
+              <a:rPr lang="en-US" sz="1000" dirty="0" err="1">
+                <a:latin typeface="Poppins" panose="00000500000000000000" pitchFamily="2" charset="0"/>
+                <a:cs typeface="Poppins" panose="00000500000000000000" pitchFamily="2" charset="0"/>
+              </a:rPr>
+              <a:t>untuk</a:t>
+            </a:r>
+            <a:r>
+              <a:rPr lang="en-US" sz="1000" dirty="0">
+                <a:latin typeface="Poppins" panose="00000500000000000000" pitchFamily="2" charset="0"/>
+                <a:cs typeface="Poppins" panose="00000500000000000000" pitchFamily="2" charset="0"/>
+              </a:rPr>
+              <a:t> </a:t>
+            </a:r>
+            <a:r>
+              <a:rPr lang="en-US" sz="1000" dirty="0" err="1">
+                <a:latin typeface="Poppins" panose="00000500000000000000" pitchFamily="2" charset="0"/>
+                <a:cs typeface="Poppins" panose="00000500000000000000" pitchFamily="2" charset="0"/>
+              </a:rPr>
+              <a:t>menghubungkan</a:t>
+            </a:r>
+            <a:r>
+              <a:rPr lang="en-US" sz="1000" dirty="0">
+                <a:latin typeface="Poppins" panose="00000500000000000000" pitchFamily="2" charset="0"/>
+                <a:cs typeface="Poppins" panose="00000500000000000000" pitchFamily="2" charset="0"/>
+              </a:rPr>
+              <a:t> </a:t>
+            </a:r>
+            <a:r>
+              <a:rPr lang="en-US" sz="1000" dirty="0" err="1">
+                <a:latin typeface="Poppins" panose="00000500000000000000" pitchFamily="2" charset="0"/>
+                <a:cs typeface="Poppins" panose="00000500000000000000" pitchFamily="2" charset="0"/>
+              </a:rPr>
+              <a:t>antar</a:t>
+            </a:r>
+            <a:r>
+              <a:rPr lang="en-US" sz="1000" dirty="0">
+                <a:latin typeface="Poppins" panose="00000500000000000000" pitchFamily="2" charset="0"/>
+                <a:cs typeface="Poppins" panose="00000500000000000000" pitchFamily="2" charset="0"/>
+              </a:rPr>
+              <a:t> file internal </a:t>
+            </a:r>
+            <a:r>
+              <a:rPr lang="en-US" sz="1000" dirty="0" err="1">
+                <a:latin typeface="Poppins" panose="00000500000000000000" pitchFamily="2" charset="0"/>
+                <a:cs typeface="Poppins" panose="00000500000000000000" pitchFamily="2" charset="0"/>
+              </a:rPr>
+              <a:t>ataupun</a:t>
+            </a:r>
+            <a:r>
+              <a:rPr lang="en-US" sz="1000" dirty="0">
+                <a:latin typeface="Poppins" panose="00000500000000000000" pitchFamily="2" charset="0"/>
+                <a:cs typeface="Poppins" panose="00000500000000000000" pitchFamily="2" charset="0"/>
+              </a:rPr>
+              <a:t> external </a:t>
+            </a:r>
+            <a:r>
+              <a:rPr lang="en-US" sz="1000" dirty="0" err="1">
+                <a:latin typeface="Poppins" panose="00000500000000000000" pitchFamily="2" charset="0"/>
+                <a:cs typeface="Poppins" panose="00000500000000000000" pitchFamily="2" charset="0"/>
+              </a:rPr>
+              <a:t>seperti</a:t>
+            </a:r>
+            <a:r>
+              <a:rPr lang="en-US" sz="1000" dirty="0">
+                <a:latin typeface="Poppins" panose="00000500000000000000" pitchFamily="2" charset="0"/>
+                <a:cs typeface="Poppins" panose="00000500000000000000" pitchFamily="2" charset="0"/>
+              </a:rPr>
+              <a:t> CDN</a:t>
+            </a:r>
+          </a:p>
+          <a:p>
+            <a:pPr marL="228600" indent="-228600">
+              <a:buFont typeface="+mj-lt"/>
+              <a:buAutoNum type="arabicPeriod"/>
+            </a:pPr>
+            <a:endParaRPr lang="en-US" sz="1000" dirty="0">
+              <a:latin typeface="Poppins" panose="00000500000000000000" pitchFamily="2" charset="0"/>
+              <a:cs typeface="Poppins" panose="00000500000000000000" pitchFamily="2" charset="0"/>
+            </a:endParaRPr>
+          </a:p>
+          <a:p>
+            <a:pPr marL="228600" indent="-228600">
+              <a:buFont typeface="+mj-lt"/>
+              <a:buAutoNum type="arabicPeriod"/>
+            </a:pPr>
+            <a:r>
+              <a:rPr lang="en-US" sz="1000" dirty="0">
+                <a:latin typeface="Poppins" panose="00000500000000000000" pitchFamily="2" charset="0"/>
+                <a:cs typeface="Poppins" panose="00000500000000000000" pitchFamily="2" charset="0"/>
+              </a:rPr>
+              <a:t>Body tag </a:t>
+            </a:r>
+            <a:r>
+              <a:rPr lang="en-US" sz="1000" dirty="0" err="1">
+                <a:latin typeface="Poppins" panose="00000500000000000000" pitchFamily="2" charset="0"/>
+                <a:cs typeface="Poppins" panose="00000500000000000000" pitchFamily="2" charset="0"/>
+              </a:rPr>
+              <a:t>digunakan</a:t>
+            </a:r>
+            <a:r>
+              <a:rPr lang="en-US" sz="1000" dirty="0">
+                <a:latin typeface="Poppins" panose="00000500000000000000" pitchFamily="2" charset="0"/>
+                <a:cs typeface="Poppins" panose="00000500000000000000" pitchFamily="2" charset="0"/>
+              </a:rPr>
+              <a:t> </a:t>
+            </a:r>
+            <a:r>
+              <a:rPr lang="en-US" sz="1000" dirty="0" err="1">
+                <a:latin typeface="Poppins" panose="00000500000000000000" pitchFamily="2" charset="0"/>
+                <a:cs typeface="Poppins" panose="00000500000000000000" pitchFamily="2" charset="0"/>
+              </a:rPr>
+              <a:t>untuk</a:t>
+            </a:r>
+            <a:r>
+              <a:rPr lang="en-US" sz="1000" dirty="0">
+                <a:latin typeface="Poppins" panose="00000500000000000000" pitchFamily="2" charset="0"/>
+                <a:cs typeface="Poppins" panose="00000500000000000000" pitchFamily="2" charset="0"/>
+              </a:rPr>
+              <a:t> </a:t>
+            </a:r>
+            <a:r>
+              <a:rPr lang="en-US" sz="1000" dirty="0" err="1">
+                <a:latin typeface="Poppins" panose="00000500000000000000" pitchFamily="2" charset="0"/>
+                <a:cs typeface="Poppins" panose="00000500000000000000" pitchFamily="2" charset="0"/>
+              </a:rPr>
+              <a:t>menampilkan</a:t>
+            </a:r>
+            <a:r>
+              <a:rPr lang="en-US" sz="1000" dirty="0">
+                <a:latin typeface="Poppins" panose="00000500000000000000" pitchFamily="2" charset="0"/>
+                <a:cs typeface="Poppins" panose="00000500000000000000" pitchFamily="2" charset="0"/>
+              </a:rPr>
+              <a:t> </a:t>
+            </a:r>
+            <a:r>
+              <a:rPr lang="en-US" sz="1000" dirty="0" err="1">
+                <a:latin typeface="Poppins" panose="00000500000000000000" pitchFamily="2" charset="0"/>
+                <a:cs typeface="Poppins" panose="00000500000000000000" pitchFamily="2" charset="0"/>
+              </a:rPr>
+              <a:t>tampilan</a:t>
+            </a:r>
+            <a:r>
+              <a:rPr lang="en-US" sz="1000" dirty="0">
+                <a:latin typeface="Poppins" panose="00000500000000000000" pitchFamily="2" charset="0"/>
+                <a:cs typeface="Poppins" panose="00000500000000000000" pitchFamily="2" charset="0"/>
+              </a:rPr>
+              <a:t> website </a:t>
+            </a:r>
+          </a:p>
+          <a:p>
+            <a:pPr marL="228600" indent="-228600">
+              <a:buFont typeface="+mj-lt"/>
+              <a:buAutoNum type="arabicPeriod"/>
+            </a:pPr>
+            <a:endParaRPr lang="en-US" sz="1000" dirty="0">
+              <a:latin typeface="Poppins" panose="00000500000000000000" pitchFamily="2" charset="0"/>
+              <a:cs typeface="Poppins" panose="00000500000000000000" pitchFamily="2" charset="0"/>
+            </a:endParaRPr>
+          </a:p>
+        </p:txBody>
+      </p:sp>
+      <p:cxnSp>
+        <p:nvCxnSpPr>
+          <p:cNvPr id="27" name="Straight Connector 26">
+            <a:extLst>
+              <a:ext uri="{FF2B5EF4-FFF2-40B4-BE49-F238E27FC236}">
+                <a16:creationId xmlns:a16="http://schemas.microsoft.com/office/drawing/2014/main" id="{B2013A71-E9CB-4434-92ED-ED15F374EC20}"/>
+              </a:ext>
+            </a:extLst>
+          </p:cNvPr>
+          <p:cNvCxnSpPr>
+            <a:cxnSpLocks/>
+          </p:cNvCxnSpPr>
+          <p:nvPr/>
+        </p:nvCxnSpPr>
+        <p:spPr>
+          <a:xfrm flipH="1">
+            <a:off x="2048934" y="2853222"/>
+            <a:ext cx="1166142" cy="0"/>
+          </a:xfrm>
+          <a:prstGeom prst="line">
+            <a:avLst/>
+          </a:prstGeom>
+          <a:ln>
+            <a:solidFill>
+              <a:srgbClr val="FF0000"/>
+            </a:solidFill>
+          </a:ln>
+        </p:spPr>
+        <p:style>
+          <a:lnRef idx="1">
+            <a:schemeClr val="accent6"/>
+          </a:lnRef>
+          <a:fillRef idx="0">
+            <a:schemeClr val="accent6"/>
+          </a:fillRef>
+          <a:effectRef idx="0">
+            <a:schemeClr val="accent6"/>
+          </a:effectRef>
+          <a:fontRef idx="minor">
+            <a:schemeClr val="tx1"/>
+          </a:fontRef>
+        </p:style>
+      </p:cxnSp>
+      <p:sp>
+        <p:nvSpPr>
+          <p:cNvPr id="29" name="TextBox 28">
+            <a:extLst>
+              <a:ext uri="{FF2B5EF4-FFF2-40B4-BE49-F238E27FC236}">
+                <a16:creationId xmlns:a16="http://schemas.microsoft.com/office/drawing/2014/main" id="{3A8D6E5E-31CE-4206-BE85-CBDE43C4390C}"/>
+              </a:ext>
+            </a:extLst>
+          </p:cNvPr>
+          <p:cNvSpPr txBox="1"/>
+          <p:nvPr/>
+        </p:nvSpPr>
+        <p:spPr>
+          <a:xfrm>
+            <a:off x="1244600" y="2760895"/>
+            <a:ext cx="795868" cy="246221"/>
+          </a:xfrm>
+          <a:prstGeom prst="rect">
+            <a:avLst/>
+          </a:prstGeom>
+          <a:noFill/>
+        </p:spPr>
+        <p:txBody>
+          <a:bodyPr wrap="square" rtlCol="0">
+            <a:spAutoFit/>
+          </a:bodyPr>
+          <a:lstStyle/>
+          <a:p>
+            <a:r>
+              <a:rPr lang="en-US" sz="1000" dirty="0">
+                <a:latin typeface="Poppins" panose="00000500000000000000" pitchFamily="2" charset="0"/>
+                <a:cs typeface="Poppins" panose="00000500000000000000" pitchFamily="2" charset="0"/>
+              </a:rPr>
+              <a:t>Meta Tag</a:t>
+            </a:r>
+          </a:p>
+        </p:txBody>
+      </p:sp>
+      <p:cxnSp>
+        <p:nvCxnSpPr>
+          <p:cNvPr id="30" name="Straight Connector 29">
+            <a:extLst>
+              <a:ext uri="{FF2B5EF4-FFF2-40B4-BE49-F238E27FC236}">
+                <a16:creationId xmlns:a16="http://schemas.microsoft.com/office/drawing/2014/main" id="{3E918203-8E85-4BDF-AB99-8A7CF9BCDAA2}"/>
+              </a:ext>
+            </a:extLst>
+          </p:cNvPr>
+          <p:cNvCxnSpPr>
+            <a:cxnSpLocks/>
+          </p:cNvCxnSpPr>
+          <p:nvPr/>
+        </p:nvCxnSpPr>
+        <p:spPr>
+          <a:xfrm flipH="1">
+            <a:off x="1839526" y="4377222"/>
+            <a:ext cx="1166142" cy="0"/>
+          </a:xfrm>
+          <a:prstGeom prst="line">
+            <a:avLst/>
+          </a:prstGeom>
+          <a:ln>
+            <a:solidFill>
+              <a:srgbClr val="FF0000"/>
+            </a:solidFill>
+          </a:ln>
+        </p:spPr>
+        <p:style>
+          <a:lnRef idx="1">
+            <a:schemeClr val="accent6"/>
+          </a:lnRef>
+          <a:fillRef idx="0">
+            <a:schemeClr val="accent6"/>
+          </a:fillRef>
+          <a:effectRef idx="0">
+            <a:schemeClr val="accent6"/>
+          </a:effectRef>
+          <a:fontRef idx="minor">
+            <a:schemeClr val="tx1"/>
+          </a:fontRef>
+        </p:style>
+      </p:cxnSp>
+      <p:sp>
+        <p:nvSpPr>
+          <p:cNvPr id="31" name="TextBox 30">
+            <a:extLst>
+              <a:ext uri="{FF2B5EF4-FFF2-40B4-BE49-F238E27FC236}">
+                <a16:creationId xmlns:a16="http://schemas.microsoft.com/office/drawing/2014/main" id="{A6C475C5-7917-43D9-9220-0476D5E9A949}"/>
+              </a:ext>
+            </a:extLst>
+          </p:cNvPr>
+          <p:cNvSpPr txBox="1"/>
+          <p:nvPr/>
+        </p:nvSpPr>
+        <p:spPr>
+          <a:xfrm>
+            <a:off x="1116753" y="4254111"/>
+            <a:ext cx="795868" cy="246221"/>
+          </a:xfrm>
+          <a:prstGeom prst="rect">
+            <a:avLst/>
+          </a:prstGeom>
+          <a:noFill/>
+        </p:spPr>
+        <p:txBody>
+          <a:bodyPr wrap="square" rtlCol="0">
+            <a:spAutoFit/>
+          </a:bodyPr>
+          <a:lstStyle/>
+          <a:p>
+            <a:r>
+              <a:rPr lang="en-US" sz="1000" dirty="0">
+                <a:latin typeface="Poppins" panose="00000500000000000000" pitchFamily="2" charset="0"/>
+                <a:cs typeface="Poppins" panose="00000500000000000000" pitchFamily="2" charset="0"/>
+              </a:rPr>
+              <a:t>Body tag</a:t>
+            </a:r>
+          </a:p>
+        </p:txBody>
+      </p:sp>
+    </p:spTree>
+    <p:extLst>
+      <p:ext uri="{BB962C8B-B14F-4D97-AF65-F5344CB8AC3E}">
+        <p14:creationId xmlns:p14="http://schemas.microsoft.com/office/powerpoint/2010/main" val="2140923995"/>
+      </p:ext>
+    </p:extLst>
+  </p:cSld>
+  <p:clrMapOvr>
+    <a:masterClrMapping/>
+  </p:clrMapOvr>
+</p:sld>
+</file>
+
+<file path=ppt/slides/slide3.xml><?xml version="1.0" encoding="utf-8"?>
+<p:sld xmlns:a="http://schemas.openxmlformats.org/drawingml/2006/main" xmlns:r="http://schemas.openxmlformats.org/officeDocument/2006/relationships" xmlns:p="http://schemas.openxmlformats.org/presentationml/2006/main">
+  <p:cSld>
+    <p:spTree>
+      <p:nvGrpSpPr>
+        <p:cNvPr id="1" name=""/>
+        <p:cNvGrpSpPr/>
+        <p:nvPr/>
+      </p:nvGrpSpPr>
+      <p:grpSpPr>
+        <a:xfrm>
+          <a:off x="0" y="0"/>
+          <a:ext cx="0" cy="0"/>
+          <a:chOff x="0" y="0"/>
+          <a:chExt cx="0" cy="0"/>
+        </a:xfrm>
+      </p:grpSpPr>
+      <p:pic>
+        <p:nvPicPr>
+          <p:cNvPr id="3" name="Picture 2">
+            <a:extLst>
+              <a:ext uri="{FF2B5EF4-FFF2-40B4-BE49-F238E27FC236}">
+                <a16:creationId xmlns:a16="http://schemas.microsoft.com/office/drawing/2014/main" id="{31CC3F4C-698F-4A53-968A-6A41ED4D160F}"/>
+              </a:ext>
+            </a:extLst>
+          </p:cNvPr>
+          <p:cNvPicPr>
+            <a:picLocks noChangeAspect="1"/>
+          </p:cNvPicPr>
+          <p:nvPr/>
+        </p:nvPicPr>
+        <p:blipFill>
+          <a:blip r:embed="rId2">
+            <a:extLst>
+              <a:ext uri="{28A0092B-C50C-407E-A947-70E740481C1C}">
+                <a14:useLocalDpi xmlns:a14="http://schemas.microsoft.com/office/drawing/2010/main" val="0"/>
+              </a:ext>
+            </a:extLst>
+          </a:blip>
+          <a:stretch>
+            <a:fillRect/>
+          </a:stretch>
+        </p:blipFill>
+        <p:spPr>
+          <a:xfrm>
+            <a:off x="2328964" y="1143000"/>
+            <a:ext cx="3862286" cy="3103033"/>
+          </a:xfrm>
+          <a:prstGeom prst="rect">
+            <a:avLst/>
+          </a:prstGeom>
+        </p:spPr>
+      </p:pic>
+      <p:cxnSp>
+        <p:nvCxnSpPr>
+          <p:cNvPr id="4" name="Straight Connector 3">
+            <a:extLst>
+              <a:ext uri="{FF2B5EF4-FFF2-40B4-BE49-F238E27FC236}">
+                <a16:creationId xmlns:a16="http://schemas.microsoft.com/office/drawing/2014/main" id="{8CF6606C-159D-4F33-B17E-6E6589ECE771}"/>
+              </a:ext>
+            </a:extLst>
+          </p:cNvPr>
+          <p:cNvCxnSpPr>
+            <a:cxnSpLocks/>
+          </p:cNvCxnSpPr>
+          <p:nvPr/>
+        </p:nvCxnSpPr>
+        <p:spPr>
+          <a:xfrm flipH="1">
+            <a:off x="5232402" y="2662937"/>
+            <a:ext cx="1464732" cy="429685"/>
+          </a:xfrm>
+          <a:prstGeom prst="line">
+            <a:avLst/>
+          </a:prstGeom>
+          <a:ln>
+            <a:solidFill>
+              <a:srgbClr val="FF0000"/>
+            </a:solidFill>
+          </a:ln>
+        </p:spPr>
+        <p:style>
+          <a:lnRef idx="1">
+            <a:schemeClr val="accent6"/>
+          </a:lnRef>
+          <a:fillRef idx="0">
+            <a:schemeClr val="accent6"/>
+          </a:fillRef>
+          <a:effectRef idx="0">
+            <a:schemeClr val="accent6"/>
+          </a:effectRef>
+          <a:fontRef idx="minor">
+            <a:schemeClr val="tx1"/>
+          </a:fontRef>
+        </p:style>
+      </p:cxnSp>
+      <p:sp>
+        <p:nvSpPr>
+          <p:cNvPr id="6" name="TextBox 5">
+            <a:extLst>
+              <a:ext uri="{FF2B5EF4-FFF2-40B4-BE49-F238E27FC236}">
+                <a16:creationId xmlns:a16="http://schemas.microsoft.com/office/drawing/2014/main" id="{77F2F680-48BF-484E-89FD-BF54D0DD9E65}"/>
+              </a:ext>
+            </a:extLst>
+          </p:cNvPr>
+          <p:cNvSpPr txBox="1"/>
+          <p:nvPr/>
+        </p:nvSpPr>
+        <p:spPr>
+          <a:xfrm>
+            <a:off x="6697134" y="2539826"/>
+            <a:ext cx="795868" cy="246221"/>
+          </a:xfrm>
+          <a:prstGeom prst="rect">
+            <a:avLst/>
+          </a:prstGeom>
+          <a:noFill/>
+        </p:spPr>
+        <p:txBody>
+          <a:bodyPr wrap="square" rtlCol="0">
+            <a:spAutoFit/>
+          </a:bodyPr>
+          <a:lstStyle/>
+          <a:p>
+            <a:r>
+              <a:rPr lang="en-US" sz="1000" dirty="0">
+                <a:latin typeface="Poppins" panose="00000500000000000000" pitchFamily="2" charset="0"/>
+                <a:cs typeface="Poppins" panose="00000500000000000000" pitchFamily="2" charset="0"/>
+              </a:rPr>
+              <a:t>Tag HTML</a:t>
+            </a:r>
+          </a:p>
+        </p:txBody>
+      </p:sp>
+      <p:cxnSp>
+        <p:nvCxnSpPr>
+          <p:cNvPr id="8" name="Straight Connector 7">
+            <a:extLst>
+              <a:ext uri="{FF2B5EF4-FFF2-40B4-BE49-F238E27FC236}">
+                <a16:creationId xmlns:a16="http://schemas.microsoft.com/office/drawing/2014/main" id="{EAD9110A-8B26-4F0F-8407-267F52F9B8C8}"/>
+              </a:ext>
+            </a:extLst>
+          </p:cNvPr>
+          <p:cNvCxnSpPr>
+            <a:cxnSpLocks/>
+          </p:cNvCxnSpPr>
+          <p:nvPr/>
+        </p:nvCxnSpPr>
+        <p:spPr>
+          <a:xfrm flipH="1">
+            <a:off x="4157133" y="1024467"/>
+            <a:ext cx="1075268" cy="1964266"/>
+          </a:xfrm>
+          <a:prstGeom prst="line">
+            <a:avLst/>
+          </a:prstGeom>
+          <a:ln>
+            <a:solidFill>
+              <a:srgbClr val="FF0000"/>
+            </a:solidFill>
+          </a:ln>
+        </p:spPr>
+        <p:style>
+          <a:lnRef idx="1">
+            <a:schemeClr val="accent6"/>
+          </a:lnRef>
+          <a:fillRef idx="0">
+            <a:schemeClr val="accent6"/>
+          </a:fillRef>
+          <a:effectRef idx="0">
+            <a:schemeClr val="accent6"/>
+          </a:effectRef>
+          <a:fontRef idx="minor">
+            <a:schemeClr val="tx1"/>
+          </a:fontRef>
+        </p:style>
+      </p:cxnSp>
+      <p:sp>
+        <p:nvSpPr>
+          <p:cNvPr id="10" name="TextBox 9">
+            <a:extLst>
+              <a:ext uri="{FF2B5EF4-FFF2-40B4-BE49-F238E27FC236}">
+                <a16:creationId xmlns:a16="http://schemas.microsoft.com/office/drawing/2014/main" id="{F1E05358-0712-4821-B823-7DFA7EE5E418}"/>
+              </a:ext>
+            </a:extLst>
+          </p:cNvPr>
+          <p:cNvSpPr txBox="1"/>
+          <p:nvPr/>
+        </p:nvSpPr>
+        <p:spPr>
+          <a:xfrm>
+            <a:off x="4936065" y="716690"/>
+            <a:ext cx="795868" cy="246221"/>
+          </a:xfrm>
+          <a:prstGeom prst="rect">
+            <a:avLst/>
+          </a:prstGeom>
+          <a:noFill/>
+        </p:spPr>
+        <p:txBody>
+          <a:bodyPr wrap="square" rtlCol="0">
+            <a:spAutoFit/>
+          </a:bodyPr>
+          <a:lstStyle/>
+          <a:p>
+            <a:r>
+              <a:rPr lang="en-US" sz="1000" dirty="0">
+                <a:latin typeface="Poppins" panose="00000500000000000000" pitchFamily="2" charset="0"/>
+                <a:cs typeface="Poppins" panose="00000500000000000000" pitchFamily="2" charset="0"/>
+              </a:rPr>
+              <a:t>attribute</a:t>
+            </a:r>
+          </a:p>
+        </p:txBody>
+      </p:sp>
+      <p:cxnSp>
+        <p:nvCxnSpPr>
+          <p:cNvPr id="12" name="Straight Connector 11">
+            <a:extLst>
+              <a:ext uri="{FF2B5EF4-FFF2-40B4-BE49-F238E27FC236}">
+                <a16:creationId xmlns:a16="http://schemas.microsoft.com/office/drawing/2014/main" id="{DDADF437-C9B5-4338-9E0A-193E00F25E41}"/>
+              </a:ext>
+            </a:extLst>
+          </p:cNvPr>
+          <p:cNvCxnSpPr>
+            <a:cxnSpLocks/>
+          </p:cNvCxnSpPr>
+          <p:nvPr/>
+        </p:nvCxnSpPr>
+        <p:spPr>
+          <a:xfrm flipH="1">
+            <a:off x="3445933" y="3191933"/>
+            <a:ext cx="347135" cy="1234189"/>
+          </a:xfrm>
+          <a:prstGeom prst="line">
+            <a:avLst/>
+          </a:prstGeom>
+          <a:ln>
+            <a:solidFill>
+              <a:srgbClr val="FF0000"/>
+            </a:solidFill>
+          </a:ln>
+        </p:spPr>
+        <p:style>
+          <a:lnRef idx="1">
+            <a:schemeClr val="accent6"/>
+          </a:lnRef>
+          <a:fillRef idx="0">
+            <a:schemeClr val="accent6"/>
+          </a:fillRef>
+          <a:effectRef idx="0">
+            <a:schemeClr val="accent6"/>
+          </a:effectRef>
+          <a:fontRef idx="minor">
+            <a:schemeClr val="tx1"/>
+          </a:fontRef>
+        </p:style>
+      </p:cxnSp>
+      <p:sp>
+        <p:nvSpPr>
+          <p:cNvPr id="15" name="TextBox 14">
+            <a:extLst>
+              <a:ext uri="{FF2B5EF4-FFF2-40B4-BE49-F238E27FC236}">
+                <a16:creationId xmlns:a16="http://schemas.microsoft.com/office/drawing/2014/main" id="{174A9853-7BC8-482E-9D50-654F25737AF0}"/>
+              </a:ext>
+            </a:extLst>
+          </p:cNvPr>
+          <p:cNvSpPr txBox="1"/>
+          <p:nvPr/>
+        </p:nvSpPr>
+        <p:spPr>
+          <a:xfrm>
+            <a:off x="3047999" y="4426122"/>
+            <a:ext cx="1109134" cy="246221"/>
+          </a:xfrm>
+          <a:prstGeom prst="rect">
+            <a:avLst/>
+          </a:prstGeom>
+          <a:noFill/>
+        </p:spPr>
+        <p:txBody>
+          <a:bodyPr wrap="square" rtlCol="0">
+            <a:spAutoFit/>
+          </a:bodyPr>
+          <a:lstStyle/>
+          <a:p>
+            <a:r>
+              <a:rPr lang="en-US" sz="1000" dirty="0">
+                <a:latin typeface="Poppins" panose="00000500000000000000" pitchFamily="2" charset="0"/>
+                <a:cs typeface="Poppins" panose="00000500000000000000" pitchFamily="2" charset="0"/>
+              </a:rPr>
+              <a:t>Element html</a:t>
+            </a:r>
+          </a:p>
+        </p:txBody>
+      </p:sp>
+    </p:spTree>
+    <p:extLst>
+      <p:ext uri="{BB962C8B-B14F-4D97-AF65-F5344CB8AC3E}">
+        <p14:creationId xmlns:p14="http://schemas.microsoft.com/office/powerpoint/2010/main" val="2065041877"/>
+      </p:ext>
+    </p:extLst>
+  </p:cSld>
+  <p:clrMapOvr>
+    <a:masterClrMapping/>
+  </p:clrMapOvr>
+</p:sld>
+</file>
+
+<file path=ppt/slides/slide4.xml><?xml version="1.0" encoding="utf-8"?>
+<p:sld xmlns:a="http://schemas.openxmlformats.org/drawingml/2006/main" xmlns:r="http://schemas.openxmlformats.org/officeDocument/2006/relationships" xmlns:p="http://schemas.openxmlformats.org/presentationml/2006/main">
+  <p:cSld>
+    <p:spTree>
+      <p:nvGrpSpPr>
+        <p:cNvPr id="1" name=""/>
+        <p:cNvGrpSpPr/>
+        <p:nvPr/>
+      </p:nvGrpSpPr>
+      <p:grpSpPr>
+        <a:xfrm>
+          <a:off x="0" y="0"/>
+          <a:ext cx="0" cy="0"/>
+          <a:chOff x="0" y="0"/>
+          <a:chExt cx="0" cy="0"/>
+        </a:xfrm>
+      </p:grpSpPr>
+      <p:sp>
+        <p:nvSpPr>
+          <p:cNvPr id="2" name="TextBox 1">
+            <a:extLst>
+              <a:ext uri="{FF2B5EF4-FFF2-40B4-BE49-F238E27FC236}">
+                <a16:creationId xmlns:a16="http://schemas.microsoft.com/office/drawing/2014/main" id="{E33123F6-216E-4B2F-BACC-A2F416673E88}"/>
+              </a:ext>
+            </a:extLst>
+          </p:cNvPr>
+          <p:cNvSpPr txBox="1"/>
+          <p:nvPr/>
+        </p:nvSpPr>
+        <p:spPr>
+          <a:xfrm>
+            <a:off x="770950" y="377376"/>
+            <a:ext cx="1754006" cy="338554"/>
+          </a:xfrm>
+          <a:prstGeom prst="rect">
+            <a:avLst/>
+          </a:prstGeom>
+          <a:noFill/>
+        </p:spPr>
+        <p:txBody>
+          <a:bodyPr wrap="none" rtlCol="0">
+            <a:spAutoFit/>
+          </a:bodyPr>
+          <a:lstStyle/>
+          <a:p>
+            <a:r>
+              <a:rPr lang="en-US" sz="1600" dirty="0">
+                <a:latin typeface="Poppins" panose="00000500000000000000" pitchFamily="2" charset="0"/>
+                <a:cs typeface="Poppins" panose="00000500000000000000" pitchFamily="2" charset="0"/>
+              </a:rPr>
+              <a:t>HTML attributes</a:t>
+            </a:r>
+          </a:p>
+        </p:txBody>
+      </p:sp>
+      <p:pic>
+        <p:nvPicPr>
+          <p:cNvPr id="4" name="Picture 3">
+            <a:extLst>
+              <a:ext uri="{FF2B5EF4-FFF2-40B4-BE49-F238E27FC236}">
+                <a16:creationId xmlns:a16="http://schemas.microsoft.com/office/drawing/2014/main" id="{858738BB-294E-46E1-9DE6-8E9D9B3C719E}"/>
+              </a:ext>
+            </a:extLst>
+          </p:cNvPr>
+          <p:cNvPicPr>
+            <a:picLocks noChangeAspect="1"/>
+          </p:cNvPicPr>
+          <p:nvPr/>
+        </p:nvPicPr>
+        <p:blipFill>
+          <a:blip r:embed="rId2">
+            <a:extLst>
+              <a:ext uri="{28A0092B-C50C-407E-A947-70E740481C1C}">
+                <a14:useLocalDpi xmlns:a14="http://schemas.microsoft.com/office/drawing/2010/main" val="0"/>
+              </a:ext>
+            </a:extLst>
+          </a:blip>
+          <a:srcRect/>
+          <a:stretch/>
+        </p:blipFill>
+        <p:spPr>
+          <a:xfrm>
+            <a:off x="864629" y="1795046"/>
+            <a:ext cx="5798639" cy="2746425"/>
+          </a:xfrm>
+          <a:prstGeom prst="rect">
+            <a:avLst/>
+          </a:prstGeom>
+        </p:spPr>
+      </p:pic>
+      <p:pic>
+        <p:nvPicPr>
+          <p:cNvPr id="5" name="Picture 4">
+            <a:extLst>
+              <a:ext uri="{FF2B5EF4-FFF2-40B4-BE49-F238E27FC236}">
+                <a16:creationId xmlns:a16="http://schemas.microsoft.com/office/drawing/2014/main" id="{79F99267-56F9-407D-8EE0-A64D3C99B6AC}"/>
+              </a:ext>
+            </a:extLst>
+          </p:cNvPr>
+          <p:cNvPicPr>
+            <a:picLocks noChangeAspect="1"/>
+          </p:cNvPicPr>
+          <p:nvPr/>
+        </p:nvPicPr>
+        <p:blipFill>
+          <a:blip r:embed="rId3">
+            <a:extLst>
+              <a:ext uri="{28A0092B-C50C-407E-A947-70E740481C1C}">
+                <a14:useLocalDpi xmlns:a14="http://schemas.microsoft.com/office/drawing/2010/main" val="0"/>
+              </a:ext>
+            </a:extLst>
+          </a:blip>
+          <a:srcRect/>
+          <a:stretch/>
+        </p:blipFill>
+        <p:spPr>
+          <a:xfrm>
+            <a:off x="6781797" y="852349"/>
+            <a:ext cx="4657725" cy="1816042"/>
+          </a:xfrm>
+          <a:prstGeom prst="rect">
+            <a:avLst/>
+          </a:prstGeom>
+        </p:spPr>
+      </p:pic>
+      <p:sp>
+        <p:nvSpPr>
+          <p:cNvPr id="6" name="TextBox 5">
+            <a:extLst>
+              <a:ext uri="{FF2B5EF4-FFF2-40B4-BE49-F238E27FC236}">
+                <a16:creationId xmlns:a16="http://schemas.microsoft.com/office/drawing/2014/main" id="{A1D5E2A5-91BE-4DB4-8B08-F70B49E870A4}"/>
+              </a:ext>
+            </a:extLst>
+          </p:cNvPr>
+          <p:cNvSpPr txBox="1"/>
+          <p:nvPr/>
+        </p:nvSpPr>
+        <p:spPr>
+          <a:xfrm>
+            <a:off x="8093839" y="2824891"/>
+            <a:ext cx="3124731" cy="246221"/>
+          </a:xfrm>
+          <a:prstGeom prst="rect">
+            <a:avLst/>
+          </a:prstGeom>
+          <a:noFill/>
+        </p:spPr>
+        <p:txBody>
+          <a:bodyPr wrap="square" rtlCol="0">
+            <a:spAutoFit/>
+          </a:bodyPr>
+          <a:lstStyle/>
+          <a:p>
+            <a:r>
+              <a:rPr lang="en-US" sz="1000" dirty="0">
+                <a:latin typeface="Poppins" panose="00000500000000000000" pitchFamily="2" charset="0"/>
+                <a:cs typeface="Poppins" panose="00000500000000000000" pitchFamily="2" charset="0"/>
+              </a:rPr>
+              <a:t>Yang mana </a:t>
+            </a:r>
+            <a:r>
+              <a:rPr lang="en-US" sz="1000" dirty="0" err="1">
+                <a:latin typeface="Poppins" panose="00000500000000000000" pitchFamily="2" charset="0"/>
+                <a:cs typeface="Poppins" panose="00000500000000000000" pitchFamily="2" charset="0"/>
+              </a:rPr>
+              <a:t>termasuk</a:t>
+            </a:r>
+            <a:r>
+              <a:rPr lang="en-US" sz="1000" dirty="0">
+                <a:latin typeface="Poppins" panose="00000500000000000000" pitchFamily="2" charset="0"/>
+                <a:cs typeface="Poppins" panose="00000500000000000000" pitchFamily="2" charset="0"/>
+              </a:rPr>
+              <a:t> </a:t>
+            </a:r>
+            <a:r>
+              <a:rPr lang="en-US" sz="1000" dirty="0" err="1">
+                <a:latin typeface="Poppins" panose="00000500000000000000" pitchFamily="2" charset="0"/>
+                <a:cs typeface="Poppins" panose="00000500000000000000" pitchFamily="2" charset="0"/>
+              </a:rPr>
+              <a:t>atribut</a:t>
+            </a:r>
+            <a:r>
+              <a:rPr lang="en-US" sz="1000" dirty="0">
+                <a:latin typeface="Poppins" panose="00000500000000000000" pitchFamily="2" charset="0"/>
+                <a:cs typeface="Poppins" panose="00000500000000000000" pitchFamily="2" charset="0"/>
+              </a:rPr>
+              <a:t> html ?</a:t>
+            </a:r>
+          </a:p>
+        </p:txBody>
+      </p:sp>
+    </p:spTree>
+    <p:extLst>
+      <p:ext uri="{BB962C8B-B14F-4D97-AF65-F5344CB8AC3E}">
+        <p14:creationId xmlns:p14="http://schemas.microsoft.com/office/powerpoint/2010/main" val="3248715981"/>
+      </p:ext>
+    </p:extLst>
+  </p:cSld>
+  <p:clrMapOvr>
+    <a:masterClrMapping/>
+  </p:clrMapOvr>
+</p:sld>
+</file>
+
+<file path=ppt/slides/slide5.xml><?xml version="1.0" encoding="utf-8"?>
+<p:sld xmlns:a="http://schemas.openxmlformats.org/drawingml/2006/main" xmlns:r="http://schemas.openxmlformats.org/officeDocument/2006/relationships" xmlns:p="http://schemas.openxmlformats.org/presentationml/2006/main">
+  <p:cSld>
+    <p:spTree>
+      <p:nvGrpSpPr>
+        <p:cNvPr id="1" name=""/>
+        <p:cNvGrpSpPr/>
+        <p:nvPr/>
+      </p:nvGrpSpPr>
+      <p:grpSpPr>
+        <a:xfrm>
+          <a:off x="0" y="0"/>
+          <a:ext cx="0" cy="0"/>
+          <a:chOff x="0" y="0"/>
+          <a:chExt cx="0" cy="0"/>
+        </a:xfrm>
+      </p:grpSpPr>
+      <p:sp>
+        <p:nvSpPr>
+          <p:cNvPr id="2" name="TextBox 1">
+            <a:extLst>
+              <a:ext uri="{FF2B5EF4-FFF2-40B4-BE49-F238E27FC236}">
+                <a16:creationId xmlns:a16="http://schemas.microsoft.com/office/drawing/2014/main" id="{E0E99B02-4A2D-4B7A-8BCC-A150D0EC54B5}"/>
+              </a:ext>
+            </a:extLst>
+          </p:cNvPr>
+          <p:cNvSpPr txBox="1"/>
+          <p:nvPr/>
+        </p:nvSpPr>
+        <p:spPr>
+          <a:xfrm>
+            <a:off x="770950" y="377376"/>
+            <a:ext cx="2752677" cy="338554"/>
+          </a:xfrm>
+          <a:prstGeom prst="rect">
+            <a:avLst/>
+          </a:prstGeom>
+          <a:noFill/>
+        </p:spPr>
+        <p:txBody>
+          <a:bodyPr wrap="none" rtlCol="0">
+            <a:spAutoFit/>
+          </a:bodyPr>
+          <a:lstStyle/>
+          <a:p>
+            <a:r>
+              <a:rPr lang="en-US" sz="1600" dirty="0" err="1">
+                <a:latin typeface="Poppins" panose="00000500000000000000" pitchFamily="2" charset="0"/>
+                <a:cs typeface="Poppins" panose="00000500000000000000" pitchFamily="2" charset="0"/>
+              </a:rPr>
+              <a:t>Heading,Paragraph,span</a:t>
+            </a:r>
+            <a:endParaRPr lang="en-US" sz="1600" dirty="0">
+              <a:latin typeface="Poppins" panose="00000500000000000000" pitchFamily="2" charset="0"/>
+              <a:cs typeface="Poppins" panose="00000500000000000000" pitchFamily="2" charset="0"/>
+            </a:endParaRPr>
+          </a:p>
+        </p:txBody>
+      </p:sp>
+      <p:pic>
+        <p:nvPicPr>
+          <p:cNvPr id="4" name="Picture 3">
+            <a:extLst>
+              <a:ext uri="{FF2B5EF4-FFF2-40B4-BE49-F238E27FC236}">
+                <a16:creationId xmlns:a16="http://schemas.microsoft.com/office/drawing/2014/main" id="{99F975AA-BD4D-4BE6-B72D-5DE9FBA32B5C}"/>
+              </a:ext>
+            </a:extLst>
+          </p:cNvPr>
+          <p:cNvPicPr>
+            <a:picLocks noChangeAspect="1"/>
+          </p:cNvPicPr>
+          <p:nvPr/>
+        </p:nvPicPr>
+        <p:blipFill>
+          <a:blip r:embed="rId2">
+            <a:extLst>
+              <a:ext uri="{28A0092B-C50C-407E-A947-70E740481C1C}">
+                <a14:useLocalDpi xmlns:a14="http://schemas.microsoft.com/office/drawing/2010/main" val="0"/>
+              </a:ext>
+            </a:extLst>
+          </a:blip>
+          <a:stretch>
+            <a:fillRect/>
+          </a:stretch>
+        </p:blipFill>
+        <p:spPr>
+          <a:xfrm>
+            <a:off x="1176868" y="1211765"/>
+            <a:ext cx="4995684" cy="4782633"/>
+          </a:xfrm>
+          <a:prstGeom prst="rect">
+            <a:avLst/>
+          </a:prstGeom>
+        </p:spPr>
+      </p:pic>
+      <p:pic>
+        <p:nvPicPr>
+          <p:cNvPr id="6" name="Picture 5">
+            <a:extLst>
+              <a:ext uri="{FF2B5EF4-FFF2-40B4-BE49-F238E27FC236}">
+                <a16:creationId xmlns:a16="http://schemas.microsoft.com/office/drawing/2014/main" id="{AC1E5899-0F20-4FEF-92B1-1C80A8DA0253}"/>
+              </a:ext>
+            </a:extLst>
+          </p:cNvPr>
+          <p:cNvPicPr>
+            <a:picLocks noChangeAspect="1"/>
+          </p:cNvPicPr>
+          <p:nvPr/>
+        </p:nvPicPr>
+        <p:blipFill>
+          <a:blip r:embed="rId3">
+            <a:extLst>
+              <a:ext uri="{28A0092B-C50C-407E-A947-70E740481C1C}">
+                <a14:useLocalDpi xmlns:a14="http://schemas.microsoft.com/office/drawing/2010/main" val="0"/>
+              </a:ext>
+            </a:extLst>
+          </a:blip>
+          <a:stretch>
+            <a:fillRect/>
+          </a:stretch>
+        </p:blipFill>
+        <p:spPr>
+          <a:xfrm>
+            <a:off x="6805682" y="1847571"/>
+            <a:ext cx="4695226" cy="3781954"/>
+          </a:xfrm>
+          <a:prstGeom prst="rect">
+            <a:avLst/>
+          </a:prstGeom>
+        </p:spPr>
+      </p:pic>
+    </p:spTree>
+    <p:extLst>
+      <p:ext uri="{BB962C8B-B14F-4D97-AF65-F5344CB8AC3E}">
+        <p14:creationId xmlns:p14="http://schemas.microsoft.com/office/powerpoint/2010/main" val="1591419964"/>
+      </p:ext>
+    </p:extLst>
+  </p:cSld>
+  <p:clrMapOvr>
+    <a:masterClrMapping/>
+  </p:clrMapOvr>
+</p:sld>
+</file>
+
+<file path=ppt/slides/slide6.xml><?xml version="1.0" encoding="utf-8"?>
+<p:sld xmlns:a="http://schemas.openxmlformats.org/drawingml/2006/main" xmlns:r="http://schemas.openxmlformats.org/officeDocument/2006/relationships" xmlns:p="http://schemas.openxmlformats.org/presentationml/2006/main">
+  <p:cSld>
+    <p:spTree>
+      <p:nvGrpSpPr>
+        <p:cNvPr id="1" name=""/>
+        <p:cNvGrpSpPr/>
+        <p:nvPr/>
+      </p:nvGrpSpPr>
+      <p:grpSpPr>
+        <a:xfrm>
+          <a:off x="0" y="0"/>
+          <a:ext cx="0" cy="0"/>
+          <a:chOff x="0" y="0"/>
+          <a:chExt cx="0" cy="0"/>
+        </a:xfrm>
+      </p:grpSpPr>
+      <p:sp>
+        <p:nvSpPr>
+          <p:cNvPr id="3" name="TextBox 2">
+            <a:extLst>
+              <a:ext uri="{FF2B5EF4-FFF2-40B4-BE49-F238E27FC236}">
+                <a16:creationId xmlns:a16="http://schemas.microsoft.com/office/drawing/2014/main" id="{A0D434F9-BC31-447D-9110-E5FDE5D81E1A}"/>
+              </a:ext>
+            </a:extLst>
+          </p:cNvPr>
+          <p:cNvSpPr txBox="1"/>
+          <p:nvPr/>
+        </p:nvSpPr>
+        <p:spPr>
+          <a:xfrm>
+            <a:off x="770950" y="377376"/>
+            <a:ext cx="518091" cy="338554"/>
+          </a:xfrm>
+          <a:prstGeom prst="rect">
+            <a:avLst/>
+          </a:prstGeom>
+          <a:noFill/>
+        </p:spPr>
+        <p:txBody>
+          <a:bodyPr wrap="none" rtlCol="0">
+            <a:spAutoFit/>
+          </a:bodyPr>
+          <a:lstStyle/>
+          <a:p>
+            <a:r>
+              <a:rPr lang="en-US" sz="1600" dirty="0">
+                <a:latin typeface="Poppins" panose="00000500000000000000" pitchFamily="2" charset="0"/>
+                <a:cs typeface="Poppins" panose="00000500000000000000" pitchFamily="2" charset="0"/>
+              </a:rPr>
+              <a:t>DIV</a:t>
+            </a:r>
+          </a:p>
+        </p:txBody>
+      </p:sp>
+      <p:pic>
+        <p:nvPicPr>
+          <p:cNvPr id="4" name="Picture 3">
+            <a:extLst>
+              <a:ext uri="{FF2B5EF4-FFF2-40B4-BE49-F238E27FC236}">
+                <a16:creationId xmlns:a16="http://schemas.microsoft.com/office/drawing/2014/main" id="{F09D29CE-5B6A-4D48-AF78-3784553818F1}"/>
+              </a:ext>
+            </a:extLst>
+          </p:cNvPr>
+          <p:cNvPicPr>
+            <a:picLocks noChangeAspect="1"/>
+          </p:cNvPicPr>
+          <p:nvPr/>
+        </p:nvPicPr>
+        <p:blipFill>
+          <a:blip r:embed="rId2">
+            <a:extLst>
+              <a:ext uri="{28A0092B-C50C-407E-A947-70E740481C1C}">
+                <a14:useLocalDpi xmlns:a14="http://schemas.microsoft.com/office/drawing/2010/main" val="0"/>
+              </a:ext>
+            </a:extLst>
+          </a:blip>
+          <a:stretch>
+            <a:fillRect/>
+          </a:stretch>
+        </p:blipFill>
+        <p:spPr>
+          <a:xfrm>
+            <a:off x="1453731" y="1043691"/>
+            <a:ext cx="5762403" cy="4415018"/>
+          </a:xfrm>
+          <a:prstGeom prst="rect">
+            <a:avLst/>
+          </a:prstGeom>
+        </p:spPr>
+      </p:pic>
+    </p:spTree>
+    <p:extLst>
+      <p:ext uri="{BB962C8B-B14F-4D97-AF65-F5344CB8AC3E}">
+        <p14:creationId xmlns:p14="http://schemas.microsoft.com/office/powerpoint/2010/main" val="4208508989"/>
+      </p:ext>
+    </p:extLst>
+  </p:cSld>
+  <p:clrMapOvr>
+    <a:masterClrMapping/>
+  </p:clrMapOvr>
+</p:sld>
+</file>
+
+<file path=ppt/slides/slide7.xml><?xml version="1.0" encoding="utf-8"?>
+<p:sld xmlns:a="http://schemas.openxmlformats.org/drawingml/2006/main" xmlns:r="http://schemas.openxmlformats.org/officeDocument/2006/relationships" xmlns:p="http://schemas.openxmlformats.org/presentationml/2006/main">
+  <p:cSld>
+    <p:spTree>
+      <p:nvGrpSpPr>
+        <p:cNvPr id="1" name=""/>
+        <p:cNvGrpSpPr/>
+        <p:nvPr/>
+      </p:nvGrpSpPr>
+      <p:grpSpPr>
+        <a:xfrm>
+          <a:off x="0" y="0"/>
+          <a:ext cx="0" cy="0"/>
+          <a:chOff x="0" y="0"/>
+          <a:chExt cx="0" cy="0"/>
+        </a:xfrm>
+      </p:grpSpPr>
+      <p:sp>
+        <p:nvSpPr>
+          <p:cNvPr id="2" name="TextBox 1">
+            <a:extLst>
+              <a:ext uri="{FF2B5EF4-FFF2-40B4-BE49-F238E27FC236}">
+                <a16:creationId xmlns:a16="http://schemas.microsoft.com/office/drawing/2014/main" id="{7BCEF339-1C1F-465D-8EC7-307F28D5DA8A}"/>
+              </a:ext>
+            </a:extLst>
+          </p:cNvPr>
+          <p:cNvSpPr txBox="1"/>
+          <p:nvPr/>
+        </p:nvSpPr>
+        <p:spPr>
+          <a:xfrm>
+            <a:off x="770950" y="377376"/>
+            <a:ext cx="732893" cy="338554"/>
+          </a:xfrm>
+          <a:prstGeom prst="rect">
+            <a:avLst/>
+          </a:prstGeom>
+          <a:noFill/>
+        </p:spPr>
+        <p:txBody>
+          <a:bodyPr wrap="none" rtlCol="0">
+            <a:spAutoFit/>
+          </a:bodyPr>
+          <a:lstStyle/>
+          <a:p>
+            <a:r>
+              <a:rPr lang="en-US" sz="1600" dirty="0">
+                <a:latin typeface="Poppins" panose="00000500000000000000" pitchFamily="2" charset="0"/>
+                <a:cs typeface="Poppins" panose="00000500000000000000" pitchFamily="2" charset="0"/>
+              </a:rPr>
+              <a:t>a tag</a:t>
+            </a:r>
+          </a:p>
+        </p:txBody>
+      </p:sp>
+      <p:pic>
+        <p:nvPicPr>
+          <p:cNvPr id="3" name="Picture 2">
+            <a:extLst>
+              <a:ext uri="{FF2B5EF4-FFF2-40B4-BE49-F238E27FC236}">
+                <a16:creationId xmlns:a16="http://schemas.microsoft.com/office/drawing/2014/main" id="{5CD83388-BF13-442B-B26D-76E5AA16BC1F}"/>
+              </a:ext>
+            </a:extLst>
+          </p:cNvPr>
+          <p:cNvPicPr>
+            <a:picLocks noChangeAspect="1"/>
+          </p:cNvPicPr>
+          <p:nvPr/>
+        </p:nvPicPr>
+        <p:blipFill>
+          <a:blip r:embed="rId2">
+            <a:extLst>
+              <a:ext uri="{28A0092B-C50C-407E-A947-70E740481C1C}">
+                <a14:useLocalDpi xmlns:a14="http://schemas.microsoft.com/office/drawing/2010/main" val="0"/>
+              </a:ext>
+            </a:extLst>
+          </a:blip>
+          <a:stretch>
+            <a:fillRect/>
+          </a:stretch>
+        </p:blipFill>
+        <p:spPr>
+          <a:xfrm>
+            <a:off x="1710267" y="1280029"/>
+            <a:ext cx="5402218" cy="4297941"/>
+          </a:xfrm>
+          <a:prstGeom prst="rect">
+            <a:avLst/>
+          </a:prstGeom>
+        </p:spPr>
+      </p:pic>
+      <p:cxnSp>
+        <p:nvCxnSpPr>
+          <p:cNvPr id="4" name="Straight Connector 3">
+            <a:extLst>
+              <a:ext uri="{FF2B5EF4-FFF2-40B4-BE49-F238E27FC236}">
+                <a16:creationId xmlns:a16="http://schemas.microsoft.com/office/drawing/2014/main" id="{9F874E23-0F1D-4325-89F1-B7DAC2F3A80E}"/>
+              </a:ext>
+            </a:extLst>
+          </p:cNvPr>
+          <p:cNvCxnSpPr>
+            <a:cxnSpLocks/>
+          </p:cNvCxnSpPr>
+          <p:nvPr/>
+        </p:nvCxnSpPr>
+        <p:spPr>
+          <a:xfrm flipH="1">
+            <a:off x="6282267" y="4114800"/>
+            <a:ext cx="1329266" cy="323262"/>
+          </a:xfrm>
+          <a:prstGeom prst="line">
+            <a:avLst/>
+          </a:prstGeom>
+          <a:ln>
+            <a:solidFill>
+              <a:srgbClr val="FF0000"/>
+            </a:solidFill>
+          </a:ln>
+        </p:spPr>
+        <p:style>
+          <a:lnRef idx="1">
+            <a:schemeClr val="accent6"/>
+          </a:lnRef>
+          <a:fillRef idx="0">
+            <a:schemeClr val="accent6"/>
+          </a:fillRef>
+          <a:effectRef idx="0">
+            <a:schemeClr val="accent6"/>
+          </a:effectRef>
+          <a:fontRef idx="minor">
+            <a:schemeClr val="tx1"/>
+          </a:fontRef>
+        </p:style>
+      </p:cxnSp>
+      <p:sp>
+        <p:nvSpPr>
+          <p:cNvPr id="6" name="TextBox 5">
+            <a:extLst>
+              <a:ext uri="{FF2B5EF4-FFF2-40B4-BE49-F238E27FC236}">
+                <a16:creationId xmlns:a16="http://schemas.microsoft.com/office/drawing/2014/main" id="{C9A22ED0-31B0-4A19-BB57-BAF8B1FE0827}"/>
+              </a:ext>
+            </a:extLst>
+          </p:cNvPr>
+          <p:cNvSpPr txBox="1"/>
+          <p:nvPr/>
+        </p:nvSpPr>
+        <p:spPr>
+          <a:xfrm>
+            <a:off x="7611532" y="3991689"/>
+            <a:ext cx="1100667" cy="246221"/>
+          </a:xfrm>
+          <a:prstGeom prst="rect">
+            <a:avLst/>
+          </a:prstGeom>
+          <a:noFill/>
+        </p:spPr>
+        <p:txBody>
+          <a:bodyPr wrap="square" rtlCol="0">
+            <a:spAutoFit/>
+          </a:bodyPr>
+          <a:lstStyle/>
+          <a:p>
+            <a:r>
+              <a:rPr lang="en-US" sz="1000" dirty="0">
+                <a:latin typeface="Poppins" panose="00000500000000000000" pitchFamily="2" charset="0"/>
+                <a:cs typeface="Poppins" panose="00000500000000000000" pitchFamily="2" charset="0"/>
+              </a:rPr>
+              <a:t>External link</a:t>
+            </a:r>
+          </a:p>
+        </p:txBody>
+      </p:sp>
+      <p:cxnSp>
+        <p:nvCxnSpPr>
+          <p:cNvPr id="7" name="Straight Connector 6">
+            <a:extLst>
+              <a:ext uri="{FF2B5EF4-FFF2-40B4-BE49-F238E27FC236}">
+                <a16:creationId xmlns:a16="http://schemas.microsoft.com/office/drawing/2014/main" id="{0A6F55FF-CFA7-4269-AA36-8D7A09C8D820}"/>
+              </a:ext>
+            </a:extLst>
+          </p:cNvPr>
+          <p:cNvCxnSpPr>
+            <a:cxnSpLocks/>
+          </p:cNvCxnSpPr>
+          <p:nvPr/>
+        </p:nvCxnSpPr>
+        <p:spPr>
+          <a:xfrm flipH="1">
+            <a:off x="5528734" y="4561173"/>
+            <a:ext cx="1794933" cy="158659"/>
+          </a:xfrm>
+          <a:prstGeom prst="line">
+            <a:avLst/>
+          </a:prstGeom>
+          <a:ln>
+            <a:solidFill>
+              <a:srgbClr val="FF0000"/>
+            </a:solidFill>
+          </a:ln>
+        </p:spPr>
+        <p:style>
+          <a:lnRef idx="1">
+            <a:schemeClr val="accent6"/>
+          </a:lnRef>
+          <a:fillRef idx="0">
+            <a:schemeClr val="accent6"/>
+          </a:fillRef>
+          <a:effectRef idx="0">
+            <a:schemeClr val="accent6"/>
+          </a:effectRef>
+          <a:fontRef idx="minor">
+            <a:schemeClr val="tx1"/>
+          </a:fontRef>
+        </p:style>
+      </p:cxnSp>
+      <p:sp>
+        <p:nvSpPr>
+          <p:cNvPr id="9" name="TextBox 8">
+            <a:extLst>
+              <a:ext uri="{FF2B5EF4-FFF2-40B4-BE49-F238E27FC236}">
+                <a16:creationId xmlns:a16="http://schemas.microsoft.com/office/drawing/2014/main" id="{716F9FD3-64ED-4AD5-B288-264CD7A303F9}"/>
+              </a:ext>
+            </a:extLst>
+          </p:cNvPr>
+          <p:cNvSpPr txBox="1"/>
+          <p:nvPr/>
+        </p:nvSpPr>
+        <p:spPr>
+          <a:xfrm>
+            <a:off x="7323667" y="4420757"/>
+            <a:ext cx="1100667" cy="246221"/>
+          </a:xfrm>
+          <a:prstGeom prst="rect">
+            <a:avLst/>
+          </a:prstGeom>
+          <a:noFill/>
+        </p:spPr>
+        <p:txBody>
+          <a:bodyPr wrap="square" rtlCol="0">
+            <a:spAutoFit/>
+          </a:bodyPr>
+          <a:lstStyle/>
+          <a:p>
+            <a:r>
+              <a:rPr lang="en-US" sz="1000" dirty="0">
+                <a:latin typeface="Poppins" panose="00000500000000000000" pitchFamily="2" charset="0"/>
+                <a:cs typeface="Poppins" panose="00000500000000000000" pitchFamily="2" charset="0"/>
+              </a:rPr>
+              <a:t>Internal link</a:t>
+            </a:r>
+          </a:p>
+        </p:txBody>
+      </p:sp>
+      <p:sp>
+        <p:nvSpPr>
+          <p:cNvPr id="10" name="TextBox 9">
+            <a:extLst>
+              <a:ext uri="{FF2B5EF4-FFF2-40B4-BE49-F238E27FC236}">
+                <a16:creationId xmlns:a16="http://schemas.microsoft.com/office/drawing/2014/main" id="{F9C97E0E-DB7A-4272-835F-AFBD0468D6A3}"/>
+              </a:ext>
+            </a:extLst>
+          </p:cNvPr>
+          <p:cNvSpPr txBox="1"/>
+          <p:nvPr/>
+        </p:nvSpPr>
+        <p:spPr>
+          <a:xfrm>
+            <a:off x="8424334" y="2639291"/>
+            <a:ext cx="2495410" cy="1169551"/>
+          </a:xfrm>
+          <a:prstGeom prst="rect">
+            <a:avLst/>
+          </a:prstGeom>
+          <a:noFill/>
+        </p:spPr>
+        <p:txBody>
+          <a:bodyPr wrap="square" rtlCol="0">
+            <a:spAutoFit/>
+          </a:bodyPr>
+          <a:lstStyle/>
+          <a:p>
+            <a:pPr marL="228600" indent="-228600">
+              <a:buFont typeface="+mj-lt"/>
+              <a:buAutoNum type="arabicPeriod"/>
+            </a:pPr>
+            <a:r>
+              <a:rPr lang="en-US" sz="1000" dirty="0">
+                <a:latin typeface="Poppins" panose="00000500000000000000" pitchFamily="2" charset="0"/>
+                <a:cs typeface="Poppins" panose="00000500000000000000" pitchFamily="2" charset="0"/>
+              </a:rPr>
+              <a:t>External link </a:t>
+            </a:r>
+            <a:r>
+              <a:rPr lang="en-US" sz="1000" dirty="0" err="1">
+                <a:latin typeface="Poppins" panose="00000500000000000000" pitchFamily="2" charset="0"/>
+                <a:cs typeface="Poppins" panose="00000500000000000000" pitchFamily="2" charset="0"/>
+              </a:rPr>
+              <a:t>biasa</a:t>
+            </a:r>
+            <a:r>
+              <a:rPr lang="en-US" sz="1000" dirty="0">
+                <a:latin typeface="Poppins" panose="00000500000000000000" pitchFamily="2" charset="0"/>
+                <a:cs typeface="Poppins" panose="00000500000000000000" pitchFamily="2" charset="0"/>
+              </a:rPr>
+              <a:t> </a:t>
+            </a:r>
+            <a:r>
+              <a:rPr lang="en-US" sz="1000" dirty="0" err="1">
+                <a:latin typeface="Poppins" panose="00000500000000000000" pitchFamily="2" charset="0"/>
+                <a:cs typeface="Poppins" panose="00000500000000000000" pitchFamily="2" charset="0"/>
+              </a:rPr>
+              <a:t>digunakan</a:t>
+            </a:r>
+            <a:r>
+              <a:rPr lang="en-US" sz="1000" dirty="0">
+                <a:latin typeface="Poppins" panose="00000500000000000000" pitchFamily="2" charset="0"/>
+                <a:cs typeface="Poppins" panose="00000500000000000000" pitchFamily="2" charset="0"/>
+              </a:rPr>
+              <a:t> </a:t>
+            </a:r>
+            <a:r>
+              <a:rPr lang="en-US" sz="1000" dirty="0" err="1">
+                <a:latin typeface="Poppins" panose="00000500000000000000" pitchFamily="2" charset="0"/>
+                <a:cs typeface="Poppins" panose="00000500000000000000" pitchFamily="2" charset="0"/>
+              </a:rPr>
+              <a:t>untuk</a:t>
+            </a:r>
+            <a:r>
+              <a:rPr lang="en-US" sz="1000" dirty="0">
+                <a:latin typeface="Poppins" panose="00000500000000000000" pitchFamily="2" charset="0"/>
+                <a:cs typeface="Poppins" panose="00000500000000000000" pitchFamily="2" charset="0"/>
+              </a:rPr>
+              <a:t> </a:t>
+            </a:r>
+            <a:r>
+              <a:rPr lang="en-US" sz="1000" dirty="0" err="1">
+                <a:latin typeface="Poppins" panose="00000500000000000000" pitchFamily="2" charset="0"/>
+                <a:cs typeface="Poppins" panose="00000500000000000000" pitchFamily="2" charset="0"/>
+              </a:rPr>
+              <a:t>mengembed</a:t>
+            </a:r>
+            <a:r>
+              <a:rPr lang="en-US" sz="1000" dirty="0">
+                <a:latin typeface="Poppins" panose="00000500000000000000" pitchFamily="2" charset="0"/>
+                <a:cs typeface="Poppins" panose="00000500000000000000" pitchFamily="2" charset="0"/>
+              </a:rPr>
+              <a:t> </a:t>
+            </a:r>
+            <a:r>
+              <a:rPr lang="en-US" sz="1000" dirty="0" err="1">
+                <a:latin typeface="Poppins" panose="00000500000000000000" pitchFamily="2" charset="0"/>
+                <a:cs typeface="Poppins" panose="00000500000000000000" pitchFamily="2" charset="0"/>
+              </a:rPr>
+              <a:t>suatu</a:t>
+            </a:r>
+            <a:r>
+              <a:rPr lang="en-US" sz="1000" dirty="0">
+                <a:latin typeface="Poppins" panose="00000500000000000000" pitchFamily="2" charset="0"/>
+                <a:cs typeface="Poppins" panose="00000500000000000000" pitchFamily="2" charset="0"/>
+              </a:rPr>
+              <a:t> link website orang lain</a:t>
+            </a:r>
+          </a:p>
+          <a:p>
+            <a:pPr marL="228600" indent="-228600">
+              <a:buFont typeface="+mj-lt"/>
+              <a:buAutoNum type="arabicPeriod"/>
+            </a:pPr>
+            <a:endParaRPr lang="en-US" sz="1000" dirty="0">
+              <a:latin typeface="Poppins" panose="00000500000000000000" pitchFamily="2" charset="0"/>
+              <a:cs typeface="Poppins" panose="00000500000000000000" pitchFamily="2" charset="0"/>
+            </a:endParaRPr>
+          </a:p>
+          <a:p>
+            <a:pPr marL="228600" indent="-228600">
+              <a:buFont typeface="+mj-lt"/>
+              <a:buAutoNum type="arabicPeriod"/>
+            </a:pPr>
+            <a:r>
+              <a:rPr lang="en-US" sz="1000" dirty="0">
+                <a:latin typeface="Poppins" panose="00000500000000000000" pitchFamily="2" charset="0"/>
+                <a:cs typeface="Poppins" panose="00000500000000000000" pitchFamily="2" charset="0"/>
+              </a:rPr>
+              <a:t>Internal link </a:t>
+            </a:r>
+            <a:r>
+              <a:rPr lang="en-US" sz="1000" dirty="0" err="1">
+                <a:latin typeface="Poppins" panose="00000500000000000000" pitchFamily="2" charset="0"/>
+                <a:cs typeface="Poppins" panose="00000500000000000000" pitchFamily="2" charset="0"/>
+              </a:rPr>
+              <a:t>biasa</a:t>
+            </a:r>
+            <a:r>
+              <a:rPr lang="en-US" sz="1000" dirty="0">
+                <a:latin typeface="Poppins" panose="00000500000000000000" pitchFamily="2" charset="0"/>
+                <a:cs typeface="Poppins" panose="00000500000000000000" pitchFamily="2" charset="0"/>
+              </a:rPr>
+              <a:t> </a:t>
+            </a:r>
+            <a:r>
+              <a:rPr lang="en-US" sz="1000" dirty="0" err="1">
+                <a:latin typeface="Poppins" panose="00000500000000000000" pitchFamily="2" charset="0"/>
+                <a:cs typeface="Poppins" panose="00000500000000000000" pitchFamily="2" charset="0"/>
+              </a:rPr>
+              <a:t>digunakan</a:t>
+            </a:r>
+            <a:r>
+              <a:rPr lang="en-US" sz="1000" dirty="0">
+                <a:latin typeface="Poppins" panose="00000500000000000000" pitchFamily="2" charset="0"/>
+                <a:cs typeface="Poppins" panose="00000500000000000000" pitchFamily="2" charset="0"/>
+              </a:rPr>
+              <a:t> </a:t>
+            </a:r>
+            <a:r>
+              <a:rPr lang="en-US" sz="1000" dirty="0" err="1">
+                <a:latin typeface="Poppins" panose="00000500000000000000" pitchFamily="2" charset="0"/>
+                <a:cs typeface="Poppins" panose="00000500000000000000" pitchFamily="2" charset="0"/>
+              </a:rPr>
+              <a:t>untuk</a:t>
+            </a:r>
+            <a:r>
+              <a:rPr lang="en-US" sz="1000" dirty="0">
+                <a:latin typeface="Poppins" panose="00000500000000000000" pitchFamily="2" charset="0"/>
+                <a:cs typeface="Poppins" panose="00000500000000000000" pitchFamily="2" charset="0"/>
+              </a:rPr>
+              <a:t> </a:t>
+            </a:r>
+            <a:r>
+              <a:rPr lang="en-US" sz="1000" dirty="0" err="1">
+                <a:latin typeface="Poppins" panose="00000500000000000000" pitchFamily="2" charset="0"/>
+                <a:cs typeface="Poppins" panose="00000500000000000000" pitchFamily="2" charset="0"/>
+              </a:rPr>
+              <a:t>berpindah</a:t>
+            </a:r>
+            <a:r>
+              <a:rPr lang="en-US" sz="1000" dirty="0">
+                <a:latin typeface="Poppins" panose="00000500000000000000" pitchFamily="2" charset="0"/>
+                <a:cs typeface="Poppins" panose="00000500000000000000" pitchFamily="2" charset="0"/>
+              </a:rPr>
+              <a:t> </a:t>
+            </a:r>
+            <a:r>
+              <a:rPr lang="en-US" sz="1000" dirty="0" err="1">
+                <a:latin typeface="Poppins" panose="00000500000000000000" pitchFamily="2" charset="0"/>
+                <a:cs typeface="Poppins" panose="00000500000000000000" pitchFamily="2" charset="0"/>
+              </a:rPr>
+              <a:t>halaman</a:t>
+            </a:r>
+            <a:r>
+              <a:rPr lang="en-US" sz="1000" dirty="0">
+                <a:latin typeface="Poppins" panose="00000500000000000000" pitchFamily="2" charset="0"/>
+                <a:cs typeface="Poppins" panose="00000500000000000000" pitchFamily="2" charset="0"/>
+              </a:rPr>
+              <a:t> pada website </a:t>
+            </a:r>
+            <a:r>
+              <a:rPr lang="en-US" sz="1000" dirty="0" err="1">
+                <a:latin typeface="Poppins" panose="00000500000000000000" pitchFamily="2" charset="0"/>
+                <a:cs typeface="Poppins" panose="00000500000000000000" pitchFamily="2" charset="0"/>
+              </a:rPr>
+              <a:t>kita</a:t>
+            </a:r>
+            <a:endParaRPr lang="en-US" sz="1000" dirty="0">
+              <a:latin typeface="Poppins" panose="00000500000000000000" pitchFamily="2" charset="0"/>
+              <a:cs typeface="Poppins" panose="00000500000000000000" pitchFamily="2" charset="0"/>
+            </a:endParaRPr>
+          </a:p>
+        </p:txBody>
+      </p:sp>
+    </p:spTree>
+    <p:extLst>
+      <p:ext uri="{BB962C8B-B14F-4D97-AF65-F5344CB8AC3E}">
+        <p14:creationId xmlns:p14="http://schemas.microsoft.com/office/powerpoint/2010/main" val="1140366746"/>
+      </p:ext>
+    </p:extLst>
+  </p:cSld>
+  <p:clrMapOvr>
+    <a:masterClrMapping/>
+  </p:clrMapOvr>
+</p:sld>
+</file>
+
+<file path=ppt/slides/slide8.xml><?xml version="1.0" encoding="utf-8"?>
+<p:sld xmlns:a="http://schemas.openxmlformats.org/drawingml/2006/main" xmlns:r="http://schemas.openxmlformats.org/officeDocument/2006/relationships" xmlns:p="http://schemas.openxmlformats.org/presentationml/2006/main">
+  <p:cSld>
+    <p:spTree>
+      <p:nvGrpSpPr>
+        <p:cNvPr id="1" name=""/>
+        <p:cNvGrpSpPr/>
+        <p:nvPr/>
+      </p:nvGrpSpPr>
+      <p:grpSpPr>
+        <a:xfrm>
+          <a:off x="0" y="0"/>
+          <a:ext cx="0" cy="0"/>
+          <a:chOff x="0" y="0"/>
+          <a:chExt cx="0" cy="0"/>
+        </a:xfrm>
+      </p:grpSpPr>
+      <p:sp>
+        <p:nvSpPr>
+          <p:cNvPr id="2" name="TextBox 1">
+            <a:extLst>
+              <a:ext uri="{FF2B5EF4-FFF2-40B4-BE49-F238E27FC236}">
+                <a16:creationId xmlns:a16="http://schemas.microsoft.com/office/drawing/2014/main" id="{9D87E491-6977-48BB-92ED-D1309480619D}"/>
+              </a:ext>
+            </a:extLst>
+          </p:cNvPr>
+          <p:cNvSpPr txBox="1"/>
+          <p:nvPr/>
+        </p:nvSpPr>
+        <p:spPr>
+          <a:xfrm>
+            <a:off x="770950" y="377376"/>
+            <a:ext cx="726481" cy="338554"/>
+          </a:xfrm>
+          <a:prstGeom prst="rect">
+            <a:avLst/>
+          </a:prstGeom>
+          <a:noFill/>
+        </p:spPr>
+        <p:txBody>
+          <a:bodyPr wrap="none" rtlCol="0">
+            <a:spAutoFit/>
+          </a:bodyPr>
+          <a:lstStyle/>
+          <a:p>
+            <a:r>
+              <a:rPr lang="en-US" sz="1600" dirty="0" err="1">
+                <a:latin typeface="Poppins" panose="00000500000000000000" pitchFamily="2" charset="0"/>
+                <a:cs typeface="Poppins" panose="00000500000000000000" pitchFamily="2" charset="0"/>
+              </a:rPr>
+              <a:t>ul,li,ol</a:t>
+            </a:r>
+            <a:endParaRPr lang="en-US" sz="1600" dirty="0">
+              <a:latin typeface="Poppins" panose="00000500000000000000" pitchFamily="2" charset="0"/>
+              <a:cs typeface="Poppins" panose="00000500000000000000" pitchFamily="2" charset="0"/>
+            </a:endParaRPr>
+          </a:p>
+        </p:txBody>
+      </p:sp>
+      <p:pic>
+        <p:nvPicPr>
+          <p:cNvPr id="4" name="Picture 3">
+            <a:extLst>
+              <a:ext uri="{FF2B5EF4-FFF2-40B4-BE49-F238E27FC236}">
+                <a16:creationId xmlns:a16="http://schemas.microsoft.com/office/drawing/2014/main" id="{B5416109-4AAE-42D2-B2DA-952D3B1A8A71}"/>
+              </a:ext>
+            </a:extLst>
+          </p:cNvPr>
+          <p:cNvPicPr>
+            <a:picLocks noChangeAspect="1"/>
+          </p:cNvPicPr>
+          <p:nvPr/>
+        </p:nvPicPr>
+        <p:blipFill>
+          <a:blip r:embed="rId2">
+            <a:extLst>
+              <a:ext uri="{28A0092B-C50C-407E-A947-70E740481C1C}">
+                <a14:useLocalDpi xmlns:a14="http://schemas.microsoft.com/office/drawing/2010/main" val="0"/>
+              </a:ext>
+            </a:extLst>
+          </a:blip>
+          <a:stretch>
+            <a:fillRect/>
+          </a:stretch>
+        </p:blipFill>
+        <p:spPr>
+          <a:xfrm>
+            <a:off x="1497431" y="915396"/>
+            <a:ext cx="4743794" cy="4799603"/>
+          </a:xfrm>
+          <a:prstGeom prst="rect">
+            <a:avLst/>
+          </a:prstGeom>
+        </p:spPr>
+      </p:pic>
+      <p:sp>
+        <p:nvSpPr>
+          <p:cNvPr id="5" name="TextBox 4">
+            <a:extLst>
+              <a:ext uri="{FF2B5EF4-FFF2-40B4-BE49-F238E27FC236}">
+                <a16:creationId xmlns:a16="http://schemas.microsoft.com/office/drawing/2014/main" id="{0935CB9C-159C-4F91-ADFD-AF517B0C5856}"/>
+              </a:ext>
+            </a:extLst>
+          </p:cNvPr>
+          <p:cNvSpPr txBox="1"/>
+          <p:nvPr/>
+        </p:nvSpPr>
+        <p:spPr>
+          <a:xfrm>
+            <a:off x="7230534" y="2536448"/>
+            <a:ext cx="2495410" cy="1785104"/>
+          </a:xfrm>
+          <a:prstGeom prst="rect">
+            <a:avLst/>
+          </a:prstGeom>
+          <a:noFill/>
+        </p:spPr>
+        <p:txBody>
+          <a:bodyPr wrap="square" rtlCol="0">
+            <a:spAutoFit/>
+          </a:bodyPr>
+          <a:lstStyle/>
+          <a:p>
+            <a:pPr marL="228600" indent="-228600">
+              <a:buFont typeface="+mj-lt"/>
+              <a:buAutoNum type="arabicPeriod"/>
+            </a:pPr>
+            <a:r>
+              <a:rPr lang="en-US" sz="1000" dirty="0">
+                <a:latin typeface="Poppins" panose="00000500000000000000" pitchFamily="2" charset="0"/>
+                <a:cs typeface="Poppins" panose="00000500000000000000" pitchFamily="2" charset="0"/>
+              </a:rPr>
+              <a:t>ul (unorder list) </a:t>
+            </a:r>
+            <a:r>
+              <a:rPr lang="en-US" sz="1000" dirty="0" err="1">
+                <a:latin typeface="Poppins" panose="00000500000000000000" pitchFamily="2" charset="0"/>
+                <a:cs typeface="Poppins" panose="00000500000000000000" pitchFamily="2" charset="0"/>
+              </a:rPr>
+              <a:t>biasa</a:t>
+            </a:r>
+            <a:r>
+              <a:rPr lang="en-US" sz="1000" dirty="0">
+                <a:latin typeface="Poppins" panose="00000500000000000000" pitchFamily="2" charset="0"/>
+                <a:cs typeface="Poppins" panose="00000500000000000000" pitchFamily="2" charset="0"/>
+              </a:rPr>
+              <a:t> </a:t>
+            </a:r>
+            <a:r>
+              <a:rPr lang="en-US" sz="1000" dirty="0" err="1">
+                <a:latin typeface="Poppins" panose="00000500000000000000" pitchFamily="2" charset="0"/>
+                <a:cs typeface="Poppins" panose="00000500000000000000" pitchFamily="2" charset="0"/>
+              </a:rPr>
+              <a:t>digunakan</a:t>
+            </a:r>
+            <a:r>
+              <a:rPr lang="en-US" sz="1000" dirty="0">
+                <a:latin typeface="Poppins" panose="00000500000000000000" pitchFamily="2" charset="0"/>
+                <a:cs typeface="Poppins" panose="00000500000000000000" pitchFamily="2" charset="0"/>
+              </a:rPr>
+              <a:t> </a:t>
+            </a:r>
+            <a:r>
+              <a:rPr lang="en-US" sz="1000" dirty="0" err="1">
+                <a:latin typeface="Poppins" panose="00000500000000000000" pitchFamily="2" charset="0"/>
+                <a:cs typeface="Poppins" panose="00000500000000000000" pitchFamily="2" charset="0"/>
+              </a:rPr>
+              <a:t>untuk</a:t>
+            </a:r>
+            <a:r>
+              <a:rPr lang="en-US" sz="1000" dirty="0">
+                <a:latin typeface="Poppins" panose="00000500000000000000" pitchFamily="2" charset="0"/>
+                <a:cs typeface="Poppins" panose="00000500000000000000" pitchFamily="2" charset="0"/>
+              </a:rPr>
+              <a:t> </a:t>
+            </a:r>
+            <a:r>
+              <a:rPr lang="en-US" sz="1000" dirty="0" err="1">
+                <a:latin typeface="Poppins" panose="00000500000000000000" pitchFamily="2" charset="0"/>
+                <a:cs typeface="Poppins" panose="00000500000000000000" pitchFamily="2" charset="0"/>
+              </a:rPr>
+              <a:t>membuat</a:t>
+            </a:r>
+            <a:r>
+              <a:rPr lang="en-US" sz="1000" dirty="0">
+                <a:latin typeface="Poppins" panose="00000500000000000000" pitchFamily="2" charset="0"/>
+                <a:cs typeface="Poppins" panose="00000500000000000000" pitchFamily="2" charset="0"/>
+              </a:rPr>
+              <a:t> list item yang </a:t>
+            </a:r>
+            <a:r>
+              <a:rPr lang="en-US" sz="1000" dirty="0" err="1">
+                <a:latin typeface="Poppins" panose="00000500000000000000" pitchFamily="2" charset="0"/>
+                <a:cs typeface="Poppins" panose="00000500000000000000" pitchFamily="2" charset="0"/>
+              </a:rPr>
+              <a:t>tidak</a:t>
+            </a:r>
+            <a:r>
+              <a:rPr lang="en-US" sz="1000" dirty="0">
+                <a:latin typeface="Poppins" panose="00000500000000000000" pitchFamily="2" charset="0"/>
+                <a:cs typeface="Poppins" panose="00000500000000000000" pitchFamily="2" charset="0"/>
+              </a:rPr>
+              <a:t> </a:t>
+            </a:r>
+            <a:r>
+              <a:rPr lang="en-US" sz="1000" dirty="0" err="1">
+                <a:latin typeface="Poppins" panose="00000500000000000000" pitchFamily="2" charset="0"/>
+                <a:cs typeface="Poppins" panose="00000500000000000000" pitchFamily="2" charset="0"/>
+              </a:rPr>
+              <a:t>berurutan</a:t>
+            </a:r>
+            <a:r>
+              <a:rPr lang="en-US" sz="1000" dirty="0">
+                <a:latin typeface="Poppins" panose="00000500000000000000" pitchFamily="2" charset="0"/>
+                <a:cs typeface="Poppins" panose="00000500000000000000" pitchFamily="2" charset="0"/>
+              </a:rPr>
+              <a:t> </a:t>
+            </a:r>
+          </a:p>
+          <a:p>
+            <a:pPr marL="228600" indent="-228600">
+              <a:buFont typeface="+mj-lt"/>
+              <a:buAutoNum type="arabicPeriod"/>
+            </a:pPr>
+            <a:endParaRPr lang="en-US" sz="1000" dirty="0">
+              <a:latin typeface="Poppins" panose="00000500000000000000" pitchFamily="2" charset="0"/>
+              <a:cs typeface="Poppins" panose="00000500000000000000" pitchFamily="2" charset="0"/>
+            </a:endParaRPr>
+          </a:p>
+          <a:p>
+            <a:pPr marL="228600" indent="-228600">
+              <a:buFont typeface="+mj-lt"/>
+              <a:buAutoNum type="arabicPeriod"/>
+            </a:pPr>
+            <a:r>
+              <a:rPr lang="en-US" sz="1000" dirty="0" err="1">
+                <a:latin typeface="Poppins" panose="00000500000000000000" pitchFamily="2" charset="0"/>
+                <a:cs typeface="Poppins" panose="00000500000000000000" pitchFamily="2" charset="0"/>
+              </a:rPr>
+              <a:t>ol</a:t>
+            </a:r>
+            <a:r>
+              <a:rPr lang="en-US" sz="1000" dirty="0">
+                <a:latin typeface="Poppins" panose="00000500000000000000" pitchFamily="2" charset="0"/>
+                <a:cs typeface="Poppins" panose="00000500000000000000" pitchFamily="2" charset="0"/>
+              </a:rPr>
+              <a:t> (order list) </a:t>
+            </a:r>
+            <a:r>
+              <a:rPr lang="en-US" sz="1000" dirty="0" err="1">
+                <a:latin typeface="Poppins" panose="00000500000000000000" pitchFamily="2" charset="0"/>
+                <a:cs typeface="Poppins" panose="00000500000000000000" pitchFamily="2" charset="0"/>
+              </a:rPr>
+              <a:t>biasa</a:t>
+            </a:r>
+            <a:r>
+              <a:rPr lang="en-US" sz="1000" dirty="0">
+                <a:latin typeface="Poppins" panose="00000500000000000000" pitchFamily="2" charset="0"/>
+                <a:cs typeface="Poppins" panose="00000500000000000000" pitchFamily="2" charset="0"/>
+              </a:rPr>
+              <a:t> </a:t>
+            </a:r>
+            <a:r>
+              <a:rPr lang="en-US" sz="1000" dirty="0" err="1">
+                <a:latin typeface="Poppins" panose="00000500000000000000" pitchFamily="2" charset="0"/>
+                <a:cs typeface="Poppins" panose="00000500000000000000" pitchFamily="2" charset="0"/>
+              </a:rPr>
+              <a:t>digunakan</a:t>
+            </a:r>
+            <a:r>
+              <a:rPr lang="en-US" sz="1000" dirty="0">
+                <a:latin typeface="Poppins" panose="00000500000000000000" pitchFamily="2" charset="0"/>
+                <a:cs typeface="Poppins" panose="00000500000000000000" pitchFamily="2" charset="0"/>
+              </a:rPr>
+              <a:t> </a:t>
+            </a:r>
+            <a:r>
+              <a:rPr lang="en-US" sz="1000" dirty="0" err="1">
+                <a:latin typeface="Poppins" panose="00000500000000000000" pitchFamily="2" charset="0"/>
+                <a:cs typeface="Poppins" panose="00000500000000000000" pitchFamily="2" charset="0"/>
+              </a:rPr>
+              <a:t>untuk</a:t>
+            </a:r>
+            <a:r>
+              <a:rPr lang="en-US" sz="1000" dirty="0">
+                <a:latin typeface="Poppins" panose="00000500000000000000" pitchFamily="2" charset="0"/>
+                <a:cs typeface="Poppins" panose="00000500000000000000" pitchFamily="2" charset="0"/>
+              </a:rPr>
+              <a:t> </a:t>
+            </a:r>
+            <a:r>
+              <a:rPr lang="en-US" sz="1000" dirty="0" err="1">
+                <a:latin typeface="Poppins" panose="00000500000000000000" pitchFamily="2" charset="0"/>
+                <a:cs typeface="Poppins" panose="00000500000000000000" pitchFamily="2" charset="0"/>
+              </a:rPr>
+              <a:t>membuat</a:t>
+            </a:r>
+            <a:r>
+              <a:rPr lang="en-US" sz="1000" dirty="0">
+                <a:latin typeface="Poppins" panose="00000500000000000000" pitchFamily="2" charset="0"/>
+                <a:cs typeface="Poppins" panose="00000500000000000000" pitchFamily="2" charset="0"/>
+              </a:rPr>
+              <a:t> list item yang </a:t>
+            </a:r>
+            <a:r>
+              <a:rPr lang="en-US" sz="1000" dirty="0" err="1">
+                <a:latin typeface="Poppins" panose="00000500000000000000" pitchFamily="2" charset="0"/>
+                <a:cs typeface="Poppins" panose="00000500000000000000" pitchFamily="2" charset="0"/>
+              </a:rPr>
+              <a:t>berururtan</a:t>
+            </a:r>
+            <a:r>
+              <a:rPr lang="en-US" sz="1000" dirty="0">
+                <a:latin typeface="Poppins" panose="00000500000000000000" pitchFamily="2" charset="0"/>
+                <a:cs typeface="Poppins" panose="00000500000000000000" pitchFamily="2" charset="0"/>
+              </a:rPr>
+              <a:t> (1-n)</a:t>
+            </a:r>
+          </a:p>
+          <a:p>
+            <a:pPr marL="228600" indent="-228600">
+              <a:buFont typeface="+mj-lt"/>
+              <a:buAutoNum type="arabicPeriod"/>
+            </a:pPr>
+            <a:endParaRPr lang="en-US" sz="1000" dirty="0">
+              <a:latin typeface="Poppins" panose="00000500000000000000" pitchFamily="2" charset="0"/>
+              <a:cs typeface="Poppins" panose="00000500000000000000" pitchFamily="2" charset="0"/>
+            </a:endParaRPr>
+          </a:p>
+          <a:p>
+            <a:pPr marL="228600" indent="-228600">
+              <a:buFont typeface="+mj-lt"/>
+              <a:buAutoNum type="arabicPeriod"/>
+            </a:pPr>
+            <a:r>
+              <a:rPr lang="en-US" sz="1000" dirty="0">
+                <a:latin typeface="Poppins" panose="00000500000000000000" pitchFamily="2" charset="0"/>
+                <a:cs typeface="Poppins" panose="00000500000000000000" pitchFamily="2" charset="0"/>
+              </a:rPr>
+              <a:t>li (list item) </a:t>
+            </a:r>
+            <a:r>
+              <a:rPr lang="en-US" sz="1000" dirty="0" err="1">
+                <a:latin typeface="Poppins" panose="00000500000000000000" pitchFamily="2" charset="0"/>
+                <a:cs typeface="Poppins" panose="00000500000000000000" pitchFamily="2" charset="0"/>
+              </a:rPr>
+              <a:t>biasa</a:t>
+            </a:r>
+            <a:r>
+              <a:rPr lang="en-US" sz="1000" dirty="0">
+                <a:latin typeface="Poppins" panose="00000500000000000000" pitchFamily="2" charset="0"/>
+                <a:cs typeface="Poppins" panose="00000500000000000000" pitchFamily="2" charset="0"/>
+              </a:rPr>
+              <a:t> </a:t>
+            </a:r>
+            <a:r>
+              <a:rPr lang="en-US" sz="1000" dirty="0" err="1">
+                <a:latin typeface="Poppins" panose="00000500000000000000" pitchFamily="2" charset="0"/>
+                <a:cs typeface="Poppins" panose="00000500000000000000" pitchFamily="2" charset="0"/>
+              </a:rPr>
+              <a:t>digunakan</a:t>
+            </a:r>
+            <a:r>
+              <a:rPr lang="en-US" sz="1000" dirty="0">
+                <a:latin typeface="Poppins" panose="00000500000000000000" pitchFamily="2" charset="0"/>
+                <a:cs typeface="Poppins" panose="00000500000000000000" pitchFamily="2" charset="0"/>
+              </a:rPr>
+              <a:t> </a:t>
+            </a:r>
+            <a:r>
+              <a:rPr lang="en-US" sz="1000" dirty="0" err="1">
+                <a:latin typeface="Poppins" panose="00000500000000000000" pitchFamily="2" charset="0"/>
+                <a:cs typeface="Poppins" panose="00000500000000000000" pitchFamily="2" charset="0"/>
+              </a:rPr>
+              <a:t>didalam</a:t>
+            </a:r>
+            <a:r>
+              <a:rPr lang="en-US" sz="1000" dirty="0">
+                <a:latin typeface="Poppins" panose="00000500000000000000" pitchFamily="2" charset="0"/>
+                <a:cs typeface="Poppins" panose="00000500000000000000" pitchFamily="2" charset="0"/>
+              </a:rPr>
+              <a:t> ul/</a:t>
+            </a:r>
+            <a:r>
+              <a:rPr lang="en-US" sz="1000" dirty="0" err="1">
+                <a:latin typeface="Poppins" panose="00000500000000000000" pitchFamily="2" charset="0"/>
+                <a:cs typeface="Poppins" panose="00000500000000000000" pitchFamily="2" charset="0"/>
+              </a:rPr>
+              <a:t>ol</a:t>
+            </a:r>
+            <a:r>
+              <a:rPr lang="en-US" sz="1000" dirty="0">
+                <a:latin typeface="Poppins" panose="00000500000000000000" pitchFamily="2" charset="0"/>
+                <a:cs typeface="Poppins" panose="00000500000000000000" pitchFamily="2" charset="0"/>
+              </a:rPr>
+              <a:t> </a:t>
+            </a:r>
+            <a:r>
+              <a:rPr lang="en-US" sz="1000" dirty="0" err="1">
+                <a:latin typeface="Poppins" panose="00000500000000000000" pitchFamily="2" charset="0"/>
+                <a:cs typeface="Poppins" panose="00000500000000000000" pitchFamily="2" charset="0"/>
+              </a:rPr>
+              <a:t>untuk</a:t>
+            </a:r>
+            <a:r>
+              <a:rPr lang="en-US" sz="1000" dirty="0">
+                <a:latin typeface="Poppins" panose="00000500000000000000" pitchFamily="2" charset="0"/>
+                <a:cs typeface="Poppins" panose="00000500000000000000" pitchFamily="2" charset="0"/>
+              </a:rPr>
+              <a:t> </a:t>
+            </a:r>
+            <a:r>
+              <a:rPr lang="en-US" sz="1000" dirty="0" err="1">
+                <a:latin typeface="Poppins" panose="00000500000000000000" pitchFamily="2" charset="0"/>
+                <a:cs typeface="Poppins" panose="00000500000000000000" pitchFamily="2" charset="0"/>
+              </a:rPr>
+              <a:t>membuat</a:t>
+            </a:r>
+            <a:r>
+              <a:rPr lang="en-US" sz="1000" dirty="0">
+                <a:latin typeface="Poppins" panose="00000500000000000000" pitchFamily="2" charset="0"/>
+                <a:cs typeface="Poppins" panose="00000500000000000000" pitchFamily="2" charset="0"/>
+              </a:rPr>
+              <a:t> </a:t>
+            </a:r>
+            <a:r>
+              <a:rPr lang="en-US" sz="1000" dirty="0" err="1">
+                <a:latin typeface="Poppins" panose="00000500000000000000" pitchFamily="2" charset="0"/>
+                <a:cs typeface="Poppins" panose="00000500000000000000" pitchFamily="2" charset="0"/>
+              </a:rPr>
+              <a:t>isi</a:t>
+            </a:r>
+            <a:r>
+              <a:rPr lang="en-US" sz="1000" dirty="0">
+                <a:latin typeface="Poppins" panose="00000500000000000000" pitchFamily="2" charset="0"/>
+                <a:cs typeface="Poppins" panose="00000500000000000000" pitchFamily="2" charset="0"/>
+              </a:rPr>
+              <a:t> </a:t>
+            </a:r>
+            <a:r>
+              <a:rPr lang="en-US" sz="1000" dirty="0" err="1">
+                <a:latin typeface="Poppins" panose="00000500000000000000" pitchFamily="2" charset="0"/>
+                <a:cs typeface="Poppins" panose="00000500000000000000" pitchFamily="2" charset="0"/>
+              </a:rPr>
+              <a:t>dari</a:t>
+            </a:r>
+            <a:r>
+              <a:rPr lang="en-US" sz="1000" dirty="0">
+                <a:latin typeface="Poppins" panose="00000500000000000000" pitchFamily="2" charset="0"/>
+                <a:cs typeface="Poppins" panose="00000500000000000000" pitchFamily="2" charset="0"/>
+              </a:rPr>
+              <a:t> list </a:t>
+            </a:r>
+            <a:r>
+              <a:rPr lang="en-US" sz="1000" dirty="0" err="1">
+                <a:latin typeface="Poppins" panose="00000500000000000000" pitchFamily="2" charset="0"/>
+                <a:cs typeface="Poppins" panose="00000500000000000000" pitchFamily="2" charset="0"/>
+              </a:rPr>
+              <a:t>nya</a:t>
+            </a:r>
+            <a:r>
+              <a:rPr lang="en-US" sz="1000" dirty="0">
+                <a:latin typeface="Poppins" panose="00000500000000000000" pitchFamily="2" charset="0"/>
+                <a:cs typeface="Poppins" panose="00000500000000000000" pitchFamily="2" charset="0"/>
+              </a:rPr>
+              <a:t> / </a:t>
+            </a:r>
+            <a:r>
+              <a:rPr lang="en-US" sz="1000" dirty="0" err="1">
+                <a:latin typeface="Poppins" panose="00000500000000000000" pitchFamily="2" charset="0"/>
+                <a:cs typeface="Poppins" panose="00000500000000000000" pitchFamily="2" charset="0"/>
+              </a:rPr>
+              <a:t>itemnya</a:t>
+            </a:r>
+            <a:endParaRPr lang="en-US" sz="1000" dirty="0">
+              <a:latin typeface="Poppins" panose="00000500000000000000" pitchFamily="2" charset="0"/>
+              <a:cs typeface="Poppins" panose="00000500000000000000" pitchFamily="2" charset="0"/>
+            </a:endParaRPr>
+          </a:p>
+        </p:txBody>
+      </p:sp>
+    </p:spTree>
+    <p:extLst>
+      <p:ext uri="{BB962C8B-B14F-4D97-AF65-F5344CB8AC3E}">
+        <p14:creationId xmlns:p14="http://schemas.microsoft.com/office/powerpoint/2010/main" val="1751076442"/>
+      </p:ext>
+    </p:extLst>
+  </p:cSld>
+  <p:clrMapOvr>
+    <a:masterClrMapping/>
+  </p:clrMapOvr>
+</p:sld>
+</file>
+
+<file path=ppt/slides/slide9.xml><?xml version="1.0" encoding="utf-8"?>
+<p:sld xmlns:a="http://schemas.openxmlformats.org/drawingml/2006/main" xmlns:r="http://schemas.openxmlformats.org/officeDocument/2006/relationships" xmlns:p="http://schemas.openxmlformats.org/presentationml/2006/main">
+  <p:cSld>
+    <p:spTree>
+      <p:nvGrpSpPr>
+        <p:cNvPr id="1" name=""/>
+        <p:cNvGrpSpPr/>
+        <p:nvPr/>
+      </p:nvGrpSpPr>
+      <p:grpSpPr>
+        <a:xfrm>
+          <a:off x="0" y="0"/>
+          <a:ext cx="0" cy="0"/>
+          <a:chOff x="0" y="0"/>
+          <a:chExt cx="0" cy="0"/>
+        </a:xfrm>
+      </p:grpSpPr>
+      <p:sp>
+        <p:nvSpPr>
+          <p:cNvPr id="2" name="TextBox 1">
+            <a:extLst>
+              <a:ext uri="{FF2B5EF4-FFF2-40B4-BE49-F238E27FC236}">
+                <a16:creationId xmlns:a16="http://schemas.microsoft.com/office/drawing/2014/main" id="{46C6A598-E957-4F2C-96BD-EA5E5A806FA6}"/>
+              </a:ext>
+            </a:extLst>
+          </p:cNvPr>
+          <p:cNvSpPr txBox="1"/>
+          <p:nvPr/>
+        </p:nvSpPr>
+        <p:spPr>
+          <a:xfrm>
+            <a:off x="770950" y="377376"/>
+            <a:ext cx="715260" cy="338554"/>
+          </a:xfrm>
+          <a:prstGeom prst="rect">
+            <a:avLst/>
+          </a:prstGeom>
+          <a:noFill/>
+        </p:spPr>
+        <p:txBody>
+          <a:bodyPr wrap="none" rtlCol="0">
+            <a:spAutoFit/>
+          </a:bodyPr>
+          <a:lstStyle/>
+          <a:p>
+            <a:r>
+              <a:rPr lang="en-US" sz="1600" dirty="0">
+                <a:latin typeface="Poppins" panose="00000500000000000000" pitchFamily="2" charset="0"/>
+                <a:cs typeface="Poppins" panose="00000500000000000000" pitchFamily="2" charset="0"/>
+              </a:rPr>
+              <a:t>table</a:t>
+            </a:r>
+          </a:p>
+        </p:txBody>
+      </p:sp>
+      <p:pic>
+        <p:nvPicPr>
+          <p:cNvPr id="3" name="Picture 2">
+            <a:extLst>
+              <a:ext uri="{FF2B5EF4-FFF2-40B4-BE49-F238E27FC236}">
+                <a16:creationId xmlns:a16="http://schemas.microsoft.com/office/drawing/2014/main" id="{3D13B453-4F05-45AB-9897-8397BE05FB7C}"/>
+              </a:ext>
+            </a:extLst>
+          </p:cNvPr>
+          <p:cNvPicPr>
+            <a:picLocks noChangeAspect="1"/>
+          </p:cNvPicPr>
+          <p:nvPr/>
+        </p:nvPicPr>
+        <p:blipFill>
+          <a:blip r:embed="rId2">
+            <a:extLst>
+              <a:ext uri="{28A0092B-C50C-407E-A947-70E740481C1C}">
+                <a14:useLocalDpi xmlns:a14="http://schemas.microsoft.com/office/drawing/2010/main" val="0"/>
+              </a:ext>
+            </a:extLst>
+          </a:blip>
+          <a:stretch>
+            <a:fillRect/>
+          </a:stretch>
+        </p:blipFill>
+        <p:spPr>
+          <a:xfrm>
+            <a:off x="1337734" y="1099297"/>
+            <a:ext cx="4608735" cy="4920503"/>
+          </a:xfrm>
+          <a:prstGeom prst="rect">
+            <a:avLst/>
+          </a:prstGeom>
+        </p:spPr>
+      </p:pic>
+      <p:sp>
+        <p:nvSpPr>
+          <p:cNvPr id="4" name="TextBox 3">
+            <a:extLst>
+              <a:ext uri="{FF2B5EF4-FFF2-40B4-BE49-F238E27FC236}">
+                <a16:creationId xmlns:a16="http://schemas.microsoft.com/office/drawing/2014/main" id="{C1958A7D-DA8B-473F-B4AF-6630FCED0901}"/>
+              </a:ext>
+            </a:extLst>
+          </p:cNvPr>
+          <p:cNvSpPr txBox="1"/>
+          <p:nvPr/>
+        </p:nvSpPr>
+        <p:spPr>
+          <a:xfrm>
+            <a:off x="6908801" y="2382559"/>
+            <a:ext cx="2495410" cy="2092881"/>
+          </a:xfrm>
+          <a:prstGeom prst="rect">
+            <a:avLst/>
+          </a:prstGeom>
+          <a:noFill/>
+        </p:spPr>
+        <p:txBody>
+          <a:bodyPr wrap="square" rtlCol="0">
+            <a:spAutoFit/>
+          </a:bodyPr>
+          <a:lstStyle/>
+          <a:p>
+            <a:pPr marL="228600" indent="-228600">
+              <a:buFont typeface="+mj-lt"/>
+              <a:buAutoNum type="arabicPeriod"/>
+            </a:pPr>
+            <a:r>
+              <a:rPr lang="en-US" sz="1000" dirty="0">
+                <a:latin typeface="Poppins" panose="00000500000000000000" pitchFamily="2" charset="0"/>
+                <a:cs typeface="Poppins" panose="00000500000000000000" pitchFamily="2" charset="0"/>
+              </a:rPr>
+              <a:t>table </a:t>
+            </a:r>
+            <a:r>
+              <a:rPr lang="en-US" sz="1000" dirty="0" err="1">
+                <a:latin typeface="Poppins" panose="00000500000000000000" pitchFamily="2" charset="0"/>
+                <a:cs typeface="Poppins" panose="00000500000000000000" pitchFamily="2" charset="0"/>
+              </a:rPr>
+              <a:t>digunakan</a:t>
+            </a:r>
+            <a:r>
+              <a:rPr lang="en-US" sz="1000" dirty="0">
+                <a:latin typeface="Poppins" panose="00000500000000000000" pitchFamily="2" charset="0"/>
+                <a:cs typeface="Poppins" panose="00000500000000000000" pitchFamily="2" charset="0"/>
+              </a:rPr>
+              <a:t> </a:t>
+            </a:r>
+            <a:r>
+              <a:rPr lang="en-US" sz="1000" dirty="0" err="1">
+                <a:latin typeface="Poppins" panose="00000500000000000000" pitchFamily="2" charset="0"/>
+                <a:cs typeface="Poppins" panose="00000500000000000000" pitchFamily="2" charset="0"/>
+              </a:rPr>
+              <a:t>untuk</a:t>
+            </a:r>
+            <a:r>
+              <a:rPr lang="en-US" sz="1000" dirty="0">
+                <a:latin typeface="Poppins" panose="00000500000000000000" pitchFamily="2" charset="0"/>
+                <a:cs typeface="Poppins" panose="00000500000000000000" pitchFamily="2" charset="0"/>
+              </a:rPr>
+              <a:t> </a:t>
+            </a:r>
+            <a:r>
+              <a:rPr lang="en-US" sz="1000" dirty="0" err="1">
+                <a:latin typeface="Poppins" panose="00000500000000000000" pitchFamily="2" charset="0"/>
+                <a:cs typeface="Poppins" panose="00000500000000000000" pitchFamily="2" charset="0"/>
+              </a:rPr>
+              <a:t>membuat</a:t>
+            </a:r>
+            <a:r>
+              <a:rPr lang="en-US" sz="1000" dirty="0">
+                <a:latin typeface="Poppins" panose="00000500000000000000" pitchFamily="2" charset="0"/>
+                <a:cs typeface="Poppins" panose="00000500000000000000" pitchFamily="2" charset="0"/>
+              </a:rPr>
+              <a:t> table, </a:t>
+            </a:r>
+            <a:r>
+              <a:rPr lang="en-US" sz="1000" dirty="0" err="1">
+                <a:latin typeface="Poppins" panose="00000500000000000000" pitchFamily="2" charset="0"/>
+                <a:cs typeface="Poppins" panose="00000500000000000000" pitchFamily="2" charset="0"/>
+              </a:rPr>
+              <a:t>namun</a:t>
+            </a:r>
+            <a:r>
+              <a:rPr lang="en-US" sz="1000" dirty="0">
+                <a:latin typeface="Poppins" panose="00000500000000000000" pitchFamily="2" charset="0"/>
+                <a:cs typeface="Poppins" panose="00000500000000000000" pitchFamily="2" charset="0"/>
+              </a:rPr>
+              <a:t> table </a:t>
+            </a:r>
+            <a:r>
+              <a:rPr lang="en-US" sz="1000" dirty="0" err="1">
+                <a:latin typeface="Poppins" panose="00000500000000000000" pitchFamily="2" charset="0"/>
+                <a:cs typeface="Poppins" panose="00000500000000000000" pitchFamily="2" charset="0"/>
+              </a:rPr>
+              <a:t>tidak</a:t>
+            </a:r>
+            <a:r>
+              <a:rPr lang="en-US" sz="1000" dirty="0">
+                <a:latin typeface="Poppins" panose="00000500000000000000" pitchFamily="2" charset="0"/>
+                <a:cs typeface="Poppins" panose="00000500000000000000" pitchFamily="2" charset="0"/>
+              </a:rPr>
+              <a:t> </a:t>
+            </a:r>
+            <a:r>
+              <a:rPr lang="en-US" sz="1000" dirty="0" err="1">
+                <a:latin typeface="Poppins" panose="00000500000000000000" pitchFamily="2" charset="0"/>
+                <a:cs typeface="Poppins" panose="00000500000000000000" pitchFamily="2" charset="0"/>
+              </a:rPr>
+              <a:t>akan</a:t>
+            </a:r>
+            <a:r>
+              <a:rPr lang="en-US" sz="1000" dirty="0">
+                <a:latin typeface="Poppins" panose="00000500000000000000" pitchFamily="2" charset="0"/>
+                <a:cs typeface="Poppins" panose="00000500000000000000" pitchFamily="2" charset="0"/>
+              </a:rPr>
+              <a:t> </a:t>
+            </a:r>
+            <a:r>
+              <a:rPr lang="en-US" sz="1000" dirty="0" err="1">
+                <a:latin typeface="Poppins" panose="00000500000000000000" pitchFamily="2" charset="0"/>
+                <a:cs typeface="Poppins" panose="00000500000000000000" pitchFamily="2" charset="0"/>
+              </a:rPr>
+              <a:t>tampil</a:t>
+            </a:r>
+            <a:r>
+              <a:rPr lang="en-US" sz="1000" dirty="0">
+                <a:latin typeface="Poppins" panose="00000500000000000000" pitchFamily="2" charset="0"/>
+                <a:cs typeface="Poppins" panose="00000500000000000000" pitchFamily="2" charset="0"/>
+              </a:rPr>
+              <a:t> </a:t>
+            </a:r>
+            <a:r>
+              <a:rPr lang="en-US" sz="1000" dirty="0" err="1">
+                <a:latin typeface="Poppins" panose="00000500000000000000" pitchFamily="2" charset="0"/>
+                <a:cs typeface="Poppins" panose="00000500000000000000" pitchFamily="2" charset="0"/>
+              </a:rPr>
+              <a:t>jika</a:t>
+            </a:r>
+            <a:r>
+              <a:rPr lang="en-US" sz="1000" dirty="0">
+                <a:latin typeface="Poppins" panose="00000500000000000000" pitchFamily="2" charset="0"/>
+                <a:cs typeface="Poppins" panose="00000500000000000000" pitchFamily="2" charset="0"/>
+              </a:rPr>
+              <a:t> </a:t>
+            </a:r>
+            <a:r>
+              <a:rPr lang="en-US" sz="1000" dirty="0" err="1">
+                <a:latin typeface="Poppins" panose="00000500000000000000" pitchFamily="2" charset="0"/>
+                <a:cs typeface="Poppins" panose="00000500000000000000" pitchFamily="2" charset="0"/>
+              </a:rPr>
+              <a:t>tidak</a:t>
+            </a:r>
+            <a:r>
+              <a:rPr lang="en-US" sz="1000" dirty="0">
+                <a:latin typeface="Poppins" panose="00000500000000000000" pitchFamily="2" charset="0"/>
+                <a:cs typeface="Poppins" panose="00000500000000000000" pitchFamily="2" charset="0"/>
+              </a:rPr>
+              <a:t> </a:t>
+            </a:r>
+            <a:r>
+              <a:rPr lang="en-US" sz="1000" dirty="0" err="1">
+                <a:latin typeface="Poppins" panose="00000500000000000000" pitchFamily="2" charset="0"/>
+                <a:cs typeface="Poppins" panose="00000500000000000000" pitchFamily="2" charset="0"/>
+              </a:rPr>
+              <a:t>ada</a:t>
+            </a:r>
+            <a:r>
+              <a:rPr lang="en-US" sz="1000" dirty="0">
+                <a:latin typeface="Poppins" panose="00000500000000000000" pitchFamily="2" charset="0"/>
+                <a:cs typeface="Poppins" panose="00000500000000000000" pitchFamily="2" charset="0"/>
+              </a:rPr>
+              <a:t> baris dan </a:t>
+            </a:r>
+            <a:r>
+              <a:rPr lang="en-US" sz="1000" dirty="0" err="1">
+                <a:latin typeface="Poppins" panose="00000500000000000000" pitchFamily="2" charset="0"/>
+                <a:cs typeface="Poppins" panose="00000500000000000000" pitchFamily="2" charset="0"/>
+              </a:rPr>
+              <a:t>kolom</a:t>
+            </a:r>
+            <a:endParaRPr lang="en-US" sz="1000" dirty="0">
+              <a:latin typeface="Poppins" panose="00000500000000000000" pitchFamily="2" charset="0"/>
+              <a:cs typeface="Poppins" panose="00000500000000000000" pitchFamily="2" charset="0"/>
+            </a:endParaRPr>
+          </a:p>
+          <a:p>
+            <a:pPr marL="228600" indent="-228600">
+              <a:buFont typeface="+mj-lt"/>
+              <a:buAutoNum type="arabicPeriod"/>
+            </a:pPr>
+            <a:endParaRPr lang="en-US" sz="1000" dirty="0">
+              <a:latin typeface="Poppins" panose="00000500000000000000" pitchFamily="2" charset="0"/>
+              <a:cs typeface="Poppins" panose="00000500000000000000" pitchFamily="2" charset="0"/>
+            </a:endParaRPr>
+          </a:p>
+          <a:p>
+            <a:pPr marL="228600" indent="-228600">
+              <a:buFont typeface="+mj-lt"/>
+              <a:buAutoNum type="arabicPeriod"/>
+            </a:pPr>
+            <a:r>
+              <a:rPr lang="en-US" sz="1000" dirty="0">
+                <a:latin typeface="Poppins" panose="00000500000000000000" pitchFamily="2" charset="0"/>
+                <a:cs typeface="Poppins" panose="00000500000000000000" pitchFamily="2" charset="0"/>
+              </a:rPr>
+              <a:t>tr </a:t>
+            </a:r>
+            <a:r>
+              <a:rPr lang="en-US" sz="1000" dirty="0" err="1">
+                <a:latin typeface="Poppins" panose="00000500000000000000" pitchFamily="2" charset="0"/>
+                <a:cs typeface="Poppins" panose="00000500000000000000" pitchFamily="2" charset="0"/>
+              </a:rPr>
+              <a:t>digunakan</a:t>
+            </a:r>
+            <a:r>
+              <a:rPr lang="en-US" sz="1000" dirty="0">
+                <a:latin typeface="Poppins" panose="00000500000000000000" pitchFamily="2" charset="0"/>
+                <a:cs typeface="Poppins" panose="00000500000000000000" pitchFamily="2" charset="0"/>
+              </a:rPr>
+              <a:t> </a:t>
+            </a:r>
+            <a:r>
+              <a:rPr lang="en-US" sz="1000" dirty="0" err="1">
+                <a:latin typeface="Poppins" panose="00000500000000000000" pitchFamily="2" charset="0"/>
+                <a:cs typeface="Poppins" panose="00000500000000000000" pitchFamily="2" charset="0"/>
+              </a:rPr>
+              <a:t>untuk</a:t>
+            </a:r>
+            <a:r>
+              <a:rPr lang="en-US" sz="1000" dirty="0">
+                <a:latin typeface="Poppins" panose="00000500000000000000" pitchFamily="2" charset="0"/>
+                <a:cs typeface="Poppins" panose="00000500000000000000" pitchFamily="2" charset="0"/>
+              </a:rPr>
+              <a:t> </a:t>
+            </a:r>
+            <a:r>
+              <a:rPr lang="en-US" sz="1000" dirty="0" err="1">
+                <a:latin typeface="Poppins" panose="00000500000000000000" pitchFamily="2" charset="0"/>
+                <a:cs typeface="Poppins" panose="00000500000000000000" pitchFamily="2" charset="0"/>
+              </a:rPr>
+              <a:t>membuat</a:t>
+            </a:r>
+            <a:r>
+              <a:rPr lang="en-US" sz="1000" dirty="0">
+                <a:latin typeface="Poppins" panose="00000500000000000000" pitchFamily="2" charset="0"/>
+                <a:cs typeface="Poppins" panose="00000500000000000000" pitchFamily="2" charset="0"/>
+              </a:rPr>
+              <a:t> baris </a:t>
+            </a:r>
+          </a:p>
+          <a:p>
+            <a:pPr marL="228600" indent="-228600">
+              <a:buFont typeface="+mj-lt"/>
+              <a:buAutoNum type="arabicPeriod"/>
+            </a:pPr>
+            <a:endParaRPr lang="en-US" sz="1000" dirty="0">
+              <a:latin typeface="Poppins" panose="00000500000000000000" pitchFamily="2" charset="0"/>
+              <a:cs typeface="Poppins" panose="00000500000000000000" pitchFamily="2" charset="0"/>
+            </a:endParaRPr>
+          </a:p>
+          <a:p>
+            <a:pPr marL="228600" indent="-228600">
+              <a:buFont typeface="+mj-lt"/>
+              <a:buAutoNum type="arabicPeriod"/>
+            </a:pPr>
+            <a:r>
+              <a:rPr lang="en-US" sz="1000" dirty="0" err="1">
+                <a:latin typeface="Poppins" panose="00000500000000000000" pitchFamily="2" charset="0"/>
+                <a:cs typeface="Poppins" panose="00000500000000000000" pitchFamily="2" charset="0"/>
+              </a:rPr>
+              <a:t>th</a:t>
+            </a:r>
+            <a:r>
+              <a:rPr lang="en-US" sz="1000" dirty="0">
+                <a:latin typeface="Poppins" panose="00000500000000000000" pitchFamily="2" charset="0"/>
+                <a:cs typeface="Poppins" panose="00000500000000000000" pitchFamily="2" charset="0"/>
+              </a:rPr>
+              <a:t> </a:t>
+            </a:r>
+            <a:r>
+              <a:rPr lang="en-US" sz="1000" dirty="0" err="1">
+                <a:latin typeface="Poppins" panose="00000500000000000000" pitchFamily="2" charset="0"/>
+                <a:cs typeface="Poppins" panose="00000500000000000000" pitchFamily="2" charset="0"/>
+              </a:rPr>
+              <a:t>digunakan</a:t>
+            </a:r>
+            <a:r>
+              <a:rPr lang="en-US" sz="1000" dirty="0">
+                <a:latin typeface="Poppins" panose="00000500000000000000" pitchFamily="2" charset="0"/>
+                <a:cs typeface="Poppins" panose="00000500000000000000" pitchFamily="2" charset="0"/>
+              </a:rPr>
+              <a:t> </a:t>
+            </a:r>
+            <a:r>
+              <a:rPr lang="en-US" sz="1000" dirty="0" err="1">
+                <a:latin typeface="Poppins" panose="00000500000000000000" pitchFamily="2" charset="0"/>
+                <a:cs typeface="Poppins" panose="00000500000000000000" pitchFamily="2" charset="0"/>
+              </a:rPr>
+              <a:t>untuk</a:t>
+            </a:r>
+            <a:r>
+              <a:rPr lang="en-US" sz="1000" dirty="0">
+                <a:latin typeface="Poppins" panose="00000500000000000000" pitchFamily="2" charset="0"/>
+                <a:cs typeface="Poppins" panose="00000500000000000000" pitchFamily="2" charset="0"/>
+              </a:rPr>
+              <a:t> </a:t>
+            </a:r>
+            <a:r>
+              <a:rPr lang="en-US" sz="1000" dirty="0" err="1">
+                <a:latin typeface="Poppins" panose="00000500000000000000" pitchFamily="2" charset="0"/>
+                <a:cs typeface="Poppins" panose="00000500000000000000" pitchFamily="2" charset="0"/>
+              </a:rPr>
+              <a:t>membuat</a:t>
+            </a:r>
+            <a:r>
+              <a:rPr lang="en-US" sz="1000" dirty="0">
+                <a:latin typeface="Poppins" panose="00000500000000000000" pitchFamily="2" charset="0"/>
+                <a:cs typeface="Poppins" panose="00000500000000000000" pitchFamily="2" charset="0"/>
+              </a:rPr>
+              <a:t> header pada </a:t>
+            </a:r>
+            <a:r>
+              <a:rPr lang="en-US" sz="1000" dirty="0" err="1">
+                <a:latin typeface="Poppins" panose="00000500000000000000" pitchFamily="2" charset="0"/>
+                <a:cs typeface="Poppins" panose="00000500000000000000" pitchFamily="2" charset="0"/>
+              </a:rPr>
+              <a:t>kolom</a:t>
+            </a:r>
+            <a:endParaRPr lang="en-US" sz="1000" dirty="0">
+              <a:latin typeface="Poppins" panose="00000500000000000000" pitchFamily="2" charset="0"/>
+              <a:cs typeface="Poppins" panose="00000500000000000000" pitchFamily="2" charset="0"/>
+            </a:endParaRPr>
+          </a:p>
+          <a:p>
+            <a:pPr marL="228600" indent="-228600">
+              <a:buFont typeface="+mj-lt"/>
+              <a:buAutoNum type="arabicPeriod"/>
+            </a:pPr>
+            <a:endParaRPr lang="en-US" sz="1000" dirty="0">
+              <a:latin typeface="Poppins" panose="00000500000000000000" pitchFamily="2" charset="0"/>
+              <a:cs typeface="Poppins" panose="00000500000000000000" pitchFamily="2" charset="0"/>
+            </a:endParaRPr>
+          </a:p>
+          <a:p>
+            <a:pPr marL="228600" indent="-228600">
+              <a:buFont typeface="+mj-lt"/>
+              <a:buAutoNum type="arabicPeriod"/>
+            </a:pPr>
+            <a:r>
+              <a:rPr lang="en-US" sz="1000" dirty="0">
+                <a:latin typeface="Poppins" panose="00000500000000000000" pitchFamily="2" charset="0"/>
+                <a:cs typeface="Poppins" panose="00000500000000000000" pitchFamily="2" charset="0"/>
+              </a:rPr>
+              <a:t>td </a:t>
+            </a:r>
+            <a:r>
+              <a:rPr lang="en-US" sz="1000" dirty="0" err="1">
+                <a:latin typeface="Poppins" panose="00000500000000000000" pitchFamily="2" charset="0"/>
+                <a:cs typeface="Poppins" panose="00000500000000000000" pitchFamily="2" charset="0"/>
+              </a:rPr>
+              <a:t>digunakan</a:t>
+            </a:r>
+            <a:r>
+              <a:rPr lang="en-US" sz="1000" dirty="0">
+                <a:latin typeface="Poppins" panose="00000500000000000000" pitchFamily="2" charset="0"/>
+                <a:cs typeface="Poppins" panose="00000500000000000000" pitchFamily="2" charset="0"/>
+              </a:rPr>
+              <a:t> </a:t>
+            </a:r>
+            <a:r>
+              <a:rPr lang="en-US" sz="1000" dirty="0" err="1">
+                <a:latin typeface="Poppins" panose="00000500000000000000" pitchFamily="2" charset="0"/>
+                <a:cs typeface="Poppins" panose="00000500000000000000" pitchFamily="2" charset="0"/>
+              </a:rPr>
+              <a:t>untuk</a:t>
+            </a:r>
+            <a:r>
+              <a:rPr lang="en-US" sz="1000" dirty="0">
+                <a:latin typeface="Poppins" panose="00000500000000000000" pitchFamily="2" charset="0"/>
+                <a:cs typeface="Poppins" panose="00000500000000000000" pitchFamily="2" charset="0"/>
+              </a:rPr>
+              <a:t> table data </a:t>
+            </a:r>
+            <a:r>
+              <a:rPr lang="en-US" sz="1000" dirty="0" err="1">
+                <a:latin typeface="Poppins" panose="00000500000000000000" pitchFamily="2" charset="0"/>
+                <a:cs typeface="Poppins" panose="00000500000000000000" pitchFamily="2" charset="0"/>
+              </a:rPr>
+              <a:t>atau</a:t>
+            </a:r>
+            <a:r>
+              <a:rPr lang="en-US" sz="1000" dirty="0">
+                <a:latin typeface="Poppins" panose="00000500000000000000" pitchFamily="2" charset="0"/>
+                <a:cs typeface="Poppins" panose="00000500000000000000" pitchFamily="2" charset="0"/>
+              </a:rPr>
+              <a:t> </a:t>
+            </a:r>
+            <a:r>
+              <a:rPr lang="en-US" sz="1000" dirty="0" err="1">
+                <a:latin typeface="Poppins" panose="00000500000000000000" pitchFamily="2" charset="0"/>
+                <a:cs typeface="Poppins" panose="00000500000000000000" pitchFamily="2" charset="0"/>
+              </a:rPr>
+              <a:t>isi</a:t>
+            </a:r>
+            <a:r>
+              <a:rPr lang="en-US" sz="1000" dirty="0">
+                <a:latin typeface="Poppins" panose="00000500000000000000" pitchFamily="2" charset="0"/>
+                <a:cs typeface="Poppins" panose="00000500000000000000" pitchFamily="2" charset="0"/>
+              </a:rPr>
+              <a:t> </a:t>
+            </a:r>
+            <a:r>
+              <a:rPr lang="en-US" sz="1000" dirty="0" err="1">
+                <a:latin typeface="Poppins" panose="00000500000000000000" pitchFamily="2" charset="0"/>
+                <a:cs typeface="Poppins" panose="00000500000000000000" pitchFamily="2" charset="0"/>
+              </a:rPr>
+              <a:t>dari</a:t>
+            </a:r>
+            <a:r>
+              <a:rPr lang="en-US" sz="1000" dirty="0">
+                <a:latin typeface="Poppins" panose="00000500000000000000" pitchFamily="2" charset="0"/>
+                <a:cs typeface="Poppins" panose="00000500000000000000" pitchFamily="2" charset="0"/>
+              </a:rPr>
+              <a:t> table </a:t>
+            </a:r>
+            <a:r>
+              <a:rPr lang="en-US" sz="1000" dirty="0" err="1">
+                <a:latin typeface="Poppins" panose="00000500000000000000" pitchFamily="2" charset="0"/>
+                <a:cs typeface="Poppins" panose="00000500000000000000" pitchFamily="2" charset="0"/>
+              </a:rPr>
+              <a:t>tersebut</a:t>
+            </a:r>
+            <a:endParaRPr lang="en-US" sz="1000" dirty="0">
+              <a:latin typeface="Poppins" panose="00000500000000000000" pitchFamily="2" charset="0"/>
+              <a:cs typeface="Poppins" panose="00000500000000000000" pitchFamily="2" charset="0"/>
+            </a:endParaRPr>
+          </a:p>
+        </p:txBody>
+      </p:sp>
+    </p:spTree>
+    <p:extLst>
+      <p:ext uri="{BB962C8B-B14F-4D97-AF65-F5344CB8AC3E}">
+        <p14:creationId xmlns:p14="http://schemas.microsoft.com/office/powerpoint/2010/main" val="3872059060"/>
       </p:ext>
     </p:extLst>
   </p:cSld>
